--- a/hw2/H2020.pptx
+++ b/hw2/H2020.pptx
@@ -5,7 +5,7 @@
     <p:sldMasterId id="2147483648" r:id="rId1"/>
   </p:sldMasterIdLst>
   <p:notesMasterIdLst>
-    <p:notesMasterId r:id="rId8"/>
+    <p:notesMasterId r:id="rId24"/>
   </p:notesMasterIdLst>
   <p:sldIdLst>
     <p:sldId id="256" r:id="rId2"/>
@@ -14,6 +14,22 @@
     <p:sldId id="259" r:id="rId5"/>
     <p:sldId id="260" r:id="rId6"/>
     <p:sldId id="261" r:id="rId7"/>
+    <p:sldId id="262" r:id="rId8"/>
+    <p:sldId id="263" r:id="rId9"/>
+    <p:sldId id="264" r:id="rId10"/>
+    <p:sldId id="265" r:id="rId11"/>
+    <p:sldId id="266" r:id="rId12"/>
+    <p:sldId id="267" r:id="rId13"/>
+    <p:sldId id="268" r:id="rId14"/>
+    <p:sldId id="269" r:id="rId15"/>
+    <p:sldId id="270" r:id="rId16"/>
+    <p:sldId id="271" r:id="rId17"/>
+    <p:sldId id="272" r:id="rId18"/>
+    <p:sldId id="273" r:id="rId19"/>
+    <p:sldId id="274" r:id="rId20"/>
+    <p:sldId id="276" r:id="rId21"/>
+    <p:sldId id="275" r:id="rId22"/>
+    <p:sldId id="277" r:id="rId23"/>
   </p:sldIdLst>
   <p:sldSz cx="12192000" cy="6858000"/>
   <p:notesSz cx="6858000" cy="9144000"/>
@@ -112,7 +128,16 @@
       </a:defRPr>
     </a:lvl9pPr>
   </p:defaultTextStyle>
+  <p:extLst>
+    <p:ext uri="{EFAFB233-063F-42B5-8137-9DF3F51BA10A}">
+      <p15:sldGuideLst xmlns:p15="http://schemas.microsoft.com/office/powerpoint/2012/main"/>
+    </p:ext>
+  </p:extLst>
 </p:presentation>
+</file>
+
+<file path=ppt/revisionInfo.xml><?xml version="1.0" encoding="utf-8"?>
+<p1510:revInfo xmlns:a="http://schemas.openxmlformats.org/drawingml/2006/main" xmlns:r="http://schemas.openxmlformats.org/officeDocument/2006/relationships" xmlns:p1510="http://schemas.microsoft.com/office/powerpoint/2015/10/main"/>
 </file>
 
 <file path=ppt/notesMasters/notesMaster1.xml><?xml version="1.0" encoding="utf-8"?>
@@ -197,7 +222,7 @@
           <a:p>
             <a:fld id="{4962A2BD-CC29-4004-A6CB-381D655ED25A}" type="datetimeFigureOut">
               <a:rPr lang="en-GB" smtClean="0"/>
-              <a:t>12/12/2017</a:t>
+              <a:t>14/12/2017</a:t>
             </a:fld>
             <a:endParaRPr lang="en-GB"/>
           </a:p>
@@ -4747,7 +4772,7 @@
           <a:p>
             <a:fld id="{E98AF6B5-10CD-49C0-AEEE-860F9F4EF8DF}" type="datetime1">
               <a:rPr lang="en-US" smtClean="0"/>
-              <a:t>12/12/2017</a:t>
+              <a:t>12/14/2017</a:t>
             </a:fld>
             <a:endParaRPr lang="en-US" dirty="0"/>
           </a:p>
@@ -4810,13 +4835,13 @@
   <p:clrMapOvr>
     <a:masterClrMapping/>
   </p:clrMapOvr>
-  <mc:AlternateContent xmlns:mc="http://schemas.openxmlformats.org/markup-compatibility/2006">
-    <mc:Choice xmlns:p14="http://schemas.microsoft.com/office/powerpoint/2010/main" Requires="p14">
+  <mc:AlternateContent xmlns:mc="http://schemas.openxmlformats.org/markup-compatibility/2006" xmlns:p14="http://schemas.microsoft.com/office/powerpoint/2010/main">
+    <mc:Choice Requires="p14">
       <p:transition spd="med" p14:dur="700">
         <p:fade/>
       </p:transition>
     </mc:Choice>
-    <mc:Fallback>
+    <mc:Fallback xmlns="">
       <p:transition spd="med">
         <p:fade/>
       </p:transition>
@@ -5021,7 +5046,7 @@
           <a:p>
             <a:fld id="{34FF4D8B-7386-49E2-841C-48DCB2254784}" type="datetime1">
               <a:rPr lang="en-US" smtClean="0"/>
-              <a:t>12/12/2017</a:t>
+              <a:t>12/14/2017</a:t>
             </a:fld>
             <a:endParaRPr lang="en-US" dirty="0"/>
           </a:p>
@@ -5074,13 +5099,13 @@
   <p:clrMapOvr>
     <a:masterClrMapping/>
   </p:clrMapOvr>
-  <mc:AlternateContent xmlns:mc="http://schemas.openxmlformats.org/markup-compatibility/2006">
-    <mc:Choice xmlns:p14="http://schemas.microsoft.com/office/powerpoint/2010/main" Requires="p14">
+  <mc:AlternateContent xmlns:mc="http://schemas.openxmlformats.org/markup-compatibility/2006" xmlns:p14="http://schemas.microsoft.com/office/powerpoint/2010/main">
+    <mc:Choice Requires="p14">
       <p:transition spd="med" p14:dur="700">
         <p:fade/>
       </p:transition>
     </mc:Choice>
-    <mc:Fallback>
+    <mc:Fallback xmlns="">
       <p:transition spd="med">
         <p:fade/>
       </p:transition>
@@ -5224,7 +5249,7 @@
           <a:p>
             <a:fld id="{9CE24C74-CD99-43D0-ADC3-9CD2BA5C3F7B}" type="datetime1">
               <a:rPr lang="en-US" smtClean="0"/>
-              <a:t>12/12/2017</a:t>
+              <a:t>12/14/2017</a:t>
             </a:fld>
             <a:endParaRPr lang="en-US" dirty="0"/>
           </a:p>
@@ -5277,13 +5302,13 @@
   <p:clrMapOvr>
     <a:masterClrMapping/>
   </p:clrMapOvr>
-  <mc:AlternateContent xmlns:mc="http://schemas.openxmlformats.org/markup-compatibility/2006">
-    <mc:Choice xmlns:p14="http://schemas.microsoft.com/office/powerpoint/2010/main" Requires="p14">
+  <mc:AlternateContent xmlns:mc="http://schemas.openxmlformats.org/markup-compatibility/2006" xmlns:p14="http://schemas.microsoft.com/office/powerpoint/2010/main">
+    <mc:Choice Requires="p14">
       <p:transition spd="med" p14:dur="700">
         <p:fade/>
       </p:transition>
     </mc:Choice>
-    <mc:Fallback>
+    <mc:Fallback xmlns="">
       <p:transition spd="med">
         <p:fade/>
       </p:transition>
@@ -5494,7 +5519,7 @@
           <a:p>
             <a:fld id="{8216F29D-499C-45D2-9CFB-92B9A8E213BC}" type="datetime1">
               <a:rPr lang="en-US" smtClean="0"/>
-              <a:t>12/12/2017</a:t>
+              <a:t>12/14/2017</a:t>
             </a:fld>
             <a:endParaRPr lang="en-US" dirty="0"/>
           </a:p>
@@ -5785,13 +5810,13 @@
   <p:clrMapOvr>
     <a:masterClrMapping/>
   </p:clrMapOvr>
-  <mc:AlternateContent xmlns:mc="http://schemas.openxmlformats.org/markup-compatibility/2006">
-    <mc:Choice xmlns:p14="http://schemas.microsoft.com/office/powerpoint/2010/main" Requires="p14">
+  <mc:AlternateContent xmlns:mc="http://schemas.openxmlformats.org/markup-compatibility/2006" xmlns:p14="http://schemas.microsoft.com/office/powerpoint/2010/main">
+    <mc:Choice Requires="p14">
       <p:transition spd="med" p14:dur="700">
         <p:fade/>
       </p:transition>
     </mc:Choice>
-    <mc:Fallback>
+    <mc:Fallback xmlns="">
       <p:transition spd="med">
         <p:fade/>
       </p:transition>
@@ -5935,7 +5960,7 @@
           <a:p>
             <a:fld id="{645528B0-2A0B-416F-A951-17C70896ACEE}" type="datetime1">
               <a:rPr lang="en-US" smtClean="0"/>
-              <a:t>12/12/2017</a:t>
+              <a:t>12/14/2017</a:t>
             </a:fld>
             <a:endParaRPr lang="en-US" dirty="0"/>
           </a:p>
@@ -5988,13 +6013,13 @@
   <p:clrMapOvr>
     <a:masterClrMapping/>
   </p:clrMapOvr>
-  <mc:AlternateContent xmlns:mc="http://schemas.openxmlformats.org/markup-compatibility/2006">
-    <mc:Choice xmlns:p14="http://schemas.microsoft.com/office/powerpoint/2010/main" Requires="p14">
+  <mc:AlternateContent xmlns:mc="http://schemas.openxmlformats.org/markup-compatibility/2006" xmlns:p14="http://schemas.microsoft.com/office/powerpoint/2010/main">
+    <mc:Choice Requires="p14">
       <p:transition spd="med" p14:dur="700">
         <p:fade/>
       </p:transition>
     </mc:Choice>
-    <mc:Fallback>
+    <mc:Fallback xmlns="">
       <p:transition spd="med">
         <p:fade/>
       </p:transition>
@@ -6488,7 +6513,7 @@
           <a:p>
             <a:fld id="{C8EF2AED-A1DF-4115-B2A6-E42838EAC461}" type="datetime1">
               <a:rPr lang="en-US" smtClean="0"/>
-              <a:t>12/12/2017</a:t>
+              <a:t>12/14/2017</a:t>
             </a:fld>
             <a:endParaRPr lang="en-US" dirty="0"/>
           </a:p>
@@ -6541,13 +6566,13 @@
   <p:clrMapOvr>
     <a:masterClrMapping/>
   </p:clrMapOvr>
-  <mc:AlternateContent xmlns:mc="http://schemas.openxmlformats.org/markup-compatibility/2006">
-    <mc:Choice xmlns:p14="http://schemas.microsoft.com/office/powerpoint/2010/main" Requires="p14">
+  <mc:AlternateContent xmlns:mc="http://schemas.openxmlformats.org/markup-compatibility/2006" xmlns:p14="http://schemas.microsoft.com/office/powerpoint/2010/main">
+    <mc:Choice Requires="p14">
       <p:transition spd="med" p14:dur="700">
         <p:fade/>
       </p:transition>
     </mc:Choice>
-    <mc:Fallback>
+    <mc:Fallback xmlns="">
       <p:transition spd="med">
         <p:fade/>
       </p:transition>
@@ -7215,7 +7240,7 @@
           <a:p>
             <a:fld id="{DF12E600-9913-4C99-99EB-735D98B219AA}" type="datetime1">
               <a:rPr lang="en-US" smtClean="0"/>
-              <a:t>12/12/2017</a:t>
+              <a:t>12/14/2017</a:t>
             </a:fld>
             <a:endParaRPr lang="en-US" dirty="0"/>
           </a:p>
@@ -7268,13 +7293,13 @@
   <p:clrMapOvr>
     <a:masterClrMapping/>
   </p:clrMapOvr>
-  <mc:AlternateContent xmlns:mc="http://schemas.openxmlformats.org/markup-compatibility/2006">
-    <mc:Choice xmlns:p14="http://schemas.microsoft.com/office/powerpoint/2010/main" Requires="p14">
+  <mc:AlternateContent xmlns:mc="http://schemas.openxmlformats.org/markup-compatibility/2006" xmlns:p14="http://schemas.microsoft.com/office/powerpoint/2010/main">
+    <mc:Choice Requires="p14">
       <p:transition spd="med" p14:dur="700">
         <p:fade/>
       </p:transition>
     </mc:Choice>
-    <mc:Fallback>
+    <mc:Fallback xmlns="">
       <p:transition spd="med">
         <p:fade/>
       </p:transition>
@@ -7392,7 +7417,7 @@
           <a:p>
             <a:fld id="{ADEAFD75-83FE-4A29-B29A-D5ED309A1ED4}" type="datetime1">
               <a:rPr lang="en-US" smtClean="0"/>
-              <a:t>12/12/2017</a:t>
+              <a:t>12/14/2017</a:t>
             </a:fld>
             <a:endParaRPr lang="en-US" dirty="0"/>
           </a:p>
@@ -7445,13 +7470,13 @@
   <p:clrMapOvr>
     <a:masterClrMapping/>
   </p:clrMapOvr>
-  <mc:AlternateContent xmlns:mc="http://schemas.openxmlformats.org/markup-compatibility/2006">
-    <mc:Choice xmlns:p14="http://schemas.microsoft.com/office/powerpoint/2010/main" Requires="p14">
+  <mc:AlternateContent xmlns:mc="http://schemas.openxmlformats.org/markup-compatibility/2006" xmlns:p14="http://schemas.microsoft.com/office/powerpoint/2010/main">
+    <mc:Choice Requires="p14">
       <p:transition spd="med" p14:dur="700">
         <p:fade/>
       </p:transition>
     </mc:Choice>
-    <mc:Fallback>
+    <mc:Fallback xmlns="">
       <p:transition spd="med">
         <p:fade/>
       </p:transition>
@@ -7579,7 +7604,7 @@
           <a:p>
             <a:fld id="{7134563A-84AD-4F47-9672-85A115710077}" type="datetime1">
               <a:rPr lang="en-US" smtClean="0"/>
-              <a:t>12/12/2017</a:t>
+              <a:t>12/14/2017</a:t>
             </a:fld>
             <a:endParaRPr lang="en-US" dirty="0"/>
           </a:p>
@@ -7632,13 +7657,13 @@
   <p:clrMapOvr>
     <a:masterClrMapping/>
   </p:clrMapOvr>
-  <mc:AlternateContent xmlns:mc="http://schemas.openxmlformats.org/markup-compatibility/2006">
-    <mc:Choice xmlns:p14="http://schemas.microsoft.com/office/powerpoint/2010/main" Requires="p14">
+  <mc:AlternateContent xmlns:mc="http://schemas.openxmlformats.org/markup-compatibility/2006" xmlns:p14="http://schemas.microsoft.com/office/powerpoint/2010/main">
+    <mc:Choice Requires="p14">
       <p:transition spd="med" p14:dur="700">
         <p:fade/>
       </p:transition>
     </mc:Choice>
-    <mc:Fallback>
+    <mc:Fallback xmlns="">
       <p:transition spd="med">
         <p:fade/>
       </p:transition>
@@ -7756,7 +7781,7 @@
           <a:p>
             <a:fld id="{CDFC1DA9-895C-41DE-A16B-45B0CF92A3E9}" type="datetime1">
               <a:rPr lang="en-US" smtClean="0"/>
-              <a:t>12/12/2017</a:t>
+              <a:t>12/14/2017</a:t>
             </a:fld>
             <a:endParaRPr lang="en-US" dirty="0"/>
           </a:p>
@@ -7809,13 +7834,13 @@
   <p:clrMapOvr>
     <a:masterClrMapping/>
   </p:clrMapOvr>
-  <mc:AlternateContent xmlns:mc="http://schemas.openxmlformats.org/markup-compatibility/2006">
-    <mc:Choice xmlns:p14="http://schemas.microsoft.com/office/powerpoint/2010/main" Requires="p14">
+  <mc:AlternateContent xmlns:mc="http://schemas.openxmlformats.org/markup-compatibility/2006" xmlns:p14="http://schemas.microsoft.com/office/powerpoint/2010/main">
+    <mc:Choice Requires="p14">
       <p:transition spd="med" p14:dur="700">
         <p:fade/>
       </p:transition>
     </mc:Choice>
-    <mc:Fallback>
+    <mc:Fallback xmlns="">
       <p:transition spd="med">
         <p:fade/>
       </p:transition>
@@ -8013,7 +8038,7 @@
           <a:p>
             <a:fld id="{80095D51-A492-4BBD-95F7-A09B2087A7D8}" type="datetime1">
               <a:rPr lang="en-US" smtClean="0"/>
-              <a:t>12/12/2017</a:t>
+              <a:t>12/14/2017</a:t>
             </a:fld>
             <a:endParaRPr lang="en-US" dirty="0"/>
           </a:p>
@@ -8066,13 +8091,13 @@
   <p:clrMapOvr>
     <a:masterClrMapping/>
   </p:clrMapOvr>
-  <mc:AlternateContent xmlns:mc="http://schemas.openxmlformats.org/markup-compatibility/2006">
-    <mc:Choice xmlns:p14="http://schemas.microsoft.com/office/powerpoint/2010/main" Requires="p14">
+  <mc:AlternateContent xmlns:mc="http://schemas.openxmlformats.org/markup-compatibility/2006" xmlns:p14="http://schemas.microsoft.com/office/powerpoint/2010/main">
+    <mc:Choice Requires="p14">
       <p:transition spd="med" p14:dur="700">
         <p:fade/>
       </p:transition>
     </mc:Choice>
-    <mc:Fallback>
+    <mc:Fallback xmlns="">
       <p:transition spd="med">
         <p:fade/>
       </p:transition>
@@ -8252,7 +8277,7 @@
           <a:p>
             <a:fld id="{A753C733-3AF1-4EA2-99C5-65238ABDC94B}" type="datetime1">
               <a:rPr lang="en-US" smtClean="0"/>
-              <a:t>12/12/2017</a:t>
+              <a:t>12/14/2017</a:t>
             </a:fld>
             <a:endParaRPr lang="en-US" dirty="0"/>
           </a:p>
@@ -8305,13 +8330,13 @@
   <p:clrMapOvr>
     <a:masterClrMapping/>
   </p:clrMapOvr>
-  <mc:AlternateContent xmlns:mc="http://schemas.openxmlformats.org/markup-compatibility/2006">
-    <mc:Choice xmlns:p14="http://schemas.microsoft.com/office/powerpoint/2010/main" Requires="p14">
+  <mc:AlternateContent xmlns:mc="http://schemas.openxmlformats.org/markup-compatibility/2006" xmlns:p14="http://schemas.microsoft.com/office/powerpoint/2010/main">
+    <mc:Choice Requires="p14">
       <p:transition spd="med" p14:dur="700">
         <p:fade/>
       </p:transition>
     </mc:Choice>
-    <mc:Fallback>
+    <mc:Fallback xmlns="">
       <p:transition spd="med">
         <p:fade/>
       </p:transition>
@@ -8640,7 +8665,7 @@
           <a:p>
             <a:fld id="{A7099666-5326-48E6-A43C-97BF7638444B}" type="datetime1">
               <a:rPr lang="en-US" smtClean="0"/>
-              <a:t>12/12/2017</a:t>
+              <a:t>12/14/2017</a:t>
             </a:fld>
             <a:endParaRPr lang="en-US" dirty="0"/>
           </a:p>
@@ -8693,13 +8718,13 @@
   <p:clrMapOvr>
     <a:masterClrMapping/>
   </p:clrMapOvr>
-  <mc:AlternateContent xmlns:mc="http://schemas.openxmlformats.org/markup-compatibility/2006">
-    <mc:Choice xmlns:p14="http://schemas.microsoft.com/office/powerpoint/2010/main" Requires="p14">
+  <mc:AlternateContent xmlns:mc="http://schemas.openxmlformats.org/markup-compatibility/2006" xmlns:p14="http://schemas.microsoft.com/office/powerpoint/2010/main">
+    <mc:Choice Requires="p14">
       <p:transition spd="med" p14:dur="700">
         <p:fade/>
       </p:transition>
     </mc:Choice>
-    <mc:Fallback>
+    <mc:Fallback xmlns="">
       <p:transition spd="med">
         <p:fade/>
       </p:transition>
@@ -8765,7 +8790,7 @@
           <a:p>
             <a:fld id="{B6DFAFFE-09C7-4CCD-B8F9-0482C7A86FB5}" type="datetime1">
               <a:rPr lang="en-US" smtClean="0"/>
-              <a:t>12/12/2017</a:t>
+              <a:t>12/14/2017</a:t>
             </a:fld>
             <a:endParaRPr lang="en-US" dirty="0"/>
           </a:p>
@@ -8818,13 +8843,13 @@
   <p:clrMapOvr>
     <a:masterClrMapping/>
   </p:clrMapOvr>
-  <mc:AlternateContent xmlns:mc="http://schemas.openxmlformats.org/markup-compatibility/2006">
-    <mc:Choice xmlns:p14="http://schemas.microsoft.com/office/powerpoint/2010/main" Requires="p14">
+  <mc:AlternateContent xmlns:mc="http://schemas.openxmlformats.org/markup-compatibility/2006" xmlns:p14="http://schemas.microsoft.com/office/powerpoint/2010/main">
+    <mc:Choice Requires="p14">
       <p:transition spd="med" p14:dur="700">
         <p:fade/>
       </p:transition>
     </mc:Choice>
-    <mc:Fallback>
+    <mc:Fallback xmlns="">
       <p:transition spd="med">
         <p:fade/>
       </p:transition>
@@ -8867,7 +8892,7 @@
           <a:p>
             <a:fld id="{AE1406AB-05C0-4B8B-893C-B5602F4FA1E5}" type="datetime1">
               <a:rPr lang="en-US" smtClean="0"/>
-              <a:t>12/12/2017</a:t>
+              <a:t>12/14/2017</a:t>
             </a:fld>
             <a:endParaRPr lang="en-US" dirty="0"/>
           </a:p>
@@ -8920,13 +8945,13 @@
   <p:clrMapOvr>
     <a:masterClrMapping/>
   </p:clrMapOvr>
-  <mc:AlternateContent xmlns:mc="http://schemas.openxmlformats.org/markup-compatibility/2006">
-    <mc:Choice xmlns:p14="http://schemas.microsoft.com/office/powerpoint/2010/main" Requires="p14">
+  <mc:AlternateContent xmlns:mc="http://schemas.openxmlformats.org/markup-compatibility/2006" xmlns:p14="http://schemas.microsoft.com/office/powerpoint/2010/main">
+    <mc:Choice Requires="p14">
       <p:transition spd="med" p14:dur="700">
         <p:fade/>
       </p:transition>
     </mc:Choice>
-    <mc:Fallback>
+    <mc:Fallback xmlns="">
       <p:transition spd="med">
         <p:fade/>
       </p:transition>
@@ -9123,7 +9148,7 @@
           <a:p>
             <a:fld id="{A3BAAEB5-8CB9-4075-8F08-D52CB05B64B3}" type="datetime1">
               <a:rPr lang="en-US" smtClean="0"/>
-              <a:t>12/12/2017</a:t>
+              <a:t>12/14/2017</a:t>
             </a:fld>
             <a:endParaRPr lang="en-US" dirty="0"/>
           </a:p>
@@ -9176,13 +9201,13 @@
   <p:clrMapOvr>
     <a:masterClrMapping/>
   </p:clrMapOvr>
-  <mc:AlternateContent xmlns:mc="http://schemas.openxmlformats.org/markup-compatibility/2006">
-    <mc:Choice xmlns:p14="http://schemas.microsoft.com/office/powerpoint/2010/main" Requires="p14">
+  <mc:AlternateContent xmlns:mc="http://schemas.openxmlformats.org/markup-compatibility/2006" xmlns:p14="http://schemas.microsoft.com/office/powerpoint/2010/main">
+    <mc:Choice Requires="p14">
       <p:transition spd="med" p14:dur="700">
         <p:fade/>
       </p:transition>
     </mc:Choice>
-    <mc:Fallback>
+    <mc:Fallback xmlns="">
       <p:transition spd="med">
         <p:fade/>
       </p:transition>
@@ -9410,7 +9435,7 @@
           <a:p>
             <a:fld id="{846E9255-AB33-4DDA-8BF6-5CA2222C0DB6}" type="datetime1">
               <a:rPr lang="en-US" smtClean="0"/>
-              <a:t>12/12/2017</a:t>
+              <a:t>12/14/2017</a:t>
             </a:fld>
             <a:endParaRPr lang="en-US" dirty="0"/>
           </a:p>
@@ -9463,13 +9488,13 @@
   <p:clrMapOvr>
     <a:masterClrMapping/>
   </p:clrMapOvr>
-  <mc:AlternateContent xmlns:mc="http://schemas.openxmlformats.org/markup-compatibility/2006">
-    <mc:Choice xmlns:p14="http://schemas.microsoft.com/office/powerpoint/2010/main" Requires="p14">
+  <mc:AlternateContent xmlns:mc="http://schemas.openxmlformats.org/markup-compatibility/2006" xmlns:p14="http://schemas.microsoft.com/office/powerpoint/2010/main">
+    <mc:Choice Requires="p14">
       <p:transition spd="med" p14:dur="700">
         <p:fade/>
       </p:transition>
     </mc:Choice>
-    <mc:Fallback>
+    <mc:Fallback xmlns="">
       <p:transition spd="med">
         <p:fade/>
       </p:transition>
@@ -12484,7 +12509,7 @@
           <a:p>
             <a:fld id="{F3FBEDF2-B5C6-4990-9868-48EE35D9BF7E}" type="datetime1">
               <a:rPr lang="en-US" smtClean="0"/>
-              <a:t>12/12/2017</a:t>
+              <a:t>12/14/2017</a:t>
             </a:fld>
             <a:endParaRPr lang="en-US" dirty="0"/>
           </a:p>
@@ -12591,13 +12616,13 @@
     <p:sldLayoutId id="2147483658" r:id="rId16"/>
     <p:sldLayoutId id="2147483659" r:id="rId17"/>
   </p:sldLayoutIdLst>
-  <mc:AlternateContent xmlns:mc="http://schemas.openxmlformats.org/markup-compatibility/2006">
-    <mc:Choice xmlns:p14="http://schemas.microsoft.com/office/powerpoint/2010/main" Requires="p14">
+  <mc:AlternateContent xmlns:mc="http://schemas.openxmlformats.org/markup-compatibility/2006" xmlns:p14="http://schemas.microsoft.com/office/powerpoint/2010/main">
+    <mc:Choice Requires="p14">
       <p:transition spd="med" p14:dur="700">
         <p:fade/>
       </p:transition>
     </mc:Choice>
-    <mc:Fallback>
+    <mc:Fallback xmlns="">
       <p:transition spd="med">
         <p:fade/>
       </p:transition>
@@ -13065,14 +13090,1749 @@
   <p:clrMapOvr>
     <a:masterClrMapping/>
   </p:clrMapOvr>
-  <mc:AlternateContent xmlns:mc="http://schemas.openxmlformats.org/markup-compatibility/2006">
-    <mc:Choice xmlns:p14="http://schemas.microsoft.com/office/powerpoint/2010/main" Requires="p14">
+  <mc:AlternateContent xmlns:mc="http://schemas.openxmlformats.org/markup-compatibility/2006" xmlns:p14="http://schemas.microsoft.com/office/powerpoint/2010/main">
+    <mc:Choice Requires="p14">
       <p:transition spd="slow" p14:dur="3000">
         <p14:vortex dir="r"/>
       </p:transition>
     </mc:Choice>
-    <mc:Fallback>
+    <mc:Fallback xmlns="">
       <p:transition spd="slow">
+        <p:fade/>
+      </p:transition>
+    </mc:Fallback>
+  </mc:AlternateContent>
+</p:sld>
+</file>
+
+<file path=ppt/slides/slide10.xml><?xml version="1.0" encoding="utf-8"?>
+<p:sld xmlns:a="http://schemas.openxmlformats.org/drawingml/2006/main" xmlns:r="http://schemas.openxmlformats.org/officeDocument/2006/relationships" xmlns:p="http://schemas.openxmlformats.org/presentationml/2006/main">
+  <p:cSld>
+    <p:spTree>
+      <p:nvGrpSpPr>
+        <p:cNvPr id="1" name=""/>
+        <p:cNvGrpSpPr/>
+        <p:nvPr/>
+      </p:nvGrpSpPr>
+      <p:grpSpPr>
+        <a:xfrm>
+          <a:off x="0" y="0"/>
+          <a:ext cx="0" cy="0"/>
+          <a:chOff x="0" y="0"/>
+          <a:chExt cx="0" cy="0"/>
+        </a:xfrm>
+      </p:grpSpPr>
+      <p:pic>
+        <p:nvPicPr>
+          <p:cNvPr id="6" name="Picture 5">
+            <a:extLst>
+              <a:ext uri="{FF2B5EF4-FFF2-40B4-BE49-F238E27FC236}">
+                <a16:creationId xmlns:a16="http://schemas.microsoft.com/office/drawing/2014/main" id="{48E2DB66-253B-4665-9A4F-F0C67F1F1691}"/>
+              </a:ext>
+            </a:extLst>
+          </p:cNvPr>
+          <p:cNvPicPr>
+            <a:picLocks noChangeAspect="1"/>
+          </p:cNvPicPr>
+          <p:nvPr/>
+        </p:nvPicPr>
+        <p:blipFill>
+          <a:blip r:embed="rId2"/>
+          <a:stretch>
+            <a:fillRect/>
+          </a:stretch>
+        </p:blipFill>
+        <p:spPr>
+          <a:xfrm>
+            <a:off x="5313395" y="4865301"/>
+            <a:ext cx="1562031" cy="1851800"/>
+          </a:xfrm>
+          <a:prstGeom prst="rect">
+            <a:avLst/>
+          </a:prstGeom>
+        </p:spPr>
+      </p:pic>
+      <p:sp>
+        <p:nvSpPr>
+          <p:cNvPr id="10" name="Title 1">
+            <a:extLst>
+              <a:ext uri="{FF2B5EF4-FFF2-40B4-BE49-F238E27FC236}">
+                <a16:creationId xmlns:a16="http://schemas.microsoft.com/office/drawing/2014/main" id="{EEC7FB8C-6937-4291-893D-393121C812E3}"/>
+              </a:ext>
+            </a:extLst>
+          </p:cNvPr>
+          <p:cNvSpPr>
+            <a:spLocks noGrp="1"/>
+          </p:cNvSpPr>
+          <p:nvPr>
+            <p:ph type="title"/>
+          </p:nvPr>
+        </p:nvSpPr>
+        <p:spPr/>
+        <p:txBody>
+          <a:bodyPr>
+            <a:normAutofit/>
+          </a:bodyPr>
+          <a:lstStyle/>
+          <a:p>
+            <a:pPr algn="ctr"/>
+            <a:r>
+              <a:rPr lang="en-US" sz="4800" dirty="0"/>
+              <a:t>Participants</a:t>
+            </a:r>
+            <a:br>
+              <a:rPr lang="en-US" sz="4800" dirty="0"/>
+            </a:br>
+            <a:r>
+              <a:rPr lang="en-US" sz="4800" dirty="0" err="1"/>
+              <a:t>matf</a:t>
+            </a:r>
+            <a:endParaRPr lang="en-GB" sz="4800" dirty="0"/>
+          </a:p>
+        </p:txBody>
+      </p:sp>
+      <p:sp>
+        <p:nvSpPr>
+          <p:cNvPr id="14" name="TextBox 13">
+            <a:extLst>
+              <a:ext uri="{FF2B5EF4-FFF2-40B4-BE49-F238E27FC236}">
+                <a16:creationId xmlns:a16="http://schemas.microsoft.com/office/drawing/2014/main" id="{ED3202F2-9FCA-45CC-96CB-A8264206E619}"/>
+              </a:ext>
+            </a:extLst>
+          </p:cNvPr>
+          <p:cNvSpPr txBox="1"/>
+          <p:nvPr/>
+        </p:nvSpPr>
+        <p:spPr>
+          <a:xfrm>
+            <a:off x="10204174" y="6118739"/>
+            <a:ext cx="843235" cy="369332"/>
+          </a:xfrm>
+          <a:prstGeom prst="rect">
+            <a:avLst/>
+          </a:prstGeom>
+          <a:noFill/>
+        </p:spPr>
+        <p:txBody>
+          <a:bodyPr wrap="square" rtlCol="0">
+            <a:spAutoFit/>
+          </a:bodyPr>
+          <a:lstStyle/>
+          <a:p>
+            <a:r>
+              <a:rPr lang="en-US" dirty="0"/>
+              <a:t>10/22</a:t>
+            </a:r>
+            <a:endParaRPr lang="en-GB" dirty="0"/>
+          </a:p>
+        </p:txBody>
+      </p:sp>
+      <p:sp>
+        <p:nvSpPr>
+          <p:cNvPr id="3" name="Content Placeholder 2">
+            <a:extLst>
+              <a:ext uri="{FF2B5EF4-FFF2-40B4-BE49-F238E27FC236}">
+                <a16:creationId xmlns:a16="http://schemas.microsoft.com/office/drawing/2014/main" id="{2E970556-2E35-4B67-A718-CD449537072D}"/>
+              </a:ext>
+            </a:extLst>
+          </p:cNvPr>
+          <p:cNvSpPr>
+            <a:spLocks noGrp="1"/>
+          </p:cNvSpPr>
+          <p:nvPr>
+            <p:ph idx="1"/>
+          </p:nvPr>
+        </p:nvSpPr>
+        <p:spPr/>
+        <p:txBody>
+          <a:bodyPr>
+            <a:normAutofit fontScale="92500" lnSpcReduction="10000"/>
+          </a:bodyPr>
+          <a:lstStyle/>
+          <a:p>
+            <a:pPr marL="0" indent="0">
+              <a:buNone/>
+            </a:pPr>
+            <a:r>
+              <a:rPr lang="en-GB" dirty="0"/>
+              <a:t>Faculty of Mathematics, University of Belgrade, officially exists as independent science and education institution since 1995.</a:t>
+            </a:r>
+          </a:p>
+          <a:p>
+            <a:pPr marL="0" indent="0">
+              <a:buNone/>
+            </a:pPr>
+            <a:r>
+              <a:rPr lang="en-GB" dirty="0"/>
+              <a:t>Teaching and research activities are performed by more than 100 teachers and assistants with about 2000 students on undergraduate and postgraduate studies today. </a:t>
+            </a:r>
+          </a:p>
+          <a:p>
+            <a:pPr marL="0" indent="0">
+              <a:buNone/>
+            </a:pPr>
+            <a:r>
+              <a:rPr lang="en-GB" dirty="0"/>
+              <a:t>There are 3 academic programs today: Mathematics, Informatics and Astronomy and Astrophysics.</a:t>
+            </a:r>
+            <a:br>
+              <a:rPr lang="en-GB" dirty="0"/>
+            </a:br>
+            <a:endParaRPr lang="en-GB" dirty="0"/>
+          </a:p>
+        </p:txBody>
+      </p:sp>
+    </p:spTree>
+    <p:extLst>
+      <p:ext uri="{BB962C8B-B14F-4D97-AF65-F5344CB8AC3E}">
+        <p14:creationId xmlns:p14="http://schemas.microsoft.com/office/powerpoint/2010/main" val="37119343"/>
+      </p:ext>
+    </p:extLst>
+  </p:cSld>
+  <p:clrMapOvr>
+    <a:masterClrMapping/>
+  </p:clrMapOvr>
+  <mc:AlternateContent xmlns:mc="http://schemas.openxmlformats.org/markup-compatibility/2006" xmlns:p14="http://schemas.microsoft.com/office/powerpoint/2010/main">
+    <mc:Choice Requires="p14">
+      <p:transition spd="med" p14:dur="700">
+        <p:fade/>
+      </p:transition>
+    </mc:Choice>
+    <mc:Fallback xmlns="">
+      <p:transition spd="med">
+        <p:fade/>
+      </p:transition>
+    </mc:Fallback>
+  </mc:AlternateContent>
+</p:sld>
+</file>
+
+<file path=ppt/slides/slide11.xml><?xml version="1.0" encoding="utf-8"?>
+<p:sld xmlns:a="http://schemas.openxmlformats.org/drawingml/2006/main" xmlns:r="http://schemas.openxmlformats.org/officeDocument/2006/relationships" xmlns:p="http://schemas.openxmlformats.org/presentationml/2006/main">
+  <p:cSld>
+    <p:spTree>
+      <p:nvGrpSpPr>
+        <p:cNvPr id="1" name=""/>
+        <p:cNvGrpSpPr/>
+        <p:nvPr/>
+      </p:nvGrpSpPr>
+      <p:grpSpPr>
+        <a:xfrm>
+          <a:off x="0" y="0"/>
+          <a:ext cx="0" cy="0"/>
+          <a:chOff x="0" y="0"/>
+          <a:chExt cx="0" cy="0"/>
+        </a:xfrm>
+      </p:grpSpPr>
+      <p:sp>
+        <p:nvSpPr>
+          <p:cNvPr id="10" name="Title 1">
+            <a:extLst>
+              <a:ext uri="{FF2B5EF4-FFF2-40B4-BE49-F238E27FC236}">
+                <a16:creationId xmlns:a16="http://schemas.microsoft.com/office/drawing/2014/main" id="{EEC7FB8C-6937-4291-893D-393121C812E3}"/>
+              </a:ext>
+            </a:extLst>
+          </p:cNvPr>
+          <p:cNvSpPr>
+            <a:spLocks noGrp="1"/>
+          </p:cNvSpPr>
+          <p:nvPr>
+            <p:ph type="title"/>
+          </p:nvPr>
+        </p:nvSpPr>
+        <p:spPr/>
+        <p:txBody>
+          <a:bodyPr>
+            <a:normAutofit/>
+          </a:bodyPr>
+          <a:lstStyle/>
+          <a:p>
+            <a:pPr algn="ctr"/>
+            <a:r>
+              <a:rPr lang="en-US" sz="4800" dirty="0"/>
+              <a:t>Participants</a:t>
+            </a:r>
+            <a:br>
+              <a:rPr lang="en-US" sz="4800" dirty="0"/>
+            </a:br>
+            <a:r>
+              <a:rPr lang="en-US" sz="4800" dirty="0"/>
+              <a:t>ETH Zürich</a:t>
+            </a:r>
+            <a:endParaRPr lang="en-GB" sz="4800" dirty="0"/>
+          </a:p>
+        </p:txBody>
+      </p:sp>
+      <p:sp>
+        <p:nvSpPr>
+          <p:cNvPr id="14" name="TextBox 13">
+            <a:extLst>
+              <a:ext uri="{FF2B5EF4-FFF2-40B4-BE49-F238E27FC236}">
+                <a16:creationId xmlns:a16="http://schemas.microsoft.com/office/drawing/2014/main" id="{ED3202F2-9FCA-45CC-96CB-A8264206E619}"/>
+              </a:ext>
+            </a:extLst>
+          </p:cNvPr>
+          <p:cNvSpPr txBox="1"/>
+          <p:nvPr/>
+        </p:nvSpPr>
+        <p:spPr>
+          <a:xfrm>
+            <a:off x="10204174" y="6118739"/>
+            <a:ext cx="843235" cy="369332"/>
+          </a:xfrm>
+          <a:prstGeom prst="rect">
+            <a:avLst/>
+          </a:prstGeom>
+          <a:noFill/>
+        </p:spPr>
+        <p:txBody>
+          <a:bodyPr wrap="square" rtlCol="0">
+            <a:spAutoFit/>
+          </a:bodyPr>
+          <a:lstStyle/>
+          <a:p>
+            <a:r>
+              <a:rPr lang="en-US" dirty="0"/>
+              <a:t>11/22</a:t>
+            </a:r>
+            <a:endParaRPr lang="en-GB" dirty="0"/>
+          </a:p>
+        </p:txBody>
+      </p:sp>
+      <p:sp>
+        <p:nvSpPr>
+          <p:cNvPr id="3" name="Content Placeholder 2">
+            <a:extLst>
+              <a:ext uri="{FF2B5EF4-FFF2-40B4-BE49-F238E27FC236}">
+                <a16:creationId xmlns:a16="http://schemas.microsoft.com/office/drawing/2014/main" id="{2E970556-2E35-4B67-A718-CD449537072D}"/>
+              </a:ext>
+            </a:extLst>
+          </p:cNvPr>
+          <p:cNvSpPr>
+            <a:spLocks noGrp="1"/>
+          </p:cNvSpPr>
+          <p:nvPr>
+            <p:ph idx="1"/>
+          </p:nvPr>
+        </p:nvSpPr>
+        <p:spPr/>
+        <p:txBody>
+          <a:bodyPr/>
+          <a:lstStyle/>
+          <a:p>
+            <a:pPr marL="0" indent="0">
+              <a:buNone/>
+            </a:pPr>
+            <a:r>
+              <a:rPr lang="en-GB" dirty="0"/>
+              <a:t>The university for science and technology dates back to the year 1855, when the founders of modern-day Switzerland created it as a centre of innovation and knowledge.</a:t>
+            </a:r>
+          </a:p>
+          <a:p>
+            <a:pPr marL="0" indent="0">
+              <a:buNone/>
+            </a:pPr>
+            <a:r>
+              <a:rPr lang="en-US" dirty="0"/>
+              <a:t>M</a:t>
+            </a:r>
+            <a:r>
+              <a:rPr lang="en-GB" dirty="0"/>
+              <a:t>ore than 20000 students and 500 professors in the year 2016.</a:t>
+            </a:r>
+          </a:p>
+          <a:p>
+            <a:pPr marL="0" indent="0">
+              <a:buNone/>
+            </a:pPr>
+            <a:r>
+              <a:rPr lang="en-US" dirty="0"/>
+              <a:t>Academic programs include Medicine, Data and Manufacturing technologies.</a:t>
+            </a:r>
+            <a:endParaRPr lang="en-GB" dirty="0"/>
+          </a:p>
+        </p:txBody>
+      </p:sp>
+      <p:pic>
+        <p:nvPicPr>
+          <p:cNvPr id="4" name="Picture 3">
+            <a:extLst>
+              <a:ext uri="{FF2B5EF4-FFF2-40B4-BE49-F238E27FC236}">
+                <a16:creationId xmlns:a16="http://schemas.microsoft.com/office/drawing/2014/main" id="{2830C2C5-2FFA-49AA-9C06-A577ABF0EE1A}"/>
+              </a:ext>
+            </a:extLst>
+          </p:cNvPr>
+          <p:cNvPicPr>
+            <a:picLocks noChangeAspect="1"/>
+          </p:cNvPicPr>
+          <p:nvPr/>
+        </p:nvPicPr>
+        <p:blipFill>
+          <a:blip r:embed="rId2"/>
+          <a:stretch>
+            <a:fillRect/>
+          </a:stretch>
+        </p:blipFill>
+        <p:spPr>
+          <a:xfrm>
+            <a:off x="4642170" y="5552662"/>
+            <a:ext cx="2904481" cy="477077"/>
+          </a:xfrm>
+          <a:prstGeom prst="rect">
+            <a:avLst/>
+          </a:prstGeom>
+        </p:spPr>
+      </p:pic>
+    </p:spTree>
+    <p:extLst>
+      <p:ext uri="{BB962C8B-B14F-4D97-AF65-F5344CB8AC3E}">
+        <p14:creationId xmlns:p14="http://schemas.microsoft.com/office/powerpoint/2010/main" val="165900072"/>
+      </p:ext>
+    </p:extLst>
+  </p:cSld>
+  <p:clrMapOvr>
+    <a:masterClrMapping/>
+  </p:clrMapOvr>
+  <mc:AlternateContent xmlns:mc="http://schemas.openxmlformats.org/markup-compatibility/2006" xmlns:p14="http://schemas.microsoft.com/office/powerpoint/2010/main">
+    <mc:Choice Requires="p14">
+      <p:transition spd="med" p14:dur="700">
+        <p:fade/>
+      </p:transition>
+    </mc:Choice>
+    <mc:Fallback xmlns="">
+      <p:transition spd="med">
+        <p:fade/>
+      </p:transition>
+    </mc:Fallback>
+  </mc:AlternateContent>
+</p:sld>
+</file>
+
+<file path=ppt/slides/slide12.xml><?xml version="1.0" encoding="utf-8"?>
+<p:sld xmlns:a="http://schemas.openxmlformats.org/drawingml/2006/main" xmlns:r="http://schemas.openxmlformats.org/officeDocument/2006/relationships" xmlns:p="http://schemas.openxmlformats.org/presentationml/2006/main">
+  <p:cSld>
+    <p:spTree>
+      <p:nvGrpSpPr>
+        <p:cNvPr id="1" name=""/>
+        <p:cNvGrpSpPr/>
+        <p:nvPr/>
+      </p:nvGrpSpPr>
+      <p:grpSpPr>
+        <a:xfrm>
+          <a:off x="0" y="0"/>
+          <a:ext cx="0" cy="0"/>
+          <a:chOff x="0" y="0"/>
+          <a:chExt cx="0" cy="0"/>
+        </a:xfrm>
+      </p:grpSpPr>
+      <p:sp>
+        <p:nvSpPr>
+          <p:cNvPr id="10" name="Title 1">
+            <a:extLst>
+              <a:ext uri="{FF2B5EF4-FFF2-40B4-BE49-F238E27FC236}">
+                <a16:creationId xmlns:a16="http://schemas.microsoft.com/office/drawing/2014/main" id="{EEC7FB8C-6937-4291-893D-393121C812E3}"/>
+              </a:ext>
+            </a:extLst>
+          </p:cNvPr>
+          <p:cNvSpPr>
+            <a:spLocks noGrp="1"/>
+          </p:cNvSpPr>
+          <p:nvPr>
+            <p:ph type="title"/>
+          </p:nvPr>
+        </p:nvSpPr>
+        <p:spPr/>
+        <p:txBody>
+          <a:bodyPr>
+            <a:normAutofit/>
+          </a:bodyPr>
+          <a:lstStyle/>
+          <a:p>
+            <a:pPr algn="ctr"/>
+            <a:r>
+              <a:rPr lang="en-US" sz="4800" dirty="0"/>
+              <a:t>Participants</a:t>
+            </a:r>
+            <a:br>
+              <a:rPr lang="en-US" sz="4800" dirty="0"/>
+            </a:br>
+            <a:r>
+              <a:rPr lang="en-US" sz="4800" dirty="0"/>
+              <a:t>ODSC</a:t>
+            </a:r>
+            <a:endParaRPr lang="en-GB" sz="4800" dirty="0"/>
+          </a:p>
+        </p:txBody>
+      </p:sp>
+      <p:sp>
+        <p:nvSpPr>
+          <p:cNvPr id="14" name="TextBox 13">
+            <a:extLst>
+              <a:ext uri="{FF2B5EF4-FFF2-40B4-BE49-F238E27FC236}">
+                <a16:creationId xmlns:a16="http://schemas.microsoft.com/office/drawing/2014/main" id="{ED3202F2-9FCA-45CC-96CB-A8264206E619}"/>
+              </a:ext>
+            </a:extLst>
+          </p:cNvPr>
+          <p:cNvSpPr txBox="1"/>
+          <p:nvPr/>
+        </p:nvSpPr>
+        <p:spPr>
+          <a:xfrm>
+            <a:off x="10204174" y="6118739"/>
+            <a:ext cx="843235" cy="369332"/>
+          </a:xfrm>
+          <a:prstGeom prst="rect">
+            <a:avLst/>
+          </a:prstGeom>
+          <a:noFill/>
+        </p:spPr>
+        <p:txBody>
+          <a:bodyPr wrap="square" rtlCol="0">
+            <a:spAutoFit/>
+          </a:bodyPr>
+          <a:lstStyle/>
+          <a:p>
+            <a:r>
+              <a:rPr lang="en-US" dirty="0"/>
+              <a:t>12/22</a:t>
+            </a:r>
+            <a:endParaRPr lang="en-GB" dirty="0"/>
+          </a:p>
+        </p:txBody>
+      </p:sp>
+      <p:sp>
+        <p:nvSpPr>
+          <p:cNvPr id="3" name="Content Placeholder 2">
+            <a:extLst>
+              <a:ext uri="{FF2B5EF4-FFF2-40B4-BE49-F238E27FC236}">
+                <a16:creationId xmlns:a16="http://schemas.microsoft.com/office/drawing/2014/main" id="{2E970556-2E35-4B67-A718-CD449537072D}"/>
+              </a:ext>
+            </a:extLst>
+          </p:cNvPr>
+          <p:cNvSpPr>
+            <a:spLocks noGrp="1"/>
+          </p:cNvSpPr>
+          <p:nvPr>
+            <p:ph idx="1"/>
+          </p:nvPr>
+        </p:nvSpPr>
+        <p:spPr>
+          <a:xfrm>
+            <a:off x="1141412" y="2249487"/>
+            <a:ext cx="9905999" cy="3869252"/>
+          </a:xfrm>
+        </p:spPr>
+        <p:txBody>
+          <a:bodyPr>
+            <a:normAutofit/>
+          </a:bodyPr>
+          <a:lstStyle/>
+          <a:p>
+            <a:pPr marL="0" indent="0">
+              <a:buNone/>
+            </a:pPr>
+            <a:r>
+              <a:rPr lang="en-GB" dirty="0"/>
+              <a:t>Oxford Data Science Centre, present on the market since 2003, is a company focused on solving data science and big data related problems.</a:t>
+            </a:r>
+          </a:p>
+          <a:p>
+            <a:pPr marL="0" indent="0">
+              <a:buNone/>
+            </a:pPr>
+            <a:r>
+              <a:rPr lang="en-GB" dirty="0"/>
+              <a:t>Wide range of services is offered, including:</a:t>
+            </a:r>
+          </a:p>
+          <a:p>
+            <a:r>
+              <a:rPr lang="en-GB" dirty="0"/>
+              <a:t>assistance in information retrieval, </a:t>
+            </a:r>
+          </a:p>
+          <a:p>
+            <a:r>
+              <a:rPr lang="en-GB" dirty="0"/>
+              <a:t>experiments and analytical protocols design,</a:t>
+            </a:r>
+          </a:p>
+          <a:p>
+            <a:r>
+              <a:rPr lang="en-GB" dirty="0"/>
+              <a:t>statistical analysis and interpretation,</a:t>
+            </a:r>
+          </a:p>
+          <a:p>
+            <a:r>
+              <a:rPr lang="en-GB" dirty="0"/>
+              <a:t>visualisation</a:t>
+            </a:r>
+          </a:p>
+        </p:txBody>
+      </p:sp>
+      <p:pic>
+        <p:nvPicPr>
+          <p:cNvPr id="4" name="Picture 3">
+            <a:extLst>
+              <a:ext uri="{FF2B5EF4-FFF2-40B4-BE49-F238E27FC236}">
+                <a16:creationId xmlns:a16="http://schemas.microsoft.com/office/drawing/2014/main" id="{465DB734-7082-4181-8FA6-58F3D2FEAC64}"/>
+              </a:ext>
+            </a:extLst>
+          </p:cNvPr>
+          <p:cNvPicPr>
+            <a:picLocks noChangeAspect="1"/>
+          </p:cNvPicPr>
+          <p:nvPr/>
+        </p:nvPicPr>
+        <p:blipFill>
+          <a:blip r:embed="rId2"/>
+          <a:stretch>
+            <a:fillRect/>
+          </a:stretch>
+        </p:blipFill>
+        <p:spPr>
+          <a:xfrm>
+            <a:off x="4564480" y="5549985"/>
+            <a:ext cx="3059862" cy="1137508"/>
+          </a:xfrm>
+          <a:prstGeom prst="rect">
+            <a:avLst/>
+          </a:prstGeom>
+        </p:spPr>
+      </p:pic>
+    </p:spTree>
+    <p:extLst>
+      <p:ext uri="{BB962C8B-B14F-4D97-AF65-F5344CB8AC3E}">
+        <p14:creationId xmlns:p14="http://schemas.microsoft.com/office/powerpoint/2010/main" val="1566841980"/>
+      </p:ext>
+    </p:extLst>
+  </p:cSld>
+  <p:clrMapOvr>
+    <a:masterClrMapping/>
+  </p:clrMapOvr>
+  <mc:AlternateContent xmlns:mc="http://schemas.openxmlformats.org/markup-compatibility/2006" xmlns:p14="http://schemas.microsoft.com/office/powerpoint/2010/main">
+    <mc:Choice Requires="p14">
+      <p:transition spd="med" p14:dur="700">
+        <p:fade/>
+      </p:transition>
+    </mc:Choice>
+    <mc:Fallback xmlns="">
+      <p:transition spd="med">
+        <p:fade/>
+      </p:transition>
+    </mc:Fallback>
+  </mc:AlternateContent>
+</p:sld>
+</file>
+
+<file path=ppt/slides/slide13.xml><?xml version="1.0" encoding="utf-8"?>
+<p:sld xmlns:a="http://schemas.openxmlformats.org/drawingml/2006/main" xmlns:r="http://schemas.openxmlformats.org/officeDocument/2006/relationships" xmlns:p="http://schemas.openxmlformats.org/presentationml/2006/main">
+  <p:cSld>
+    <p:spTree>
+      <p:nvGrpSpPr>
+        <p:cNvPr id="1" name=""/>
+        <p:cNvGrpSpPr/>
+        <p:nvPr/>
+      </p:nvGrpSpPr>
+      <p:grpSpPr>
+        <a:xfrm>
+          <a:off x="0" y="0"/>
+          <a:ext cx="0" cy="0"/>
+          <a:chOff x="0" y="0"/>
+          <a:chExt cx="0" cy="0"/>
+        </a:xfrm>
+      </p:grpSpPr>
+      <p:sp>
+        <p:nvSpPr>
+          <p:cNvPr id="10" name="Title 1">
+            <a:extLst>
+              <a:ext uri="{FF2B5EF4-FFF2-40B4-BE49-F238E27FC236}">
+                <a16:creationId xmlns:a16="http://schemas.microsoft.com/office/drawing/2014/main" id="{EEC7FB8C-6937-4291-893D-393121C812E3}"/>
+              </a:ext>
+            </a:extLst>
+          </p:cNvPr>
+          <p:cNvSpPr>
+            <a:spLocks noGrp="1"/>
+          </p:cNvSpPr>
+          <p:nvPr>
+            <p:ph type="title"/>
+          </p:nvPr>
+        </p:nvSpPr>
+        <p:spPr/>
+        <p:txBody>
+          <a:bodyPr>
+            <a:normAutofit/>
+          </a:bodyPr>
+          <a:lstStyle/>
+          <a:p>
+            <a:pPr algn="ctr"/>
+            <a:r>
+              <a:rPr lang="en-US" sz="4800" dirty="0"/>
+              <a:t>Participants</a:t>
+            </a:r>
+            <a:br>
+              <a:rPr lang="en-US" sz="4800" dirty="0"/>
+            </a:br>
+            <a:r>
+              <a:rPr lang="en-US" sz="4800" dirty="0"/>
+              <a:t>TUM</a:t>
+            </a:r>
+            <a:endParaRPr lang="en-GB" sz="4800" dirty="0"/>
+          </a:p>
+        </p:txBody>
+      </p:sp>
+      <p:sp>
+        <p:nvSpPr>
+          <p:cNvPr id="14" name="TextBox 13">
+            <a:extLst>
+              <a:ext uri="{FF2B5EF4-FFF2-40B4-BE49-F238E27FC236}">
+                <a16:creationId xmlns:a16="http://schemas.microsoft.com/office/drawing/2014/main" id="{ED3202F2-9FCA-45CC-96CB-A8264206E619}"/>
+              </a:ext>
+            </a:extLst>
+          </p:cNvPr>
+          <p:cNvSpPr txBox="1"/>
+          <p:nvPr/>
+        </p:nvSpPr>
+        <p:spPr>
+          <a:xfrm>
+            <a:off x="10204174" y="6118739"/>
+            <a:ext cx="843235" cy="369332"/>
+          </a:xfrm>
+          <a:prstGeom prst="rect">
+            <a:avLst/>
+          </a:prstGeom>
+          <a:noFill/>
+        </p:spPr>
+        <p:txBody>
+          <a:bodyPr wrap="square" rtlCol="0">
+            <a:spAutoFit/>
+          </a:bodyPr>
+          <a:lstStyle/>
+          <a:p>
+            <a:r>
+              <a:rPr lang="en-US" dirty="0"/>
+              <a:t>13/22</a:t>
+            </a:r>
+            <a:endParaRPr lang="en-GB" dirty="0"/>
+          </a:p>
+        </p:txBody>
+      </p:sp>
+      <p:sp>
+        <p:nvSpPr>
+          <p:cNvPr id="3" name="Content Placeholder 2">
+            <a:extLst>
+              <a:ext uri="{FF2B5EF4-FFF2-40B4-BE49-F238E27FC236}">
+                <a16:creationId xmlns:a16="http://schemas.microsoft.com/office/drawing/2014/main" id="{2E970556-2E35-4B67-A718-CD449537072D}"/>
+              </a:ext>
+            </a:extLst>
+          </p:cNvPr>
+          <p:cNvSpPr>
+            <a:spLocks noGrp="1"/>
+          </p:cNvSpPr>
+          <p:nvPr>
+            <p:ph idx="1"/>
+          </p:nvPr>
+        </p:nvSpPr>
+        <p:spPr/>
+        <p:txBody>
+          <a:bodyPr/>
+          <a:lstStyle/>
+          <a:p>
+            <a:pPr marL="0" indent="0">
+              <a:buNone/>
+            </a:pPr>
+            <a:r>
+              <a:rPr lang="en-GB" dirty="0"/>
+              <a:t>Member of TU9, an incorporated society of the largest and most notable German institutes of technology. </a:t>
+            </a:r>
+          </a:p>
+          <a:p>
+            <a:pPr marL="0" indent="0">
+              <a:buNone/>
+            </a:pPr>
+            <a:r>
+              <a:rPr lang="en-GB" dirty="0"/>
+              <a:t>TUM is ranked 4th overall in Reuters 2017 European Most Innovative University ranking.</a:t>
+            </a:r>
+          </a:p>
+          <a:p>
+            <a:pPr marL="0" indent="0">
+              <a:buNone/>
+            </a:pPr>
+            <a:r>
+              <a:rPr lang="en-GB" dirty="0"/>
+              <a:t>TUM's alumni include 17 Nobel laureates, 18 Leibniz Prize winners and 22 IEEE Fellow Members.</a:t>
+            </a:r>
+          </a:p>
+        </p:txBody>
+      </p:sp>
+      <p:pic>
+        <p:nvPicPr>
+          <p:cNvPr id="6" name="Picture 5">
+            <a:extLst>
+              <a:ext uri="{FF2B5EF4-FFF2-40B4-BE49-F238E27FC236}">
+                <a16:creationId xmlns:a16="http://schemas.microsoft.com/office/drawing/2014/main" id="{07C2FD53-7586-4039-AEA5-4098AC5CC1B3}"/>
+              </a:ext>
+            </a:extLst>
+          </p:cNvPr>
+          <p:cNvPicPr>
+            <a:picLocks noChangeAspect="1"/>
+          </p:cNvPicPr>
+          <p:nvPr/>
+        </p:nvPicPr>
+        <p:blipFill>
+          <a:blip r:embed="rId2"/>
+          <a:stretch>
+            <a:fillRect/>
+          </a:stretch>
+        </p:blipFill>
+        <p:spPr>
+          <a:xfrm>
+            <a:off x="5107124" y="4883426"/>
+            <a:ext cx="1974574" cy="1974574"/>
+          </a:xfrm>
+          <a:prstGeom prst="rect">
+            <a:avLst/>
+          </a:prstGeom>
+        </p:spPr>
+      </p:pic>
+    </p:spTree>
+    <p:extLst>
+      <p:ext uri="{BB962C8B-B14F-4D97-AF65-F5344CB8AC3E}">
+        <p14:creationId xmlns:p14="http://schemas.microsoft.com/office/powerpoint/2010/main" val="3782177117"/>
+      </p:ext>
+    </p:extLst>
+  </p:cSld>
+  <p:clrMapOvr>
+    <a:masterClrMapping/>
+  </p:clrMapOvr>
+  <mc:AlternateContent xmlns:mc="http://schemas.openxmlformats.org/markup-compatibility/2006" xmlns:p14="http://schemas.microsoft.com/office/powerpoint/2010/main">
+    <mc:Choice Requires="p14">
+      <p:transition spd="med" p14:dur="700">
+        <p:fade/>
+      </p:transition>
+    </mc:Choice>
+    <mc:Fallback xmlns="">
+      <p:transition spd="med">
+        <p:fade/>
+      </p:transition>
+    </mc:Fallback>
+  </mc:AlternateContent>
+</p:sld>
+</file>
+
+<file path=ppt/slides/slide14.xml><?xml version="1.0" encoding="utf-8"?>
+<p:sld xmlns:a="http://schemas.openxmlformats.org/drawingml/2006/main" xmlns:r="http://schemas.openxmlformats.org/officeDocument/2006/relationships" xmlns:p="http://schemas.openxmlformats.org/presentationml/2006/main">
+  <p:cSld>
+    <p:spTree>
+      <p:nvGrpSpPr>
+        <p:cNvPr id="1" name=""/>
+        <p:cNvGrpSpPr/>
+        <p:nvPr/>
+      </p:nvGrpSpPr>
+      <p:grpSpPr>
+        <a:xfrm>
+          <a:off x="0" y="0"/>
+          <a:ext cx="0" cy="0"/>
+          <a:chOff x="0" y="0"/>
+          <a:chExt cx="0" cy="0"/>
+        </a:xfrm>
+      </p:grpSpPr>
+      <p:sp>
+        <p:nvSpPr>
+          <p:cNvPr id="10" name="Title 1">
+            <a:extLst>
+              <a:ext uri="{FF2B5EF4-FFF2-40B4-BE49-F238E27FC236}">
+                <a16:creationId xmlns:a16="http://schemas.microsoft.com/office/drawing/2014/main" id="{EEC7FB8C-6937-4291-893D-393121C812E3}"/>
+              </a:ext>
+            </a:extLst>
+          </p:cNvPr>
+          <p:cNvSpPr>
+            <a:spLocks noGrp="1"/>
+          </p:cNvSpPr>
+          <p:nvPr>
+            <p:ph type="title"/>
+          </p:nvPr>
+        </p:nvSpPr>
+        <p:spPr/>
+        <p:txBody>
+          <a:bodyPr>
+            <a:normAutofit/>
+          </a:bodyPr>
+          <a:lstStyle/>
+          <a:p>
+            <a:pPr algn="ctr"/>
+            <a:r>
+              <a:rPr lang="en-US" sz="4800" dirty="0"/>
+              <a:t>Methodology used</a:t>
+            </a:r>
+            <a:br>
+              <a:rPr lang="en-US" sz="4800" dirty="0"/>
+            </a:br>
+            <a:r>
+              <a:rPr lang="en-US" sz="4800" dirty="0"/>
+              <a:t>scrum</a:t>
+            </a:r>
+            <a:endParaRPr lang="en-GB" sz="4800" dirty="0"/>
+          </a:p>
+        </p:txBody>
+      </p:sp>
+      <p:sp>
+        <p:nvSpPr>
+          <p:cNvPr id="14" name="TextBox 13">
+            <a:extLst>
+              <a:ext uri="{FF2B5EF4-FFF2-40B4-BE49-F238E27FC236}">
+                <a16:creationId xmlns:a16="http://schemas.microsoft.com/office/drawing/2014/main" id="{ED3202F2-9FCA-45CC-96CB-A8264206E619}"/>
+              </a:ext>
+            </a:extLst>
+          </p:cNvPr>
+          <p:cNvSpPr txBox="1"/>
+          <p:nvPr/>
+        </p:nvSpPr>
+        <p:spPr>
+          <a:xfrm>
+            <a:off x="10204174" y="6118739"/>
+            <a:ext cx="843235" cy="369332"/>
+          </a:xfrm>
+          <a:prstGeom prst="rect">
+            <a:avLst/>
+          </a:prstGeom>
+          <a:noFill/>
+        </p:spPr>
+        <p:txBody>
+          <a:bodyPr wrap="square" rtlCol="0">
+            <a:spAutoFit/>
+          </a:bodyPr>
+          <a:lstStyle/>
+          <a:p>
+            <a:r>
+              <a:rPr lang="en-US" dirty="0"/>
+              <a:t>14/22</a:t>
+            </a:r>
+            <a:endParaRPr lang="en-GB" dirty="0"/>
+          </a:p>
+        </p:txBody>
+      </p:sp>
+      <p:sp>
+        <p:nvSpPr>
+          <p:cNvPr id="3" name="Content Placeholder 2">
+            <a:extLst>
+              <a:ext uri="{FF2B5EF4-FFF2-40B4-BE49-F238E27FC236}">
+                <a16:creationId xmlns:a16="http://schemas.microsoft.com/office/drawing/2014/main" id="{2E970556-2E35-4B67-A718-CD449537072D}"/>
+              </a:ext>
+            </a:extLst>
+          </p:cNvPr>
+          <p:cNvSpPr>
+            <a:spLocks noGrp="1"/>
+          </p:cNvSpPr>
+          <p:nvPr>
+            <p:ph idx="1"/>
+          </p:nvPr>
+        </p:nvSpPr>
+        <p:spPr/>
+        <p:txBody>
+          <a:bodyPr/>
+          <a:lstStyle/>
+          <a:p>
+            <a:pPr marL="0" indent="0">
+              <a:buNone/>
+            </a:pPr>
+            <a:r>
+              <a:rPr lang="en-GB" dirty="0"/>
+              <a:t>Designed for teams of three to nine developers who break their work into actions that can be completed within timeboxed iterations, called sprints (typically two-weeks).</a:t>
+            </a:r>
+          </a:p>
+          <a:p>
+            <a:pPr marL="0" indent="0">
+              <a:buNone/>
+            </a:pPr>
+            <a:r>
+              <a:rPr lang="en-GB" dirty="0"/>
+              <a:t>Progress is tracked and re-planned in 15-minute stand-up meetings, called daily scrums.</a:t>
+            </a:r>
+          </a:p>
+          <a:p>
+            <a:endParaRPr lang="en-GB" dirty="0"/>
+          </a:p>
+        </p:txBody>
+      </p:sp>
+      <p:pic>
+        <p:nvPicPr>
+          <p:cNvPr id="4" name="Picture 3">
+            <a:extLst>
+              <a:ext uri="{FF2B5EF4-FFF2-40B4-BE49-F238E27FC236}">
+                <a16:creationId xmlns:a16="http://schemas.microsoft.com/office/drawing/2014/main" id="{E5D2E2E6-1081-422A-8AFC-E23FF462A75B}"/>
+              </a:ext>
+            </a:extLst>
+          </p:cNvPr>
+          <p:cNvPicPr>
+            <a:picLocks noChangeAspect="1"/>
+          </p:cNvPicPr>
+          <p:nvPr/>
+        </p:nvPicPr>
+        <p:blipFill>
+          <a:blip r:embed="rId2"/>
+          <a:stretch>
+            <a:fillRect/>
+          </a:stretch>
+        </p:blipFill>
+        <p:spPr>
+          <a:xfrm>
+            <a:off x="2964585" y="4020344"/>
+            <a:ext cx="6259651" cy="2914650"/>
+          </a:xfrm>
+          <a:prstGeom prst="rect">
+            <a:avLst/>
+          </a:prstGeom>
+        </p:spPr>
+      </p:pic>
+    </p:spTree>
+    <p:extLst>
+      <p:ext uri="{BB962C8B-B14F-4D97-AF65-F5344CB8AC3E}">
+        <p14:creationId xmlns:p14="http://schemas.microsoft.com/office/powerpoint/2010/main" val="2537816406"/>
+      </p:ext>
+    </p:extLst>
+  </p:cSld>
+  <p:clrMapOvr>
+    <a:masterClrMapping/>
+  </p:clrMapOvr>
+  <mc:AlternateContent xmlns:mc="http://schemas.openxmlformats.org/markup-compatibility/2006" xmlns:p14="http://schemas.microsoft.com/office/powerpoint/2010/main">
+    <mc:Choice Requires="p14">
+      <p:transition spd="med" p14:dur="700">
+        <p:fade/>
+      </p:transition>
+    </mc:Choice>
+    <mc:Fallback xmlns="">
+      <p:transition spd="med">
+        <p:fade/>
+      </p:transition>
+    </mc:Fallback>
+  </mc:AlternateContent>
+</p:sld>
+</file>
+
+<file path=ppt/slides/slide15.xml><?xml version="1.0" encoding="utf-8"?>
+<p:sld xmlns:a="http://schemas.openxmlformats.org/drawingml/2006/main" xmlns:r="http://schemas.openxmlformats.org/officeDocument/2006/relationships" xmlns:p="http://schemas.openxmlformats.org/presentationml/2006/main">
+  <p:cSld>
+    <p:spTree>
+      <p:nvGrpSpPr>
+        <p:cNvPr id="1" name=""/>
+        <p:cNvGrpSpPr/>
+        <p:nvPr/>
+      </p:nvGrpSpPr>
+      <p:grpSpPr>
+        <a:xfrm>
+          <a:off x="0" y="0"/>
+          <a:ext cx="0" cy="0"/>
+          <a:chOff x="0" y="0"/>
+          <a:chExt cx="0" cy="0"/>
+        </a:xfrm>
+      </p:grpSpPr>
+      <p:sp>
+        <p:nvSpPr>
+          <p:cNvPr id="10" name="Title 1">
+            <a:extLst>
+              <a:ext uri="{FF2B5EF4-FFF2-40B4-BE49-F238E27FC236}">
+                <a16:creationId xmlns:a16="http://schemas.microsoft.com/office/drawing/2014/main" id="{EEC7FB8C-6937-4291-893D-393121C812E3}"/>
+              </a:ext>
+            </a:extLst>
+          </p:cNvPr>
+          <p:cNvSpPr>
+            <a:spLocks noGrp="1"/>
+          </p:cNvSpPr>
+          <p:nvPr>
+            <p:ph type="title"/>
+          </p:nvPr>
+        </p:nvSpPr>
+        <p:spPr/>
+        <p:txBody>
+          <a:bodyPr>
+            <a:normAutofit fontScale="90000"/>
+          </a:bodyPr>
+          <a:lstStyle/>
+          <a:p>
+            <a:pPr algn="ctr"/>
+            <a:r>
+              <a:rPr lang="en-US" sz="4800" dirty="0"/>
+              <a:t>Project schedule</a:t>
+            </a:r>
+            <a:br>
+              <a:rPr lang="en-US" sz="4800" dirty="0"/>
+            </a:br>
+            <a:r>
+              <a:rPr lang="en-US" sz="4800" dirty="0" err="1"/>
+              <a:t>gantt</a:t>
+            </a:r>
+            <a:r>
+              <a:rPr lang="en-US" sz="4800" dirty="0"/>
+              <a:t> chart</a:t>
+            </a:r>
+            <a:br>
+              <a:rPr lang="en-US" sz="4800" dirty="0"/>
+            </a:br>
+            <a:endParaRPr lang="en-GB" sz="4800" dirty="0"/>
+          </a:p>
+        </p:txBody>
+      </p:sp>
+      <p:sp>
+        <p:nvSpPr>
+          <p:cNvPr id="14" name="TextBox 13">
+            <a:extLst>
+              <a:ext uri="{FF2B5EF4-FFF2-40B4-BE49-F238E27FC236}">
+                <a16:creationId xmlns:a16="http://schemas.microsoft.com/office/drawing/2014/main" id="{ED3202F2-9FCA-45CC-96CB-A8264206E619}"/>
+              </a:ext>
+            </a:extLst>
+          </p:cNvPr>
+          <p:cNvSpPr txBox="1"/>
+          <p:nvPr/>
+        </p:nvSpPr>
+        <p:spPr>
+          <a:xfrm>
+            <a:off x="10204174" y="6118739"/>
+            <a:ext cx="843235" cy="369332"/>
+          </a:xfrm>
+          <a:prstGeom prst="rect">
+            <a:avLst/>
+          </a:prstGeom>
+          <a:noFill/>
+        </p:spPr>
+        <p:txBody>
+          <a:bodyPr wrap="square" rtlCol="0">
+            <a:spAutoFit/>
+          </a:bodyPr>
+          <a:lstStyle/>
+          <a:p>
+            <a:r>
+              <a:rPr lang="en-US" dirty="0"/>
+              <a:t>15/22</a:t>
+            </a:r>
+            <a:endParaRPr lang="en-GB" dirty="0"/>
+          </a:p>
+        </p:txBody>
+      </p:sp>
+      <p:pic>
+        <p:nvPicPr>
+          <p:cNvPr id="5" name="Content Placeholder 4">
+            <a:extLst>
+              <a:ext uri="{FF2B5EF4-FFF2-40B4-BE49-F238E27FC236}">
+                <a16:creationId xmlns:a16="http://schemas.microsoft.com/office/drawing/2014/main" id="{94CDF391-F3D5-442E-A4C1-EB10C068CB91}"/>
+              </a:ext>
+            </a:extLst>
+          </p:cNvPr>
+          <p:cNvPicPr>
+            <a:picLocks noGrp="1" noChangeAspect="1"/>
+          </p:cNvPicPr>
+          <p:nvPr>
+            <p:ph idx="1"/>
+          </p:nvPr>
+        </p:nvPicPr>
+        <p:blipFill>
+          <a:blip r:embed="rId2"/>
+          <a:stretch>
+            <a:fillRect/>
+          </a:stretch>
+        </p:blipFill>
+        <p:spPr>
+          <a:xfrm>
+            <a:off x="1588102" y="1696279"/>
+            <a:ext cx="9012620" cy="4214191"/>
+          </a:xfrm>
+        </p:spPr>
+      </p:pic>
+    </p:spTree>
+    <p:extLst>
+      <p:ext uri="{BB962C8B-B14F-4D97-AF65-F5344CB8AC3E}">
+        <p14:creationId xmlns:p14="http://schemas.microsoft.com/office/powerpoint/2010/main" val="2617296277"/>
+      </p:ext>
+    </p:extLst>
+  </p:cSld>
+  <p:clrMapOvr>
+    <a:masterClrMapping/>
+  </p:clrMapOvr>
+  <mc:AlternateContent xmlns:mc="http://schemas.openxmlformats.org/markup-compatibility/2006" xmlns:p14="http://schemas.microsoft.com/office/powerpoint/2010/main">
+    <mc:Choice Requires="p14">
+      <p:transition spd="med" p14:dur="700">
+        <p:fade/>
+      </p:transition>
+    </mc:Choice>
+    <mc:Fallback xmlns="">
+      <p:transition spd="med">
+        <p:fade/>
+      </p:transition>
+    </mc:Fallback>
+  </mc:AlternateContent>
+</p:sld>
+</file>
+
+<file path=ppt/slides/slide16.xml><?xml version="1.0" encoding="utf-8"?>
+<p:sld xmlns:a="http://schemas.openxmlformats.org/drawingml/2006/main" xmlns:r="http://schemas.openxmlformats.org/officeDocument/2006/relationships" xmlns:p="http://schemas.openxmlformats.org/presentationml/2006/main">
+  <p:cSld>
+    <p:spTree>
+      <p:nvGrpSpPr>
+        <p:cNvPr id="1" name=""/>
+        <p:cNvGrpSpPr/>
+        <p:nvPr/>
+      </p:nvGrpSpPr>
+      <p:grpSpPr>
+        <a:xfrm>
+          <a:off x="0" y="0"/>
+          <a:ext cx="0" cy="0"/>
+          <a:chOff x="0" y="0"/>
+          <a:chExt cx="0" cy="0"/>
+        </a:xfrm>
+      </p:grpSpPr>
+      <p:sp>
+        <p:nvSpPr>
+          <p:cNvPr id="10" name="Title 1">
+            <a:extLst>
+              <a:ext uri="{FF2B5EF4-FFF2-40B4-BE49-F238E27FC236}">
+                <a16:creationId xmlns:a16="http://schemas.microsoft.com/office/drawing/2014/main" id="{EEC7FB8C-6937-4291-893D-393121C812E3}"/>
+              </a:ext>
+            </a:extLst>
+          </p:cNvPr>
+          <p:cNvSpPr>
+            <a:spLocks noGrp="1"/>
+          </p:cNvSpPr>
+          <p:nvPr>
+            <p:ph type="title"/>
+          </p:nvPr>
+        </p:nvSpPr>
+        <p:spPr/>
+        <p:txBody>
+          <a:bodyPr>
+            <a:normAutofit fontScale="90000"/>
+          </a:bodyPr>
+          <a:lstStyle/>
+          <a:p>
+            <a:pPr algn="ctr"/>
+            <a:r>
+              <a:rPr lang="en-US" sz="4800" dirty="0"/>
+              <a:t>Project schedule</a:t>
+            </a:r>
+            <a:br>
+              <a:rPr lang="en-US" sz="4800" dirty="0"/>
+            </a:br>
+            <a:r>
+              <a:rPr lang="en-US" sz="4800" dirty="0"/>
+              <a:t>pert chart</a:t>
+            </a:r>
+            <a:br>
+              <a:rPr lang="en-US" sz="4800" dirty="0"/>
+            </a:br>
+            <a:endParaRPr lang="en-GB" sz="4800" dirty="0"/>
+          </a:p>
+        </p:txBody>
+      </p:sp>
+      <p:sp>
+        <p:nvSpPr>
+          <p:cNvPr id="14" name="TextBox 13">
+            <a:extLst>
+              <a:ext uri="{FF2B5EF4-FFF2-40B4-BE49-F238E27FC236}">
+                <a16:creationId xmlns:a16="http://schemas.microsoft.com/office/drawing/2014/main" id="{ED3202F2-9FCA-45CC-96CB-A8264206E619}"/>
+              </a:ext>
+            </a:extLst>
+          </p:cNvPr>
+          <p:cNvSpPr txBox="1"/>
+          <p:nvPr/>
+        </p:nvSpPr>
+        <p:spPr>
+          <a:xfrm>
+            <a:off x="10204174" y="6118739"/>
+            <a:ext cx="843235" cy="369332"/>
+          </a:xfrm>
+          <a:prstGeom prst="rect">
+            <a:avLst/>
+          </a:prstGeom>
+          <a:noFill/>
+        </p:spPr>
+        <p:txBody>
+          <a:bodyPr wrap="square" rtlCol="0">
+            <a:spAutoFit/>
+          </a:bodyPr>
+          <a:lstStyle/>
+          <a:p>
+            <a:r>
+              <a:rPr lang="en-US" dirty="0"/>
+              <a:t>16/22</a:t>
+            </a:r>
+            <a:endParaRPr lang="en-GB" dirty="0"/>
+          </a:p>
+        </p:txBody>
+      </p:sp>
+      <p:pic>
+        <p:nvPicPr>
+          <p:cNvPr id="6" name="Content Placeholder 5">
+            <a:extLst>
+              <a:ext uri="{FF2B5EF4-FFF2-40B4-BE49-F238E27FC236}">
+                <a16:creationId xmlns:a16="http://schemas.microsoft.com/office/drawing/2014/main" id="{12FDA7AA-57FB-4566-9B58-CCB26E815580}"/>
+              </a:ext>
+            </a:extLst>
+          </p:cNvPr>
+          <p:cNvPicPr>
+            <a:picLocks noGrp="1" noChangeAspect="1"/>
+          </p:cNvPicPr>
+          <p:nvPr>
+            <p:ph idx="1"/>
+          </p:nvPr>
+        </p:nvPicPr>
+        <p:blipFill>
+          <a:blip r:embed="rId2"/>
+          <a:stretch>
+            <a:fillRect/>
+          </a:stretch>
+        </p:blipFill>
+        <p:spPr>
+          <a:xfrm>
+            <a:off x="1378977" y="1977818"/>
+            <a:ext cx="9430869" cy="3352205"/>
+          </a:xfrm>
+        </p:spPr>
+      </p:pic>
+    </p:spTree>
+    <p:extLst>
+      <p:ext uri="{BB962C8B-B14F-4D97-AF65-F5344CB8AC3E}">
+        <p14:creationId xmlns:p14="http://schemas.microsoft.com/office/powerpoint/2010/main" val="1218862502"/>
+      </p:ext>
+    </p:extLst>
+  </p:cSld>
+  <p:clrMapOvr>
+    <a:masterClrMapping/>
+  </p:clrMapOvr>
+  <mc:AlternateContent xmlns:mc="http://schemas.openxmlformats.org/markup-compatibility/2006" xmlns:p14="http://schemas.microsoft.com/office/powerpoint/2010/main">
+    <mc:Choice Requires="p14">
+      <p:transition spd="med" p14:dur="700">
+        <p:fade/>
+      </p:transition>
+    </mc:Choice>
+    <mc:Fallback xmlns="">
+      <p:transition spd="med">
+        <p:fade/>
+      </p:transition>
+    </mc:Fallback>
+  </mc:AlternateContent>
+</p:sld>
+</file>
+
+<file path=ppt/slides/slide17.xml><?xml version="1.0" encoding="utf-8"?>
+<p:sld xmlns:a="http://schemas.openxmlformats.org/drawingml/2006/main" xmlns:r="http://schemas.openxmlformats.org/officeDocument/2006/relationships" xmlns:p="http://schemas.openxmlformats.org/presentationml/2006/main">
+  <p:cSld>
+    <p:spTree>
+      <p:nvGrpSpPr>
+        <p:cNvPr id="1" name=""/>
+        <p:cNvGrpSpPr/>
+        <p:nvPr/>
+      </p:nvGrpSpPr>
+      <p:grpSpPr>
+        <a:xfrm>
+          <a:off x="0" y="0"/>
+          <a:ext cx="0" cy="0"/>
+          <a:chOff x="0" y="0"/>
+          <a:chExt cx="0" cy="0"/>
+        </a:xfrm>
+      </p:grpSpPr>
+      <p:sp>
+        <p:nvSpPr>
+          <p:cNvPr id="10" name="Title 1">
+            <a:extLst>
+              <a:ext uri="{FF2B5EF4-FFF2-40B4-BE49-F238E27FC236}">
+                <a16:creationId xmlns:a16="http://schemas.microsoft.com/office/drawing/2014/main" id="{EEC7FB8C-6937-4291-893D-393121C812E3}"/>
+              </a:ext>
+            </a:extLst>
+          </p:cNvPr>
+          <p:cNvSpPr>
+            <a:spLocks noGrp="1"/>
+          </p:cNvSpPr>
+          <p:nvPr>
+            <p:ph type="title"/>
+          </p:nvPr>
+        </p:nvSpPr>
+        <p:spPr/>
+        <p:txBody>
+          <a:bodyPr>
+            <a:normAutofit/>
+          </a:bodyPr>
+          <a:lstStyle/>
+          <a:p>
+            <a:pPr algn="ctr"/>
+            <a:r>
+              <a:rPr lang="en-US" sz="4800" dirty="0"/>
+              <a:t>Work Package list</a:t>
+            </a:r>
+            <a:br>
+              <a:rPr lang="en-US" sz="4800" dirty="0"/>
+            </a:br>
+            <a:endParaRPr lang="en-GB" sz="4800" dirty="0"/>
+          </a:p>
+        </p:txBody>
+      </p:sp>
+      <p:sp>
+        <p:nvSpPr>
+          <p:cNvPr id="14" name="TextBox 13">
+            <a:extLst>
+              <a:ext uri="{FF2B5EF4-FFF2-40B4-BE49-F238E27FC236}">
+                <a16:creationId xmlns:a16="http://schemas.microsoft.com/office/drawing/2014/main" id="{ED3202F2-9FCA-45CC-96CB-A8264206E619}"/>
+              </a:ext>
+            </a:extLst>
+          </p:cNvPr>
+          <p:cNvSpPr txBox="1"/>
+          <p:nvPr/>
+        </p:nvSpPr>
+        <p:spPr>
+          <a:xfrm>
+            <a:off x="10204174" y="6118739"/>
+            <a:ext cx="843235" cy="369332"/>
+          </a:xfrm>
+          <a:prstGeom prst="rect">
+            <a:avLst/>
+          </a:prstGeom>
+          <a:noFill/>
+        </p:spPr>
+        <p:txBody>
+          <a:bodyPr wrap="square" rtlCol="0">
+            <a:spAutoFit/>
+          </a:bodyPr>
+          <a:lstStyle/>
+          <a:p>
+            <a:r>
+              <a:rPr lang="en-US" dirty="0"/>
+              <a:t>17/22</a:t>
+            </a:r>
+            <a:endParaRPr lang="en-GB" dirty="0"/>
+          </a:p>
+        </p:txBody>
+      </p:sp>
+      <p:pic>
+        <p:nvPicPr>
+          <p:cNvPr id="5" name="Content Placeholder 4">
+            <a:extLst>
+              <a:ext uri="{FF2B5EF4-FFF2-40B4-BE49-F238E27FC236}">
+                <a16:creationId xmlns:a16="http://schemas.microsoft.com/office/drawing/2014/main" id="{5CB66E69-834E-42BC-ABDA-C789DC1AEBF8}"/>
+              </a:ext>
+            </a:extLst>
+          </p:cNvPr>
+          <p:cNvPicPr>
+            <a:picLocks noGrp="1" noChangeAspect="1"/>
+          </p:cNvPicPr>
+          <p:nvPr>
+            <p:ph idx="1"/>
+          </p:nvPr>
+        </p:nvPicPr>
+        <p:blipFill>
+          <a:blip r:embed="rId2"/>
+          <a:stretch>
+            <a:fillRect/>
+          </a:stretch>
+        </p:blipFill>
+        <p:spPr>
+          <a:xfrm>
+            <a:off x="1947125" y="1453974"/>
+            <a:ext cx="8257049" cy="4664765"/>
+          </a:xfrm>
+        </p:spPr>
+      </p:pic>
+    </p:spTree>
+    <p:extLst>
+      <p:ext uri="{BB962C8B-B14F-4D97-AF65-F5344CB8AC3E}">
+        <p14:creationId xmlns:p14="http://schemas.microsoft.com/office/powerpoint/2010/main" val="1342033615"/>
+      </p:ext>
+    </p:extLst>
+  </p:cSld>
+  <p:clrMapOvr>
+    <a:masterClrMapping/>
+  </p:clrMapOvr>
+  <mc:AlternateContent xmlns:mc="http://schemas.openxmlformats.org/markup-compatibility/2006" xmlns:p14="http://schemas.microsoft.com/office/powerpoint/2010/main">
+    <mc:Choice Requires="p14">
+      <p:transition spd="med" p14:dur="700">
+        <p:fade/>
+      </p:transition>
+    </mc:Choice>
+    <mc:Fallback xmlns="">
+      <p:transition spd="med">
+        <p:fade/>
+      </p:transition>
+    </mc:Fallback>
+  </mc:AlternateContent>
+</p:sld>
+</file>
+
+<file path=ppt/slides/slide18.xml><?xml version="1.0" encoding="utf-8"?>
+<p:sld xmlns:a="http://schemas.openxmlformats.org/drawingml/2006/main" xmlns:r="http://schemas.openxmlformats.org/officeDocument/2006/relationships" xmlns:p="http://schemas.openxmlformats.org/presentationml/2006/main">
+  <p:cSld>
+    <p:spTree>
+      <p:nvGrpSpPr>
+        <p:cNvPr id="1" name=""/>
+        <p:cNvGrpSpPr/>
+        <p:nvPr/>
+      </p:nvGrpSpPr>
+      <p:grpSpPr>
+        <a:xfrm>
+          <a:off x="0" y="0"/>
+          <a:ext cx="0" cy="0"/>
+          <a:chOff x="0" y="0"/>
+          <a:chExt cx="0" cy="0"/>
+        </a:xfrm>
+      </p:grpSpPr>
+      <p:sp>
+        <p:nvSpPr>
+          <p:cNvPr id="10" name="Title 1">
+            <a:extLst>
+              <a:ext uri="{FF2B5EF4-FFF2-40B4-BE49-F238E27FC236}">
+                <a16:creationId xmlns:a16="http://schemas.microsoft.com/office/drawing/2014/main" id="{EEC7FB8C-6937-4291-893D-393121C812E3}"/>
+              </a:ext>
+            </a:extLst>
+          </p:cNvPr>
+          <p:cNvSpPr>
+            <a:spLocks noGrp="1"/>
+          </p:cNvSpPr>
+          <p:nvPr>
+            <p:ph type="title"/>
+          </p:nvPr>
+        </p:nvSpPr>
+        <p:spPr/>
+        <p:txBody>
+          <a:bodyPr>
+            <a:normAutofit/>
+          </a:bodyPr>
+          <a:lstStyle/>
+          <a:p>
+            <a:pPr algn="ctr"/>
+            <a:r>
+              <a:rPr lang="en-US" sz="4800" dirty="0"/>
+              <a:t>Deliverables list</a:t>
+            </a:r>
+            <a:br>
+              <a:rPr lang="en-US" sz="4800" dirty="0"/>
+            </a:br>
+            <a:endParaRPr lang="en-GB" sz="4800" dirty="0"/>
+          </a:p>
+        </p:txBody>
+      </p:sp>
+      <p:sp>
+        <p:nvSpPr>
+          <p:cNvPr id="14" name="TextBox 13">
+            <a:extLst>
+              <a:ext uri="{FF2B5EF4-FFF2-40B4-BE49-F238E27FC236}">
+                <a16:creationId xmlns:a16="http://schemas.microsoft.com/office/drawing/2014/main" id="{ED3202F2-9FCA-45CC-96CB-A8264206E619}"/>
+              </a:ext>
+            </a:extLst>
+          </p:cNvPr>
+          <p:cNvSpPr txBox="1"/>
+          <p:nvPr/>
+        </p:nvSpPr>
+        <p:spPr>
+          <a:xfrm>
+            <a:off x="10204174" y="6118739"/>
+            <a:ext cx="843235" cy="369332"/>
+          </a:xfrm>
+          <a:prstGeom prst="rect">
+            <a:avLst/>
+          </a:prstGeom>
+          <a:noFill/>
+        </p:spPr>
+        <p:txBody>
+          <a:bodyPr wrap="square" rtlCol="0">
+            <a:spAutoFit/>
+          </a:bodyPr>
+          <a:lstStyle/>
+          <a:p>
+            <a:r>
+              <a:rPr lang="en-US" dirty="0"/>
+              <a:t>18/22</a:t>
+            </a:r>
+            <a:endParaRPr lang="en-GB" dirty="0"/>
+          </a:p>
+        </p:txBody>
+      </p:sp>
+      <p:pic>
+        <p:nvPicPr>
+          <p:cNvPr id="6" name="Content Placeholder 5">
+            <a:extLst>
+              <a:ext uri="{FF2B5EF4-FFF2-40B4-BE49-F238E27FC236}">
+                <a16:creationId xmlns:a16="http://schemas.microsoft.com/office/drawing/2014/main" id="{1DDF60D7-4256-4930-8490-C51E34BB5293}"/>
+              </a:ext>
+            </a:extLst>
+          </p:cNvPr>
+          <p:cNvPicPr>
+            <a:picLocks noGrp="1" noChangeAspect="1"/>
+          </p:cNvPicPr>
+          <p:nvPr>
+            <p:ph idx="1"/>
+          </p:nvPr>
+        </p:nvPicPr>
+        <p:blipFill>
+          <a:blip r:embed="rId2"/>
+          <a:stretch>
+            <a:fillRect/>
+          </a:stretch>
+        </p:blipFill>
+        <p:spPr>
+          <a:xfrm>
+            <a:off x="1141413" y="1669774"/>
+            <a:ext cx="9855637" cy="4217879"/>
+          </a:xfrm>
+        </p:spPr>
+      </p:pic>
+    </p:spTree>
+    <p:extLst>
+      <p:ext uri="{BB962C8B-B14F-4D97-AF65-F5344CB8AC3E}">
+        <p14:creationId xmlns:p14="http://schemas.microsoft.com/office/powerpoint/2010/main" val="3701250757"/>
+      </p:ext>
+    </p:extLst>
+  </p:cSld>
+  <p:clrMapOvr>
+    <a:masterClrMapping/>
+  </p:clrMapOvr>
+  <mc:AlternateContent xmlns:mc="http://schemas.openxmlformats.org/markup-compatibility/2006" xmlns:p14="http://schemas.microsoft.com/office/powerpoint/2010/main">
+    <mc:Choice Requires="p14">
+      <p:transition spd="med" p14:dur="700">
+        <p:fade/>
+      </p:transition>
+    </mc:Choice>
+    <mc:Fallback xmlns="">
+      <p:transition spd="med">
+        <p:fade/>
+      </p:transition>
+    </mc:Fallback>
+  </mc:AlternateContent>
+</p:sld>
+</file>
+
+<file path=ppt/slides/slide19.xml><?xml version="1.0" encoding="utf-8"?>
+<p:sld xmlns:a="http://schemas.openxmlformats.org/drawingml/2006/main" xmlns:r="http://schemas.openxmlformats.org/officeDocument/2006/relationships" xmlns:p="http://schemas.openxmlformats.org/presentationml/2006/main">
+  <p:cSld>
+    <p:spTree>
+      <p:nvGrpSpPr>
+        <p:cNvPr id="1" name=""/>
+        <p:cNvGrpSpPr/>
+        <p:nvPr/>
+      </p:nvGrpSpPr>
+      <p:grpSpPr>
+        <a:xfrm>
+          <a:off x="0" y="0"/>
+          <a:ext cx="0" cy="0"/>
+          <a:chOff x="0" y="0"/>
+          <a:chExt cx="0" cy="0"/>
+        </a:xfrm>
+      </p:grpSpPr>
+      <p:sp>
+        <p:nvSpPr>
+          <p:cNvPr id="10" name="Title 1">
+            <a:extLst>
+              <a:ext uri="{FF2B5EF4-FFF2-40B4-BE49-F238E27FC236}">
+                <a16:creationId xmlns:a16="http://schemas.microsoft.com/office/drawing/2014/main" id="{EEC7FB8C-6937-4291-893D-393121C812E3}"/>
+              </a:ext>
+            </a:extLst>
+          </p:cNvPr>
+          <p:cNvSpPr>
+            <a:spLocks noGrp="1"/>
+          </p:cNvSpPr>
+          <p:nvPr>
+            <p:ph type="title"/>
+          </p:nvPr>
+        </p:nvSpPr>
+        <p:spPr/>
+        <p:txBody>
+          <a:bodyPr>
+            <a:normAutofit/>
+          </a:bodyPr>
+          <a:lstStyle/>
+          <a:p>
+            <a:pPr algn="ctr"/>
+            <a:r>
+              <a:rPr lang="en-US" sz="4800" dirty="0"/>
+              <a:t>Milestones list</a:t>
+            </a:r>
+            <a:br>
+              <a:rPr lang="en-US" sz="4800" dirty="0"/>
+            </a:br>
+            <a:endParaRPr lang="en-GB" sz="4800" dirty="0"/>
+          </a:p>
+        </p:txBody>
+      </p:sp>
+      <p:sp>
+        <p:nvSpPr>
+          <p:cNvPr id="14" name="TextBox 13">
+            <a:extLst>
+              <a:ext uri="{FF2B5EF4-FFF2-40B4-BE49-F238E27FC236}">
+                <a16:creationId xmlns:a16="http://schemas.microsoft.com/office/drawing/2014/main" id="{ED3202F2-9FCA-45CC-96CB-A8264206E619}"/>
+              </a:ext>
+            </a:extLst>
+          </p:cNvPr>
+          <p:cNvSpPr txBox="1"/>
+          <p:nvPr/>
+        </p:nvSpPr>
+        <p:spPr>
+          <a:xfrm>
+            <a:off x="10204174" y="6118739"/>
+            <a:ext cx="843235" cy="369332"/>
+          </a:xfrm>
+          <a:prstGeom prst="rect">
+            <a:avLst/>
+          </a:prstGeom>
+          <a:noFill/>
+        </p:spPr>
+        <p:txBody>
+          <a:bodyPr wrap="square" rtlCol="0">
+            <a:spAutoFit/>
+          </a:bodyPr>
+          <a:lstStyle/>
+          <a:p>
+            <a:r>
+              <a:rPr lang="en-US" dirty="0"/>
+              <a:t>19/22</a:t>
+            </a:r>
+            <a:endParaRPr lang="en-GB" dirty="0"/>
+          </a:p>
+        </p:txBody>
+      </p:sp>
+      <p:pic>
+        <p:nvPicPr>
+          <p:cNvPr id="5" name="Content Placeholder 4">
+            <a:extLst>
+              <a:ext uri="{FF2B5EF4-FFF2-40B4-BE49-F238E27FC236}">
+                <a16:creationId xmlns:a16="http://schemas.microsoft.com/office/drawing/2014/main" id="{473C31CA-7313-4127-97C8-8CDB65334CBD}"/>
+              </a:ext>
+            </a:extLst>
+          </p:cNvPr>
+          <p:cNvPicPr>
+            <a:picLocks noGrp="1" noChangeAspect="1"/>
+          </p:cNvPicPr>
+          <p:nvPr>
+            <p:ph idx="1"/>
+          </p:nvPr>
+        </p:nvPicPr>
+        <p:blipFill>
+          <a:blip r:embed="rId2"/>
+          <a:stretch>
+            <a:fillRect/>
+          </a:stretch>
+        </p:blipFill>
+        <p:spPr>
+          <a:xfrm>
+            <a:off x="736922" y="1750609"/>
+            <a:ext cx="10714979" cy="3625775"/>
+          </a:xfrm>
+        </p:spPr>
+      </p:pic>
+    </p:spTree>
+    <p:extLst>
+      <p:ext uri="{BB962C8B-B14F-4D97-AF65-F5344CB8AC3E}">
+        <p14:creationId xmlns:p14="http://schemas.microsoft.com/office/powerpoint/2010/main" val="1813480512"/>
+      </p:ext>
+    </p:extLst>
+  </p:cSld>
+  <p:clrMapOvr>
+    <a:masterClrMapping/>
+  </p:clrMapOvr>
+  <mc:AlternateContent xmlns:mc="http://schemas.openxmlformats.org/markup-compatibility/2006" xmlns:p14="http://schemas.microsoft.com/office/powerpoint/2010/main">
+    <mc:Choice Requires="p14">
+      <p:transition spd="med" p14:dur="700">
+        <p:fade/>
+      </p:transition>
+    </mc:Choice>
+    <mc:Fallback xmlns="">
+      <p:transition spd="med">
         <p:fade/>
       </p:transition>
     </mc:Fallback>
@@ -13627,7 +15387,11 @@
           <a:p>
             <a:r>
               <a:rPr lang="sr-Latn-RS" dirty="0"/>
-              <a:t>2/37</a:t>
+              <a:t>2</a:t>
+            </a:r>
+            <a:r>
+              <a:rPr lang="en-US" dirty="0"/>
+              <a:t>/22</a:t>
             </a:r>
             <a:endParaRPr lang="en-GB" dirty="0"/>
           </a:p>
@@ -13643,13 +15407,622 @@
   <p:clrMapOvr>
     <a:masterClrMapping/>
   </p:clrMapOvr>
-  <mc:AlternateContent xmlns:mc="http://schemas.openxmlformats.org/markup-compatibility/2006">
-    <mc:Choice xmlns:p14="http://schemas.microsoft.com/office/powerpoint/2010/main" Requires="p14">
+  <mc:AlternateContent xmlns:mc="http://schemas.openxmlformats.org/markup-compatibility/2006" xmlns:p14="http://schemas.microsoft.com/office/powerpoint/2010/main">
+    <mc:Choice Requires="p14">
       <p:transition spd="med" p14:dur="700">
         <p:fade/>
       </p:transition>
     </mc:Choice>
-    <mc:Fallback>
+    <mc:Fallback xmlns="">
+      <p:transition spd="med">
+        <p:fade/>
+      </p:transition>
+    </mc:Fallback>
+  </mc:AlternateContent>
+</p:sld>
+</file>
+
+<file path=ppt/slides/slide20.xml><?xml version="1.0" encoding="utf-8"?>
+<p:sld xmlns:a="http://schemas.openxmlformats.org/drawingml/2006/main" xmlns:r="http://schemas.openxmlformats.org/officeDocument/2006/relationships" xmlns:p="http://schemas.openxmlformats.org/presentationml/2006/main">
+  <p:cSld>
+    <p:spTree>
+      <p:nvGrpSpPr>
+        <p:cNvPr id="1" name=""/>
+        <p:cNvGrpSpPr/>
+        <p:nvPr/>
+      </p:nvGrpSpPr>
+      <p:grpSpPr>
+        <a:xfrm>
+          <a:off x="0" y="0"/>
+          <a:ext cx="0" cy="0"/>
+          <a:chOff x="0" y="0"/>
+          <a:chExt cx="0" cy="0"/>
+        </a:xfrm>
+      </p:grpSpPr>
+      <p:sp>
+        <p:nvSpPr>
+          <p:cNvPr id="10" name="Title 1">
+            <a:extLst>
+              <a:ext uri="{FF2B5EF4-FFF2-40B4-BE49-F238E27FC236}">
+                <a16:creationId xmlns:a16="http://schemas.microsoft.com/office/drawing/2014/main" id="{EEC7FB8C-6937-4291-893D-393121C812E3}"/>
+              </a:ext>
+            </a:extLst>
+          </p:cNvPr>
+          <p:cNvSpPr>
+            <a:spLocks noGrp="1"/>
+          </p:cNvSpPr>
+          <p:nvPr>
+            <p:ph type="title"/>
+          </p:nvPr>
+        </p:nvSpPr>
+        <p:spPr/>
+        <p:txBody>
+          <a:bodyPr>
+            <a:normAutofit/>
+          </a:bodyPr>
+          <a:lstStyle/>
+          <a:p>
+            <a:pPr algn="ctr"/>
+            <a:r>
+              <a:rPr lang="en-US" sz="4800" dirty="0"/>
+              <a:t>Released product</a:t>
+            </a:r>
+            <a:br>
+              <a:rPr lang="en-US" sz="4800" dirty="0"/>
+            </a:br>
+            <a:endParaRPr lang="en-GB" sz="4800" dirty="0"/>
+          </a:p>
+        </p:txBody>
+      </p:sp>
+      <p:sp>
+        <p:nvSpPr>
+          <p:cNvPr id="14" name="TextBox 13">
+            <a:extLst>
+              <a:ext uri="{FF2B5EF4-FFF2-40B4-BE49-F238E27FC236}">
+                <a16:creationId xmlns:a16="http://schemas.microsoft.com/office/drawing/2014/main" id="{ED3202F2-9FCA-45CC-96CB-A8264206E619}"/>
+              </a:ext>
+            </a:extLst>
+          </p:cNvPr>
+          <p:cNvSpPr txBox="1"/>
+          <p:nvPr/>
+        </p:nvSpPr>
+        <p:spPr>
+          <a:xfrm>
+            <a:off x="10204174" y="6118739"/>
+            <a:ext cx="843235" cy="369332"/>
+          </a:xfrm>
+          <a:prstGeom prst="rect">
+            <a:avLst/>
+          </a:prstGeom>
+          <a:noFill/>
+        </p:spPr>
+        <p:txBody>
+          <a:bodyPr wrap="square" rtlCol="0">
+            <a:spAutoFit/>
+          </a:bodyPr>
+          <a:lstStyle/>
+          <a:p>
+            <a:r>
+              <a:rPr lang="en-US" dirty="0"/>
+              <a:t>20</a:t>
+            </a:r>
+            <a:r>
+              <a:rPr lang="sr-Latn-RS" dirty="0"/>
+              <a:t>/</a:t>
+            </a:r>
+            <a:r>
+              <a:rPr lang="en-US" dirty="0"/>
+              <a:t>22</a:t>
+            </a:r>
+            <a:endParaRPr lang="en-GB" dirty="0"/>
+          </a:p>
+        </p:txBody>
+      </p:sp>
+      <p:sp>
+        <p:nvSpPr>
+          <p:cNvPr id="3" name="Content Placeholder 2">
+            <a:extLst>
+              <a:ext uri="{FF2B5EF4-FFF2-40B4-BE49-F238E27FC236}">
+                <a16:creationId xmlns:a16="http://schemas.microsoft.com/office/drawing/2014/main" id="{90A99955-B9D1-48BF-9EB3-8FFE1D8BFDD7}"/>
+              </a:ext>
+            </a:extLst>
+          </p:cNvPr>
+          <p:cNvSpPr>
+            <a:spLocks noGrp="1"/>
+          </p:cNvSpPr>
+          <p:nvPr>
+            <p:ph idx="1"/>
+          </p:nvPr>
+        </p:nvSpPr>
+        <p:spPr/>
+        <p:txBody>
+          <a:bodyPr/>
+          <a:lstStyle/>
+          <a:p>
+            <a:pPr marL="0" indent="0">
+              <a:buNone/>
+            </a:pPr>
+            <a:r>
+              <a:rPr lang="en-US" dirty="0"/>
+              <a:t>The SRHC will be released and available in every European country.</a:t>
+            </a:r>
+          </a:p>
+          <a:p>
+            <a:pPr marL="0" indent="0">
+              <a:buNone/>
+            </a:pPr>
+            <a:r>
+              <a:rPr lang="en-US" dirty="0"/>
+              <a:t>It will be sold at reasonable and affordable prices.</a:t>
+            </a:r>
+          </a:p>
+          <a:p>
+            <a:pPr marL="0" indent="0">
+              <a:buNone/>
+            </a:pPr>
+            <a:r>
+              <a:rPr lang="en-US" dirty="0"/>
+              <a:t>We expect to branch around the world in the future, if the project turns out to be a success.</a:t>
+            </a:r>
+            <a:endParaRPr lang="en-GB" dirty="0"/>
+          </a:p>
+        </p:txBody>
+      </p:sp>
+      <p:pic>
+        <p:nvPicPr>
+          <p:cNvPr id="6" name="Picture 5">
+            <a:extLst>
+              <a:ext uri="{FF2B5EF4-FFF2-40B4-BE49-F238E27FC236}">
+                <a16:creationId xmlns:a16="http://schemas.microsoft.com/office/drawing/2014/main" id="{194F806F-023B-4F9E-BB4D-EBDEF72E8EB6}"/>
+              </a:ext>
+            </a:extLst>
+          </p:cNvPr>
+          <p:cNvPicPr>
+            <a:picLocks noChangeAspect="1"/>
+          </p:cNvPicPr>
+          <p:nvPr/>
+        </p:nvPicPr>
+        <p:blipFill>
+          <a:blip r:embed="rId2"/>
+          <a:stretch>
+            <a:fillRect/>
+          </a:stretch>
+        </p:blipFill>
+        <p:spPr>
+          <a:xfrm>
+            <a:off x="7765774" y="3865005"/>
+            <a:ext cx="2438400" cy="2438400"/>
+          </a:xfrm>
+          <a:prstGeom prst="rect">
+            <a:avLst/>
+          </a:prstGeom>
+        </p:spPr>
+      </p:pic>
+    </p:spTree>
+    <p:extLst>
+      <p:ext uri="{BB962C8B-B14F-4D97-AF65-F5344CB8AC3E}">
+        <p14:creationId xmlns:p14="http://schemas.microsoft.com/office/powerpoint/2010/main" val="1375343261"/>
+      </p:ext>
+    </p:extLst>
+  </p:cSld>
+  <p:clrMapOvr>
+    <a:masterClrMapping/>
+  </p:clrMapOvr>
+  <mc:AlternateContent xmlns:mc="http://schemas.openxmlformats.org/markup-compatibility/2006" xmlns:p14="http://schemas.microsoft.com/office/powerpoint/2010/main">
+    <mc:Choice Requires="p14">
+      <p:transition spd="med" p14:dur="700">
+        <p:fade/>
+      </p:transition>
+    </mc:Choice>
+    <mc:Fallback xmlns="">
+      <p:transition spd="med">
+        <p:fade/>
+      </p:transition>
+    </mc:Fallback>
+  </mc:AlternateContent>
+</p:sld>
+</file>
+
+<file path=ppt/slides/slide21.xml><?xml version="1.0" encoding="utf-8"?>
+<p:sld xmlns:a="http://schemas.openxmlformats.org/drawingml/2006/main" xmlns:r="http://schemas.openxmlformats.org/officeDocument/2006/relationships" xmlns:p="http://schemas.openxmlformats.org/presentationml/2006/main">
+  <p:cSld>
+    <p:spTree>
+      <p:nvGrpSpPr>
+        <p:cNvPr id="1" name=""/>
+        <p:cNvGrpSpPr/>
+        <p:nvPr/>
+      </p:nvGrpSpPr>
+      <p:grpSpPr>
+        <a:xfrm>
+          <a:off x="0" y="0"/>
+          <a:ext cx="0" cy="0"/>
+          <a:chOff x="0" y="0"/>
+          <a:chExt cx="0" cy="0"/>
+        </a:xfrm>
+      </p:grpSpPr>
+      <p:sp>
+        <p:nvSpPr>
+          <p:cNvPr id="10" name="Title 1">
+            <a:extLst>
+              <a:ext uri="{FF2B5EF4-FFF2-40B4-BE49-F238E27FC236}">
+                <a16:creationId xmlns:a16="http://schemas.microsoft.com/office/drawing/2014/main" id="{EEC7FB8C-6937-4291-893D-393121C812E3}"/>
+              </a:ext>
+            </a:extLst>
+          </p:cNvPr>
+          <p:cNvSpPr>
+            <a:spLocks noGrp="1"/>
+          </p:cNvSpPr>
+          <p:nvPr>
+            <p:ph type="title"/>
+          </p:nvPr>
+        </p:nvSpPr>
+        <p:spPr/>
+        <p:txBody>
+          <a:bodyPr>
+            <a:normAutofit/>
+          </a:bodyPr>
+          <a:lstStyle/>
+          <a:p>
+            <a:pPr algn="ctr"/>
+            <a:r>
+              <a:rPr lang="en-US" sz="4800" dirty="0"/>
+              <a:t>Expected results</a:t>
+            </a:r>
+            <a:br>
+              <a:rPr lang="en-US" sz="4800" dirty="0"/>
+            </a:br>
+            <a:endParaRPr lang="en-GB" sz="4800" dirty="0"/>
+          </a:p>
+        </p:txBody>
+      </p:sp>
+      <p:sp>
+        <p:nvSpPr>
+          <p:cNvPr id="14" name="TextBox 13">
+            <a:extLst>
+              <a:ext uri="{FF2B5EF4-FFF2-40B4-BE49-F238E27FC236}">
+                <a16:creationId xmlns:a16="http://schemas.microsoft.com/office/drawing/2014/main" id="{ED3202F2-9FCA-45CC-96CB-A8264206E619}"/>
+              </a:ext>
+            </a:extLst>
+          </p:cNvPr>
+          <p:cNvSpPr txBox="1"/>
+          <p:nvPr/>
+        </p:nvSpPr>
+        <p:spPr>
+          <a:xfrm>
+            <a:off x="10204174" y="6118739"/>
+            <a:ext cx="843235" cy="369332"/>
+          </a:xfrm>
+          <a:prstGeom prst="rect">
+            <a:avLst/>
+          </a:prstGeom>
+          <a:noFill/>
+        </p:spPr>
+        <p:txBody>
+          <a:bodyPr wrap="square" rtlCol="0">
+            <a:spAutoFit/>
+          </a:bodyPr>
+          <a:lstStyle/>
+          <a:p>
+            <a:r>
+              <a:rPr lang="en-US" dirty="0"/>
+              <a:t>21/22</a:t>
+            </a:r>
+            <a:endParaRPr lang="en-GB" dirty="0"/>
+          </a:p>
+        </p:txBody>
+      </p:sp>
+      <p:sp>
+        <p:nvSpPr>
+          <p:cNvPr id="3" name="Content Placeholder 2">
+            <a:extLst>
+              <a:ext uri="{FF2B5EF4-FFF2-40B4-BE49-F238E27FC236}">
+                <a16:creationId xmlns:a16="http://schemas.microsoft.com/office/drawing/2014/main" id="{58919501-5CBA-4EB1-8213-5926CEFECDDD}"/>
+              </a:ext>
+            </a:extLst>
+          </p:cNvPr>
+          <p:cNvSpPr>
+            <a:spLocks noGrp="1"/>
+          </p:cNvSpPr>
+          <p:nvPr>
+            <p:ph idx="1"/>
+          </p:nvPr>
+        </p:nvSpPr>
+        <p:spPr>
+          <a:xfrm>
+            <a:off x="1141412" y="2249487"/>
+            <a:ext cx="9905999" cy="3541714"/>
+          </a:xfrm>
+        </p:spPr>
+        <p:txBody>
+          <a:bodyPr/>
+          <a:lstStyle/>
+          <a:p>
+            <a:pPr marL="0" indent="0">
+              <a:buNone/>
+            </a:pPr>
+            <a:r>
+              <a:rPr lang="en-US" dirty="0"/>
+              <a:t>People using the SRHC will have more free time to:</a:t>
+            </a:r>
+          </a:p>
+          <a:p>
+            <a:r>
+              <a:rPr lang="en-US" dirty="0"/>
+              <a:t>spend with their families, </a:t>
+            </a:r>
+          </a:p>
+          <a:p>
+            <a:r>
+              <a:rPr lang="en-US" dirty="0"/>
+              <a:t>do what they love,</a:t>
+            </a:r>
+          </a:p>
+          <a:p>
+            <a:r>
+              <a:rPr lang="en-US" dirty="0"/>
+              <a:t>take up a sport.</a:t>
+            </a:r>
+          </a:p>
+          <a:p>
+            <a:pPr marL="0" indent="0">
+              <a:buNone/>
+            </a:pPr>
+            <a:r>
+              <a:rPr lang="en-US" dirty="0"/>
+              <a:t>This will increase overall productivity, health and happiness.</a:t>
+            </a:r>
+          </a:p>
+          <a:p>
+            <a:endParaRPr lang="en-GB" dirty="0"/>
+          </a:p>
+        </p:txBody>
+      </p:sp>
+      <p:pic>
+        <p:nvPicPr>
+          <p:cNvPr id="6" name="Picture 5">
+            <a:extLst>
+              <a:ext uri="{FF2B5EF4-FFF2-40B4-BE49-F238E27FC236}">
+                <a16:creationId xmlns:a16="http://schemas.microsoft.com/office/drawing/2014/main" id="{6321B2C8-3A76-4685-AF29-AA0005473078}"/>
+              </a:ext>
+            </a:extLst>
+          </p:cNvPr>
+          <p:cNvPicPr>
+            <a:picLocks noChangeAspect="1"/>
+          </p:cNvPicPr>
+          <p:nvPr/>
+        </p:nvPicPr>
+        <p:blipFill>
+          <a:blip r:embed="rId2"/>
+          <a:stretch>
+            <a:fillRect/>
+          </a:stretch>
+        </p:blipFill>
+        <p:spPr>
+          <a:xfrm>
+            <a:off x="8407305" y="1801249"/>
+            <a:ext cx="2640104" cy="2874433"/>
+          </a:xfrm>
+          <a:prstGeom prst="rect">
+            <a:avLst/>
+          </a:prstGeom>
+        </p:spPr>
+      </p:pic>
+    </p:spTree>
+    <p:extLst>
+      <p:ext uri="{BB962C8B-B14F-4D97-AF65-F5344CB8AC3E}">
+        <p14:creationId xmlns:p14="http://schemas.microsoft.com/office/powerpoint/2010/main" val="2214786878"/>
+      </p:ext>
+    </p:extLst>
+  </p:cSld>
+  <p:clrMapOvr>
+    <a:masterClrMapping/>
+  </p:clrMapOvr>
+  <mc:AlternateContent xmlns:mc="http://schemas.openxmlformats.org/markup-compatibility/2006" xmlns:p14="http://schemas.microsoft.com/office/powerpoint/2010/main">
+    <mc:Choice Requires="p14">
+      <p:transition spd="med" p14:dur="700">
+        <p:fade/>
+      </p:transition>
+    </mc:Choice>
+    <mc:Fallback xmlns="">
+      <p:transition spd="med">
+        <p:fade/>
+      </p:transition>
+    </mc:Fallback>
+  </mc:AlternateContent>
+</p:sld>
+</file>
+
+<file path=ppt/slides/slide22.xml><?xml version="1.0" encoding="utf-8"?>
+<p:sld xmlns:a="http://schemas.openxmlformats.org/drawingml/2006/main" xmlns:r="http://schemas.openxmlformats.org/officeDocument/2006/relationships" xmlns:p="http://schemas.openxmlformats.org/presentationml/2006/main">
+  <p:cSld>
+    <p:spTree>
+      <p:nvGrpSpPr>
+        <p:cNvPr id="1" name=""/>
+        <p:cNvGrpSpPr/>
+        <p:nvPr/>
+      </p:nvGrpSpPr>
+      <p:grpSpPr>
+        <a:xfrm>
+          <a:off x="0" y="0"/>
+          <a:ext cx="0" cy="0"/>
+          <a:chOff x="0" y="0"/>
+          <a:chExt cx="0" cy="0"/>
+        </a:xfrm>
+      </p:grpSpPr>
+      <p:sp>
+        <p:nvSpPr>
+          <p:cNvPr id="10" name="Title 1">
+            <a:extLst>
+              <a:ext uri="{FF2B5EF4-FFF2-40B4-BE49-F238E27FC236}">
+                <a16:creationId xmlns:a16="http://schemas.microsoft.com/office/drawing/2014/main" id="{EEC7FB8C-6937-4291-893D-393121C812E3}"/>
+              </a:ext>
+            </a:extLst>
+          </p:cNvPr>
+          <p:cNvSpPr>
+            <a:spLocks noGrp="1"/>
+          </p:cNvSpPr>
+          <p:nvPr>
+            <p:ph type="title"/>
+          </p:nvPr>
+        </p:nvSpPr>
+        <p:spPr>
+          <a:xfrm>
+            <a:off x="1146705" y="609601"/>
+            <a:ext cx="9900704" cy="1639884"/>
+          </a:xfrm>
+        </p:spPr>
+        <p:txBody>
+          <a:bodyPr>
+            <a:normAutofit/>
+          </a:bodyPr>
+          <a:lstStyle/>
+          <a:p>
+            <a:pPr algn="ctr"/>
+            <a:r>
+              <a:rPr lang="en-US" sz="4800" dirty="0"/>
+              <a:t>SRHC</a:t>
+            </a:r>
+            <a:br>
+              <a:rPr lang="en-US" sz="4800" dirty="0"/>
+            </a:br>
+            <a:endParaRPr lang="en-GB" sz="4800" dirty="0"/>
+          </a:p>
+        </p:txBody>
+      </p:sp>
+      <p:pic>
+        <p:nvPicPr>
+          <p:cNvPr id="7" name="Content Placeholder 6">
+            <a:extLst>
+              <a:ext uri="{FF2B5EF4-FFF2-40B4-BE49-F238E27FC236}">
+                <a16:creationId xmlns:a16="http://schemas.microsoft.com/office/drawing/2014/main" id="{CB51996A-9E17-405E-A988-254D4DA1C4F8}"/>
+              </a:ext>
+            </a:extLst>
+          </p:cNvPr>
+          <p:cNvPicPr>
+            <a:picLocks noGrp="1" noChangeAspect="1"/>
+          </p:cNvPicPr>
+          <p:nvPr>
+            <p:ph idx="1"/>
+          </p:nvPr>
+        </p:nvPicPr>
+        <p:blipFill>
+          <a:blip r:embed="rId2"/>
+          <a:stretch>
+            <a:fillRect/>
+          </a:stretch>
+        </p:blipFill>
+        <p:spPr>
+          <a:xfrm>
+            <a:off x="6280086" y="1793404"/>
+            <a:ext cx="3489979" cy="4453878"/>
+          </a:xfrm>
+        </p:spPr>
+      </p:pic>
+      <p:sp>
+        <p:nvSpPr>
+          <p:cNvPr id="4" name="Text Placeholder 3">
+            <a:extLst>
+              <a:ext uri="{FF2B5EF4-FFF2-40B4-BE49-F238E27FC236}">
+                <a16:creationId xmlns:a16="http://schemas.microsoft.com/office/drawing/2014/main" id="{F8EE4510-D65E-438F-AAE1-9F80D8EF67DB}"/>
+              </a:ext>
+            </a:extLst>
+          </p:cNvPr>
+          <p:cNvSpPr>
+            <a:spLocks noGrp="1"/>
+          </p:cNvSpPr>
+          <p:nvPr>
+            <p:ph type="body" sz="half" idx="2"/>
+          </p:nvPr>
+        </p:nvSpPr>
+        <p:spPr>
+          <a:xfrm>
+            <a:off x="1785377" y="2246100"/>
+            <a:ext cx="3856037" cy="3541714"/>
+          </a:xfrm>
+        </p:spPr>
+        <p:txBody>
+          <a:bodyPr>
+            <a:normAutofit/>
+          </a:bodyPr>
+          <a:lstStyle/>
+          <a:p>
+            <a:pPr algn="ctr"/>
+            <a:r>
+              <a:rPr lang="en-US" sz="2400" dirty="0"/>
+              <a:t>Let’s make this decision easier for granny!</a:t>
+            </a:r>
+          </a:p>
+          <a:p>
+            <a:pPr algn="ctr"/>
+            <a:endParaRPr lang="en-US" sz="2400" dirty="0"/>
+          </a:p>
+          <a:p>
+            <a:pPr algn="ctr"/>
+            <a:r>
+              <a:rPr lang="en-US" sz="2400" dirty="0"/>
+              <a:t>Let’s build a robot that can do all of </a:t>
+            </a:r>
+            <a:r>
+              <a:rPr lang="en-US" sz="2400"/>
+              <a:t>the chores!</a:t>
+            </a:r>
+            <a:endParaRPr lang="en-GB" sz="2400" dirty="0"/>
+          </a:p>
+        </p:txBody>
+      </p:sp>
+      <p:sp>
+        <p:nvSpPr>
+          <p:cNvPr id="14" name="TextBox 13">
+            <a:extLst>
+              <a:ext uri="{FF2B5EF4-FFF2-40B4-BE49-F238E27FC236}">
+                <a16:creationId xmlns:a16="http://schemas.microsoft.com/office/drawing/2014/main" id="{ED3202F2-9FCA-45CC-96CB-A8264206E619}"/>
+              </a:ext>
+            </a:extLst>
+          </p:cNvPr>
+          <p:cNvSpPr txBox="1"/>
+          <p:nvPr/>
+        </p:nvSpPr>
+        <p:spPr>
+          <a:xfrm>
+            <a:off x="10204174" y="6118739"/>
+            <a:ext cx="843235" cy="369332"/>
+          </a:xfrm>
+          <a:prstGeom prst="rect">
+            <a:avLst/>
+          </a:prstGeom>
+          <a:noFill/>
+        </p:spPr>
+        <p:txBody>
+          <a:bodyPr wrap="square" rtlCol="0">
+            <a:spAutoFit/>
+          </a:bodyPr>
+          <a:lstStyle/>
+          <a:p>
+            <a:r>
+              <a:rPr lang="en-US" dirty="0"/>
+              <a:t>22/22</a:t>
+            </a:r>
+            <a:endParaRPr lang="en-GB" dirty="0"/>
+          </a:p>
+        </p:txBody>
+      </p:sp>
+    </p:spTree>
+    <p:extLst>
+      <p:ext uri="{BB962C8B-B14F-4D97-AF65-F5344CB8AC3E}">
+        <p14:creationId xmlns:p14="http://schemas.microsoft.com/office/powerpoint/2010/main" val="1927131912"/>
+      </p:ext>
+    </p:extLst>
+  </p:cSld>
+  <p:clrMapOvr>
+    <a:masterClrMapping/>
+  </p:clrMapOvr>
+  <mc:AlternateContent xmlns:mc="http://schemas.openxmlformats.org/markup-compatibility/2006" xmlns:p14="http://schemas.microsoft.com/office/powerpoint/2010/main">
+    <mc:Choice Requires="p14">
+      <p:transition spd="med" p14:dur="700">
+        <p:fade/>
+      </p:transition>
+    </mc:Choice>
+    <mc:Fallback xmlns="">
       <p:transition spd="med">
         <p:fade/>
       </p:transition>
@@ -14009,7 +16382,11 @@
           <a:p>
             <a:r>
               <a:rPr lang="sr-Latn-RS" dirty="0"/>
-              <a:t>3/37</a:t>
+              <a:t>3</a:t>
+            </a:r>
+            <a:r>
+              <a:rPr lang="en-US" dirty="0"/>
+              <a:t>/22</a:t>
             </a:r>
             <a:endParaRPr lang="en-GB" dirty="0"/>
           </a:p>
@@ -14055,13 +16432,13 @@
   <p:clrMapOvr>
     <a:masterClrMapping/>
   </p:clrMapOvr>
-  <mc:AlternateContent xmlns:mc="http://schemas.openxmlformats.org/markup-compatibility/2006">
-    <mc:Choice xmlns:p14="http://schemas.microsoft.com/office/powerpoint/2010/main" Requires="p14">
+  <mc:AlternateContent xmlns:mc="http://schemas.openxmlformats.org/markup-compatibility/2006" xmlns:p14="http://schemas.microsoft.com/office/powerpoint/2010/main">
+    <mc:Choice Requires="p14">
       <p:transition spd="med" p14:dur="700">
         <p:fade/>
       </p:transition>
     </mc:Choice>
-    <mc:Fallback>
+    <mc:Fallback xmlns="">
       <p:transition spd="med">
         <p:fade/>
       </p:transition>
@@ -14329,7 +16706,11 @@
           <a:p>
             <a:r>
               <a:rPr lang="sr-Latn-RS" dirty="0"/>
-              <a:t>4/37</a:t>
+              <a:t>4</a:t>
+            </a:r>
+            <a:r>
+              <a:rPr lang="en-US" dirty="0"/>
+              <a:t>/22</a:t>
             </a:r>
             <a:endParaRPr lang="en-GB" dirty="0"/>
           </a:p>
@@ -14405,13 +16786,13 @@
   <p:clrMapOvr>
     <a:masterClrMapping/>
   </p:clrMapOvr>
-  <mc:AlternateContent xmlns:mc="http://schemas.openxmlformats.org/markup-compatibility/2006">
-    <mc:Choice xmlns:p14="http://schemas.microsoft.com/office/powerpoint/2010/main" Requires="p14">
+  <mc:AlternateContent xmlns:mc="http://schemas.openxmlformats.org/markup-compatibility/2006" xmlns:p14="http://schemas.microsoft.com/office/powerpoint/2010/main">
+    <mc:Choice Requires="p14">
       <p:transition spd="med" p14:dur="700">
         <p:fade/>
       </p:transition>
     </mc:Choice>
-    <mc:Fallback>
+    <mc:Fallback xmlns="">
       <p:transition spd="med">
         <p:fade/>
       </p:transition>
@@ -14687,7 +17068,11 @@
           <a:p>
             <a:r>
               <a:rPr lang="sr-Latn-RS" dirty="0"/>
-              <a:t>5/37</a:t>
+              <a:t>5</a:t>
+            </a:r>
+            <a:r>
+              <a:rPr lang="en-US" dirty="0"/>
+              <a:t>/22</a:t>
             </a:r>
             <a:endParaRPr lang="en-GB" dirty="0"/>
           </a:p>
@@ -14771,13 +17156,13 @@
   <p:clrMapOvr>
     <a:masterClrMapping/>
   </p:clrMapOvr>
-  <mc:AlternateContent xmlns:mc="http://schemas.openxmlformats.org/markup-compatibility/2006">
-    <mc:Choice xmlns:p14="http://schemas.microsoft.com/office/powerpoint/2010/main" Requires="p14">
+  <mc:AlternateContent xmlns:mc="http://schemas.openxmlformats.org/markup-compatibility/2006" xmlns:p14="http://schemas.microsoft.com/office/powerpoint/2010/main">
+    <mc:Choice Requires="p14">
       <p:transition spd="med" p14:dur="700">
         <p:fade/>
       </p:transition>
     </mc:Choice>
-    <mc:Fallback>
+    <mc:Fallback xmlns="">
       <p:transition spd="med">
         <p:fade/>
       </p:transition>
@@ -15236,6 +17621,27 @@
               <a:rPr lang="sr-Latn-RS" sz="2400" dirty="0"/>
               <a:t>.</a:t>
             </a:r>
+            <a:endParaRPr lang="en-US" sz="2400" dirty="0"/>
+          </a:p>
+          <a:p>
+            <a:pPr marL="342900" indent="-342900">
+              <a:buFont typeface="Arial" panose="020B0604020202020204" pitchFamily="34" charset="0"/>
+              <a:buChar char="•"/>
+            </a:pPr>
+            <a:r>
+              <a:rPr lang="en-US" sz="2400" dirty="0"/>
+              <a:t>Returns to the charging station in time, before the battery runs out.</a:t>
+            </a:r>
+          </a:p>
+          <a:p>
+            <a:pPr marL="342900" indent="-342900">
+              <a:buFont typeface="Arial" panose="020B0604020202020204" pitchFamily="34" charset="0"/>
+              <a:buChar char="•"/>
+            </a:pPr>
+            <a:r>
+              <a:rPr lang="en-US" sz="2400" dirty="0"/>
+              <a:t>Isn’t easily broken.</a:t>
+            </a:r>
             <a:endParaRPr lang="en-GB" sz="2400" dirty="0"/>
           </a:p>
         </p:txBody>
@@ -15270,7 +17676,11 @@
           <a:p>
             <a:r>
               <a:rPr lang="sr-Latn-RS" dirty="0"/>
-              <a:t>6/37</a:t>
+              <a:t>6</a:t>
+            </a:r>
+            <a:r>
+              <a:rPr lang="en-US" dirty="0"/>
+              <a:t>/22</a:t>
             </a:r>
             <a:endParaRPr lang="en-GB" dirty="0"/>
           </a:p>
@@ -15286,13 +17696,703 @@
   <p:clrMapOvr>
     <a:masterClrMapping/>
   </p:clrMapOvr>
-  <mc:AlternateContent xmlns:mc="http://schemas.openxmlformats.org/markup-compatibility/2006">
-    <mc:Choice xmlns:p14="http://schemas.microsoft.com/office/powerpoint/2010/main" Requires="p14">
+  <mc:AlternateContent xmlns:mc="http://schemas.openxmlformats.org/markup-compatibility/2006" xmlns:p14="http://schemas.microsoft.com/office/powerpoint/2010/main">
+    <mc:Choice Requires="p14">
       <p:transition spd="med" p14:dur="700">
         <p:fade/>
       </p:transition>
     </mc:Choice>
-    <mc:Fallback>
+    <mc:Fallback xmlns="">
+      <p:transition spd="med">
+        <p:fade/>
+      </p:transition>
+    </mc:Fallback>
+  </mc:AlternateContent>
+</p:sld>
+</file>
+
+<file path=ppt/slides/slide7.xml><?xml version="1.0" encoding="utf-8"?>
+<p:sld xmlns:a="http://schemas.openxmlformats.org/drawingml/2006/main" xmlns:r="http://schemas.openxmlformats.org/officeDocument/2006/relationships" xmlns:p="http://schemas.openxmlformats.org/presentationml/2006/main">
+  <p:cSld>
+    <p:spTree>
+      <p:nvGrpSpPr>
+        <p:cNvPr id="1" name=""/>
+        <p:cNvGrpSpPr/>
+        <p:nvPr/>
+      </p:nvGrpSpPr>
+      <p:grpSpPr>
+        <a:xfrm>
+          <a:off x="0" y="0"/>
+          <a:ext cx="0" cy="0"/>
+          <a:chOff x="0" y="0"/>
+          <a:chExt cx="0" cy="0"/>
+        </a:xfrm>
+      </p:grpSpPr>
+      <p:sp>
+        <p:nvSpPr>
+          <p:cNvPr id="10" name="Title 1">
+            <a:extLst>
+              <a:ext uri="{FF2B5EF4-FFF2-40B4-BE49-F238E27FC236}">
+                <a16:creationId xmlns:a16="http://schemas.microsoft.com/office/drawing/2014/main" id="{EEC7FB8C-6937-4291-893D-393121C812E3}"/>
+              </a:ext>
+            </a:extLst>
+          </p:cNvPr>
+          <p:cNvSpPr>
+            <a:spLocks noGrp="1"/>
+          </p:cNvSpPr>
+          <p:nvPr>
+            <p:ph type="title"/>
+          </p:nvPr>
+        </p:nvSpPr>
+        <p:spPr>
+          <a:xfrm>
+            <a:off x="1146704" y="342865"/>
+            <a:ext cx="9900705" cy="1447872"/>
+          </a:xfrm>
+        </p:spPr>
+        <p:txBody>
+          <a:bodyPr>
+            <a:normAutofit/>
+          </a:bodyPr>
+          <a:lstStyle/>
+          <a:p>
+            <a:pPr algn="ctr"/>
+            <a:r>
+              <a:rPr lang="en-US" sz="4800" dirty="0"/>
+              <a:t>The </a:t>
+            </a:r>
+            <a:r>
+              <a:rPr lang="en-US" sz="4800" dirty="0" err="1"/>
+              <a:t>srhc</a:t>
+            </a:r>
+            <a:br>
+              <a:rPr lang="en-US" sz="4800" dirty="0"/>
+            </a:br>
+            <a:endParaRPr lang="en-GB" sz="4800" dirty="0"/>
+          </a:p>
+        </p:txBody>
+      </p:sp>
+      <p:sp>
+        <p:nvSpPr>
+          <p:cNvPr id="12" name="Text Placeholder 3">
+            <a:extLst>
+              <a:ext uri="{FF2B5EF4-FFF2-40B4-BE49-F238E27FC236}">
+                <a16:creationId xmlns:a16="http://schemas.microsoft.com/office/drawing/2014/main" id="{11D82093-EA9B-474E-A68C-B5D88DBBDF0E}"/>
+              </a:ext>
+            </a:extLst>
+          </p:cNvPr>
+          <p:cNvSpPr>
+            <a:spLocks noGrp="1"/>
+          </p:cNvSpPr>
+          <p:nvPr>
+            <p:ph type="body" sz="half" idx="2"/>
+          </p:nvPr>
+        </p:nvSpPr>
+        <p:spPr>
+          <a:xfrm>
+            <a:off x="1144590" y="1066801"/>
+            <a:ext cx="5796233" cy="4149174"/>
+          </a:xfrm>
+        </p:spPr>
+        <p:txBody>
+          <a:bodyPr>
+            <a:normAutofit/>
+          </a:bodyPr>
+          <a:lstStyle/>
+          <a:p>
+            <a:r>
+              <a:rPr lang="en-US" sz="2200" dirty="0"/>
+              <a:t>The SRHC has many different modes:</a:t>
+            </a:r>
+          </a:p>
+          <a:p>
+            <a:pPr marL="342900" indent="-342900">
+              <a:buFont typeface="Arial" panose="020B0604020202020204" pitchFamily="34" charset="0"/>
+              <a:buChar char="•"/>
+            </a:pPr>
+            <a:r>
+              <a:rPr lang="en-US" sz="2200" dirty="0"/>
+              <a:t>Regular vacuuming - just a small robot, able to easily navigate the rooms and reach every location</a:t>
+            </a:r>
+          </a:p>
+          <a:p>
+            <a:pPr marL="342900" indent="-342900">
+              <a:buFont typeface="Arial" panose="020B0604020202020204" pitchFamily="34" charset="0"/>
+              <a:buChar char="•"/>
+            </a:pPr>
+            <a:r>
+              <a:rPr lang="en-US" sz="2200" dirty="0"/>
+              <a:t>Window cleaning – SRHC possesses an extendable arm, that can reach any window.</a:t>
+            </a:r>
+          </a:p>
+          <a:p>
+            <a:pPr marL="342900" indent="-342900">
+              <a:buFont typeface="Arial" panose="020B0604020202020204" pitchFamily="34" charset="0"/>
+              <a:buChar char="•"/>
+            </a:pPr>
+            <a:endParaRPr lang="en-US" sz="2400" dirty="0"/>
+          </a:p>
+        </p:txBody>
+      </p:sp>
+      <p:sp>
+        <p:nvSpPr>
+          <p:cNvPr id="14" name="TextBox 13">
+            <a:extLst>
+              <a:ext uri="{FF2B5EF4-FFF2-40B4-BE49-F238E27FC236}">
+                <a16:creationId xmlns:a16="http://schemas.microsoft.com/office/drawing/2014/main" id="{ED3202F2-9FCA-45CC-96CB-A8264206E619}"/>
+              </a:ext>
+            </a:extLst>
+          </p:cNvPr>
+          <p:cNvSpPr txBox="1"/>
+          <p:nvPr/>
+        </p:nvSpPr>
+        <p:spPr>
+          <a:xfrm>
+            <a:off x="10336696" y="6118739"/>
+            <a:ext cx="710713" cy="369332"/>
+          </a:xfrm>
+          <a:prstGeom prst="rect">
+            <a:avLst/>
+          </a:prstGeom>
+          <a:noFill/>
+        </p:spPr>
+        <p:txBody>
+          <a:bodyPr wrap="square" rtlCol="0">
+            <a:spAutoFit/>
+          </a:bodyPr>
+          <a:lstStyle/>
+          <a:p>
+            <a:r>
+              <a:rPr lang="en-US" dirty="0"/>
+              <a:t>7/22</a:t>
+            </a:r>
+            <a:endParaRPr lang="en-GB" dirty="0"/>
+          </a:p>
+        </p:txBody>
+      </p:sp>
+      <p:pic>
+        <p:nvPicPr>
+          <p:cNvPr id="3" name="Picture 2">
+            <a:extLst>
+              <a:ext uri="{FF2B5EF4-FFF2-40B4-BE49-F238E27FC236}">
+                <a16:creationId xmlns:a16="http://schemas.microsoft.com/office/drawing/2014/main" id="{6A85D596-256C-4CE8-8FB7-82404BFC210B}"/>
+              </a:ext>
+            </a:extLst>
+          </p:cNvPr>
+          <p:cNvPicPr>
+            <a:picLocks noChangeAspect="1"/>
+          </p:cNvPicPr>
+          <p:nvPr/>
+        </p:nvPicPr>
+        <p:blipFill>
+          <a:blip r:embed="rId2"/>
+          <a:stretch>
+            <a:fillRect/>
+          </a:stretch>
+        </p:blipFill>
+        <p:spPr>
+          <a:xfrm>
+            <a:off x="6940823" y="1066801"/>
+            <a:ext cx="3889121" cy="3876967"/>
+          </a:xfrm>
+          <a:prstGeom prst="rect">
+            <a:avLst/>
+          </a:prstGeom>
+        </p:spPr>
+      </p:pic>
+      <p:pic>
+        <p:nvPicPr>
+          <p:cNvPr id="5" name="Picture 4">
+            <a:extLst>
+              <a:ext uri="{FF2B5EF4-FFF2-40B4-BE49-F238E27FC236}">
+                <a16:creationId xmlns:a16="http://schemas.microsoft.com/office/drawing/2014/main" id="{C5EBEA5B-A116-4DD1-A146-7E0F6F679938}"/>
+              </a:ext>
+            </a:extLst>
+          </p:cNvPr>
+          <p:cNvPicPr>
+            <a:picLocks noChangeAspect="1"/>
+          </p:cNvPicPr>
+          <p:nvPr/>
+        </p:nvPicPr>
+        <p:blipFill>
+          <a:blip r:embed="rId3"/>
+          <a:stretch>
+            <a:fillRect/>
+          </a:stretch>
+        </p:blipFill>
+        <p:spPr>
+          <a:xfrm>
+            <a:off x="1173610" y="3781427"/>
+            <a:ext cx="2869096" cy="2869096"/>
+          </a:xfrm>
+          <a:prstGeom prst="rect">
+            <a:avLst/>
+          </a:prstGeom>
+        </p:spPr>
+      </p:pic>
+      <p:sp>
+        <p:nvSpPr>
+          <p:cNvPr id="6" name="TextBox 5">
+            <a:extLst>
+              <a:ext uri="{FF2B5EF4-FFF2-40B4-BE49-F238E27FC236}">
+                <a16:creationId xmlns:a16="http://schemas.microsoft.com/office/drawing/2014/main" id="{34CBE48A-157D-40BC-8C2F-7DA05CF4C0EE}"/>
+              </a:ext>
+            </a:extLst>
+          </p:cNvPr>
+          <p:cNvSpPr txBox="1"/>
+          <p:nvPr/>
+        </p:nvSpPr>
+        <p:spPr>
+          <a:xfrm>
+            <a:off x="4241489" y="5103076"/>
+            <a:ext cx="6095207" cy="1384995"/>
+          </a:xfrm>
+          <a:prstGeom prst="rect">
+            <a:avLst/>
+          </a:prstGeom>
+          <a:noFill/>
+        </p:spPr>
+        <p:txBody>
+          <a:bodyPr wrap="square" rtlCol="0">
+            <a:spAutoFit/>
+          </a:bodyPr>
+          <a:lstStyle/>
+          <a:p>
+            <a:pPr marL="285750" indent="-285750">
+              <a:buFont typeface="Arial" panose="020B0604020202020204" pitchFamily="34" charset="0"/>
+              <a:buChar char="•"/>
+            </a:pPr>
+            <a:r>
+              <a:rPr lang="en-US" sz="2200" dirty="0"/>
+              <a:t>Dusting – SRHC has an extension for dusting as well, attached to an extendable arm so it can reach tables and tall cupboards.</a:t>
+            </a:r>
+          </a:p>
+          <a:p>
+            <a:endParaRPr lang="en-GB" dirty="0"/>
+          </a:p>
+        </p:txBody>
+      </p:sp>
+    </p:spTree>
+    <p:extLst>
+      <p:ext uri="{BB962C8B-B14F-4D97-AF65-F5344CB8AC3E}">
+        <p14:creationId xmlns:p14="http://schemas.microsoft.com/office/powerpoint/2010/main" val="610697945"/>
+      </p:ext>
+    </p:extLst>
+  </p:cSld>
+  <p:clrMapOvr>
+    <a:masterClrMapping/>
+  </p:clrMapOvr>
+  <mc:AlternateContent xmlns:mc="http://schemas.openxmlformats.org/markup-compatibility/2006" xmlns:p14="http://schemas.microsoft.com/office/powerpoint/2010/main">
+    <mc:Choice Requires="p14">
+      <p:transition spd="med" p14:dur="700">
+        <p:fade/>
+      </p:transition>
+    </mc:Choice>
+    <mc:Fallback xmlns="">
+      <p:transition spd="med">
+        <p:fade/>
+      </p:transition>
+    </mc:Fallback>
+  </mc:AlternateContent>
+</p:sld>
+</file>
+
+<file path=ppt/slides/slide8.xml><?xml version="1.0" encoding="utf-8"?>
+<p:sld xmlns:a="http://schemas.openxmlformats.org/drawingml/2006/main" xmlns:r="http://schemas.openxmlformats.org/officeDocument/2006/relationships" xmlns:p="http://schemas.openxmlformats.org/presentationml/2006/main">
+  <p:cSld>
+    <p:spTree>
+      <p:nvGrpSpPr>
+        <p:cNvPr id="1" name=""/>
+        <p:cNvGrpSpPr/>
+        <p:nvPr/>
+      </p:nvGrpSpPr>
+      <p:grpSpPr>
+        <a:xfrm>
+          <a:off x="0" y="0"/>
+          <a:ext cx="0" cy="0"/>
+          <a:chOff x="0" y="0"/>
+          <a:chExt cx="0" cy="0"/>
+        </a:xfrm>
+      </p:grpSpPr>
+      <p:sp>
+        <p:nvSpPr>
+          <p:cNvPr id="10" name="Title 1">
+            <a:extLst>
+              <a:ext uri="{FF2B5EF4-FFF2-40B4-BE49-F238E27FC236}">
+                <a16:creationId xmlns:a16="http://schemas.microsoft.com/office/drawing/2014/main" id="{EEC7FB8C-6937-4291-893D-393121C812E3}"/>
+              </a:ext>
+            </a:extLst>
+          </p:cNvPr>
+          <p:cNvSpPr>
+            <a:spLocks noGrp="1"/>
+          </p:cNvSpPr>
+          <p:nvPr>
+            <p:ph type="title"/>
+          </p:nvPr>
+        </p:nvSpPr>
+        <p:spPr>
+          <a:xfrm>
+            <a:off x="1146704" y="342865"/>
+            <a:ext cx="9900705" cy="1447872"/>
+          </a:xfrm>
+        </p:spPr>
+        <p:txBody>
+          <a:bodyPr>
+            <a:normAutofit/>
+          </a:bodyPr>
+          <a:lstStyle/>
+          <a:p>
+            <a:pPr algn="ctr"/>
+            <a:r>
+              <a:rPr lang="en-US" sz="4800" dirty="0"/>
+              <a:t>The </a:t>
+            </a:r>
+            <a:r>
+              <a:rPr lang="en-US" sz="4800" dirty="0" err="1"/>
+              <a:t>srhc</a:t>
+            </a:r>
+            <a:br>
+              <a:rPr lang="en-US" sz="4800" dirty="0"/>
+            </a:br>
+            <a:r>
+              <a:rPr lang="en-US" sz="4800" dirty="0"/>
+              <a:t>APP </a:t>
+            </a:r>
+            <a:r>
+              <a:rPr lang="en-US" sz="4800" dirty="0" err="1"/>
+              <a:t>controler</a:t>
+            </a:r>
+            <a:endParaRPr lang="en-GB" sz="4800" dirty="0"/>
+          </a:p>
+        </p:txBody>
+      </p:sp>
+      <p:sp>
+        <p:nvSpPr>
+          <p:cNvPr id="12" name="Text Placeholder 3">
+            <a:extLst>
+              <a:ext uri="{FF2B5EF4-FFF2-40B4-BE49-F238E27FC236}">
+                <a16:creationId xmlns:a16="http://schemas.microsoft.com/office/drawing/2014/main" id="{11D82093-EA9B-474E-A68C-B5D88DBBDF0E}"/>
+              </a:ext>
+            </a:extLst>
+          </p:cNvPr>
+          <p:cNvSpPr>
+            <a:spLocks noGrp="1"/>
+          </p:cNvSpPr>
+          <p:nvPr>
+            <p:ph type="body" sz="half" idx="2"/>
+          </p:nvPr>
+        </p:nvSpPr>
+        <p:spPr>
+          <a:xfrm>
+            <a:off x="1146705" y="1969566"/>
+            <a:ext cx="5163982" cy="3000000"/>
+          </a:xfrm>
+        </p:spPr>
+        <p:txBody>
+          <a:bodyPr>
+            <a:normAutofit/>
+          </a:bodyPr>
+          <a:lstStyle/>
+          <a:p>
+            <a:r>
+              <a:rPr lang="en-US" sz="2400" dirty="0"/>
+              <a:t>The SRHC is capable of doing everything on its own – it can scan, clean, charge.. </a:t>
+            </a:r>
+          </a:p>
+          <a:p>
+            <a:r>
+              <a:rPr lang="en-US" sz="2400" dirty="0"/>
+              <a:t>Using the app, you can change which rooms it will clean, or a specific mode to be used that day.</a:t>
+            </a:r>
+          </a:p>
+        </p:txBody>
+      </p:sp>
+      <p:sp>
+        <p:nvSpPr>
+          <p:cNvPr id="14" name="TextBox 13">
+            <a:extLst>
+              <a:ext uri="{FF2B5EF4-FFF2-40B4-BE49-F238E27FC236}">
+                <a16:creationId xmlns:a16="http://schemas.microsoft.com/office/drawing/2014/main" id="{ED3202F2-9FCA-45CC-96CB-A8264206E619}"/>
+              </a:ext>
+            </a:extLst>
+          </p:cNvPr>
+          <p:cNvSpPr txBox="1"/>
+          <p:nvPr/>
+        </p:nvSpPr>
+        <p:spPr>
+          <a:xfrm>
+            <a:off x="10336696" y="6118739"/>
+            <a:ext cx="710713" cy="369332"/>
+          </a:xfrm>
+          <a:prstGeom prst="rect">
+            <a:avLst/>
+          </a:prstGeom>
+          <a:noFill/>
+        </p:spPr>
+        <p:txBody>
+          <a:bodyPr wrap="square" rtlCol="0">
+            <a:spAutoFit/>
+          </a:bodyPr>
+          <a:lstStyle/>
+          <a:p>
+            <a:r>
+              <a:rPr lang="en-US" dirty="0"/>
+              <a:t>8/22</a:t>
+            </a:r>
+            <a:endParaRPr lang="en-GB" dirty="0"/>
+          </a:p>
+        </p:txBody>
+      </p:sp>
+      <p:pic>
+        <p:nvPicPr>
+          <p:cNvPr id="4" name="Picture 3">
+            <a:extLst>
+              <a:ext uri="{FF2B5EF4-FFF2-40B4-BE49-F238E27FC236}">
+                <a16:creationId xmlns:a16="http://schemas.microsoft.com/office/drawing/2014/main" id="{0DDAE250-2D7D-4625-B755-5DD13873AC26}"/>
+              </a:ext>
+            </a:extLst>
+          </p:cNvPr>
+          <p:cNvPicPr>
+            <a:picLocks noChangeAspect="1"/>
+          </p:cNvPicPr>
+          <p:nvPr/>
+        </p:nvPicPr>
+        <p:blipFill>
+          <a:blip r:embed="rId2"/>
+          <a:stretch>
+            <a:fillRect/>
+          </a:stretch>
+        </p:blipFill>
+        <p:spPr>
+          <a:xfrm>
+            <a:off x="6310686" y="1969565"/>
+            <a:ext cx="4736723" cy="2486326"/>
+          </a:xfrm>
+          <a:prstGeom prst="rect">
+            <a:avLst/>
+          </a:prstGeom>
+        </p:spPr>
+      </p:pic>
+      <p:sp>
+        <p:nvSpPr>
+          <p:cNvPr id="8" name="TextBox 7">
+            <a:extLst>
+              <a:ext uri="{FF2B5EF4-FFF2-40B4-BE49-F238E27FC236}">
+                <a16:creationId xmlns:a16="http://schemas.microsoft.com/office/drawing/2014/main" id="{5F6BF8A6-CF98-46D8-B6CA-316E48DE30B3}"/>
+              </a:ext>
+            </a:extLst>
+          </p:cNvPr>
+          <p:cNvSpPr txBox="1"/>
+          <p:nvPr/>
+        </p:nvSpPr>
+        <p:spPr>
+          <a:xfrm>
+            <a:off x="1146704" y="4825649"/>
+            <a:ext cx="9900705" cy="1569660"/>
+          </a:xfrm>
+          <a:prstGeom prst="rect">
+            <a:avLst/>
+          </a:prstGeom>
+          <a:noFill/>
+        </p:spPr>
+        <p:txBody>
+          <a:bodyPr wrap="square" rtlCol="0">
+            <a:spAutoFit/>
+          </a:bodyPr>
+          <a:lstStyle/>
+          <a:p>
+            <a:r>
+              <a:rPr lang="en-US" sz="2400" dirty="0"/>
+              <a:t>After its done with the daily cleaning, it will give a full report:</a:t>
+            </a:r>
+          </a:p>
+          <a:p>
+            <a:pPr marL="342900" indent="-342900">
+              <a:buFont typeface="Arial" panose="020B0604020202020204" pitchFamily="34" charset="0"/>
+              <a:buChar char="•"/>
+            </a:pPr>
+            <a:r>
+              <a:rPr lang="en-US" sz="2400" dirty="0"/>
+              <a:t>which rooms it cleaned</a:t>
+            </a:r>
+          </a:p>
+          <a:p>
+            <a:pPr marL="342900" indent="-342900">
+              <a:buFont typeface="Arial" panose="020B0604020202020204" pitchFamily="34" charset="0"/>
+              <a:buChar char="•"/>
+            </a:pPr>
+            <a:r>
+              <a:rPr lang="en-US" sz="2400" dirty="0"/>
+              <a:t>locations that took longer to clean</a:t>
+            </a:r>
+          </a:p>
+          <a:p>
+            <a:r>
+              <a:rPr lang="en-US" sz="2400" dirty="0"/>
+              <a:t>The app also receives calls for help from the SRHC, in case it got stuck.</a:t>
+            </a:r>
+          </a:p>
+        </p:txBody>
+      </p:sp>
+    </p:spTree>
+    <p:extLst>
+      <p:ext uri="{BB962C8B-B14F-4D97-AF65-F5344CB8AC3E}">
+        <p14:creationId xmlns:p14="http://schemas.microsoft.com/office/powerpoint/2010/main" val="2804016301"/>
+      </p:ext>
+    </p:extLst>
+  </p:cSld>
+  <p:clrMapOvr>
+    <a:masterClrMapping/>
+  </p:clrMapOvr>
+  <mc:AlternateContent xmlns:mc="http://schemas.openxmlformats.org/markup-compatibility/2006" xmlns:p14="http://schemas.microsoft.com/office/powerpoint/2010/main">
+    <mc:Choice Requires="p14">
+      <p:transition spd="med" p14:dur="700">
+        <p:fade/>
+      </p:transition>
+    </mc:Choice>
+    <mc:Fallback xmlns="">
+      <p:transition spd="med">
+        <p:fade/>
+      </p:transition>
+    </mc:Fallback>
+  </mc:AlternateContent>
+</p:sld>
+</file>
+
+<file path=ppt/slides/slide9.xml><?xml version="1.0" encoding="utf-8"?>
+<p:sld xmlns:a="http://schemas.openxmlformats.org/drawingml/2006/main" xmlns:r="http://schemas.openxmlformats.org/officeDocument/2006/relationships" xmlns:p="http://schemas.openxmlformats.org/presentationml/2006/main">
+  <p:cSld>
+    <p:spTree>
+      <p:nvGrpSpPr>
+        <p:cNvPr id="1" name=""/>
+        <p:cNvGrpSpPr/>
+        <p:nvPr/>
+      </p:nvGrpSpPr>
+      <p:grpSpPr>
+        <a:xfrm>
+          <a:off x="0" y="0"/>
+          <a:ext cx="0" cy="0"/>
+          <a:chOff x="0" y="0"/>
+          <a:chExt cx="0" cy="0"/>
+        </a:xfrm>
+      </p:grpSpPr>
+      <p:sp>
+        <p:nvSpPr>
+          <p:cNvPr id="10" name="Title 1">
+            <a:extLst>
+              <a:ext uri="{FF2B5EF4-FFF2-40B4-BE49-F238E27FC236}">
+                <a16:creationId xmlns:a16="http://schemas.microsoft.com/office/drawing/2014/main" id="{EEC7FB8C-6937-4291-893D-393121C812E3}"/>
+              </a:ext>
+            </a:extLst>
+          </p:cNvPr>
+          <p:cNvSpPr>
+            <a:spLocks noGrp="1"/>
+          </p:cNvSpPr>
+          <p:nvPr>
+            <p:ph type="title"/>
+          </p:nvPr>
+        </p:nvSpPr>
+        <p:spPr/>
+        <p:txBody>
+          <a:bodyPr>
+            <a:normAutofit/>
+          </a:bodyPr>
+          <a:lstStyle/>
+          <a:p>
+            <a:pPr algn="ctr"/>
+            <a:r>
+              <a:rPr lang="en-US" sz="4800" dirty="0"/>
+              <a:t>Participants</a:t>
+            </a:r>
+            <a:br>
+              <a:rPr lang="en-US" sz="4800" dirty="0"/>
+            </a:br>
+            <a:endParaRPr lang="en-GB" sz="4800" dirty="0"/>
+          </a:p>
+        </p:txBody>
+      </p:sp>
+      <p:pic>
+        <p:nvPicPr>
+          <p:cNvPr id="5" name="Content Placeholder 4">
+            <a:extLst>
+              <a:ext uri="{FF2B5EF4-FFF2-40B4-BE49-F238E27FC236}">
+                <a16:creationId xmlns:a16="http://schemas.microsoft.com/office/drawing/2014/main" id="{44351EA6-88F4-46BD-8A3D-B74FDB32507F}"/>
+              </a:ext>
+            </a:extLst>
+          </p:cNvPr>
+          <p:cNvPicPr>
+            <a:picLocks noGrp="1" noChangeAspect="1"/>
+          </p:cNvPicPr>
+          <p:nvPr>
+            <p:ph idx="1"/>
+          </p:nvPr>
+        </p:nvPicPr>
+        <p:blipFill>
+          <a:blip r:embed="rId2"/>
+          <a:stretch>
+            <a:fillRect/>
+          </a:stretch>
+        </p:blipFill>
+        <p:spPr>
+          <a:xfrm>
+            <a:off x="732740" y="1964565"/>
+            <a:ext cx="10690634" cy="3075029"/>
+          </a:xfrm>
+        </p:spPr>
+      </p:pic>
+      <p:sp>
+        <p:nvSpPr>
+          <p:cNvPr id="14" name="TextBox 13">
+            <a:extLst>
+              <a:ext uri="{FF2B5EF4-FFF2-40B4-BE49-F238E27FC236}">
+                <a16:creationId xmlns:a16="http://schemas.microsoft.com/office/drawing/2014/main" id="{ED3202F2-9FCA-45CC-96CB-A8264206E619}"/>
+              </a:ext>
+            </a:extLst>
+          </p:cNvPr>
+          <p:cNvSpPr txBox="1"/>
+          <p:nvPr/>
+        </p:nvSpPr>
+        <p:spPr>
+          <a:xfrm>
+            <a:off x="10336696" y="6118739"/>
+            <a:ext cx="710713" cy="369332"/>
+          </a:xfrm>
+          <a:prstGeom prst="rect">
+            <a:avLst/>
+          </a:prstGeom>
+          <a:noFill/>
+        </p:spPr>
+        <p:txBody>
+          <a:bodyPr wrap="square" rtlCol="0">
+            <a:spAutoFit/>
+          </a:bodyPr>
+          <a:lstStyle/>
+          <a:p>
+            <a:r>
+              <a:rPr lang="en-US" dirty="0"/>
+              <a:t>9/22</a:t>
+            </a:r>
+            <a:endParaRPr lang="en-GB" dirty="0"/>
+          </a:p>
+        </p:txBody>
+      </p:sp>
+    </p:spTree>
+    <p:extLst>
+      <p:ext uri="{BB962C8B-B14F-4D97-AF65-F5344CB8AC3E}">
+        <p14:creationId xmlns:p14="http://schemas.microsoft.com/office/powerpoint/2010/main" val="3475028844"/>
+      </p:ext>
+    </p:extLst>
+  </p:cSld>
+  <p:clrMapOvr>
+    <a:masterClrMapping/>
+  </p:clrMapOvr>
+  <mc:AlternateContent xmlns:mc="http://schemas.openxmlformats.org/markup-compatibility/2006" xmlns:p14="http://schemas.microsoft.com/office/powerpoint/2010/main">
+    <mc:Choice Requires="p14">
+      <p:transition spd="med" p14:dur="700">
+        <p:fade/>
+      </p:transition>
+    </mc:Choice>
+    <mc:Fallback xmlns="">
       <p:transition spd="med">
         <p:fade/>
       </p:transition>

--- a/hw2/H2020.pptx
+++ b/hw2/H2020.pptx
@@ -5,7 +5,7 @@
     <p:sldMasterId id="2147483648" r:id="rId1"/>
   </p:sldMasterIdLst>
   <p:notesMasterIdLst>
-    <p:notesMasterId r:id="rId24"/>
+    <p:notesMasterId r:id="rId25"/>
   </p:notesMasterIdLst>
   <p:sldIdLst>
     <p:sldId id="256" r:id="rId2"/>
@@ -30,6 +30,7 @@
     <p:sldId id="276" r:id="rId21"/>
     <p:sldId id="275" r:id="rId22"/>
     <p:sldId id="277" r:id="rId23"/>
+    <p:sldId id="278" r:id="rId24"/>
   </p:sldIdLst>
   <p:sldSz cx="12192000" cy="6858000"/>
   <p:notesSz cx="6858000" cy="9144000"/>
@@ -222,7 +223,7 @@
           <a:p>
             <a:fld id="{4962A2BD-CC29-4004-A6CB-381D655ED25A}" type="datetimeFigureOut">
               <a:rPr lang="en-GB" smtClean="0"/>
-              <a:t>14/12/2017</a:t>
+              <a:t>15/12/2017</a:t>
             </a:fld>
             <a:endParaRPr lang="en-GB"/>
           </a:p>
@@ -547,7 +548,7 @@
           <a:noFill/>
           <a:extLst>
             <a:ext uri="{909E8E84-426E-40dd-AFC4-6F175D3DCCD1}">
-              <a14:hiddenFill xmlns:a14="http://schemas.microsoft.com/office/drawing/2010/main" xmlns="">
+              <a14:hiddenFill xmlns="" xmlns:a14="http://schemas.microsoft.com/office/drawing/2010/main">
                 <a:solidFill>
                   <a:srgbClr val="FFFFFF"/>
                 </a:solidFill>
@@ -606,7 +607,7 @@
             </a:ln>
             <a:extLst>
               <a:ext uri="{91240B29-F687-4f45-9708-019B960494DF}">
-                <a14:hiddenLine xmlns:a14="http://schemas.microsoft.com/office/drawing/2010/main" xmlns="" w="9525">
+                <a14:hiddenLine xmlns="" xmlns:a14="http://schemas.microsoft.com/office/drawing/2010/main" w="9525">
                   <a:solidFill>
                     <a:srgbClr val="000000"/>
                   </a:solidFill>
@@ -696,7 +697,7 @@
             </a:ln>
             <a:extLst>
               <a:ext uri="{91240B29-F687-4f45-9708-019B960494DF}">
-                <a14:hiddenLine xmlns:a14="http://schemas.microsoft.com/office/drawing/2010/main" xmlns="" w="9525">
+                <a14:hiddenLine xmlns="" xmlns:a14="http://schemas.microsoft.com/office/drawing/2010/main" w="9525">
                   <a:solidFill>
                     <a:srgbClr val="000000"/>
                   </a:solidFill>
@@ -786,7 +787,7 @@
             </a:ln>
             <a:extLst>
               <a:ext uri="{91240B29-F687-4f45-9708-019B960494DF}">
-                <a14:hiddenLine xmlns:a14="http://schemas.microsoft.com/office/drawing/2010/main" xmlns="" w="9525">
+                <a14:hiddenLine xmlns="" xmlns:a14="http://schemas.microsoft.com/office/drawing/2010/main" w="9525">
                   <a:solidFill>
                     <a:srgbClr val="000000"/>
                   </a:solidFill>
@@ -820,7 +821,7 @@
             </a:ln>
             <a:extLst>
               <a:ext uri="{91240B29-F687-4f45-9708-019B960494DF}">
-                <a14:hiddenLine xmlns:a14="http://schemas.microsoft.com/office/drawing/2010/main" xmlns="" w="9525">
+                <a14:hiddenLine xmlns="" xmlns:a14="http://schemas.microsoft.com/office/drawing/2010/main" w="9525">
                   <a:solidFill>
                     <a:srgbClr val="000000"/>
                   </a:solidFill>
@@ -910,7 +911,7 @@
             </a:ln>
             <a:extLst>
               <a:ext uri="{91240B29-F687-4f45-9708-019B960494DF}">
-                <a14:hiddenLine xmlns:a14="http://schemas.microsoft.com/office/drawing/2010/main" xmlns="" w="9525">
+                <a14:hiddenLine xmlns="" xmlns:a14="http://schemas.microsoft.com/office/drawing/2010/main" w="9525">
                   <a:solidFill>
                     <a:srgbClr val="000000"/>
                   </a:solidFill>
@@ -972,7 +973,7 @@
             </a:ln>
             <a:extLst>
               <a:ext uri="{91240B29-F687-4f45-9708-019B960494DF}">
-                <a14:hiddenLine xmlns:a14="http://schemas.microsoft.com/office/drawing/2010/main" xmlns="" w="9525">
+                <a14:hiddenLine xmlns="" xmlns:a14="http://schemas.microsoft.com/office/drawing/2010/main" w="9525">
                   <a:solidFill>
                     <a:srgbClr val="000000"/>
                   </a:solidFill>
@@ -1034,7 +1035,7 @@
             </a:ln>
             <a:extLst>
               <a:ext uri="{91240B29-F687-4f45-9708-019B960494DF}">
-                <a14:hiddenLine xmlns:a14="http://schemas.microsoft.com/office/drawing/2010/main" xmlns="" w="9525">
+                <a14:hiddenLine xmlns="" xmlns:a14="http://schemas.microsoft.com/office/drawing/2010/main" w="9525">
                   <a:solidFill>
                     <a:srgbClr val="000000"/>
                   </a:solidFill>
@@ -1124,7 +1125,7 @@
             </a:ln>
             <a:extLst>
               <a:ext uri="{91240B29-F687-4f45-9708-019B960494DF}">
-                <a14:hiddenLine xmlns:a14="http://schemas.microsoft.com/office/drawing/2010/main" xmlns="" w="9525">
+                <a14:hiddenLine xmlns="" xmlns:a14="http://schemas.microsoft.com/office/drawing/2010/main" w="9525">
                   <a:solidFill>
                     <a:srgbClr val="000000"/>
                   </a:solidFill>
@@ -1186,7 +1187,7 @@
             </a:ln>
             <a:extLst>
               <a:ext uri="{91240B29-F687-4f45-9708-019B960494DF}">
-                <a14:hiddenLine xmlns:a14="http://schemas.microsoft.com/office/drawing/2010/main" xmlns="" w="9525">
+                <a14:hiddenLine xmlns="" xmlns:a14="http://schemas.microsoft.com/office/drawing/2010/main" w="9525">
                   <a:solidFill>
                     <a:srgbClr val="000000"/>
                   </a:solidFill>
@@ -1248,7 +1249,7 @@
             </a:ln>
             <a:extLst>
               <a:ext uri="{91240B29-F687-4f45-9708-019B960494DF}">
-                <a14:hiddenLine xmlns:a14="http://schemas.microsoft.com/office/drawing/2010/main" xmlns="" w="9525">
+                <a14:hiddenLine xmlns="" xmlns:a14="http://schemas.microsoft.com/office/drawing/2010/main" w="9525">
                   <a:solidFill>
                     <a:srgbClr val="000000"/>
                   </a:solidFill>
@@ -1338,7 +1339,7 @@
             </a:ln>
             <a:extLst>
               <a:ext uri="{91240B29-F687-4f45-9708-019B960494DF}">
-                <a14:hiddenLine xmlns:a14="http://schemas.microsoft.com/office/drawing/2010/main" xmlns="" w="9525">
+                <a14:hiddenLine xmlns="" xmlns:a14="http://schemas.microsoft.com/office/drawing/2010/main" w="9525">
                   <a:solidFill>
                     <a:srgbClr val="000000"/>
                   </a:solidFill>
@@ -1428,7 +1429,7 @@
             </a:ln>
             <a:extLst>
               <a:ext uri="{91240B29-F687-4f45-9708-019B960494DF}">
-                <a14:hiddenLine xmlns:a14="http://schemas.microsoft.com/office/drawing/2010/main" xmlns="" w="9525">
+                <a14:hiddenLine xmlns="" xmlns:a14="http://schemas.microsoft.com/office/drawing/2010/main" w="9525">
                   <a:solidFill>
                     <a:srgbClr val="000000"/>
                   </a:solidFill>
@@ -1490,7 +1491,7 @@
             </a:ln>
             <a:extLst>
               <a:ext uri="{91240B29-F687-4f45-9708-019B960494DF}">
-                <a14:hiddenLine xmlns:a14="http://schemas.microsoft.com/office/drawing/2010/main" xmlns="" w="9525">
+                <a14:hiddenLine xmlns="" xmlns:a14="http://schemas.microsoft.com/office/drawing/2010/main" w="9525">
                   <a:solidFill>
                     <a:srgbClr val="000000"/>
                   </a:solidFill>
@@ -1600,7 +1601,7 @@
             </a:ln>
             <a:extLst>
               <a:ext uri="{91240B29-F687-4f45-9708-019B960494DF}">
-                <a14:hiddenLine xmlns:a14="http://schemas.microsoft.com/office/drawing/2010/main" xmlns="" w="9525">
+                <a14:hiddenLine xmlns="" xmlns:a14="http://schemas.microsoft.com/office/drawing/2010/main" w="9525">
                   <a:solidFill>
                     <a:srgbClr val="000000"/>
                   </a:solidFill>
@@ -1662,7 +1663,7 @@
             </a:ln>
             <a:extLst>
               <a:ext uri="{91240B29-F687-4f45-9708-019B960494DF}">
-                <a14:hiddenLine xmlns:a14="http://schemas.microsoft.com/office/drawing/2010/main" xmlns="" w="9525">
+                <a14:hiddenLine xmlns="" xmlns:a14="http://schemas.microsoft.com/office/drawing/2010/main" w="9525">
                   <a:solidFill>
                     <a:srgbClr val="000000"/>
                   </a:solidFill>
@@ -1752,7 +1753,7 @@
             </a:ln>
             <a:extLst>
               <a:ext uri="{91240B29-F687-4f45-9708-019B960494DF}">
-                <a14:hiddenLine xmlns:a14="http://schemas.microsoft.com/office/drawing/2010/main" xmlns="" w="9525">
+                <a14:hiddenLine xmlns="" xmlns:a14="http://schemas.microsoft.com/office/drawing/2010/main" w="9525">
                   <a:solidFill>
                     <a:srgbClr val="000000"/>
                   </a:solidFill>
@@ -1842,7 +1843,7 @@
             </a:ln>
             <a:extLst>
               <a:ext uri="{91240B29-F687-4f45-9708-019B960494DF}">
-                <a14:hiddenLine xmlns:a14="http://schemas.microsoft.com/office/drawing/2010/main" xmlns="" w="9525">
+                <a14:hiddenLine xmlns="" xmlns:a14="http://schemas.microsoft.com/office/drawing/2010/main" w="9525">
                   <a:solidFill>
                     <a:srgbClr val="000000"/>
                   </a:solidFill>
@@ -1904,7 +1905,7 @@
             </a:ln>
             <a:extLst>
               <a:ext uri="{91240B29-F687-4f45-9708-019B960494DF}">
-                <a14:hiddenLine xmlns:a14="http://schemas.microsoft.com/office/drawing/2010/main" xmlns="" w="9525">
+                <a14:hiddenLine xmlns="" xmlns:a14="http://schemas.microsoft.com/office/drawing/2010/main" w="9525">
                   <a:solidFill>
                     <a:srgbClr val="000000"/>
                   </a:solidFill>
@@ -1994,7 +1995,7 @@
             </a:ln>
             <a:extLst>
               <a:ext uri="{91240B29-F687-4f45-9708-019B960494DF}">
-                <a14:hiddenLine xmlns:a14="http://schemas.microsoft.com/office/drawing/2010/main" xmlns="" w="9525">
+                <a14:hiddenLine xmlns="" xmlns:a14="http://schemas.microsoft.com/office/drawing/2010/main" w="9525">
                   <a:solidFill>
                     <a:srgbClr val="000000"/>
                   </a:solidFill>
@@ -2084,7 +2085,7 @@
             </a:ln>
             <a:extLst>
               <a:ext uri="{91240B29-F687-4f45-9708-019B960494DF}">
-                <a14:hiddenLine xmlns:a14="http://schemas.microsoft.com/office/drawing/2010/main" xmlns="" w="9525">
+                <a14:hiddenLine xmlns="" xmlns:a14="http://schemas.microsoft.com/office/drawing/2010/main" w="9525">
                   <a:solidFill>
                     <a:srgbClr val="000000"/>
                   </a:solidFill>
@@ -2140,7 +2141,7 @@
             </a:ln>
             <a:extLst>
               <a:ext uri="{91240B29-F687-4f45-9708-019B960494DF}">
-                <a14:hiddenLine xmlns:a14="http://schemas.microsoft.com/office/drawing/2010/main" xmlns="" w="9525">
+                <a14:hiddenLine xmlns="" xmlns:a14="http://schemas.microsoft.com/office/drawing/2010/main" w="9525">
                   <a:solidFill>
                     <a:srgbClr val="000000"/>
                   </a:solidFill>
@@ -2230,7 +2231,7 @@
             </a:ln>
             <a:extLst>
               <a:ext uri="{91240B29-F687-4f45-9708-019B960494DF}">
-                <a14:hiddenLine xmlns:a14="http://schemas.microsoft.com/office/drawing/2010/main" xmlns="" w="9525">
+                <a14:hiddenLine xmlns="" xmlns:a14="http://schemas.microsoft.com/office/drawing/2010/main" w="9525">
                   <a:solidFill>
                     <a:srgbClr val="000000"/>
                   </a:solidFill>
@@ -2286,7 +2287,7 @@
             </a:ln>
             <a:extLst>
               <a:ext uri="{91240B29-F687-4f45-9708-019B960494DF}">
-                <a14:hiddenLine xmlns:a14="http://schemas.microsoft.com/office/drawing/2010/main" xmlns="" w="9525">
+                <a14:hiddenLine xmlns="" xmlns:a14="http://schemas.microsoft.com/office/drawing/2010/main" w="9525">
                   <a:solidFill>
                     <a:srgbClr val="000000"/>
                   </a:solidFill>
@@ -2376,7 +2377,7 @@
             </a:ln>
             <a:extLst>
               <a:ext uri="{91240B29-F687-4f45-9708-019B960494DF}">
-                <a14:hiddenLine xmlns:a14="http://schemas.microsoft.com/office/drawing/2010/main" xmlns="" w="9525">
+                <a14:hiddenLine xmlns="" xmlns:a14="http://schemas.microsoft.com/office/drawing/2010/main" w="9525">
                   <a:solidFill>
                     <a:srgbClr val="000000"/>
                   </a:solidFill>
@@ -2444,7 +2445,7 @@
             </a:ln>
             <a:extLst>
               <a:ext uri="{91240B29-F687-4f45-9708-019B960494DF}">
-                <a14:hiddenLine xmlns:a14="http://schemas.microsoft.com/office/drawing/2010/main" xmlns="" w="9525">
+                <a14:hiddenLine xmlns="" xmlns:a14="http://schemas.microsoft.com/office/drawing/2010/main" w="9525">
                   <a:solidFill>
                     <a:srgbClr val="000000"/>
                   </a:solidFill>
@@ -2534,7 +2535,7 @@
             </a:ln>
             <a:extLst>
               <a:ext uri="{91240B29-F687-4f45-9708-019B960494DF}">
-                <a14:hiddenLine xmlns:a14="http://schemas.microsoft.com/office/drawing/2010/main" xmlns="" w="9525">
+                <a14:hiddenLine xmlns="" xmlns:a14="http://schemas.microsoft.com/office/drawing/2010/main" w="9525">
                   <a:solidFill>
                     <a:srgbClr val="000000"/>
                   </a:solidFill>
@@ -2602,7 +2603,7 @@
             </a:ln>
             <a:extLst>
               <a:ext uri="{91240B29-F687-4f45-9708-019B960494DF}">
-                <a14:hiddenLine xmlns:a14="http://schemas.microsoft.com/office/drawing/2010/main" xmlns="" w="9525">
+                <a14:hiddenLine xmlns="" xmlns:a14="http://schemas.microsoft.com/office/drawing/2010/main" w="9525">
                   <a:solidFill>
                     <a:srgbClr val="000000"/>
                   </a:solidFill>
@@ -2692,7 +2693,7 @@
             </a:ln>
             <a:extLst>
               <a:ext uri="{91240B29-F687-4f45-9708-019B960494DF}">
-                <a14:hiddenLine xmlns:a14="http://schemas.microsoft.com/office/drawing/2010/main" xmlns="" w="9525">
+                <a14:hiddenLine xmlns="" xmlns:a14="http://schemas.microsoft.com/office/drawing/2010/main" w="9525">
                   <a:solidFill>
                     <a:srgbClr val="000000"/>
                   </a:solidFill>
@@ -2726,7 +2727,7 @@
             </a:ln>
             <a:extLst>
               <a:ext uri="{91240B29-F687-4f45-9708-019B960494DF}">
-                <a14:hiddenLine xmlns:a14="http://schemas.microsoft.com/office/drawing/2010/main" xmlns="" w="9525">
+                <a14:hiddenLine xmlns="" xmlns:a14="http://schemas.microsoft.com/office/drawing/2010/main" w="9525">
                   <a:solidFill>
                     <a:srgbClr val="000000"/>
                   </a:solidFill>
@@ -2816,7 +2817,7 @@
             </a:ln>
             <a:extLst>
               <a:ext uri="{91240B29-F687-4f45-9708-019B960494DF}">
-                <a14:hiddenLine xmlns:a14="http://schemas.microsoft.com/office/drawing/2010/main" xmlns="" w="9525">
+                <a14:hiddenLine xmlns="" xmlns:a14="http://schemas.microsoft.com/office/drawing/2010/main" w="9525">
                   <a:solidFill>
                     <a:srgbClr val="000000"/>
                   </a:solidFill>
@@ -2878,7 +2879,7 @@
             </a:ln>
             <a:extLst>
               <a:ext uri="{91240B29-F687-4f45-9708-019B960494DF}">
-                <a14:hiddenLine xmlns:a14="http://schemas.microsoft.com/office/drawing/2010/main" xmlns="" w="9525">
+                <a14:hiddenLine xmlns="" xmlns:a14="http://schemas.microsoft.com/office/drawing/2010/main" w="9525">
                   <a:solidFill>
                     <a:srgbClr val="000000"/>
                   </a:solidFill>
@@ -2940,7 +2941,7 @@
             </a:ln>
             <a:extLst>
               <a:ext uri="{91240B29-F687-4f45-9708-019B960494DF}">
-                <a14:hiddenLine xmlns:a14="http://schemas.microsoft.com/office/drawing/2010/main" xmlns="" w="9525">
+                <a14:hiddenLine xmlns="" xmlns:a14="http://schemas.microsoft.com/office/drawing/2010/main" w="9525">
                   <a:solidFill>
                     <a:srgbClr val="000000"/>
                   </a:solidFill>
@@ -3030,7 +3031,7 @@
             </a:ln>
             <a:extLst>
               <a:ext uri="{91240B29-F687-4f45-9708-019B960494DF}">
-                <a14:hiddenLine xmlns:a14="http://schemas.microsoft.com/office/drawing/2010/main" xmlns="" w="9525">
+                <a14:hiddenLine xmlns="" xmlns:a14="http://schemas.microsoft.com/office/drawing/2010/main" w="9525">
                   <a:solidFill>
                     <a:srgbClr val="000000"/>
                   </a:solidFill>
@@ -3098,7 +3099,7 @@
             </a:ln>
             <a:extLst>
               <a:ext uri="{91240B29-F687-4f45-9708-019B960494DF}">
-                <a14:hiddenLine xmlns:a14="http://schemas.microsoft.com/office/drawing/2010/main" xmlns="" w="9525">
+                <a14:hiddenLine xmlns="" xmlns:a14="http://schemas.microsoft.com/office/drawing/2010/main" w="9525">
                   <a:solidFill>
                     <a:srgbClr val="000000"/>
                   </a:solidFill>
@@ -3160,7 +3161,7 @@
             </a:ln>
             <a:extLst>
               <a:ext uri="{91240B29-F687-4f45-9708-019B960494DF}">
-                <a14:hiddenLine xmlns:a14="http://schemas.microsoft.com/office/drawing/2010/main" xmlns="" w="9525">
+                <a14:hiddenLine xmlns="" xmlns:a14="http://schemas.microsoft.com/office/drawing/2010/main" w="9525">
                   <a:solidFill>
                     <a:srgbClr val="000000"/>
                   </a:solidFill>
@@ -3250,7 +3251,7 @@
             </a:ln>
             <a:extLst>
               <a:ext uri="{91240B29-F687-4f45-9708-019B960494DF}">
-                <a14:hiddenLine xmlns:a14="http://schemas.microsoft.com/office/drawing/2010/main" xmlns="" w="9525">
+                <a14:hiddenLine xmlns="" xmlns:a14="http://schemas.microsoft.com/office/drawing/2010/main" w="9525">
                   <a:solidFill>
                     <a:srgbClr val="000000"/>
                   </a:solidFill>
@@ -3312,7 +3313,7 @@
             </a:ln>
             <a:extLst>
               <a:ext uri="{91240B29-F687-4f45-9708-019B960494DF}">
-                <a14:hiddenLine xmlns:a14="http://schemas.microsoft.com/office/drawing/2010/main" xmlns="" w="9525">
+                <a14:hiddenLine xmlns="" xmlns:a14="http://schemas.microsoft.com/office/drawing/2010/main" w="9525">
                   <a:solidFill>
                     <a:srgbClr val="000000"/>
                   </a:solidFill>
@@ -3402,7 +3403,7 @@
             </a:ln>
             <a:extLst>
               <a:ext uri="{91240B29-F687-4f45-9708-019B960494DF}">
-                <a14:hiddenLine xmlns:a14="http://schemas.microsoft.com/office/drawing/2010/main" xmlns="" w="9525">
+                <a14:hiddenLine xmlns="" xmlns:a14="http://schemas.microsoft.com/office/drawing/2010/main" w="9525">
                   <a:solidFill>
                     <a:srgbClr val="000000"/>
                   </a:solidFill>
@@ -3464,7 +3465,7 @@
             </a:ln>
             <a:extLst>
               <a:ext uri="{91240B29-F687-4f45-9708-019B960494DF}">
-                <a14:hiddenLine xmlns:a14="http://schemas.microsoft.com/office/drawing/2010/main" xmlns="" w="9525">
+                <a14:hiddenLine xmlns="" xmlns:a14="http://schemas.microsoft.com/office/drawing/2010/main" w="9525">
                   <a:solidFill>
                     <a:srgbClr val="000000"/>
                   </a:solidFill>
@@ -3554,7 +3555,7 @@
             </a:ln>
             <a:extLst>
               <a:ext uri="{91240B29-F687-4f45-9708-019B960494DF}">
-                <a14:hiddenLine xmlns:a14="http://schemas.microsoft.com/office/drawing/2010/main" xmlns="" w="9525">
+                <a14:hiddenLine xmlns="" xmlns:a14="http://schemas.microsoft.com/office/drawing/2010/main" w="9525">
                   <a:solidFill>
                     <a:srgbClr val="000000"/>
                   </a:solidFill>
@@ -3588,7 +3589,7 @@
             </a:ln>
             <a:extLst>
               <a:ext uri="{91240B29-F687-4f45-9708-019B960494DF}">
-                <a14:hiddenLine xmlns:a14="http://schemas.microsoft.com/office/drawing/2010/main" xmlns="" w="9525">
+                <a14:hiddenLine xmlns="" xmlns:a14="http://schemas.microsoft.com/office/drawing/2010/main" w="9525">
                   <a:solidFill>
                     <a:srgbClr val="000000"/>
                   </a:solidFill>
@@ -3653,7 +3654,7 @@
             </a:ln>
             <a:extLst>
               <a:ext uri="{91240B29-F687-4f45-9708-019B960494DF}">
-                <a14:hiddenLine xmlns:a14="http://schemas.microsoft.com/office/drawing/2010/main" xmlns="" w="9525">
+                <a14:hiddenLine xmlns="" xmlns:a14="http://schemas.microsoft.com/office/drawing/2010/main" w="9525">
                   <a:solidFill>
                     <a:srgbClr val="000000"/>
                   </a:solidFill>
@@ -3743,7 +3744,7 @@
             </a:ln>
             <a:extLst>
               <a:ext uri="{91240B29-F687-4f45-9708-019B960494DF}">
-                <a14:hiddenLine xmlns:a14="http://schemas.microsoft.com/office/drawing/2010/main" xmlns="" w="9525">
+                <a14:hiddenLine xmlns="" xmlns:a14="http://schemas.microsoft.com/office/drawing/2010/main" w="9525">
                   <a:solidFill>
                     <a:srgbClr val="000000"/>
                   </a:solidFill>
@@ -3805,7 +3806,7 @@
             </a:ln>
             <a:extLst>
               <a:ext uri="{91240B29-F687-4f45-9708-019B960494DF}">
-                <a14:hiddenLine xmlns:a14="http://schemas.microsoft.com/office/drawing/2010/main" xmlns="" w="9525">
+                <a14:hiddenLine xmlns="" xmlns:a14="http://schemas.microsoft.com/office/drawing/2010/main" w="9525">
                   <a:solidFill>
                     <a:srgbClr val="000000"/>
                   </a:solidFill>
@@ -3895,7 +3896,7 @@
             </a:ln>
             <a:extLst>
               <a:ext uri="{91240B29-F687-4f45-9708-019B960494DF}">
-                <a14:hiddenLine xmlns:a14="http://schemas.microsoft.com/office/drawing/2010/main" xmlns="" w="9525">
+                <a14:hiddenLine xmlns="" xmlns:a14="http://schemas.microsoft.com/office/drawing/2010/main" w="9525">
                   <a:solidFill>
                     <a:srgbClr val="000000"/>
                   </a:solidFill>
@@ -3985,7 +3986,7 @@
             </a:ln>
             <a:extLst>
               <a:ext uri="{91240B29-F687-4f45-9708-019B960494DF}">
-                <a14:hiddenLine xmlns:a14="http://schemas.microsoft.com/office/drawing/2010/main" xmlns="" w="9525">
+                <a14:hiddenLine xmlns="" xmlns:a14="http://schemas.microsoft.com/office/drawing/2010/main" w="9525">
                   <a:solidFill>
                     <a:srgbClr val="000000"/>
                   </a:solidFill>
@@ -4050,7 +4051,7 @@
             </a:ln>
             <a:extLst>
               <a:ext uri="{91240B29-F687-4f45-9708-019B960494DF}">
-                <a14:hiddenLine xmlns:a14="http://schemas.microsoft.com/office/drawing/2010/main" xmlns="" w="9525">
+                <a14:hiddenLine xmlns="" xmlns:a14="http://schemas.microsoft.com/office/drawing/2010/main" w="9525">
                   <a:solidFill>
                     <a:srgbClr val="000000"/>
                   </a:solidFill>
@@ -4112,7 +4113,7 @@
             </a:ln>
             <a:extLst>
               <a:ext uri="{91240B29-F687-4f45-9708-019B960494DF}">
-                <a14:hiddenLine xmlns:a14="http://schemas.microsoft.com/office/drawing/2010/main" xmlns="" w="9525">
+                <a14:hiddenLine xmlns="" xmlns:a14="http://schemas.microsoft.com/office/drawing/2010/main" w="9525">
                   <a:solidFill>
                     <a:srgbClr val="000000"/>
                   </a:solidFill>
@@ -4202,7 +4203,7 @@
             </a:ln>
             <a:extLst>
               <a:ext uri="{91240B29-F687-4f45-9708-019B960494DF}">
-                <a14:hiddenLine xmlns:a14="http://schemas.microsoft.com/office/drawing/2010/main" xmlns="" w="9525">
+                <a14:hiddenLine xmlns="" xmlns:a14="http://schemas.microsoft.com/office/drawing/2010/main" w="9525">
                   <a:solidFill>
                     <a:srgbClr val="000000"/>
                   </a:solidFill>
@@ -4292,7 +4293,7 @@
             </a:ln>
             <a:extLst>
               <a:ext uri="{91240B29-F687-4f45-9708-019B960494DF}">
-                <a14:hiddenLine xmlns:a14="http://schemas.microsoft.com/office/drawing/2010/main" xmlns="" w="9525">
+                <a14:hiddenLine xmlns="" xmlns:a14="http://schemas.microsoft.com/office/drawing/2010/main" w="9525">
                   <a:solidFill>
                     <a:srgbClr val="000000"/>
                   </a:solidFill>
@@ -4354,7 +4355,7 @@
             </a:ln>
             <a:extLst>
               <a:ext uri="{91240B29-F687-4f45-9708-019B960494DF}">
-                <a14:hiddenLine xmlns:a14="http://schemas.microsoft.com/office/drawing/2010/main" xmlns="" w="9525">
+                <a14:hiddenLine xmlns="" xmlns:a14="http://schemas.microsoft.com/office/drawing/2010/main" w="9525">
                   <a:solidFill>
                     <a:srgbClr val="000000"/>
                   </a:solidFill>
@@ -4474,7 +4475,7 @@
             </a:ln>
             <a:extLst>
               <a:ext uri="{91240B29-F687-4f45-9708-019B960494DF}">
-                <a14:hiddenLine xmlns:a14="http://schemas.microsoft.com/office/drawing/2010/main" xmlns="" w="9525">
+                <a14:hiddenLine xmlns="" xmlns:a14="http://schemas.microsoft.com/office/drawing/2010/main" w="9525">
                   <a:solidFill>
                     <a:srgbClr val="000000"/>
                   </a:solidFill>
@@ -4542,7 +4543,7 @@
             </a:ln>
             <a:extLst>
               <a:ext uri="{91240B29-F687-4f45-9708-019B960494DF}">
-                <a14:hiddenLine xmlns:a14="http://schemas.microsoft.com/office/drawing/2010/main" xmlns="" w="9525">
+                <a14:hiddenLine xmlns="" xmlns:a14="http://schemas.microsoft.com/office/drawing/2010/main" w="9525">
                   <a:solidFill>
                     <a:srgbClr val="000000"/>
                   </a:solidFill>
@@ -4632,7 +4633,7 @@
             </a:ln>
             <a:extLst>
               <a:ext uri="{91240B29-F687-4f45-9708-019B960494DF}">
-                <a14:hiddenLine xmlns:a14="http://schemas.microsoft.com/office/drawing/2010/main" xmlns="" w="9525">
+                <a14:hiddenLine xmlns="" xmlns:a14="http://schemas.microsoft.com/office/drawing/2010/main" w="9525">
                   <a:solidFill>
                     <a:srgbClr val="000000"/>
                   </a:solidFill>
@@ -4772,7 +4773,7 @@
           <a:p>
             <a:fld id="{E98AF6B5-10CD-49C0-AEEE-860F9F4EF8DF}" type="datetime1">
               <a:rPr lang="en-US" smtClean="0"/>
-              <a:t>12/14/2017</a:t>
+              <a:t>12/15/2017</a:t>
             </a:fld>
             <a:endParaRPr lang="en-US" dirty="0"/>
           </a:p>
@@ -5046,7 +5047,7 @@
           <a:p>
             <a:fld id="{34FF4D8B-7386-49E2-841C-48DCB2254784}" type="datetime1">
               <a:rPr lang="en-US" smtClean="0"/>
-              <a:t>12/14/2017</a:t>
+              <a:t>12/15/2017</a:t>
             </a:fld>
             <a:endParaRPr lang="en-US" dirty="0"/>
           </a:p>
@@ -5249,7 +5250,7 @@
           <a:p>
             <a:fld id="{9CE24C74-CD99-43D0-ADC3-9CD2BA5C3F7B}" type="datetime1">
               <a:rPr lang="en-US" smtClean="0"/>
-              <a:t>12/14/2017</a:t>
+              <a:t>12/15/2017</a:t>
             </a:fld>
             <a:endParaRPr lang="en-US" dirty="0"/>
           </a:p>
@@ -5519,7 +5520,7 @@
           <a:p>
             <a:fld id="{8216F29D-499C-45D2-9CFB-92B9A8E213BC}" type="datetime1">
               <a:rPr lang="en-US" smtClean="0"/>
-              <a:t>12/14/2017</a:t>
+              <a:t>12/15/2017</a:t>
             </a:fld>
             <a:endParaRPr lang="en-US" dirty="0"/>
           </a:p>
@@ -5960,7 +5961,7 @@
           <a:p>
             <a:fld id="{645528B0-2A0B-416F-A951-17C70896ACEE}" type="datetime1">
               <a:rPr lang="en-US" smtClean="0"/>
-              <a:t>12/14/2017</a:t>
+              <a:t>12/15/2017</a:t>
             </a:fld>
             <a:endParaRPr lang="en-US" dirty="0"/>
           </a:p>
@@ -6513,7 +6514,7 @@
           <a:p>
             <a:fld id="{C8EF2AED-A1DF-4115-B2A6-E42838EAC461}" type="datetime1">
               <a:rPr lang="en-US" smtClean="0"/>
-              <a:t>12/14/2017</a:t>
+              <a:t>12/15/2017</a:t>
             </a:fld>
             <a:endParaRPr lang="en-US" dirty="0"/>
           </a:p>
@@ -7240,7 +7241,7 @@
           <a:p>
             <a:fld id="{DF12E600-9913-4C99-99EB-735D98B219AA}" type="datetime1">
               <a:rPr lang="en-US" smtClean="0"/>
-              <a:t>12/14/2017</a:t>
+              <a:t>12/15/2017</a:t>
             </a:fld>
             <a:endParaRPr lang="en-US" dirty="0"/>
           </a:p>
@@ -7417,7 +7418,7 @@
           <a:p>
             <a:fld id="{ADEAFD75-83FE-4A29-B29A-D5ED309A1ED4}" type="datetime1">
               <a:rPr lang="en-US" smtClean="0"/>
-              <a:t>12/14/2017</a:t>
+              <a:t>12/15/2017</a:t>
             </a:fld>
             <a:endParaRPr lang="en-US" dirty="0"/>
           </a:p>
@@ -7604,7 +7605,7 @@
           <a:p>
             <a:fld id="{7134563A-84AD-4F47-9672-85A115710077}" type="datetime1">
               <a:rPr lang="en-US" smtClean="0"/>
-              <a:t>12/14/2017</a:t>
+              <a:t>12/15/2017</a:t>
             </a:fld>
             <a:endParaRPr lang="en-US" dirty="0"/>
           </a:p>
@@ -7781,7 +7782,7 @@
           <a:p>
             <a:fld id="{CDFC1DA9-895C-41DE-A16B-45B0CF92A3E9}" type="datetime1">
               <a:rPr lang="en-US" smtClean="0"/>
-              <a:t>12/14/2017</a:t>
+              <a:t>12/15/2017</a:t>
             </a:fld>
             <a:endParaRPr lang="en-US" dirty="0"/>
           </a:p>
@@ -8038,7 +8039,7 @@
           <a:p>
             <a:fld id="{80095D51-A492-4BBD-95F7-A09B2087A7D8}" type="datetime1">
               <a:rPr lang="en-US" smtClean="0"/>
-              <a:t>12/14/2017</a:t>
+              <a:t>12/15/2017</a:t>
             </a:fld>
             <a:endParaRPr lang="en-US" dirty="0"/>
           </a:p>
@@ -8277,7 +8278,7 @@
           <a:p>
             <a:fld id="{A753C733-3AF1-4EA2-99C5-65238ABDC94B}" type="datetime1">
               <a:rPr lang="en-US" smtClean="0"/>
-              <a:t>12/14/2017</a:t>
+              <a:t>12/15/2017</a:t>
             </a:fld>
             <a:endParaRPr lang="en-US" dirty="0"/>
           </a:p>
@@ -8665,7 +8666,7 @@
           <a:p>
             <a:fld id="{A7099666-5326-48E6-A43C-97BF7638444B}" type="datetime1">
               <a:rPr lang="en-US" smtClean="0"/>
-              <a:t>12/14/2017</a:t>
+              <a:t>12/15/2017</a:t>
             </a:fld>
             <a:endParaRPr lang="en-US" dirty="0"/>
           </a:p>
@@ -8790,7 +8791,7 @@
           <a:p>
             <a:fld id="{B6DFAFFE-09C7-4CCD-B8F9-0482C7A86FB5}" type="datetime1">
               <a:rPr lang="en-US" smtClean="0"/>
-              <a:t>12/14/2017</a:t>
+              <a:t>12/15/2017</a:t>
             </a:fld>
             <a:endParaRPr lang="en-US" dirty="0"/>
           </a:p>
@@ -8892,7 +8893,7 @@
           <a:p>
             <a:fld id="{AE1406AB-05C0-4B8B-893C-B5602F4FA1E5}" type="datetime1">
               <a:rPr lang="en-US" smtClean="0"/>
-              <a:t>12/14/2017</a:t>
+              <a:t>12/15/2017</a:t>
             </a:fld>
             <a:endParaRPr lang="en-US" dirty="0"/>
           </a:p>
@@ -9148,7 +9149,7 @@
           <a:p>
             <a:fld id="{A3BAAEB5-8CB9-4075-8F08-D52CB05B64B3}" type="datetime1">
               <a:rPr lang="en-US" smtClean="0"/>
-              <a:t>12/14/2017</a:t>
+              <a:t>12/15/2017</a:t>
             </a:fld>
             <a:endParaRPr lang="en-US" dirty="0"/>
           </a:p>
@@ -9435,7 +9436,7 @@
           <a:p>
             <a:fld id="{846E9255-AB33-4DDA-8BF6-5CA2222C0DB6}" type="datetime1">
               <a:rPr lang="en-US" smtClean="0"/>
-              <a:t>12/14/2017</a:t>
+              <a:t>12/15/2017</a:t>
             </a:fld>
             <a:endParaRPr lang="en-US" dirty="0"/>
           </a:p>
@@ -9565,7 +9566,7 @@
           <a:noFill/>
           <a:extLst>
             <a:ext uri="{909E8E84-426E-40dd-AFC4-6F175D3DCCD1}">
-              <a14:hiddenFill xmlns:a14="http://schemas.microsoft.com/office/drawing/2010/main" xmlns="">
+              <a14:hiddenFill xmlns="" xmlns:a14="http://schemas.microsoft.com/office/drawing/2010/main">
                 <a:solidFill>
                   <a:srgbClr val="FFFFFF"/>
                 </a:solidFill>
@@ -9639,7 +9640,7 @@
               </a:ln>
               <a:extLst>
                 <a:ext uri="{91240B29-F687-4f45-9708-019B960494DF}">
-                  <a14:hiddenLine xmlns:a14="http://schemas.microsoft.com/office/drawing/2010/main" xmlns="" w="9525">
+                  <a14:hiddenLine xmlns="" xmlns:a14="http://schemas.microsoft.com/office/drawing/2010/main" w="9525">
                     <a:solidFill>
                       <a:srgbClr val="000000"/>
                     </a:solidFill>
@@ -9729,7 +9730,7 @@
               </a:ln>
               <a:extLst>
                 <a:ext uri="{91240B29-F687-4f45-9708-019B960494DF}">
-                  <a14:hiddenLine xmlns:a14="http://schemas.microsoft.com/office/drawing/2010/main" xmlns="" w="9525">
+                  <a14:hiddenLine xmlns="" xmlns:a14="http://schemas.microsoft.com/office/drawing/2010/main" w="9525">
                     <a:solidFill>
                       <a:srgbClr val="000000"/>
                     </a:solidFill>
@@ -9819,7 +9820,7 @@
               </a:ln>
               <a:extLst>
                 <a:ext uri="{91240B29-F687-4f45-9708-019B960494DF}">
-                  <a14:hiddenLine xmlns:a14="http://schemas.microsoft.com/office/drawing/2010/main" xmlns="" w="9525">
+                  <a14:hiddenLine xmlns="" xmlns:a14="http://schemas.microsoft.com/office/drawing/2010/main" w="9525">
                     <a:solidFill>
                       <a:srgbClr val="000000"/>
                     </a:solidFill>
@@ -9881,7 +9882,7 @@
               </a:ln>
               <a:extLst>
                 <a:ext uri="{91240B29-F687-4f45-9708-019B960494DF}">
-                  <a14:hiddenLine xmlns:a14="http://schemas.microsoft.com/office/drawing/2010/main" xmlns="" w="9525">
+                  <a14:hiddenLine xmlns="" xmlns:a14="http://schemas.microsoft.com/office/drawing/2010/main" w="9525">
                     <a:solidFill>
                       <a:srgbClr val="000000"/>
                     </a:solidFill>
@@ -9971,7 +9972,7 @@
               </a:ln>
               <a:extLst>
                 <a:ext uri="{91240B29-F687-4f45-9708-019B960494DF}">
-                  <a14:hiddenLine xmlns:a14="http://schemas.microsoft.com/office/drawing/2010/main" xmlns="" w="9525">
+                  <a14:hiddenLine xmlns="" xmlns:a14="http://schemas.microsoft.com/office/drawing/2010/main" w="9525">
                     <a:solidFill>
                       <a:srgbClr val="000000"/>
                     </a:solidFill>
@@ -10033,7 +10034,7 @@
               </a:ln>
               <a:extLst>
                 <a:ext uri="{91240B29-F687-4f45-9708-019B960494DF}">
-                  <a14:hiddenLine xmlns:a14="http://schemas.microsoft.com/office/drawing/2010/main" xmlns="" w="9525">
+                  <a14:hiddenLine xmlns="" xmlns:a14="http://schemas.microsoft.com/office/drawing/2010/main" w="9525">
                     <a:solidFill>
                       <a:srgbClr val="000000"/>
                     </a:solidFill>
@@ -10095,7 +10096,7 @@
               </a:ln>
               <a:extLst>
                 <a:ext uri="{91240B29-F687-4f45-9708-019B960494DF}">
-                  <a14:hiddenLine xmlns:a14="http://schemas.microsoft.com/office/drawing/2010/main" xmlns="" w="9525">
+                  <a14:hiddenLine xmlns="" xmlns:a14="http://schemas.microsoft.com/office/drawing/2010/main" w="9525">
                     <a:solidFill>
                       <a:srgbClr val="000000"/>
                     </a:solidFill>
@@ -10185,7 +10186,7 @@
               </a:ln>
               <a:extLst>
                 <a:ext uri="{91240B29-F687-4f45-9708-019B960494DF}">
-                  <a14:hiddenLine xmlns:a14="http://schemas.microsoft.com/office/drawing/2010/main" xmlns="" w="9525">
+                  <a14:hiddenLine xmlns="" xmlns:a14="http://schemas.microsoft.com/office/drawing/2010/main" w="9525">
                     <a:solidFill>
                       <a:srgbClr val="000000"/>
                     </a:solidFill>
@@ -10275,7 +10276,7 @@
               </a:ln>
               <a:extLst>
                 <a:ext uri="{91240B29-F687-4f45-9708-019B960494DF}">
-                  <a14:hiddenLine xmlns:a14="http://schemas.microsoft.com/office/drawing/2010/main" xmlns="" w="9525">
+                  <a14:hiddenLine xmlns="" xmlns:a14="http://schemas.microsoft.com/office/drawing/2010/main" w="9525">
                     <a:solidFill>
                       <a:srgbClr val="000000"/>
                     </a:solidFill>
@@ -10337,7 +10338,7 @@
               </a:ln>
               <a:extLst>
                 <a:ext uri="{91240B29-F687-4f45-9708-019B960494DF}">
-                  <a14:hiddenLine xmlns:a14="http://schemas.microsoft.com/office/drawing/2010/main" xmlns="" w="9525">
+                  <a14:hiddenLine xmlns="" xmlns:a14="http://schemas.microsoft.com/office/drawing/2010/main" w="9525">
                     <a:solidFill>
                       <a:srgbClr val="000000"/>
                     </a:solidFill>
@@ -10447,7 +10448,7 @@
               </a:ln>
               <a:extLst>
                 <a:ext uri="{91240B29-F687-4f45-9708-019B960494DF}">
-                  <a14:hiddenLine xmlns:a14="http://schemas.microsoft.com/office/drawing/2010/main" xmlns="" w="9525">
+                  <a14:hiddenLine xmlns="" xmlns:a14="http://schemas.microsoft.com/office/drawing/2010/main" w="9525">
                     <a:solidFill>
                       <a:srgbClr val="000000"/>
                     </a:solidFill>
@@ -10531,7 +10532,7 @@
               </a:ln>
               <a:extLst>
                 <a:ext uri="{91240B29-F687-4f45-9708-019B960494DF}">
-                  <a14:hiddenLine xmlns:a14="http://schemas.microsoft.com/office/drawing/2010/main" xmlns="" w="9525">
+                  <a14:hiddenLine xmlns="" xmlns:a14="http://schemas.microsoft.com/office/drawing/2010/main" w="9525">
                     <a:solidFill>
                       <a:srgbClr val="000000"/>
                     </a:solidFill>
@@ -10593,7 +10594,7 @@
               </a:ln>
               <a:extLst>
                 <a:ext uri="{91240B29-F687-4f45-9708-019B960494DF}">
-                  <a14:hiddenLine xmlns:a14="http://schemas.microsoft.com/office/drawing/2010/main" xmlns="" w="9525">
+                  <a14:hiddenLine xmlns="" xmlns:a14="http://schemas.microsoft.com/office/drawing/2010/main" w="9525">
                     <a:solidFill>
                       <a:srgbClr val="000000"/>
                     </a:solidFill>
@@ -10655,7 +10656,7 @@
               </a:ln>
               <a:extLst>
                 <a:ext uri="{91240B29-F687-4f45-9708-019B960494DF}">
-                  <a14:hiddenLine xmlns:a14="http://schemas.microsoft.com/office/drawing/2010/main" xmlns="" w="9525">
+                  <a14:hiddenLine xmlns="" xmlns:a14="http://schemas.microsoft.com/office/drawing/2010/main" w="9525">
                     <a:solidFill>
                       <a:srgbClr val="000000"/>
                     </a:solidFill>
@@ -10745,7 +10746,7 @@
               </a:ln>
               <a:extLst>
                 <a:ext uri="{91240B29-F687-4f45-9708-019B960494DF}">
-                  <a14:hiddenLine xmlns:a14="http://schemas.microsoft.com/office/drawing/2010/main" xmlns="" w="9525">
+                  <a14:hiddenLine xmlns="" xmlns:a14="http://schemas.microsoft.com/office/drawing/2010/main" w="9525">
                     <a:solidFill>
                       <a:srgbClr val="000000"/>
                     </a:solidFill>
@@ -10779,7 +10780,7 @@
               </a:ln>
               <a:extLst>
                 <a:ext uri="{91240B29-F687-4f45-9708-019B960494DF}">
-                  <a14:hiddenLine xmlns:a14="http://schemas.microsoft.com/office/drawing/2010/main" xmlns="" w="9525">
+                  <a14:hiddenLine xmlns="" xmlns:a14="http://schemas.microsoft.com/office/drawing/2010/main" w="9525">
                     <a:solidFill>
                       <a:srgbClr val="000000"/>
                     </a:solidFill>
@@ -10844,7 +10845,7 @@
               </a:ln>
               <a:extLst>
                 <a:ext uri="{91240B29-F687-4f45-9708-019B960494DF}">
-                  <a14:hiddenLine xmlns:a14="http://schemas.microsoft.com/office/drawing/2010/main" xmlns="" w="9525">
+                  <a14:hiddenLine xmlns="" xmlns:a14="http://schemas.microsoft.com/office/drawing/2010/main" w="9525">
                     <a:solidFill>
                       <a:srgbClr val="000000"/>
                     </a:solidFill>
@@ -10934,7 +10935,7 @@
               </a:ln>
               <a:extLst>
                 <a:ext uri="{91240B29-F687-4f45-9708-019B960494DF}">
-                  <a14:hiddenLine xmlns:a14="http://schemas.microsoft.com/office/drawing/2010/main" xmlns="" w="9525">
+                  <a14:hiddenLine xmlns="" xmlns:a14="http://schemas.microsoft.com/office/drawing/2010/main" w="9525">
                     <a:solidFill>
                       <a:srgbClr val="000000"/>
                     </a:solidFill>
@@ -10996,7 +10997,7 @@
               </a:ln>
               <a:extLst>
                 <a:ext uri="{91240B29-F687-4f45-9708-019B960494DF}">
-                  <a14:hiddenLine xmlns:a14="http://schemas.microsoft.com/office/drawing/2010/main" xmlns="" w="9525">
+                  <a14:hiddenLine xmlns="" xmlns:a14="http://schemas.microsoft.com/office/drawing/2010/main" w="9525">
                     <a:solidFill>
                       <a:srgbClr val="000000"/>
                     </a:solidFill>
@@ -11086,7 +11087,7 @@
               </a:ln>
               <a:extLst>
                 <a:ext uri="{91240B29-F687-4f45-9708-019B960494DF}">
-                  <a14:hiddenLine xmlns:a14="http://schemas.microsoft.com/office/drawing/2010/main" xmlns="" w="9525">
+                  <a14:hiddenLine xmlns="" xmlns:a14="http://schemas.microsoft.com/office/drawing/2010/main" w="9525">
                     <a:solidFill>
                       <a:srgbClr val="000000"/>
                     </a:solidFill>
@@ -11151,7 +11152,7 @@
               </a:ln>
               <a:extLst>
                 <a:ext uri="{91240B29-F687-4f45-9708-019B960494DF}">
-                  <a14:hiddenLine xmlns:a14="http://schemas.microsoft.com/office/drawing/2010/main" xmlns="" w="9525">
+                  <a14:hiddenLine xmlns="" xmlns:a14="http://schemas.microsoft.com/office/drawing/2010/main" w="9525">
                     <a:solidFill>
                       <a:srgbClr val="000000"/>
                     </a:solidFill>
@@ -11213,7 +11214,7 @@
               </a:ln>
               <a:extLst>
                 <a:ext uri="{91240B29-F687-4f45-9708-019B960494DF}">
-                  <a14:hiddenLine xmlns:a14="http://schemas.microsoft.com/office/drawing/2010/main" xmlns="" w="9525">
+                  <a14:hiddenLine xmlns="" xmlns:a14="http://schemas.microsoft.com/office/drawing/2010/main" w="9525">
                     <a:solidFill>
                       <a:srgbClr val="000000"/>
                     </a:solidFill>
@@ -11303,7 +11304,7 @@
               </a:ln>
               <a:extLst>
                 <a:ext uri="{91240B29-F687-4f45-9708-019B960494DF}">
-                  <a14:hiddenLine xmlns:a14="http://schemas.microsoft.com/office/drawing/2010/main" xmlns="" w="9525">
+                  <a14:hiddenLine xmlns="" xmlns:a14="http://schemas.microsoft.com/office/drawing/2010/main" w="9525">
                     <a:solidFill>
                       <a:srgbClr val="000000"/>
                     </a:solidFill>
@@ -11393,7 +11394,7 @@
               </a:ln>
               <a:extLst>
                 <a:ext uri="{91240B29-F687-4f45-9708-019B960494DF}">
-                  <a14:hiddenLine xmlns:a14="http://schemas.microsoft.com/office/drawing/2010/main" xmlns="" w="9525">
+                  <a14:hiddenLine xmlns="" xmlns:a14="http://schemas.microsoft.com/office/drawing/2010/main" w="9525">
                     <a:solidFill>
                       <a:srgbClr val="000000"/>
                     </a:solidFill>
@@ -11458,7 +11459,7 @@
               </a:ln>
               <a:extLst>
                 <a:ext uri="{91240B29-F687-4f45-9708-019B960494DF}">
-                  <a14:hiddenLine xmlns:a14="http://schemas.microsoft.com/office/drawing/2010/main" xmlns="" w="9525">
+                  <a14:hiddenLine xmlns="" xmlns:a14="http://schemas.microsoft.com/office/drawing/2010/main" w="9525">
                     <a:solidFill>
                       <a:srgbClr val="000000"/>
                     </a:solidFill>
@@ -11578,7 +11579,7 @@
               </a:ln>
               <a:extLst>
                 <a:ext uri="{91240B29-F687-4f45-9708-019B960494DF}">
-                  <a14:hiddenLine xmlns:a14="http://schemas.microsoft.com/office/drawing/2010/main" xmlns="" w="9525">
+                  <a14:hiddenLine xmlns="" xmlns:a14="http://schemas.microsoft.com/office/drawing/2010/main" w="9525">
                     <a:solidFill>
                       <a:srgbClr val="000000"/>
                     </a:solidFill>
@@ -11659,7 +11660,7 @@
               </a:ln>
               <a:extLst>
                 <a:ext uri="{91240B29-F687-4f45-9708-019B960494DF}">
-                  <a14:hiddenLine xmlns:a14="http://schemas.microsoft.com/office/drawing/2010/main" xmlns="" w="9525">
+                  <a14:hiddenLine xmlns="" xmlns:a14="http://schemas.microsoft.com/office/drawing/2010/main" w="9525">
                     <a:solidFill>
                       <a:srgbClr val="000000"/>
                     </a:solidFill>
@@ -11774,7 +11775,7 @@
               </a:ln>
               <a:extLst>
                 <a:ext uri="{91240B29-F687-4f45-9708-019B960494DF}">
-                  <a14:hiddenLine xmlns:a14="http://schemas.microsoft.com/office/drawing/2010/main" xmlns="" w="9525">
+                  <a14:hiddenLine xmlns="" xmlns:a14="http://schemas.microsoft.com/office/drawing/2010/main" w="9525">
                     <a:solidFill>
                       <a:srgbClr val="000000"/>
                     </a:solidFill>
@@ -11864,7 +11865,7 @@
               </a:ln>
               <a:extLst>
                 <a:ext uri="{91240B29-F687-4f45-9708-019B960494DF}">
-                  <a14:hiddenLine xmlns:a14="http://schemas.microsoft.com/office/drawing/2010/main" xmlns="" w="9525">
+                  <a14:hiddenLine xmlns="" xmlns:a14="http://schemas.microsoft.com/office/drawing/2010/main" w="9525">
                     <a:solidFill>
                       <a:srgbClr val="000000"/>
                     </a:solidFill>
@@ -11929,7 +11930,7 @@
               </a:ln>
               <a:extLst>
                 <a:ext uri="{91240B29-F687-4f45-9708-019B960494DF}">
-                  <a14:hiddenLine xmlns:a14="http://schemas.microsoft.com/office/drawing/2010/main" xmlns="" w="9525">
+                  <a14:hiddenLine xmlns="" xmlns:a14="http://schemas.microsoft.com/office/drawing/2010/main" w="9525">
                     <a:solidFill>
                       <a:srgbClr val="000000"/>
                     </a:solidFill>
@@ -12019,7 +12020,7 @@
               </a:ln>
               <a:extLst>
                 <a:ext uri="{91240B29-F687-4f45-9708-019B960494DF}">
-                  <a14:hiddenLine xmlns:a14="http://schemas.microsoft.com/office/drawing/2010/main" xmlns="" w="9525">
+                  <a14:hiddenLine xmlns="" xmlns:a14="http://schemas.microsoft.com/office/drawing/2010/main" w="9525">
                     <a:solidFill>
                       <a:srgbClr val="000000"/>
                     </a:solidFill>
@@ -12087,7 +12088,7 @@
               </a:ln>
               <a:extLst>
                 <a:ext uri="{91240B29-F687-4f45-9708-019B960494DF}">
-                  <a14:hiddenLine xmlns:a14="http://schemas.microsoft.com/office/drawing/2010/main" xmlns="" w="9525">
+                  <a14:hiddenLine xmlns="" xmlns:a14="http://schemas.microsoft.com/office/drawing/2010/main" w="9525">
                     <a:solidFill>
                       <a:srgbClr val="000000"/>
                     </a:solidFill>
@@ -12177,7 +12178,7 @@
               </a:ln>
               <a:extLst>
                 <a:ext uri="{91240B29-F687-4f45-9708-019B960494DF}">
-                  <a14:hiddenLine xmlns:a14="http://schemas.microsoft.com/office/drawing/2010/main" xmlns="" w="9525">
+                  <a14:hiddenLine xmlns="" xmlns:a14="http://schemas.microsoft.com/office/drawing/2010/main" w="9525">
                     <a:solidFill>
                       <a:srgbClr val="000000"/>
                     </a:solidFill>
@@ -12245,7 +12246,7 @@
               </a:ln>
               <a:extLst>
                 <a:ext uri="{91240B29-F687-4f45-9708-019B960494DF}">
-                  <a14:hiddenLine xmlns:a14="http://schemas.microsoft.com/office/drawing/2010/main" xmlns="" w="9525">
+                  <a14:hiddenLine xmlns="" xmlns:a14="http://schemas.microsoft.com/office/drawing/2010/main" w="9525">
                     <a:solidFill>
                       <a:srgbClr val="000000"/>
                     </a:solidFill>
@@ -12335,7 +12336,7 @@
               </a:ln>
               <a:extLst>
                 <a:ext uri="{91240B29-F687-4f45-9708-019B960494DF}">
-                  <a14:hiddenLine xmlns:a14="http://schemas.microsoft.com/office/drawing/2010/main" xmlns="" w="9525">
+                  <a14:hiddenLine xmlns="" xmlns:a14="http://schemas.microsoft.com/office/drawing/2010/main" w="9525">
                     <a:solidFill>
                       <a:srgbClr val="000000"/>
                     </a:solidFill>
@@ -12369,7 +12370,7 @@
               </a:ln>
               <a:extLst>
                 <a:ext uri="{91240B29-F687-4f45-9708-019B960494DF}">
-                  <a14:hiddenLine xmlns:a14="http://schemas.microsoft.com/office/drawing/2010/main" xmlns="" w="9525">
+                  <a14:hiddenLine xmlns="" xmlns:a14="http://schemas.microsoft.com/office/drawing/2010/main" w="9525">
                     <a:solidFill>
                       <a:srgbClr val="000000"/>
                     </a:solidFill>
@@ -12509,7 +12510,7 @@
           <a:p>
             <a:fld id="{F3FBEDF2-B5C6-4990-9868-48EE35D9BF7E}" type="datetime1">
               <a:rPr lang="en-US" smtClean="0"/>
-              <a:t>12/14/2017</a:t>
+              <a:t>12/15/2017</a:t>
             </a:fld>
             <a:endParaRPr lang="en-US" dirty="0"/>
           </a:p>
@@ -13221,7 +13222,7 @@
           <a:p>
             <a:r>
               <a:rPr lang="en-US" dirty="0"/>
-              <a:t>10/22</a:t>
+              <a:t>10/23</a:t>
             </a:r>
             <a:endParaRPr lang="en-GB" dirty="0"/>
           </a:p>
@@ -13393,7 +13394,7 @@
           <a:p>
             <a:r>
               <a:rPr lang="en-US" dirty="0"/>
-              <a:t>11/22</a:t>
+              <a:t>11/23</a:t>
             </a:r>
             <a:endParaRPr lang="en-GB" dirty="0"/>
           </a:p>
@@ -13594,7 +13595,7 @@
           <a:p>
             <a:r>
               <a:rPr lang="en-US" dirty="0"/>
-              <a:t>12/22</a:t>
+              <a:t>12/23</a:t>
             </a:r>
             <a:endParaRPr lang="en-GB" dirty="0"/>
           </a:p>
@@ -13812,7 +13813,7 @@
           <a:p>
             <a:r>
               <a:rPr lang="en-US" dirty="0"/>
-              <a:t>13/22</a:t>
+              <a:t>13/23</a:t>
             </a:r>
             <a:endParaRPr lang="en-GB" dirty="0"/>
           </a:p>
@@ -14008,7 +14009,7 @@
           <a:p>
             <a:r>
               <a:rPr lang="en-US" dirty="0"/>
-              <a:t>14/22</a:t>
+              <a:t>14/23</a:t>
             </a:r>
             <a:endParaRPr lang="en-GB" dirty="0"/>
           </a:p>
@@ -14205,7 +14206,7 @@
           <a:p>
             <a:r>
               <a:rPr lang="en-US" dirty="0"/>
-              <a:t>15/22</a:t>
+              <a:t>15/23</a:t>
             </a:r>
             <a:endParaRPr lang="en-GB" dirty="0"/>
           </a:p>
@@ -14354,7 +14355,7 @@
           <a:p>
             <a:r>
               <a:rPr lang="en-US" dirty="0"/>
-              <a:t>16/22</a:t>
+              <a:t>16/23</a:t>
             </a:r>
             <a:endParaRPr lang="en-GB" dirty="0"/>
           </a:p>
@@ -14496,7 +14497,7 @@
           <a:p>
             <a:r>
               <a:rPr lang="en-US" dirty="0"/>
-              <a:t>17/22</a:t>
+              <a:t>17/23</a:t>
             </a:r>
             <a:endParaRPr lang="en-GB" dirty="0"/>
           </a:p>
@@ -14638,7 +14639,7 @@
           <a:p>
             <a:r>
               <a:rPr lang="en-US" dirty="0"/>
-              <a:t>18/22</a:t>
+              <a:t>18/23</a:t>
             </a:r>
             <a:endParaRPr lang="en-GB" dirty="0"/>
           </a:p>
@@ -14780,7 +14781,7 @@
           <a:p>
             <a:r>
               <a:rPr lang="en-US" dirty="0"/>
-              <a:t>19/22</a:t>
+              <a:t>19/23</a:t>
             </a:r>
             <a:endParaRPr lang="en-GB" dirty="0"/>
           </a:p>
@@ -15391,7 +15392,7 @@
             </a:r>
             <a:r>
               <a:rPr lang="en-US" dirty="0"/>
-              <a:t>/22</a:t>
+              <a:t>/23</a:t>
             </a:r>
             <a:endParaRPr lang="en-GB" dirty="0"/>
           </a:p>
@@ -15512,7 +15513,7 @@
             </a:r>
             <a:r>
               <a:rPr lang="en-US" dirty="0"/>
-              <a:t>22</a:t>
+              <a:t>23</a:t>
             </a:r>
             <a:endParaRPr lang="en-GB" dirty="0"/>
           </a:p>
@@ -15705,7 +15706,7 @@
           <a:p>
             <a:r>
               <a:rPr lang="en-US" dirty="0"/>
-              <a:t>21/22</a:t>
+              <a:t>21/23</a:t>
             </a:r>
             <a:endParaRPr lang="en-GB" dirty="0"/>
           </a:p>
@@ -16000,7 +16001,7 @@
           <a:p>
             <a:r>
               <a:rPr lang="en-US" dirty="0"/>
-              <a:t>22/22</a:t>
+              <a:t>22/23</a:t>
             </a:r>
             <a:endParaRPr lang="en-GB" dirty="0"/>
           </a:p>
@@ -16010,6 +16011,215 @@
     <p:extLst>
       <p:ext uri="{BB962C8B-B14F-4D97-AF65-F5344CB8AC3E}">
         <p14:creationId xmlns:p14="http://schemas.microsoft.com/office/powerpoint/2010/main" val="1927131912"/>
+      </p:ext>
+    </p:extLst>
+  </p:cSld>
+  <p:clrMapOvr>
+    <a:masterClrMapping/>
+  </p:clrMapOvr>
+  <mc:AlternateContent xmlns:mc="http://schemas.openxmlformats.org/markup-compatibility/2006" xmlns:p14="http://schemas.microsoft.com/office/powerpoint/2010/main">
+    <mc:Choice Requires="p14">
+      <p:transition spd="med" p14:dur="700">
+        <p:fade/>
+      </p:transition>
+    </mc:Choice>
+    <mc:Fallback xmlns="">
+      <p:transition spd="med">
+        <p:fade/>
+      </p:transition>
+    </mc:Fallback>
+  </mc:AlternateContent>
+</p:sld>
+</file>
+
+<file path=ppt/slides/slide23.xml><?xml version="1.0" encoding="utf-8"?>
+<p:sld xmlns:a="http://schemas.openxmlformats.org/drawingml/2006/main" xmlns:r="http://schemas.openxmlformats.org/officeDocument/2006/relationships" xmlns:p="http://schemas.openxmlformats.org/presentationml/2006/main">
+  <p:cSld>
+    <p:spTree>
+      <p:nvGrpSpPr>
+        <p:cNvPr id="1" name=""/>
+        <p:cNvGrpSpPr/>
+        <p:nvPr/>
+      </p:nvGrpSpPr>
+      <p:grpSpPr>
+        <a:xfrm>
+          <a:off x="0" y="0"/>
+          <a:ext cx="0" cy="0"/>
+          <a:chOff x="0" y="0"/>
+          <a:chExt cx="0" cy="0"/>
+        </a:xfrm>
+      </p:grpSpPr>
+      <p:sp>
+        <p:nvSpPr>
+          <p:cNvPr id="10" name="Title 1">
+            <a:extLst>
+              <a:ext uri="{FF2B5EF4-FFF2-40B4-BE49-F238E27FC236}">
+                <a16:creationId xmlns:a16="http://schemas.microsoft.com/office/drawing/2014/main" id="{EEC7FB8C-6937-4291-893D-393121C812E3}"/>
+              </a:ext>
+            </a:extLst>
+          </p:cNvPr>
+          <p:cNvSpPr>
+            <a:spLocks noGrp="1"/>
+          </p:cNvSpPr>
+          <p:nvPr>
+            <p:ph type="title"/>
+          </p:nvPr>
+        </p:nvSpPr>
+        <p:spPr/>
+        <p:txBody>
+          <a:bodyPr>
+            <a:normAutofit/>
+          </a:bodyPr>
+          <a:lstStyle/>
+          <a:p>
+            <a:pPr algn="ctr"/>
+            <a:r>
+              <a:rPr lang="en-US" sz="4800" dirty="0"/>
+              <a:t>Goodbyes</a:t>
+            </a:r>
+            <a:br>
+              <a:rPr lang="en-US" sz="4800" dirty="0"/>
+            </a:br>
+            <a:endParaRPr lang="en-GB" sz="4800" dirty="0"/>
+          </a:p>
+        </p:txBody>
+      </p:sp>
+      <p:sp>
+        <p:nvSpPr>
+          <p:cNvPr id="4" name="Text Placeholder 3">
+            <a:extLst>
+              <a:ext uri="{FF2B5EF4-FFF2-40B4-BE49-F238E27FC236}">
+                <a16:creationId xmlns:a16="http://schemas.microsoft.com/office/drawing/2014/main" id="{F8EE4510-D65E-438F-AAE1-9F80D8EF67DB}"/>
+              </a:ext>
+            </a:extLst>
+          </p:cNvPr>
+          <p:cNvSpPr>
+            <a:spLocks noGrp="1"/>
+          </p:cNvSpPr>
+          <p:nvPr>
+            <p:ph idx="1"/>
+          </p:nvPr>
+        </p:nvSpPr>
+        <p:spPr/>
+        <p:txBody>
+          <a:bodyPr>
+            <a:normAutofit/>
+          </a:bodyPr>
+          <a:lstStyle/>
+          <a:p>
+            <a:pPr marL="0" indent="0" algn="ctr">
+              <a:buNone/>
+            </a:pPr>
+            <a:r>
+              <a:rPr lang="en-US" sz="2400" dirty="0"/>
+              <a:t>Contact:</a:t>
+            </a:r>
+          </a:p>
+          <a:p>
+            <a:pPr algn="ctr"/>
+            <a:r>
+              <a:rPr lang="en-US" dirty="0"/>
+              <a:t>Nikola </a:t>
+            </a:r>
+            <a:r>
+              <a:rPr lang="en-US" dirty="0" err="1"/>
+              <a:t>Dimitrijevi</a:t>
+            </a:r>
+            <a:r>
+              <a:rPr lang="sr-Latn-RS" dirty="0"/>
+              <a:t>ć</a:t>
+            </a:r>
+            <a:r>
+              <a:rPr lang="en-US" dirty="0"/>
+              <a:t> – mi171054@alas.matf.bg.ac.rs</a:t>
+            </a:r>
+            <a:endParaRPr lang="sr-Latn-RS" dirty="0"/>
+          </a:p>
+          <a:p>
+            <a:pPr algn="ctr"/>
+            <a:r>
+              <a:rPr lang="sr-Latn-RS" sz="2400" dirty="0"/>
+              <a:t>Strahinja Stanojević</a:t>
+            </a:r>
+            <a:r>
+              <a:rPr lang="en-US" sz="2400" dirty="0"/>
+              <a:t> – mi171047@alas.matf.bg.ac.rs</a:t>
+            </a:r>
+            <a:endParaRPr lang="sr-Latn-RS" sz="2400" dirty="0"/>
+          </a:p>
+          <a:p>
+            <a:pPr algn="ctr"/>
+            <a:r>
+              <a:rPr lang="sr-Latn-RS" dirty="0"/>
+              <a:t>Ana Bajić – mi171089</a:t>
+            </a:r>
+            <a:r>
+              <a:rPr lang="en-US" dirty="0"/>
+              <a:t>@alas.matf.bg.ac.rs</a:t>
+            </a:r>
+          </a:p>
+          <a:p>
+            <a:pPr algn="ctr"/>
+            <a:endParaRPr lang="en-US" sz="2400" dirty="0"/>
+          </a:p>
+          <a:p>
+            <a:pPr marL="0" indent="0" algn="ctr">
+              <a:buNone/>
+            </a:pPr>
+            <a:r>
+              <a:rPr lang="en-US" sz="2400" dirty="0"/>
+              <a:t>Thank you for your attention! </a:t>
+            </a:r>
+            <a:r>
+              <a:rPr lang="en-US" sz="2400" dirty="0">
+                <a:sym typeface="Wingdings" panose="05000000000000000000" pitchFamily="2" charset="2"/>
+              </a:rPr>
+              <a:t></a:t>
+            </a:r>
+            <a:endParaRPr lang="en-GB" sz="2400" dirty="0"/>
+          </a:p>
+        </p:txBody>
+      </p:sp>
+      <p:sp>
+        <p:nvSpPr>
+          <p:cNvPr id="14" name="TextBox 13">
+            <a:extLst>
+              <a:ext uri="{FF2B5EF4-FFF2-40B4-BE49-F238E27FC236}">
+                <a16:creationId xmlns:a16="http://schemas.microsoft.com/office/drawing/2014/main" id="{ED3202F2-9FCA-45CC-96CB-A8264206E619}"/>
+              </a:ext>
+            </a:extLst>
+          </p:cNvPr>
+          <p:cNvSpPr txBox="1"/>
+          <p:nvPr/>
+        </p:nvSpPr>
+        <p:spPr>
+          <a:xfrm>
+            <a:off x="10204174" y="6118739"/>
+            <a:ext cx="843235" cy="369332"/>
+          </a:xfrm>
+          <a:prstGeom prst="rect">
+            <a:avLst/>
+          </a:prstGeom>
+          <a:noFill/>
+        </p:spPr>
+        <p:txBody>
+          <a:bodyPr wrap="square" rtlCol="0">
+            <a:spAutoFit/>
+          </a:bodyPr>
+          <a:lstStyle/>
+          <a:p>
+            <a:r>
+              <a:rPr lang="en-US" dirty="0"/>
+              <a:t>23/23</a:t>
+            </a:r>
+            <a:endParaRPr lang="en-GB" dirty="0"/>
+          </a:p>
+        </p:txBody>
+      </p:sp>
+    </p:spTree>
+    <p:extLst>
+      <p:ext uri="{BB962C8B-B14F-4D97-AF65-F5344CB8AC3E}">
+        <p14:creationId xmlns:p14="http://schemas.microsoft.com/office/powerpoint/2010/main" val="1135779328"/>
       </p:ext>
     </p:extLst>
   </p:cSld>
@@ -16386,7 +16596,7 @@
             </a:r>
             <a:r>
               <a:rPr lang="en-US" dirty="0"/>
-              <a:t>/22</a:t>
+              <a:t>/23</a:t>
             </a:r>
             <a:endParaRPr lang="en-GB" dirty="0"/>
           </a:p>
@@ -16710,7 +16920,7 @@
             </a:r>
             <a:r>
               <a:rPr lang="en-US" dirty="0"/>
-              <a:t>/22</a:t>
+              <a:t>/23</a:t>
             </a:r>
             <a:endParaRPr lang="en-GB" dirty="0"/>
           </a:p>
@@ -17072,7 +17282,7 @@
             </a:r>
             <a:r>
               <a:rPr lang="en-US" dirty="0"/>
-              <a:t>/22</a:t>
+              <a:t>/23</a:t>
             </a:r>
             <a:endParaRPr lang="en-GB" dirty="0"/>
           </a:p>
@@ -17680,7 +17890,7 @@
             </a:r>
             <a:r>
               <a:rPr lang="en-US" dirty="0"/>
-              <a:t>/22</a:t>
+              <a:t>/23</a:t>
             </a:r>
             <a:endParaRPr lang="en-GB" dirty="0"/>
           </a:p>
@@ -17864,7 +18074,7 @@
           <a:p>
             <a:r>
               <a:rPr lang="en-US" dirty="0"/>
-              <a:t>7/22</a:t>
+              <a:t>7/23</a:t>
             </a:r>
             <a:endParaRPr lang="en-GB" dirty="0"/>
           </a:p>
@@ -18137,7 +18347,7 @@
           <a:p>
             <a:r>
               <a:rPr lang="en-US" dirty="0"/>
-              <a:t>8/22</a:t>
+              <a:t>8/23</a:t>
             </a:r>
             <a:endParaRPr lang="en-GB" dirty="0"/>
           </a:p>
@@ -18370,7 +18580,7 @@
           <a:p>
             <a:r>
               <a:rPr lang="en-US" dirty="0"/>
-              <a:t>9/22</a:t>
+              <a:t>9/23</a:t>
             </a:r>
             <a:endParaRPr lang="en-GB" dirty="0"/>
           </a:p>

--- a/hw2/H2020.pptx
+++ b/hw2/H2020.pptx
@@ -548,7 +548,7 @@
           <a:noFill/>
           <a:extLst>
             <a:ext uri="{909E8E84-426E-40dd-AFC4-6F175D3DCCD1}">
-              <a14:hiddenFill xmlns="" xmlns:a14="http://schemas.microsoft.com/office/drawing/2010/main">
+              <a14:hiddenFill xmlns:a14="http://schemas.microsoft.com/office/drawing/2010/main" xmlns="">
                 <a:solidFill>
                   <a:srgbClr val="FFFFFF"/>
                 </a:solidFill>
@@ -607,7 +607,7 @@
             </a:ln>
             <a:extLst>
               <a:ext uri="{91240B29-F687-4f45-9708-019B960494DF}">
-                <a14:hiddenLine xmlns="" xmlns:a14="http://schemas.microsoft.com/office/drawing/2010/main" w="9525">
+                <a14:hiddenLine xmlns:a14="http://schemas.microsoft.com/office/drawing/2010/main" xmlns="" w="9525">
                   <a:solidFill>
                     <a:srgbClr val="000000"/>
                   </a:solidFill>
@@ -697,7 +697,7 @@
             </a:ln>
             <a:extLst>
               <a:ext uri="{91240B29-F687-4f45-9708-019B960494DF}">
-                <a14:hiddenLine xmlns="" xmlns:a14="http://schemas.microsoft.com/office/drawing/2010/main" w="9525">
+                <a14:hiddenLine xmlns:a14="http://schemas.microsoft.com/office/drawing/2010/main" xmlns="" w="9525">
                   <a:solidFill>
                     <a:srgbClr val="000000"/>
                   </a:solidFill>
@@ -787,7 +787,7 @@
             </a:ln>
             <a:extLst>
               <a:ext uri="{91240B29-F687-4f45-9708-019B960494DF}">
-                <a14:hiddenLine xmlns="" xmlns:a14="http://schemas.microsoft.com/office/drawing/2010/main" w="9525">
+                <a14:hiddenLine xmlns:a14="http://schemas.microsoft.com/office/drawing/2010/main" xmlns="" w="9525">
                   <a:solidFill>
                     <a:srgbClr val="000000"/>
                   </a:solidFill>
@@ -821,7 +821,7 @@
             </a:ln>
             <a:extLst>
               <a:ext uri="{91240B29-F687-4f45-9708-019B960494DF}">
-                <a14:hiddenLine xmlns="" xmlns:a14="http://schemas.microsoft.com/office/drawing/2010/main" w="9525">
+                <a14:hiddenLine xmlns:a14="http://schemas.microsoft.com/office/drawing/2010/main" xmlns="" w="9525">
                   <a:solidFill>
                     <a:srgbClr val="000000"/>
                   </a:solidFill>
@@ -911,7 +911,7 @@
             </a:ln>
             <a:extLst>
               <a:ext uri="{91240B29-F687-4f45-9708-019B960494DF}">
-                <a14:hiddenLine xmlns="" xmlns:a14="http://schemas.microsoft.com/office/drawing/2010/main" w="9525">
+                <a14:hiddenLine xmlns:a14="http://schemas.microsoft.com/office/drawing/2010/main" xmlns="" w="9525">
                   <a:solidFill>
                     <a:srgbClr val="000000"/>
                   </a:solidFill>
@@ -973,7 +973,7 @@
             </a:ln>
             <a:extLst>
               <a:ext uri="{91240B29-F687-4f45-9708-019B960494DF}">
-                <a14:hiddenLine xmlns="" xmlns:a14="http://schemas.microsoft.com/office/drawing/2010/main" w="9525">
+                <a14:hiddenLine xmlns:a14="http://schemas.microsoft.com/office/drawing/2010/main" xmlns="" w="9525">
                   <a:solidFill>
                     <a:srgbClr val="000000"/>
                   </a:solidFill>
@@ -1035,7 +1035,7 @@
             </a:ln>
             <a:extLst>
               <a:ext uri="{91240B29-F687-4f45-9708-019B960494DF}">
-                <a14:hiddenLine xmlns="" xmlns:a14="http://schemas.microsoft.com/office/drawing/2010/main" w="9525">
+                <a14:hiddenLine xmlns:a14="http://schemas.microsoft.com/office/drawing/2010/main" xmlns="" w="9525">
                   <a:solidFill>
                     <a:srgbClr val="000000"/>
                   </a:solidFill>
@@ -1125,7 +1125,7 @@
             </a:ln>
             <a:extLst>
               <a:ext uri="{91240B29-F687-4f45-9708-019B960494DF}">
-                <a14:hiddenLine xmlns="" xmlns:a14="http://schemas.microsoft.com/office/drawing/2010/main" w="9525">
+                <a14:hiddenLine xmlns:a14="http://schemas.microsoft.com/office/drawing/2010/main" xmlns="" w="9525">
                   <a:solidFill>
                     <a:srgbClr val="000000"/>
                   </a:solidFill>
@@ -1187,7 +1187,7 @@
             </a:ln>
             <a:extLst>
               <a:ext uri="{91240B29-F687-4f45-9708-019B960494DF}">
-                <a14:hiddenLine xmlns="" xmlns:a14="http://schemas.microsoft.com/office/drawing/2010/main" w="9525">
+                <a14:hiddenLine xmlns:a14="http://schemas.microsoft.com/office/drawing/2010/main" xmlns="" w="9525">
                   <a:solidFill>
                     <a:srgbClr val="000000"/>
                   </a:solidFill>
@@ -1249,7 +1249,7 @@
             </a:ln>
             <a:extLst>
               <a:ext uri="{91240B29-F687-4f45-9708-019B960494DF}">
-                <a14:hiddenLine xmlns="" xmlns:a14="http://schemas.microsoft.com/office/drawing/2010/main" w="9525">
+                <a14:hiddenLine xmlns:a14="http://schemas.microsoft.com/office/drawing/2010/main" xmlns="" w="9525">
                   <a:solidFill>
                     <a:srgbClr val="000000"/>
                   </a:solidFill>
@@ -1339,7 +1339,7 @@
             </a:ln>
             <a:extLst>
               <a:ext uri="{91240B29-F687-4f45-9708-019B960494DF}">
-                <a14:hiddenLine xmlns="" xmlns:a14="http://schemas.microsoft.com/office/drawing/2010/main" w="9525">
+                <a14:hiddenLine xmlns:a14="http://schemas.microsoft.com/office/drawing/2010/main" xmlns="" w="9525">
                   <a:solidFill>
                     <a:srgbClr val="000000"/>
                   </a:solidFill>
@@ -1429,7 +1429,7 @@
             </a:ln>
             <a:extLst>
               <a:ext uri="{91240B29-F687-4f45-9708-019B960494DF}">
-                <a14:hiddenLine xmlns="" xmlns:a14="http://schemas.microsoft.com/office/drawing/2010/main" w="9525">
+                <a14:hiddenLine xmlns:a14="http://schemas.microsoft.com/office/drawing/2010/main" xmlns="" w="9525">
                   <a:solidFill>
                     <a:srgbClr val="000000"/>
                   </a:solidFill>
@@ -1491,7 +1491,7 @@
             </a:ln>
             <a:extLst>
               <a:ext uri="{91240B29-F687-4f45-9708-019B960494DF}">
-                <a14:hiddenLine xmlns="" xmlns:a14="http://schemas.microsoft.com/office/drawing/2010/main" w="9525">
+                <a14:hiddenLine xmlns:a14="http://schemas.microsoft.com/office/drawing/2010/main" xmlns="" w="9525">
                   <a:solidFill>
                     <a:srgbClr val="000000"/>
                   </a:solidFill>
@@ -1601,7 +1601,7 @@
             </a:ln>
             <a:extLst>
               <a:ext uri="{91240B29-F687-4f45-9708-019B960494DF}">
-                <a14:hiddenLine xmlns="" xmlns:a14="http://schemas.microsoft.com/office/drawing/2010/main" w="9525">
+                <a14:hiddenLine xmlns:a14="http://schemas.microsoft.com/office/drawing/2010/main" xmlns="" w="9525">
                   <a:solidFill>
                     <a:srgbClr val="000000"/>
                   </a:solidFill>
@@ -1663,7 +1663,7 @@
             </a:ln>
             <a:extLst>
               <a:ext uri="{91240B29-F687-4f45-9708-019B960494DF}">
-                <a14:hiddenLine xmlns="" xmlns:a14="http://schemas.microsoft.com/office/drawing/2010/main" w="9525">
+                <a14:hiddenLine xmlns:a14="http://schemas.microsoft.com/office/drawing/2010/main" xmlns="" w="9525">
                   <a:solidFill>
                     <a:srgbClr val="000000"/>
                   </a:solidFill>
@@ -1753,7 +1753,7 @@
             </a:ln>
             <a:extLst>
               <a:ext uri="{91240B29-F687-4f45-9708-019B960494DF}">
-                <a14:hiddenLine xmlns="" xmlns:a14="http://schemas.microsoft.com/office/drawing/2010/main" w="9525">
+                <a14:hiddenLine xmlns:a14="http://schemas.microsoft.com/office/drawing/2010/main" xmlns="" w="9525">
                   <a:solidFill>
                     <a:srgbClr val="000000"/>
                   </a:solidFill>
@@ -1843,7 +1843,7 @@
             </a:ln>
             <a:extLst>
               <a:ext uri="{91240B29-F687-4f45-9708-019B960494DF}">
-                <a14:hiddenLine xmlns="" xmlns:a14="http://schemas.microsoft.com/office/drawing/2010/main" w="9525">
+                <a14:hiddenLine xmlns:a14="http://schemas.microsoft.com/office/drawing/2010/main" xmlns="" w="9525">
                   <a:solidFill>
                     <a:srgbClr val="000000"/>
                   </a:solidFill>
@@ -1905,7 +1905,7 @@
             </a:ln>
             <a:extLst>
               <a:ext uri="{91240B29-F687-4f45-9708-019B960494DF}">
-                <a14:hiddenLine xmlns="" xmlns:a14="http://schemas.microsoft.com/office/drawing/2010/main" w="9525">
+                <a14:hiddenLine xmlns:a14="http://schemas.microsoft.com/office/drawing/2010/main" xmlns="" w="9525">
                   <a:solidFill>
                     <a:srgbClr val="000000"/>
                   </a:solidFill>
@@ -1995,7 +1995,7 @@
             </a:ln>
             <a:extLst>
               <a:ext uri="{91240B29-F687-4f45-9708-019B960494DF}">
-                <a14:hiddenLine xmlns="" xmlns:a14="http://schemas.microsoft.com/office/drawing/2010/main" w="9525">
+                <a14:hiddenLine xmlns:a14="http://schemas.microsoft.com/office/drawing/2010/main" xmlns="" w="9525">
                   <a:solidFill>
                     <a:srgbClr val="000000"/>
                   </a:solidFill>
@@ -2085,7 +2085,7 @@
             </a:ln>
             <a:extLst>
               <a:ext uri="{91240B29-F687-4f45-9708-019B960494DF}">
-                <a14:hiddenLine xmlns="" xmlns:a14="http://schemas.microsoft.com/office/drawing/2010/main" w="9525">
+                <a14:hiddenLine xmlns:a14="http://schemas.microsoft.com/office/drawing/2010/main" xmlns="" w="9525">
                   <a:solidFill>
                     <a:srgbClr val="000000"/>
                   </a:solidFill>
@@ -2141,7 +2141,7 @@
             </a:ln>
             <a:extLst>
               <a:ext uri="{91240B29-F687-4f45-9708-019B960494DF}">
-                <a14:hiddenLine xmlns="" xmlns:a14="http://schemas.microsoft.com/office/drawing/2010/main" w="9525">
+                <a14:hiddenLine xmlns:a14="http://schemas.microsoft.com/office/drawing/2010/main" xmlns="" w="9525">
                   <a:solidFill>
                     <a:srgbClr val="000000"/>
                   </a:solidFill>
@@ -2231,7 +2231,7 @@
             </a:ln>
             <a:extLst>
               <a:ext uri="{91240B29-F687-4f45-9708-019B960494DF}">
-                <a14:hiddenLine xmlns="" xmlns:a14="http://schemas.microsoft.com/office/drawing/2010/main" w="9525">
+                <a14:hiddenLine xmlns:a14="http://schemas.microsoft.com/office/drawing/2010/main" xmlns="" w="9525">
                   <a:solidFill>
                     <a:srgbClr val="000000"/>
                   </a:solidFill>
@@ -2287,7 +2287,7 @@
             </a:ln>
             <a:extLst>
               <a:ext uri="{91240B29-F687-4f45-9708-019B960494DF}">
-                <a14:hiddenLine xmlns="" xmlns:a14="http://schemas.microsoft.com/office/drawing/2010/main" w="9525">
+                <a14:hiddenLine xmlns:a14="http://schemas.microsoft.com/office/drawing/2010/main" xmlns="" w="9525">
                   <a:solidFill>
                     <a:srgbClr val="000000"/>
                   </a:solidFill>
@@ -2377,7 +2377,7 @@
             </a:ln>
             <a:extLst>
               <a:ext uri="{91240B29-F687-4f45-9708-019B960494DF}">
-                <a14:hiddenLine xmlns="" xmlns:a14="http://schemas.microsoft.com/office/drawing/2010/main" w="9525">
+                <a14:hiddenLine xmlns:a14="http://schemas.microsoft.com/office/drawing/2010/main" xmlns="" w="9525">
                   <a:solidFill>
                     <a:srgbClr val="000000"/>
                   </a:solidFill>
@@ -2445,7 +2445,7 @@
             </a:ln>
             <a:extLst>
               <a:ext uri="{91240B29-F687-4f45-9708-019B960494DF}">
-                <a14:hiddenLine xmlns="" xmlns:a14="http://schemas.microsoft.com/office/drawing/2010/main" w="9525">
+                <a14:hiddenLine xmlns:a14="http://schemas.microsoft.com/office/drawing/2010/main" xmlns="" w="9525">
                   <a:solidFill>
                     <a:srgbClr val="000000"/>
                   </a:solidFill>
@@ -2535,7 +2535,7 @@
             </a:ln>
             <a:extLst>
               <a:ext uri="{91240B29-F687-4f45-9708-019B960494DF}">
-                <a14:hiddenLine xmlns="" xmlns:a14="http://schemas.microsoft.com/office/drawing/2010/main" w="9525">
+                <a14:hiddenLine xmlns:a14="http://schemas.microsoft.com/office/drawing/2010/main" xmlns="" w="9525">
                   <a:solidFill>
                     <a:srgbClr val="000000"/>
                   </a:solidFill>
@@ -2603,7 +2603,7 @@
             </a:ln>
             <a:extLst>
               <a:ext uri="{91240B29-F687-4f45-9708-019B960494DF}">
-                <a14:hiddenLine xmlns="" xmlns:a14="http://schemas.microsoft.com/office/drawing/2010/main" w="9525">
+                <a14:hiddenLine xmlns:a14="http://schemas.microsoft.com/office/drawing/2010/main" xmlns="" w="9525">
                   <a:solidFill>
                     <a:srgbClr val="000000"/>
                   </a:solidFill>
@@ -2693,7 +2693,7 @@
             </a:ln>
             <a:extLst>
               <a:ext uri="{91240B29-F687-4f45-9708-019B960494DF}">
-                <a14:hiddenLine xmlns="" xmlns:a14="http://schemas.microsoft.com/office/drawing/2010/main" w="9525">
+                <a14:hiddenLine xmlns:a14="http://schemas.microsoft.com/office/drawing/2010/main" xmlns="" w="9525">
                   <a:solidFill>
                     <a:srgbClr val="000000"/>
                   </a:solidFill>
@@ -2727,7 +2727,7 @@
             </a:ln>
             <a:extLst>
               <a:ext uri="{91240B29-F687-4f45-9708-019B960494DF}">
-                <a14:hiddenLine xmlns="" xmlns:a14="http://schemas.microsoft.com/office/drawing/2010/main" w="9525">
+                <a14:hiddenLine xmlns:a14="http://schemas.microsoft.com/office/drawing/2010/main" xmlns="" w="9525">
                   <a:solidFill>
                     <a:srgbClr val="000000"/>
                   </a:solidFill>
@@ -2817,7 +2817,7 @@
             </a:ln>
             <a:extLst>
               <a:ext uri="{91240B29-F687-4f45-9708-019B960494DF}">
-                <a14:hiddenLine xmlns="" xmlns:a14="http://schemas.microsoft.com/office/drawing/2010/main" w="9525">
+                <a14:hiddenLine xmlns:a14="http://schemas.microsoft.com/office/drawing/2010/main" xmlns="" w="9525">
                   <a:solidFill>
                     <a:srgbClr val="000000"/>
                   </a:solidFill>
@@ -2879,7 +2879,7 @@
             </a:ln>
             <a:extLst>
               <a:ext uri="{91240B29-F687-4f45-9708-019B960494DF}">
-                <a14:hiddenLine xmlns="" xmlns:a14="http://schemas.microsoft.com/office/drawing/2010/main" w="9525">
+                <a14:hiddenLine xmlns:a14="http://schemas.microsoft.com/office/drawing/2010/main" xmlns="" w="9525">
                   <a:solidFill>
                     <a:srgbClr val="000000"/>
                   </a:solidFill>
@@ -2941,7 +2941,7 @@
             </a:ln>
             <a:extLst>
               <a:ext uri="{91240B29-F687-4f45-9708-019B960494DF}">
-                <a14:hiddenLine xmlns="" xmlns:a14="http://schemas.microsoft.com/office/drawing/2010/main" w="9525">
+                <a14:hiddenLine xmlns:a14="http://schemas.microsoft.com/office/drawing/2010/main" xmlns="" w="9525">
                   <a:solidFill>
                     <a:srgbClr val="000000"/>
                   </a:solidFill>
@@ -3031,7 +3031,7 @@
             </a:ln>
             <a:extLst>
               <a:ext uri="{91240B29-F687-4f45-9708-019B960494DF}">
-                <a14:hiddenLine xmlns="" xmlns:a14="http://schemas.microsoft.com/office/drawing/2010/main" w="9525">
+                <a14:hiddenLine xmlns:a14="http://schemas.microsoft.com/office/drawing/2010/main" xmlns="" w="9525">
                   <a:solidFill>
                     <a:srgbClr val="000000"/>
                   </a:solidFill>
@@ -3099,7 +3099,7 @@
             </a:ln>
             <a:extLst>
               <a:ext uri="{91240B29-F687-4f45-9708-019B960494DF}">
-                <a14:hiddenLine xmlns="" xmlns:a14="http://schemas.microsoft.com/office/drawing/2010/main" w="9525">
+                <a14:hiddenLine xmlns:a14="http://schemas.microsoft.com/office/drawing/2010/main" xmlns="" w="9525">
                   <a:solidFill>
                     <a:srgbClr val="000000"/>
                   </a:solidFill>
@@ -3161,7 +3161,7 @@
             </a:ln>
             <a:extLst>
               <a:ext uri="{91240B29-F687-4f45-9708-019B960494DF}">
-                <a14:hiddenLine xmlns="" xmlns:a14="http://schemas.microsoft.com/office/drawing/2010/main" w="9525">
+                <a14:hiddenLine xmlns:a14="http://schemas.microsoft.com/office/drawing/2010/main" xmlns="" w="9525">
                   <a:solidFill>
                     <a:srgbClr val="000000"/>
                   </a:solidFill>
@@ -3251,7 +3251,7 @@
             </a:ln>
             <a:extLst>
               <a:ext uri="{91240B29-F687-4f45-9708-019B960494DF}">
-                <a14:hiddenLine xmlns="" xmlns:a14="http://schemas.microsoft.com/office/drawing/2010/main" w="9525">
+                <a14:hiddenLine xmlns:a14="http://schemas.microsoft.com/office/drawing/2010/main" xmlns="" w="9525">
                   <a:solidFill>
                     <a:srgbClr val="000000"/>
                   </a:solidFill>
@@ -3313,7 +3313,7 @@
             </a:ln>
             <a:extLst>
               <a:ext uri="{91240B29-F687-4f45-9708-019B960494DF}">
-                <a14:hiddenLine xmlns="" xmlns:a14="http://schemas.microsoft.com/office/drawing/2010/main" w="9525">
+                <a14:hiddenLine xmlns:a14="http://schemas.microsoft.com/office/drawing/2010/main" xmlns="" w="9525">
                   <a:solidFill>
                     <a:srgbClr val="000000"/>
                   </a:solidFill>
@@ -3403,7 +3403,7 @@
             </a:ln>
             <a:extLst>
               <a:ext uri="{91240B29-F687-4f45-9708-019B960494DF}">
-                <a14:hiddenLine xmlns="" xmlns:a14="http://schemas.microsoft.com/office/drawing/2010/main" w="9525">
+                <a14:hiddenLine xmlns:a14="http://schemas.microsoft.com/office/drawing/2010/main" xmlns="" w="9525">
                   <a:solidFill>
                     <a:srgbClr val="000000"/>
                   </a:solidFill>
@@ -3465,7 +3465,7 @@
             </a:ln>
             <a:extLst>
               <a:ext uri="{91240B29-F687-4f45-9708-019B960494DF}">
-                <a14:hiddenLine xmlns="" xmlns:a14="http://schemas.microsoft.com/office/drawing/2010/main" w="9525">
+                <a14:hiddenLine xmlns:a14="http://schemas.microsoft.com/office/drawing/2010/main" xmlns="" w="9525">
                   <a:solidFill>
                     <a:srgbClr val="000000"/>
                   </a:solidFill>
@@ -3555,7 +3555,7 @@
             </a:ln>
             <a:extLst>
               <a:ext uri="{91240B29-F687-4f45-9708-019B960494DF}">
-                <a14:hiddenLine xmlns="" xmlns:a14="http://schemas.microsoft.com/office/drawing/2010/main" w="9525">
+                <a14:hiddenLine xmlns:a14="http://schemas.microsoft.com/office/drawing/2010/main" xmlns="" w="9525">
                   <a:solidFill>
                     <a:srgbClr val="000000"/>
                   </a:solidFill>
@@ -3589,7 +3589,7 @@
             </a:ln>
             <a:extLst>
               <a:ext uri="{91240B29-F687-4f45-9708-019B960494DF}">
-                <a14:hiddenLine xmlns="" xmlns:a14="http://schemas.microsoft.com/office/drawing/2010/main" w="9525">
+                <a14:hiddenLine xmlns:a14="http://schemas.microsoft.com/office/drawing/2010/main" xmlns="" w="9525">
                   <a:solidFill>
                     <a:srgbClr val="000000"/>
                   </a:solidFill>
@@ -3654,7 +3654,7 @@
             </a:ln>
             <a:extLst>
               <a:ext uri="{91240B29-F687-4f45-9708-019B960494DF}">
-                <a14:hiddenLine xmlns="" xmlns:a14="http://schemas.microsoft.com/office/drawing/2010/main" w="9525">
+                <a14:hiddenLine xmlns:a14="http://schemas.microsoft.com/office/drawing/2010/main" xmlns="" w="9525">
                   <a:solidFill>
                     <a:srgbClr val="000000"/>
                   </a:solidFill>
@@ -3744,7 +3744,7 @@
             </a:ln>
             <a:extLst>
               <a:ext uri="{91240B29-F687-4f45-9708-019B960494DF}">
-                <a14:hiddenLine xmlns="" xmlns:a14="http://schemas.microsoft.com/office/drawing/2010/main" w="9525">
+                <a14:hiddenLine xmlns:a14="http://schemas.microsoft.com/office/drawing/2010/main" xmlns="" w="9525">
                   <a:solidFill>
                     <a:srgbClr val="000000"/>
                   </a:solidFill>
@@ -3806,7 +3806,7 @@
             </a:ln>
             <a:extLst>
               <a:ext uri="{91240B29-F687-4f45-9708-019B960494DF}">
-                <a14:hiddenLine xmlns="" xmlns:a14="http://schemas.microsoft.com/office/drawing/2010/main" w="9525">
+                <a14:hiddenLine xmlns:a14="http://schemas.microsoft.com/office/drawing/2010/main" xmlns="" w="9525">
                   <a:solidFill>
                     <a:srgbClr val="000000"/>
                   </a:solidFill>
@@ -3896,7 +3896,7 @@
             </a:ln>
             <a:extLst>
               <a:ext uri="{91240B29-F687-4f45-9708-019B960494DF}">
-                <a14:hiddenLine xmlns="" xmlns:a14="http://schemas.microsoft.com/office/drawing/2010/main" w="9525">
+                <a14:hiddenLine xmlns:a14="http://schemas.microsoft.com/office/drawing/2010/main" xmlns="" w="9525">
                   <a:solidFill>
                     <a:srgbClr val="000000"/>
                   </a:solidFill>
@@ -3986,7 +3986,7 @@
             </a:ln>
             <a:extLst>
               <a:ext uri="{91240B29-F687-4f45-9708-019B960494DF}">
-                <a14:hiddenLine xmlns="" xmlns:a14="http://schemas.microsoft.com/office/drawing/2010/main" w="9525">
+                <a14:hiddenLine xmlns:a14="http://schemas.microsoft.com/office/drawing/2010/main" xmlns="" w="9525">
                   <a:solidFill>
                     <a:srgbClr val="000000"/>
                   </a:solidFill>
@@ -4051,7 +4051,7 @@
             </a:ln>
             <a:extLst>
               <a:ext uri="{91240B29-F687-4f45-9708-019B960494DF}">
-                <a14:hiddenLine xmlns="" xmlns:a14="http://schemas.microsoft.com/office/drawing/2010/main" w="9525">
+                <a14:hiddenLine xmlns:a14="http://schemas.microsoft.com/office/drawing/2010/main" xmlns="" w="9525">
                   <a:solidFill>
                     <a:srgbClr val="000000"/>
                   </a:solidFill>
@@ -4113,7 +4113,7 @@
             </a:ln>
             <a:extLst>
               <a:ext uri="{91240B29-F687-4f45-9708-019B960494DF}">
-                <a14:hiddenLine xmlns="" xmlns:a14="http://schemas.microsoft.com/office/drawing/2010/main" w="9525">
+                <a14:hiddenLine xmlns:a14="http://schemas.microsoft.com/office/drawing/2010/main" xmlns="" w="9525">
                   <a:solidFill>
                     <a:srgbClr val="000000"/>
                   </a:solidFill>
@@ -4203,7 +4203,7 @@
             </a:ln>
             <a:extLst>
               <a:ext uri="{91240B29-F687-4f45-9708-019B960494DF}">
-                <a14:hiddenLine xmlns="" xmlns:a14="http://schemas.microsoft.com/office/drawing/2010/main" w="9525">
+                <a14:hiddenLine xmlns:a14="http://schemas.microsoft.com/office/drawing/2010/main" xmlns="" w="9525">
                   <a:solidFill>
                     <a:srgbClr val="000000"/>
                   </a:solidFill>
@@ -4293,7 +4293,7 @@
             </a:ln>
             <a:extLst>
               <a:ext uri="{91240B29-F687-4f45-9708-019B960494DF}">
-                <a14:hiddenLine xmlns="" xmlns:a14="http://schemas.microsoft.com/office/drawing/2010/main" w="9525">
+                <a14:hiddenLine xmlns:a14="http://schemas.microsoft.com/office/drawing/2010/main" xmlns="" w="9525">
                   <a:solidFill>
                     <a:srgbClr val="000000"/>
                   </a:solidFill>
@@ -4355,7 +4355,7 @@
             </a:ln>
             <a:extLst>
               <a:ext uri="{91240B29-F687-4f45-9708-019B960494DF}">
-                <a14:hiddenLine xmlns="" xmlns:a14="http://schemas.microsoft.com/office/drawing/2010/main" w="9525">
+                <a14:hiddenLine xmlns:a14="http://schemas.microsoft.com/office/drawing/2010/main" xmlns="" w="9525">
                   <a:solidFill>
                     <a:srgbClr val="000000"/>
                   </a:solidFill>
@@ -4475,7 +4475,7 @@
             </a:ln>
             <a:extLst>
               <a:ext uri="{91240B29-F687-4f45-9708-019B960494DF}">
-                <a14:hiddenLine xmlns="" xmlns:a14="http://schemas.microsoft.com/office/drawing/2010/main" w="9525">
+                <a14:hiddenLine xmlns:a14="http://schemas.microsoft.com/office/drawing/2010/main" xmlns="" w="9525">
                   <a:solidFill>
                     <a:srgbClr val="000000"/>
                   </a:solidFill>
@@ -4543,7 +4543,7 @@
             </a:ln>
             <a:extLst>
               <a:ext uri="{91240B29-F687-4f45-9708-019B960494DF}">
-                <a14:hiddenLine xmlns="" xmlns:a14="http://schemas.microsoft.com/office/drawing/2010/main" w="9525">
+                <a14:hiddenLine xmlns:a14="http://schemas.microsoft.com/office/drawing/2010/main" xmlns="" w="9525">
                   <a:solidFill>
                     <a:srgbClr val="000000"/>
                   </a:solidFill>
@@ -4633,7 +4633,7 @@
             </a:ln>
             <a:extLst>
               <a:ext uri="{91240B29-F687-4f45-9708-019B960494DF}">
-                <a14:hiddenLine xmlns="" xmlns:a14="http://schemas.microsoft.com/office/drawing/2010/main" w="9525">
+                <a14:hiddenLine xmlns:a14="http://schemas.microsoft.com/office/drawing/2010/main" xmlns="" w="9525">
                   <a:solidFill>
                     <a:srgbClr val="000000"/>
                   </a:solidFill>
@@ -9566,7 +9566,7 @@
           <a:noFill/>
           <a:extLst>
             <a:ext uri="{909E8E84-426E-40dd-AFC4-6F175D3DCCD1}">
-              <a14:hiddenFill xmlns="" xmlns:a14="http://schemas.microsoft.com/office/drawing/2010/main">
+              <a14:hiddenFill xmlns:a14="http://schemas.microsoft.com/office/drawing/2010/main" xmlns="">
                 <a:solidFill>
                   <a:srgbClr val="FFFFFF"/>
                 </a:solidFill>
@@ -9640,7 +9640,7 @@
               </a:ln>
               <a:extLst>
                 <a:ext uri="{91240B29-F687-4f45-9708-019B960494DF}">
-                  <a14:hiddenLine xmlns="" xmlns:a14="http://schemas.microsoft.com/office/drawing/2010/main" w="9525">
+                  <a14:hiddenLine xmlns:a14="http://schemas.microsoft.com/office/drawing/2010/main" xmlns="" w="9525">
                     <a:solidFill>
                       <a:srgbClr val="000000"/>
                     </a:solidFill>
@@ -9730,7 +9730,7 @@
               </a:ln>
               <a:extLst>
                 <a:ext uri="{91240B29-F687-4f45-9708-019B960494DF}">
-                  <a14:hiddenLine xmlns="" xmlns:a14="http://schemas.microsoft.com/office/drawing/2010/main" w="9525">
+                  <a14:hiddenLine xmlns:a14="http://schemas.microsoft.com/office/drawing/2010/main" xmlns="" w="9525">
                     <a:solidFill>
                       <a:srgbClr val="000000"/>
                     </a:solidFill>
@@ -9820,7 +9820,7 @@
               </a:ln>
               <a:extLst>
                 <a:ext uri="{91240B29-F687-4f45-9708-019B960494DF}">
-                  <a14:hiddenLine xmlns="" xmlns:a14="http://schemas.microsoft.com/office/drawing/2010/main" w="9525">
+                  <a14:hiddenLine xmlns:a14="http://schemas.microsoft.com/office/drawing/2010/main" xmlns="" w="9525">
                     <a:solidFill>
                       <a:srgbClr val="000000"/>
                     </a:solidFill>
@@ -9882,7 +9882,7 @@
               </a:ln>
               <a:extLst>
                 <a:ext uri="{91240B29-F687-4f45-9708-019B960494DF}">
-                  <a14:hiddenLine xmlns="" xmlns:a14="http://schemas.microsoft.com/office/drawing/2010/main" w="9525">
+                  <a14:hiddenLine xmlns:a14="http://schemas.microsoft.com/office/drawing/2010/main" xmlns="" w="9525">
                     <a:solidFill>
                       <a:srgbClr val="000000"/>
                     </a:solidFill>
@@ -9972,7 +9972,7 @@
               </a:ln>
               <a:extLst>
                 <a:ext uri="{91240B29-F687-4f45-9708-019B960494DF}">
-                  <a14:hiddenLine xmlns="" xmlns:a14="http://schemas.microsoft.com/office/drawing/2010/main" w="9525">
+                  <a14:hiddenLine xmlns:a14="http://schemas.microsoft.com/office/drawing/2010/main" xmlns="" w="9525">
                     <a:solidFill>
                       <a:srgbClr val="000000"/>
                     </a:solidFill>
@@ -10034,7 +10034,7 @@
               </a:ln>
               <a:extLst>
                 <a:ext uri="{91240B29-F687-4f45-9708-019B960494DF}">
-                  <a14:hiddenLine xmlns="" xmlns:a14="http://schemas.microsoft.com/office/drawing/2010/main" w="9525">
+                  <a14:hiddenLine xmlns:a14="http://schemas.microsoft.com/office/drawing/2010/main" xmlns="" w="9525">
                     <a:solidFill>
                       <a:srgbClr val="000000"/>
                     </a:solidFill>
@@ -10096,7 +10096,7 @@
               </a:ln>
               <a:extLst>
                 <a:ext uri="{91240B29-F687-4f45-9708-019B960494DF}">
-                  <a14:hiddenLine xmlns="" xmlns:a14="http://schemas.microsoft.com/office/drawing/2010/main" w="9525">
+                  <a14:hiddenLine xmlns:a14="http://schemas.microsoft.com/office/drawing/2010/main" xmlns="" w="9525">
                     <a:solidFill>
                       <a:srgbClr val="000000"/>
                     </a:solidFill>
@@ -10186,7 +10186,7 @@
               </a:ln>
               <a:extLst>
                 <a:ext uri="{91240B29-F687-4f45-9708-019B960494DF}">
-                  <a14:hiddenLine xmlns="" xmlns:a14="http://schemas.microsoft.com/office/drawing/2010/main" w="9525">
+                  <a14:hiddenLine xmlns:a14="http://schemas.microsoft.com/office/drawing/2010/main" xmlns="" w="9525">
                     <a:solidFill>
                       <a:srgbClr val="000000"/>
                     </a:solidFill>
@@ -10276,7 +10276,7 @@
               </a:ln>
               <a:extLst>
                 <a:ext uri="{91240B29-F687-4f45-9708-019B960494DF}">
-                  <a14:hiddenLine xmlns="" xmlns:a14="http://schemas.microsoft.com/office/drawing/2010/main" w="9525">
+                  <a14:hiddenLine xmlns:a14="http://schemas.microsoft.com/office/drawing/2010/main" xmlns="" w="9525">
                     <a:solidFill>
                       <a:srgbClr val="000000"/>
                     </a:solidFill>
@@ -10338,7 +10338,7 @@
               </a:ln>
               <a:extLst>
                 <a:ext uri="{91240B29-F687-4f45-9708-019B960494DF}">
-                  <a14:hiddenLine xmlns="" xmlns:a14="http://schemas.microsoft.com/office/drawing/2010/main" w="9525">
+                  <a14:hiddenLine xmlns:a14="http://schemas.microsoft.com/office/drawing/2010/main" xmlns="" w="9525">
                     <a:solidFill>
                       <a:srgbClr val="000000"/>
                     </a:solidFill>
@@ -10448,7 +10448,7 @@
               </a:ln>
               <a:extLst>
                 <a:ext uri="{91240B29-F687-4f45-9708-019B960494DF}">
-                  <a14:hiddenLine xmlns="" xmlns:a14="http://schemas.microsoft.com/office/drawing/2010/main" w="9525">
+                  <a14:hiddenLine xmlns:a14="http://schemas.microsoft.com/office/drawing/2010/main" xmlns="" w="9525">
                     <a:solidFill>
                       <a:srgbClr val="000000"/>
                     </a:solidFill>
@@ -10532,7 +10532,7 @@
               </a:ln>
               <a:extLst>
                 <a:ext uri="{91240B29-F687-4f45-9708-019B960494DF}">
-                  <a14:hiddenLine xmlns="" xmlns:a14="http://schemas.microsoft.com/office/drawing/2010/main" w="9525">
+                  <a14:hiddenLine xmlns:a14="http://schemas.microsoft.com/office/drawing/2010/main" xmlns="" w="9525">
                     <a:solidFill>
                       <a:srgbClr val="000000"/>
                     </a:solidFill>
@@ -10594,7 +10594,7 @@
               </a:ln>
               <a:extLst>
                 <a:ext uri="{91240B29-F687-4f45-9708-019B960494DF}">
-                  <a14:hiddenLine xmlns="" xmlns:a14="http://schemas.microsoft.com/office/drawing/2010/main" w="9525">
+                  <a14:hiddenLine xmlns:a14="http://schemas.microsoft.com/office/drawing/2010/main" xmlns="" w="9525">
                     <a:solidFill>
                       <a:srgbClr val="000000"/>
                     </a:solidFill>
@@ -10656,7 +10656,7 @@
               </a:ln>
               <a:extLst>
                 <a:ext uri="{91240B29-F687-4f45-9708-019B960494DF}">
-                  <a14:hiddenLine xmlns="" xmlns:a14="http://schemas.microsoft.com/office/drawing/2010/main" w="9525">
+                  <a14:hiddenLine xmlns:a14="http://schemas.microsoft.com/office/drawing/2010/main" xmlns="" w="9525">
                     <a:solidFill>
                       <a:srgbClr val="000000"/>
                     </a:solidFill>
@@ -10746,7 +10746,7 @@
               </a:ln>
               <a:extLst>
                 <a:ext uri="{91240B29-F687-4f45-9708-019B960494DF}">
-                  <a14:hiddenLine xmlns="" xmlns:a14="http://schemas.microsoft.com/office/drawing/2010/main" w="9525">
+                  <a14:hiddenLine xmlns:a14="http://schemas.microsoft.com/office/drawing/2010/main" xmlns="" w="9525">
                     <a:solidFill>
                       <a:srgbClr val="000000"/>
                     </a:solidFill>
@@ -10780,7 +10780,7 @@
               </a:ln>
               <a:extLst>
                 <a:ext uri="{91240B29-F687-4f45-9708-019B960494DF}">
-                  <a14:hiddenLine xmlns="" xmlns:a14="http://schemas.microsoft.com/office/drawing/2010/main" w="9525">
+                  <a14:hiddenLine xmlns:a14="http://schemas.microsoft.com/office/drawing/2010/main" xmlns="" w="9525">
                     <a:solidFill>
                       <a:srgbClr val="000000"/>
                     </a:solidFill>
@@ -10845,7 +10845,7 @@
               </a:ln>
               <a:extLst>
                 <a:ext uri="{91240B29-F687-4f45-9708-019B960494DF}">
-                  <a14:hiddenLine xmlns="" xmlns:a14="http://schemas.microsoft.com/office/drawing/2010/main" w="9525">
+                  <a14:hiddenLine xmlns:a14="http://schemas.microsoft.com/office/drawing/2010/main" xmlns="" w="9525">
                     <a:solidFill>
                       <a:srgbClr val="000000"/>
                     </a:solidFill>
@@ -10935,7 +10935,7 @@
               </a:ln>
               <a:extLst>
                 <a:ext uri="{91240B29-F687-4f45-9708-019B960494DF}">
-                  <a14:hiddenLine xmlns="" xmlns:a14="http://schemas.microsoft.com/office/drawing/2010/main" w="9525">
+                  <a14:hiddenLine xmlns:a14="http://schemas.microsoft.com/office/drawing/2010/main" xmlns="" w="9525">
                     <a:solidFill>
                       <a:srgbClr val="000000"/>
                     </a:solidFill>
@@ -10997,7 +10997,7 @@
               </a:ln>
               <a:extLst>
                 <a:ext uri="{91240B29-F687-4f45-9708-019B960494DF}">
-                  <a14:hiddenLine xmlns="" xmlns:a14="http://schemas.microsoft.com/office/drawing/2010/main" w="9525">
+                  <a14:hiddenLine xmlns:a14="http://schemas.microsoft.com/office/drawing/2010/main" xmlns="" w="9525">
                     <a:solidFill>
                       <a:srgbClr val="000000"/>
                     </a:solidFill>
@@ -11087,7 +11087,7 @@
               </a:ln>
               <a:extLst>
                 <a:ext uri="{91240B29-F687-4f45-9708-019B960494DF}">
-                  <a14:hiddenLine xmlns="" xmlns:a14="http://schemas.microsoft.com/office/drawing/2010/main" w="9525">
+                  <a14:hiddenLine xmlns:a14="http://schemas.microsoft.com/office/drawing/2010/main" xmlns="" w="9525">
                     <a:solidFill>
                       <a:srgbClr val="000000"/>
                     </a:solidFill>
@@ -11152,7 +11152,7 @@
               </a:ln>
               <a:extLst>
                 <a:ext uri="{91240B29-F687-4f45-9708-019B960494DF}">
-                  <a14:hiddenLine xmlns="" xmlns:a14="http://schemas.microsoft.com/office/drawing/2010/main" w="9525">
+                  <a14:hiddenLine xmlns:a14="http://schemas.microsoft.com/office/drawing/2010/main" xmlns="" w="9525">
                     <a:solidFill>
                       <a:srgbClr val="000000"/>
                     </a:solidFill>
@@ -11214,7 +11214,7 @@
               </a:ln>
               <a:extLst>
                 <a:ext uri="{91240B29-F687-4f45-9708-019B960494DF}">
-                  <a14:hiddenLine xmlns="" xmlns:a14="http://schemas.microsoft.com/office/drawing/2010/main" w="9525">
+                  <a14:hiddenLine xmlns:a14="http://schemas.microsoft.com/office/drawing/2010/main" xmlns="" w="9525">
                     <a:solidFill>
                       <a:srgbClr val="000000"/>
                     </a:solidFill>
@@ -11304,7 +11304,7 @@
               </a:ln>
               <a:extLst>
                 <a:ext uri="{91240B29-F687-4f45-9708-019B960494DF}">
-                  <a14:hiddenLine xmlns="" xmlns:a14="http://schemas.microsoft.com/office/drawing/2010/main" w="9525">
+                  <a14:hiddenLine xmlns:a14="http://schemas.microsoft.com/office/drawing/2010/main" xmlns="" w="9525">
                     <a:solidFill>
                       <a:srgbClr val="000000"/>
                     </a:solidFill>
@@ -11394,7 +11394,7 @@
               </a:ln>
               <a:extLst>
                 <a:ext uri="{91240B29-F687-4f45-9708-019B960494DF}">
-                  <a14:hiddenLine xmlns="" xmlns:a14="http://schemas.microsoft.com/office/drawing/2010/main" w="9525">
+                  <a14:hiddenLine xmlns:a14="http://schemas.microsoft.com/office/drawing/2010/main" xmlns="" w="9525">
                     <a:solidFill>
                       <a:srgbClr val="000000"/>
                     </a:solidFill>
@@ -11459,7 +11459,7 @@
               </a:ln>
               <a:extLst>
                 <a:ext uri="{91240B29-F687-4f45-9708-019B960494DF}">
-                  <a14:hiddenLine xmlns="" xmlns:a14="http://schemas.microsoft.com/office/drawing/2010/main" w="9525">
+                  <a14:hiddenLine xmlns:a14="http://schemas.microsoft.com/office/drawing/2010/main" xmlns="" w="9525">
                     <a:solidFill>
                       <a:srgbClr val="000000"/>
                     </a:solidFill>
@@ -11579,7 +11579,7 @@
               </a:ln>
               <a:extLst>
                 <a:ext uri="{91240B29-F687-4f45-9708-019B960494DF}">
-                  <a14:hiddenLine xmlns="" xmlns:a14="http://schemas.microsoft.com/office/drawing/2010/main" w="9525">
+                  <a14:hiddenLine xmlns:a14="http://schemas.microsoft.com/office/drawing/2010/main" xmlns="" w="9525">
                     <a:solidFill>
                       <a:srgbClr val="000000"/>
                     </a:solidFill>
@@ -11660,7 +11660,7 @@
               </a:ln>
               <a:extLst>
                 <a:ext uri="{91240B29-F687-4f45-9708-019B960494DF}">
-                  <a14:hiddenLine xmlns="" xmlns:a14="http://schemas.microsoft.com/office/drawing/2010/main" w="9525">
+                  <a14:hiddenLine xmlns:a14="http://schemas.microsoft.com/office/drawing/2010/main" xmlns="" w="9525">
                     <a:solidFill>
                       <a:srgbClr val="000000"/>
                     </a:solidFill>
@@ -11775,7 +11775,7 @@
               </a:ln>
               <a:extLst>
                 <a:ext uri="{91240B29-F687-4f45-9708-019B960494DF}">
-                  <a14:hiddenLine xmlns="" xmlns:a14="http://schemas.microsoft.com/office/drawing/2010/main" w="9525">
+                  <a14:hiddenLine xmlns:a14="http://schemas.microsoft.com/office/drawing/2010/main" xmlns="" w="9525">
                     <a:solidFill>
                       <a:srgbClr val="000000"/>
                     </a:solidFill>
@@ -11865,7 +11865,7 @@
               </a:ln>
               <a:extLst>
                 <a:ext uri="{91240B29-F687-4f45-9708-019B960494DF}">
-                  <a14:hiddenLine xmlns="" xmlns:a14="http://schemas.microsoft.com/office/drawing/2010/main" w="9525">
+                  <a14:hiddenLine xmlns:a14="http://schemas.microsoft.com/office/drawing/2010/main" xmlns="" w="9525">
                     <a:solidFill>
                       <a:srgbClr val="000000"/>
                     </a:solidFill>
@@ -11930,7 +11930,7 @@
               </a:ln>
               <a:extLst>
                 <a:ext uri="{91240B29-F687-4f45-9708-019B960494DF}">
-                  <a14:hiddenLine xmlns="" xmlns:a14="http://schemas.microsoft.com/office/drawing/2010/main" w="9525">
+                  <a14:hiddenLine xmlns:a14="http://schemas.microsoft.com/office/drawing/2010/main" xmlns="" w="9525">
                     <a:solidFill>
                       <a:srgbClr val="000000"/>
                     </a:solidFill>
@@ -12020,7 +12020,7 @@
               </a:ln>
               <a:extLst>
                 <a:ext uri="{91240B29-F687-4f45-9708-019B960494DF}">
-                  <a14:hiddenLine xmlns="" xmlns:a14="http://schemas.microsoft.com/office/drawing/2010/main" w="9525">
+                  <a14:hiddenLine xmlns:a14="http://schemas.microsoft.com/office/drawing/2010/main" xmlns="" w="9525">
                     <a:solidFill>
                       <a:srgbClr val="000000"/>
                     </a:solidFill>
@@ -12088,7 +12088,7 @@
               </a:ln>
               <a:extLst>
                 <a:ext uri="{91240B29-F687-4f45-9708-019B960494DF}">
-                  <a14:hiddenLine xmlns="" xmlns:a14="http://schemas.microsoft.com/office/drawing/2010/main" w="9525">
+                  <a14:hiddenLine xmlns:a14="http://schemas.microsoft.com/office/drawing/2010/main" xmlns="" w="9525">
                     <a:solidFill>
                       <a:srgbClr val="000000"/>
                     </a:solidFill>
@@ -12178,7 +12178,7 @@
               </a:ln>
               <a:extLst>
                 <a:ext uri="{91240B29-F687-4f45-9708-019B960494DF}">
-                  <a14:hiddenLine xmlns="" xmlns:a14="http://schemas.microsoft.com/office/drawing/2010/main" w="9525">
+                  <a14:hiddenLine xmlns:a14="http://schemas.microsoft.com/office/drawing/2010/main" xmlns="" w="9525">
                     <a:solidFill>
                       <a:srgbClr val="000000"/>
                     </a:solidFill>
@@ -12246,7 +12246,7 @@
               </a:ln>
               <a:extLst>
                 <a:ext uri="{91240B29-F687-4f45-9708-019B960494DF}">
-                  <a14:hiddenLine xmlns="" xmlns:a14="http://schemas.microsoft.com/office/drawing/2010/main" w="9525">
+                  <a14:hiddenLine xmlns:a14="http://schemas.microsoft.com/office/drawing/2010/main" xmlns="" w="9525">
                     <a:solidFill>
                       <a:srgbClr val="000000"/>
                     </a:solidFill>
@@ -12336,7 +12336,7 @@
               </a:ln>
               <a:extLst>
                 <a:ext uri="{91240B29-F687-4f45-9708-019B960494DF}">
-                  <a14:hiddenLine xmlns="" xmlns:a14="http://schemas.microsoft.com/office/drawing/2010/main" w="9525">
+                  <a14:hiddenLine xmlns:a14="http://schemas.microsoft.com/office/drawing/2010/main" xmlns="" w="9525">
                     <a:solidFill>
                       <a:srgbClr val="000000"/>
                     </a:solidFill>
@@ -12370,7 +12370,7 @@
               </a:ln>
               <a:extLst>
                 <a:ext uri="{91240B29-F687-4f45-9708-019B960494DF}">
-                  <a14:hiddenLine xmlns="" xmlns:a14="http://schemas.microsoft.com/office/drawing/2010/main" w="9525">
+                  <a14:hiddenLine xmlns:a14="http://schemas.microsoft.com/office/drawing/2010/main" xmlns="" w="9525">
                     <a:solidFill>
                       <a:srgbClr val="000000"/>
                     </a:solidFill>
@@ -12967,7 +12967,7 @@
           <a:p>
             <a:pPr algn="ctr"/>
             <a:r>
-              <a:rPr lang="en-GB" dirty="0"/>
+              <a:rPr lang="en-US" noProof="0" dirty="0"/>
               <a:t>H2020: SRHC</a:t>
             </a:r>
           </a:p>
@@ -13003,81 +13003,90 @@
           <a:p>
             <a:pPr algn="ctr"/>
             <a:r>
-              <a:rPr lang="en-GB" sz="2400" dirty="0"/>
+              <a:rPr lang="en-US" sz="2400" noProof="0" dirty="0"/>
               <a:t>Smart robot house cleaner</a:t>
             </a:r>
-            <a:endParaRPr lang="sr-Latn-RS" sz="2400" dirty="0"/>
           </a:p>
           <a:p>
             <a:pPr algn="ctr"/>
-            <a:endParaRPr lang="sr-Latn-RS" sz="2400" dirty="0"/>
+            <a:endParaRPr lang="en-US" sz="2400" noProof="0" dirty="0"/>
           </a:p>
           <a:p>
             <a:pPr algn="ctr"/>
             <a:r>
-              <a:rPr lang="sr-Latn-RS" dirty="0"/>
-              <a:t>Team </a:t>
-            </a:r>
-            <a:r>
-              <a:rPr lang="sr-Latn-RS" dirty="0" err="1"/>
-              <a:t>members</a:t>
-            </a:r>
-            <a:r>
-              <a:rPr lang="sr-Latn-RS" dirty="0"/>
-              <a:t>:</a:t>
+              <a:rPr lang="en-US" noProof="0" dirty="0"/>
+              <a:t>Team members:</a:t>
             </a:r>
           </a:p>
           <a:p>
             <a:pPr algn="ctr"/>
-            <a:endParaRPr lang="en-GB" dirty="0"/>
+            <a:endParaRPr lang="en-US" noProof="0" dirty="0"/>
           </a:p>
           <a:p>
             <a:pPr algn="ctr"/>
             <a:r>
-              <a:rPr lang="en-GB" dirty="0"/>
+              <a:rPr lang="en-US" noProof="0" dirty="0"/>
               <a:t>Nikola</a:t>
             </a:r>
             <a:r>
-              <a:rPr lang="en-GB" dirty="0">
+              <a:rPr lang="en-US" noProof="0" dirty="0">
                 <a:cs typeface="Calibri" panose="020F0502020204030204" pitchFamily="34" charset="0"/>
               </a:rPr>
               <a:t> </a:t>
             </a:r>
             <a:r>
-              <a:rPr lang="en-GB" dirty="0" err="1">
+              <a:rPr lang="en-US" noProof="0" dirty="0" err="1">
                 <a:cs typeface="Calibri" panose="020F0502020204030204" pitchFamily="34" charset="0"/>
               </a:rPr>
-              <a:t>dimitrijevi</a:t>
-            </a:r>
-            <a:r>
-              <a:rPr lang="sr-Latn-RS" dirty="0">
+              <a:t>dimitrijević</a:t>
+            </a:r>
+            <a:endParaRPr lang="en-US" noProof="0" dirty="0">
+              <a:cs typeface="Calibri" panose="020F0502020204030204" pitchFamily="34" charset="0"/>
+            </a:endParaRPr>
+          </a:p>
+          <a:p>
+            <a:pPr algn="ctr"/>
+            <a:r>
+              <a:rPr lang="en-US" noProof="0" dirty="0" err="1">
                 <a:cs typeface="Calibri" panose="020F0502020204030204" pitchFamily="34" charset="0"/>
               </a:rPr>
-              <a:t>ć</a:t>
-            </a:r>
-          </a:p>
-          <a:p>
-            <a:pPr algn="ctr"/>
-            <a:r>
-              <a:rPr lang="sr-Latn-RS" dirty="0">
+              <a:t>Strahinja</a:t>
+            </a:r>
+            <a:r>
+              <a:rPr lang="en-US" noProof="0" dirty="0">
                 <a:cs typeface="Calibri" panose="020F0502020204030204" pitchFamily="34" charset="0"/>
               </a:rPr>
-              <a:t>Strahinja Stanojević</a:t>
-            </a:r>
-          </a:p>
-          <a:p>
-            <a:pPr algn="ctr"/>
-            <a:r>
-              <a:rPr lang="sr-Latn-RS" dirty="0">
+              <a:t> </a:t>
+            </a:r>
+            <a:r>
+              <a:rPr lang="en-US" noProof="0" dirty="0" err="1">
                 <a:cs typeface="Calibri" panose="020F0502020204030204" pitchFamily="34" charset="0"/>
               </a:rPr>
-              <a:t>Ana Bajić</a:t>
-            </a:r>
-            <a:endParaRPr lang="en-GB" dirty="0"/>
+              <a:t>Stanojević</a:t>
+            </a:r>
+            <a:endParaRPr lang="en-US" noProof="0" dirty="0">
+              <a:cs typeface="Calibri" panose="020F0502020204030204" pitchFamily="34" charset="0"/>
+            </a:endParaRPr>
           </a:p>
           <a:p>
             <a:pPr algn="ctr"/>
-            <a:endParaRPr lang="en-GB" sz="2400" dirty="0"/>
+            <a:r>
+              <a:rPr lang="en-US" noProof="0" dirty="0">
+                <a:cs typeface="Calibri" panose="020F0502020204030204" pitchFamily="34" charset="0"/>
+              </a:rPr>
+              <a:t>Ana </a:t>
+            </a:r>
+            <a:r>
+              <a:rPr lang="en-US" noProof="0" dirty="0" err="1">
+                <a:cs typeface="Calibri" panose="020F0502020204030204" pitchFamily="34" charset="0"/>
+              </a:rPr>
+              <a:t>Bajić</a:t>
+            </a:r>
+            <a:endParaRPr lang="en-US" noProof="0" dirty="0"/>
+          </a:p>
+          <a:p>
+            <a:pPr algn="ctr"/>
+            <a:endParaRPr lang="en-US" sz="2400" noProof="0" dirty="0"/>
           </a:p>
         </p:txBody>
       </p:sp>
@@ -13178,17 +13187,17 @@
           <a:p>
             <a:pPr algn="ctr"/>
             <a:r>
-              <a:rPr lang="en-US" sz="4800" dirty="0"/>
+              <a:rPr lang="en-US" sz="4800" noProof="0" dirty="0"/>
               <a:t>Participants</a:t>
             </a:r>
             <a:br>
-              <a:rPr lang="en-US" sz="4800" dirty="0"/>
+              <a:rPr lang="en-US" sz="4800" noProof="0" dirty="0"/>
             </a:br>
             <a:r>
-              <a:rPr lang="en-US" sz="4800" dirty="0" err="1"/>
+              <a:rPr lang="en-US" sz="4800" noProof="0" dirty="0" err="1"/>
               <a:t>matf</a:t>
             </a:r>
-            <a:endParaRPr lang="en-GB" sz="4800" dirty="0"/>
+            <a:endParaRPr lang="en-US" sz="4800" noProof="0" dirty="0"/>
           </a:p>
         </p:txBody>
       </p:sp>
@@ -13255,7 +13264,7 @@
               <a:buNone/>
             </a:pPr>
             <a:r>
-              <a:rPr lang="en-GB" dirty="0"/>
+              <a:rPr lang="en-US" noProof="0" dirty="0"/>
               <a:t>Faculty of Mathematics, University of Belgrade, officially exists as independent science and education institution since 1995.</a:t>
             </a:r>
           </a:p>
@@ -13264,7 +13273,7 @@
               <a:buNone/>
             </a:pPr>
             <a:r>
-              <a:rPr lang="en-GB" dirty="0"/>
+              <a:rPr lang="en-US" noProof="0" dirty="0"/>
               <a:t>Teaching and research activities are performed by more than 100 teachers and assistants with about 2000 students on undergraduate and postgraduate studies today. </a:t>
             </a:r>
           </a:p>
@@ -13273,13 +13282,13 @@
               <a:buNone/>
             </a:pPr>
             <a:r>
-              <a:rPr lang="en-GB" dirty="0"/>
+              <a:rPr lang="en-US" noProof="0" dirty="0"/>
               <a:t>There are 3 academic programs today: Mathematics, Informatics and Astronomy and Astrophysics.</a:t>
             </a:r>
             <a:br>
-              <a:rPr lang="en-GB" dirty="0"/>
+              <a:rPr lang="en-US" noProof="0" dirty="0"/>
             </a:br>
-            <a:endParaRPr lang="en-GB" dirty="0"/>
+            <a:endParaRPr lang="en-US" noProof="0" dirty="0"/>
           </a:p>
         </p:txBody>
       </p:sp>
@@ -13350,17 +13359,16 @@
           <a:p>
             <a:pPr algn="ctr"/>
             <a:r>
-              <a:rPr lang="en-US" sz="4800" dirty="0"/>
+              <a:rPr lang="en-US" sz="4800" noProof="0" dirty="0"/>
               <a:t>Participants</a:t>
             </a:r>
             <a:br>
-              <a:rPr lang="en-US" sz="4800" dirty="0"/>
+              <a:rPr lang="en-US" sz="4800" noProof="0" dirty="0"/>
             </a:br>
             <a:r>
-              <a:rPr lang="en-US" sz="4800" dirty="0"/>
+              <a:rPr lang="en-US" sz="4800" noProof="0" dirty="0"/>
               <a:t>ETH Zürich</a:t>
             </a:r>
-            <a:endParaRPr lang="en-GB" sz="4800" dirty="0"/>
           </a:p>
         </p:txBody>
       </p:sp>
@@ -13425,8 +13433,8 @@
               <a:buNone/>
             </a:pPr>
             <a:r>
-              <a:rPr lang="en-GB" dirty="0"/>
-              <a:t>The university for science and technology dates back to the year 1855, when the founders of modern-day Switzerland created it as a centre of innovation and knowledge.</a:t>
+              <a:rPr lang="en-US" noProof="0" dirty="0"/>
+              <a:t>The university for science and technology dates back to the year 1855, when the founders of modern-day Switzerland created it as a center of innovation and knowledge.</a:t>
             </a:r>
           </a:p>
           <a:p>
@@ -13434,12 +13442,8 @@
               <a:buNone/>
             </a:pPr>
             <a:r>
-              <a:rPr lang="en-US" dirty="0"/>
-              <a:t>M</a:t>
-            </a:r>
-            <a:r>
-              <a:rPr lang="en-GB" dirty="0"/>
-              <a:t>ore than 20000 students and 500 professors in the year 2016.</a:t>
+              <a:rPr lang="en-US" noProof="0" dirty="0"/>
+              <a:t>More than 20000 students and 500 professors in the year 2016.</a:t>
             </a:r>
           </a:p>
           <a:p>
@@ -13447,10 +13451,9 @@
               <a:buNone/>
             </a:pPr>
             <a:r>
-              <a:rPr lang="en-US" dirty="0"/>
+              <a:rPr lang="en-US" noProof="0" dirty="0"/>
               <a:t>Academic programs include Medicine, Data and Manufacturing technologies.</a:t>
             </a:r>
-            <a:endParaRPr lang="en-GB" dirty="0"/>
           </a:p>
         </p:txBody>
       </p:sp>
@@ -13551,17 +13554,16 @@
           <a:p>
             <a:pPr algn="ctr"/>
             <a:r>
-              <a:rPr lang="en-US" sz="4800" dirty="0"/>
+              <a:rPr lang="en-US" sz="4800" noProof="0" dirty="0"/>
               <a:t>Participants</a:t>
             </a:r>
             <a:br>
-              <a:rPr lang="en-US" sz="4800" dirty="0"/>
+              <a:rPr lang="en-US" sz="4800" noProof="0" dirty="0"/>
             </a:br>
             <a:r>
-              <a:rPr lang="en-US" sz="4800" dirty="0"/>
+              <a:rPr lang="en-US" sz="4800" noProof="0" dirty="0"/>
               <a:t>ODSC</a:t>
             </a:r>
-            <a:endParaRPr lang="en-GB" sz="4800" dirty="0"/>
           </a:p>
         </p:txBody>
       </p:sp>
@@ -13633,7 +13635,7 @@
               <a:buNone/>
             </a:pPr>
             <a:r>
-              <a:rPr lang="en-GB" dirty="0"/>
+              <a:rPr lang="en-US" noProof="0" dirty="0"/>
               <a:t>Oxford Data Science Centre, present on the market since 2003, is a company focused on solving data science and big data related problems.</a:t>
             </a:r>
           </a:p>
@@ -13642,32 +13644,32 @@
               <a:buNone/>
             </a:pPr>
             <a:r>
-              <a:rPr lang="en-GB" dirty="0"/>
+              <a:rPr lang="en-US" noProof="0" dirty="0"/>
               <a:t>Wide range of services is offered, including:</a:t>
             </a:r>
           </a:p>
           <a:p>
             <a:r>
-              <a:rPr lang="en-GB" dirty="0"/>
+              <a:rPr lang="en-US" noProof="0" dirty="0"/>
               <a:t>assistance in information retrieval, </a:t>
             </a:r>
           </a:p>
           <a:p>
             <a:r>
-              <a:rPr lang="en-GB" dirty="0"/>
+              <a:rPr lang="en-US" noProof="0" dirty="0"/>
               <a:t>experiments and analytical protocols design,</a:t>
             </a:r>
           </a:p>
           <a:p>
             <a:r>
-              <a:rPr lang="en-GB" dirty="0"/>
+              <a:rPr lang="en-US" noProof="0" dirty="0"/>
               <a:t>statistical analysis and interpretation,</a:t>
             </a:r>
           </a:p>
           <a:p>
             <a:r>
-              <a:rPr lang="en-GB" dirty="0"/>
-              <a:t>visualisation</a:t>
+              <a:rPr lang="en-US" noProof="0" dirty="0"/>
+              <a:t>visualization</a:t>
             </a:r>
           </a:p>
         </p:txBody>
@@ -13769,17 +13771,16 @@
           <a:p>
             <a:pPr algn="ctr"/>
             <a:r>
-              <a:rPr lang="en-US" sz="4800" dirty="0"/>
+              <a:rPr lang="en-US" sz="4800" noProof="0" dirty="0"/>
               <a:t>Participants</a:t>
             </a:r>
             <a:br>
-              <a:rPr lang="en-US" sz="4800" dirty="0"/>
+              <a:rPr lang="en-US" sz="4800" noProof="0" dirty="0"/>
             </a:br>
             <a:r>
-              <a:rPr lang="en-US" sz="4800" dirty="0"/>
+              <a:rPr lang="en-US" sz="4800" noProof="0" dirty="0"/>
               <a:t>TUM</a:t>
             </a:r>
-            <a:endParaRPr lang="en-GB" sz="4800" dirty="0"/>
           </a:p>
         </p:txBody>
       </p:sp>
@@ -13844,7 +13845,7 @@
               <a:buNone/>
             </a:pPr>
             <a:r>
-              <a:rPr lang="en-GB" dirty="0"/>
+              <a:rPr lang="en-US" noProof="0" dirty="0"/>
               <a:t>Member of TU9, an incorporated society of the largest and most notable German institutes of technology. </a:t>
             </a:r>
           </a:p>
@@ -13853,7 +13854,7 @@
               <a:buNone/>
             </a:pPr>
             <a:r>
-              <a:rPr lang="en-GB" dirty="0"/>
+              <a:rPr lang="en-US" noProof="0" dirty="0"/>
               <a:t>TUM is ranked 4th overall in Reuters 2017 European Most Innovative University ranking.</a:t>
             </a:r>
           </a:p>
@@ -13862,7 +13863,7 @@
               <a:buNone/>
             </a:pPr>
             <a:r>
-              <a:rPr lang="en-GB" dirty="0"/>
+              <a:rPr lang="en-US" noProof="0" dirty="0"/>
               <a:t>TUM's alumni include 17 Nobel laureates, 18 Leibniz Prize winners and 22 IEEE Fellow Members.</a:t>
             </a:r>
           </a:p>
@@ -13965,17 +13966,16 @@
           <a:p>
             <a:pPr algn="ctr"/>
             <a:r>
-              <a:rPr lang="en-US" sz="4800" dirty="0"/>
+              <a:rPr lang="en-US" sz="4800" noProof="0" dirty="0"/>
               <a:t>Methodology used</a:t>
             </a:r>
             <a:br>
-              <a:rPr lang="en-US" sz="4800" dirty="0"/>
+              <a:rPr lang="en-US" sz="4800" noProof="0" dirty="0"/>
             </a:br>
             <a:r>
-              <a:rPr lang="en-US" sz="4800" dirty="0"/>
+              <a:rPr lang="en-US" sz="4800" noProof="0" dirty="0"/>
               <a:t>scrum</a:t>
             </a:r>
-            <a:endParaRPr lang="en-GB" sz="4800" dirty="0"/>
           </a:p>
         </p:txBody>
       </p:sp>
@@ -14040,7 +14040,7 @@
               <a:buNone/>
             </a:pPr>
             <a:r>
-              <a:rPr lang="en-GB" dirty="0"/>
+              <a:rPr lang="en-US" noProof="0" dirty="0"/>
               <a:t>Designed for teams of three to nine developers who break their work into actions that can be completed within timeboxed iterations, called sprints (typically two-weeks).</a:t>
             </a:r>
           </a:p>
@@ -14049,12 +14049,12 @@
               <a:buNone/>
             </a:pPr>
             <a:r>
-              <a:rPr lang="en-GB" dirty="0"/>
+              <a:rPr lang="en-US" noProof="0" dirty="0"/>
               <a:t>Progress is tracked and re-planned in 15-minute stand-up meetings, called daily scrums.</a:t>
             </a:r>
           </a:p>
           <a:p>
-            <a:endParaRPr lang="en-GB" dirty="0"/>
+            <a:endParaRPr lang="en-US" noProof="0" dirty="0"/>
           </a:p>
         </p:txBody>
       </p:sp>
@@ -14155,24 +14155,24 @@
           <a:p>
             <a:pPr algn="ctr"/>
             <a:r>
-              <a:rPr lang="en-US" sz="4800" dirty="0"/>
+              <a:rPr lang="en-US" sz="4800" noProof="0" dirty="0"/>
               <a:t>Project schedule</a:t>
             </a:r>
             <a:br>
-              <a:rPr lang="en-US" sz="4800" dirty="0"/>
+              <a:rPr lang="en-US" sz="4800" noProof="0" dirty="0"/>
             </a:br>
             <a:r>
-              <a:rPr lang="en-US" sz="4800" dirty="0" err="1"/>
+              <a:rPr lang="en-US" sz="4800" noProof="0" dirty="0" err="1"/>
               <a:t>gantt</a:t>
             </a:r>
             <a:r>
-              <a:rPr lang="en-US" sz="4800" dirty="0"/>
+              <a:rPr lang="en-US" sz="4800" noProof="0" dirty="0"/>
               <a:t> chart</a:t>
             </a:r>
             <a:br>
-              <a:rPr lang="en-US" sz="4800" dirty="0"/>
+              <a:rPr lang="en-US" sz="4800" noProof="0" dirty="0"/>
             </a:br>
-            <a:endParaRPr lang="en-GB" sz="4800" dirty="0"/>
+            <a:endParaRPr lang="en-US" sz="4800" noProof="0" dirty="0"/>
           </a:p>
         </p:txBody>
       </p:sp>
@@ -14308,20 +14308,20 @@
           <a:p>
             <a:pPr algn="ctr"/>
             <a:r>
-              <a:rPr lang="en-US" sz="4800" dirty="0"/>
+              <a:rPr lang="en-US" sz="4800" noProof="0" dirty="0"/>
               <a:t>Project schedule</a:t>
             </a:r>
             <a:br>
-              <a:rPr lang="en-US" sz="4800" dirty="0"/>
+              <a:rPr lang="en-US" sz="4800" noProof="0" dirty="0"/>
             </a:br>
             <a:r>
-              <a:rPr lang="en-US" sz="4800" dirty="0"/>
+              <a:rPr lang="en-US" sz="4800" noProof="0" dirty="0"/>
               <a:t>pert chart</a:t>
             </a:r>
             <a:br>
-              <a:rPr lang="en-US" sz="4800" dirty="0"/>
+              <a:rPr lang="en-US" sz="4800" noProof="0" dirty="0"/>
             </a:br>
-            <a:endParaRPr lang="en-GB" sz="4800" dirty="0"/>
+            <a:endParaRPr lang="en-US" sz="4800" noProof="0" dirty="0"/>
           </a:p>
         </p:txBody>
       </p:sp>
@@ -14457,13 +14457,13 @@
           <a:p>
             <a:pPr algn="ctr"/>
             <a:r>
-              <a:rPr lang="en-US" sz="4800" dirty="0"/>
+              <a:rPr lang="en-US" sz="4800" noProof="0" dirty="0"/>
               <a:t>Work Package list</a:t>
             </a:r>
             <a:br>
-              <a:rPr lang="en-US" sz="4800" dirty="0"/>
+              <a:rPr lang="en-US" sz="4800" noProof="0" dirty="0"/>
             </a:br>
-            <a:endParaRPr lang="en-GB" sz="4800" dirty="0"/>
+            <a:endParaRPr lang="en-US" sz="4800" noProof="0" dirty="0"/>
           </a:p>
         </p:txBody>
       </p:sp>
@@ -14599,13 +14599,13 @@
           <a:p>
             <a:pPr algn="ctr"/>
             <a:r>
-              <a:rPr lang="en-US" sz="4800" dirty="0"/>
+              <a:rPr lang="en-US" sz="4800" noProof="0" dirty="0"/>
               <a:t>Deliverables list</a:t>
             </a:r>
             <a:br>
-              <a:rPr lang="en-US" sz="4800" dirty="0"/>
+              <a:rPr lang="en-US" sz="4800" noProof="0" dirty="0"/>
             </a:br>
-            <a:endParaRPr lang="en-GB" sz="4800" dirty="0"/>
+            <a:endParaRPr lang="en-US" sz="4800" noProof="0" dirty="0"/>
           </a:p>
         </p:txBody>
       </p:sp>
@@ -14741,13 +14741,13 @@
           <a:p>
             <a:pPr algn="ctr"/>
             <a:r>
-              <a:rPr lang="en-US" sz="4800" dirty="0"/>
+              <a:rPr lang="en-US" sz="4800" noProof="0" dirty="0"/>
               <a:t>Milestones list</a:t>
             </a:r>
             <a:br>
-              <a:rPr lang="en-US" sz="4800" dirty="0"/>
+              <a:rPr lang="en-US" sz="4800" noProof="0" dirty="0"/>
             </a:br>
-            <a:endParaRPr lang="en-GB" sz="4800" dirty="0"/>
+            <a:endParaRPr lang="en-US" sz="4800" noProof="0" dirty="0"/>
           </a:p>
         </p:txBody>
       </p:sp>
@@ -14886,15 +14886,15 @@
           <a:p>
             <a:pPr algn="ctr"/>
             <a:r>
-              <a:rPr lang="en-GB" dirty="0"/>
+              <a:rPr lang="en-US" noProof="0" dirty="0"/>
               <a:t>Horizon 2020 </a:t>
             </a:r>
             <a:br>
-              <a:rPr lang="sr-Latn-RS" dirty="0"/>
+              <a:rPr lang="en-US" noProof="0" dirty="0"/>
             </a:br>
             <a:r>
-              <a:rPr lang="en-GB" dirty="0"/>
-              <a:t>The EU Framework Programme for Research and Innovation</a:t>
+              <a:rPr lang="en-US" noProof="0" dirty="0"/>
+              <a:t>The EU Framework Program for Research and Innovation</a:t>
             </a:r>
           </a:p>
         </p:txBody>
@@ -14955,16 +14955,8 @@
           <a:lstStyle/>
           <a:p>
             <a:r>
-              <a:rPr lang="sr-Latn-RS" sz="1800" dirty="0"/>
-              <a:t>Project </a:t>
-            </a:r>
-            <a:r>
-              <a:rPr lang="sr-Latn-RS" sz="1800" dirty="0" err="1"/>
-              <a:t>description</a:t>
-            </a:r>
-            <a:r>
-              <a:rPr lang="sr-Latn-RS" sz="1800" dirty="0"/>
-              <a:t>:</a:t>
+              <a:rPr lang="en-US" sz="1800" noProof="0" dirty="0"/>
+              <a:t>Project description:</a:t>
             </a:r>
           </a:p>
           <a:p>
@@ -14973,64 +14965,8 @@
               <a:buChar char="•"/>
             </a:pPr>
             <a:r>
-              <a:rPr lang="sr-Latn-RS" sz="1800" dirty="0"/>
-              <a:t>SRHC is a </a:t>
-            </a:r>
-            <a:r>
-              <a:rPr lang="sr-Latn-RS" sz="1800" dirty="0" err="1"/>
-              <a:t>house</a:t>
-            </a:r>
-            <a:r>
-              <a:rPr lang="sr-Latn-RS" sz="1800" dirty="0"/>
-              <a:t> </a:t>
-            </a:r>
-            <a:r>
-              <a:rPr lang="sr-Latn-RS" sz="1800" dirty="0" err="1"/>
-              <a:t>cleaning</a:t>
-            </a:r>
-            <a:r>
-              <a:rPr lang="sr-Latn-RS" sz="1800" dirty="0"/>
-              <a:t> robot, </a:t>
-            </a:r>
-            <a:r>
-              <a:rPr lang="sr-Latn-RS" sz="1800" dirty="0" err="1"/>
-              <a:t>designed</a:t>
-            </a:r>
-            <a:r>
-              <a:rPr lang="sr-Latn-RS" sz="1800" dirty="0"/>
-              <a:t> to </a:t>
-            </a:r>
-            <a:r>
-              <a:rPr lang="sr-Latn-RS" sz="1800" dirty="0" err="1"/>
-              <a:t>help</a:t>
-            </a:r>
-            <a:r>
-              <a:rPr lang="sr-Latn-RS" sz="1800" dirty="0"/>
-              <a:t> </a:t>
-            </a:r>
-            <a:r>
-              <a:rPr lang="sr-Latn-RS" sz="1800" dirty="0" err="1"/>
-              <a:t>people</a:t>
-            </a:r>
-            <a:r>
-              <a:rPr lang="sr-Latn-RS" sz="1800" dirty="0"/>
-              <a:t> in </a:t>
-            </a:r>
-            <a:r>
-              <a:rPr lang="sr-Latn-RS" sz="1800" dirty="0" err="1"/>
-              <a:t>everyday</a:t>
-            </a:r>
-            <a:r>
-              <a:rPr lang="sr-Latn-RS" sz="1800" dirty="0"/>
-              <a:t> </a:t>
-            </a:r>
-            <a:r>
-              <a:rPr lang="sr-Latn-RS" sz="1800" dirty="0" err="1"/>
-              <a:t>tasks</a:t>
-            </a:r>
-            <a:r>
-              <a:rPr lang="sr-Latn-RS" sz="1800" dirty="0"/>
-              <a:t>.</a:t>
+              <a:rPr lang="en-US" sz="1800" noProof="0" dirty="0"/>
+              <a:t>SRHC is a house cleaning robot, designed to help people in everyday tasks.</a:t>
             </a:r>
           </a:p>
           <a:p>
@@ -15039,92 +14975,8 @@
               <a:buChar char="•"/>
             </a:pPr>
             <a:r>
-              <a:rPr lang="sr-Latn-RS" sz="1800" dirty="0" err="1"/>
-              <a:t>It</a:t>
-            </a:r>
-            <a:r>
-              <a:rPr lang="sr-Latn-RS" sz="1800" dirty="0"/>
-              <a:t> </a:t>
-            </a:r>
-            <a:r>
-              <a:rPr lang="sr-Latn-RS" sz="1800" dirty="0" err="1"/>
-              <a:t>can</a:t>
-            </a:r>
-            <a:r>
-              <a:rPr lang="sr-Latn-RS" sz="1800" dirty="0"/>
-              <a:t> </a:t>
-            </a:r>
-            <a:r>
-              <a:rPr lang="sr-Latn-RS" sz="1800" dirty="0" err="1"/>
-              <a:t>vacuum</a:t>
-            </a:r>
-            <a:r>
-              <a:rPr lang="sr-Latn-RS" sz="1800" dirty="0"/>
-              <a:t>, </a:t>
-            </a:r>
-            <a:r>
-              <a:rPr lang="sr-Latn-RS" sz="1800" dirty="0" err="1"/>
-              <a:t>clean</a:t>
-            </a:r>
-            <a:r>
-              <a:rPr lang="sr-Latn-RS" sz="1800" dirty="0"/>
-              <a:t>, </a:t>
-            </a:r>
-            <a:r>
-              <a:rPr lang="sr-Latn-RS" sz="1800" dirty="0" err="1"/>
-              <a:t>empty</a:t>
-            </a:r>
-            <a:r>
-              <a:rPr lang="sr-Latn-RS" sz="1800" dirty="0"/>
-              <a:t> </a:t>
-            </a:r>
-            <a:r>
-              <a:rPr lang="sr-Latn-RS" sz="1800" dirty="0" err="1"/>
-              <a:t>its</a:t>
-            </a:r>
-            <a:r>
-              <a:rPr lang="sr-Latn-RS" sz="1800" dirty="0"/>
-              <a:t> </a:t>
-            </a:r>
-            <a:r>
-              <a:rPr lang="sr-Latn-RS" sz="1800" dirty="0" err="1"/>
-              <a:t>garbage</a:t>
-            </a:r>
-            <a:r>
-              <a:rPr lang="sr-Latn-RS" sz="1800" dirty="0"/>
-              <a:t> bag </a:t>
-            </a:r>
-            <a:r>
-              <a:rPr lang="sr-Latn-RS" sz="1800" dirty="0" err="1"/>
-              <a:t>and</a:t>
-            </a:r>
-            <a:r>
-              <a:rPr lang="sr-Latn-RS" sz="1800" dirty="0"/>
-              <a:t> </a:t>
-            </a:r>
-            <a:r>
-              <a:rPr lang="sr-Latn-RS" sz="1800" dirty="0" err="1"/>
-              <a:t>charge</a:t>
-            </a:r>
-            <a:r>
-              <a:rPr lang="sr-Latn-RS" sz="1800" dirty="0"/>
-              <a:t>, </a:t>
-            </a:r>
-            <a:r>
-              <a:rPr lang="sr-Latn-RS" sz="1800" dirty="0" err="1"/>
-              <a:t>without</a:t>
-            </a:r>
-            <a:r>
-              <a:rPr lang="sr-Latn-RS" sz="1800" dirty="0"/>
-              <a:t> human </a:t>
-            </a:r>
-            <a:r>
-              <a:rPr lang="sr-Latn-RS" sz="1800" dirty="0" err="1"/>
-              <a:t>intervention</a:t>
-            </a:r>
-            <a:r>
-              <a:rPr lang="sr-Latn-RS" sz="1800" dirty="0"/>
-              <a:t>.</a:t>
+              <a:rPr lang="en-US" sz="1800" noProof="0" dirty="0"/>
+              <a:t>It can vacuum, clean, empty its garbage bag and charge, without human intervention.</a:t>
             </a:r>
           </a:p>
           <a:p>
@@ -15133,68 +14985,8 @@
               <a:buChar char="•"/>
             </a:pPr>
             <a:r>
-              <a:rPr lang="sr-Latn-RS" sz="1800" dirty="0" err="1"/>
-              <a:t>The</a:t>
-            </a:r>
-            <a:r>
-              <a:rPr lang="sr-Latn-RS" sz="1800" dirty="0"/>
-              <a:t> robot </a:t>
-            </a:r>
-            <a:r>
-              <a:rPr lang="sr-Latn-RS" sz="1800" dirty="0" err="1"/>
-              <a:t>can</a:t>
-            </a:r>
-            <a:r>
-              <a:rPr lang="sr-Latn-RS" sz="1800" dirty="0"/>
-              <a:t> </a:t>
-            </a:r>
-            <a:r>
-              <a:rPr lang="sr-Latn-RS" sz="1800" dirty="0" err="1"/>
-              <a:t>access</a:t>
-            </a:r>
-            <a:r>
-              <a:rPr lang="sr-Latn-RS" sz="1800" dirty="0"/>
-              <a:t> hard-to-</a:t>
-            </a:r>
-            <a:r>
-              <a:rPr lang="sr-Latn-RS" sz="1800" dirty="0" err="1"/>
-              <a:t>reach</a:t>
-            </a:r>
-            <a:r>
-              <a:rPr lang="sr-Latn-RS" sz="1800" dirty="0"/>
-              <a:t> </a:t>
-            </a:r>
-            <a:r>
-              <a:rPr lang="sr-Latn-RS" sz="1800" dirty="0" err="1"/>
-              <a:t>surfaces</a:t>
-            </a:r>
-            <a:r>
-              <a:rPr lang="sr-Latn-RS" sz="1800" dirty="0"/>
-              <a:t> </a:t>
-            </a:r>
-            <a:r>
-              <a:rPr lang="sr-Latn-RS" sz="1800" dirty="0" err="1"/>
-              <a:t>and</a:t>
-            </a:r>
-            <a:r>
-              <a:rPr lang="sr-Latn-RS" sz="1800" dirty="0"/>
-              <a:t> </a:t>
-            </a:r>
-            <a:r>
-              <a:rPr lang="sr-Latn-RS" sz="1800" dirty="0" err="1"/>
-              <a:t>every</a:t>
-            </a:r>
-            <a:r>
-              <a:rPr lang="sr-Latn-RS" sz="1800" dirty="0"/>
-              <a:t> </a:t>
-            </a:r>
-            <a:r>
-              <a:rPr lang="sr-Latn-RS" sz="1800" dirty="0" err="1"/>
-              <a:t>important</a:t>
-            </a:r>
-            <a:r>
-              <a:rPr lang="sr-Latn-RS" sz="1800" dirty="0"/>
-              <a:t> area.</a:t>
+              <a:rPr lang="en-US" sz="1800" noProof="0" dirty="0"/>
+              <a:t>The robot can access hard-to-reach surfaces and every important area.</a:t>
             </a:r>
           </a:p>
           <a:p>
@@ -15203,36 +14995,8 @@
               <a:buChar char="•"/>
             </a:pPr>
             <a:r>
-              <a:rPr lang="sr-Latn-RS" sz="1800" dirty="0" err="1"/>
-              <a:t>Highly</a:t>
-            </a:r>
-            <a:r>
-              <a:rPr lang="sr-Latn-RS" sz="1800" dirty="0"/>
-              <a:t> </a:t>
-            </a:r>
-            <a:r>
-              <a:rPr lang="sr-Latn-RS" sz="1800" dirty="0" err="1"/>
-              <a:t>resistant</a:t>
-            </a:r>
-            <a:r>
-              <a:rPr lang="sr-Latn-RS" sz="1800" dirty="0"/>
-              <a:t> to </a:t>
-            </a:r>
-            <a:r>
-              <a:rPr lang="sr-Latn-RS" sz="1800" dirty="0" err="1"/>
-              <a:t>any</a:t>
-            </a:r>
-            <a:r>
-              <a:rPr lang="sr-Latn-RS" sz="1800" dirty="0"/>
-              <a:t> </a:t>
-            </a:r>
-            <a:r>
-              <a:rPr lang="sr-Latn-RS" sz="1800" dirty="0" err="1"/>
-              <a:t>damage</a:t>
-            </a:r>
-            <a:r>
-              <a:rPr lang="sr-Latn-RS" sz="1800" dirty="0"/>
-              <a:t>.</a:t>
+              <a:rPr lang="en-US" sz="1800" noProof="0" dirty="0"/>
+              <a:t>Highly resistant to any damage.</a:t>
             </a:r>
           </a:p>
           <a:p>
@@ -15241,20 +15005,8 @@
               <a:buChar char="•"/>
             </a:pPr>
             <a:r>
-              <a:rPr lang="sr-Latn-RS" sz="1800" dirty="0" err="1"/>
-              <a:t>Safe</a:t>
-            </a:r>
-            <a:r>
-              <a:rPr lang="sr-Latn-RS" sz="1800" dirty="0"/>
-              <a:t> to </a:t>
-            </a:r>
-            <a:r>
-              <a:rPr lang="sr-Latn-RS" sz="1800" dirty="0" err="1"/>
-              <a:t>use</a:t>
-            </a:r>
-            <a:r>
-              <a:rPr lang="sr-Latn-RS" sz="1800" dirty="0"/>
-              <a:t>.</a:t>
+              <a:rPr lang="en-US" sz="1800" noProof="0" dirty="0"/>
+              <a:t>Safe to use.</a:t>
             </a:r>
           </a:p>
           <a:p>
@@ -15262,21 +15014,21 @@
               <a:buFont typeface="Arial" panose="020B0604020202020204" pitchFamily="34" charset="0"/>
               <a:buChar char="•"/>
             </a:pPr>
-            <a:endParaRPr lang="sr-Latn-RS" dirty="0"/>
+            <a:endParaRPr lang="en-US" noProof="0" dirty="0"/>
           </a:p>
           <a:p>
             <a:pPr marL="285750" indent="-285750">
               <a:buFont typeface="Arial" panose="020B0604020202020204" pitchFamily="34" charset="0"/>
               <a:buChar char="•"/>
             </a:pPr>
-            <a:endParaRPr lang="sr-Latn-RS" dirty="0"/>
+            <a:endParaRPr lang="en-US" noProof="0" dirty="0"/>
           </a:p>
           <a:p>
             <a:pPr marL="285750" indent="-285750">
               <a:buFont typeface="Arial" panose="020B0604020202020204" pitchFamily="34" charset="0"/>
               <a:buChar char="•"/>
             </a:pPr>
-            <a:endParaRPr lang="en-GB" dirty="0"/>
+            <a:endParaRPr lang="en-US" noProof="0" dirty="0"/>
           </a:p>
         </p:txBody>
       </p:sp>
@@ -15321,16 +15073,8 @@
               <a:buChar char="•"/>
             </a:pPr>
             <a:r>
-              <a:rPr lang="sr-Latn-RS" sz="2000" dirty="0"/>
-              <a:t>Project </a:t>
-            </a:r>
-            <a:r>
-              <a:rPr lang="sr-Latn-RS" sz="2000" dirty="0" err="1"/>
-              <a:t>type</a:t>
-            </a:r>
-            <a:r>
-              <a:rPr lang="sr-Latn-RS" sz="2000" dirty="0"/>
-              <a:t>: STREP</a:t>
+              <a:rPr lang="en-US" sz="2000" dirty="0"/>
+              <a:t>Project type: STREP</a:t>
             </a:r>
           </a:p>
           <a:p>
@@ -15339,22 +15083,10 @@
               <a:buChar char="•"/>
             </a:pPr>
             <a:r>
-              <a:rPr lang="sr-Latn-RS" sz="2000" dirty="0"/>
-              <a:t>Project </a:t>
-            </a:r>
-            <a:r>
-              <a:rPr lang="sr-Latn-RS" sz="2000" dirty="0" err="1"/>
-              <a:t>length</a:t>
-            </a:r>
-            <a:r>
-              <a:rPr lang="sr-Latn-RS" sz="2000" dirty="0"/>
-              <a:t>: 2 </a:t>
-            </a:r>
-            <a:r>
-              <a:rPr lang="sr-Latn-RS" sz="2000" dirty="0" err="1"/>
-              <a:t>months</a:t>
-            </a:r>
-            <a:endParaRPr lang="en-GB" dirty="0"/>
+              <a:rPr lang="en-US" sz="2000" dirty="0"/>
+              <a:t>Project length: 2 months</a:t>
+            </a:r>
+            <a:endParaRPr lang="en-US" dirty="0"/>
           </a:p>
         </p:txBody>
       </p:sp>
@@ -15465,13 +15197,13 @@
           <a:p>
             <a:pPr algn="ctr"/>
             <a:r>
-              <a:rPr lang="en-US" sz="4800" dirty="0"/>
+              <a:rPr lang="en-US" sz="4800" noProof="0" dirty="0"/>
               <a:t>Released product</a:t>
             </a:r>
             <a:br>
-              <a:rPr lang="en-US" sz="4800" dirty="0"/>
+              <a:rPr lang="en-US" sz="4800" noProof="0" dirty="0"/>
             </a:br>
-            <a:endParaRPr lang="en-GB" sz="4800" dirty="0"/>
+            <a:endParaRPr lang="en-US" sz="4800" noProof="0" dirty="0"/>
           </a:p>
         </p:txBody>
       </p:sp>
@@ -15544,7 +15276,7 @@
               <a:buNone/>
             </a:pPr>
             <a:r>
-              <a:rPr lang="en-US" dirty="0"/>
+              <a:rPr lang="en-US" noProof="0" dirty="0"/>
               <a:t>The SRHC will be released and available in every European country.</a:t>
             </a:r>
           </a:p>
@@ -15553,7 +15285,7 @@
               <a:buNone/>
             </a:pPr>
             <a:r>
-              <a:rPr lang="en-US" dirty="0"/>
+              <a:rPr lang="en-US" noProof="0" dirty="0"/>
               <a:t>It will be sold at reasonable and affordable prices.</a:t>
             </a:r>
           </a:p>
@@ -15562,10 +15294,9 @@
               <a:buNone/>
             </a:pPr>
             <a:r>
-              <a:rPr lang="en-US" dirty="0"/>
+              <a:rPr lang="en-US" noProof="0" dirty="0"/>
               <a:t>We expect to branch around the world in the future, if the project turns out to be a success.</a:t>
             </a:r>
-            <a:endParaRPr lang="en-GB" dirty="0"/>
           </a:p>
         </p:txBody>
       </p:sp>
@@ -15666,13 +15397,13 @@
           <a:p>
             <a:pPr algn="ctr"/>
             <a:r>
-              <a:rPr lang="en-US" sz="4800" dirty="0"/>
+              <a:rPr lang="en-US" sz="4800" noProof="0" dirty="0"/>
               <a:t>Expected results</a:t>
             </a:r>
             <a:br>
-              <a:rPr lang="en-US" sz="4800" dirty="0"/>
+              <a:rPr lang="en-US" sz="4800" noProof="0" dirty="0"/>
             </a:br>
-            <a:endParaRPr lang="en-GB" sz="4800" dirty="0"/>
+            <a:endParaRPr lang="en-US" sz="4800" noProof="0" dirty="0"/>
           </a:p>
         </p:txBody>
       </p:sp>
@@ -15742,25 +15473,25 @@
               <a:buNone/>
             </a:pPr>
             <a:r>
-              <a:rPr lang="en-US" dirty="0"/>
+              <a:rPr lang="en-US" noProof="0" dirty="0"/>
               <a:t>People using the SRHC will have more free time to:</a:t>
             </a:r>
           </a:p>
           <a:p>
             <a:r>
-              <a:rPr lang="en-US" dirty="0"/>
+              <a:rPr lang="en-US" noProof="0" dirty="0"/>
               <a:t>spend with their families, </a:t>
             </a:r>
           </a:p>
           <a:p>
             <a:r>
-              <a:rPr lang="en-US" dirty="0"/>
+              <a:rPr lang="en-US" noProof="0" dirty="0"/>
               <a:t>do what they love,</a:t>
             </a:r>
           </a:p>
           <a:p>
             <a:r>
-              <a:rPr lang="en-US" dirty="0"/>
+              <a:rPr lang="en-US" noProof="0" dirty="0"/>
               <a:t>take up a sport.</a:t>
             </a:r>
           </a:p>
@@ -15769,12 +15500,12 @@
               <a:buNone/>
             </a:pPr>
             <a:r>
-              <a:rPr lang="en-US" dirty="0"/>
+              <a:rPr lang="en-US" noProof="0" dirty="0"/>
               <a:t>This will increase overall productivity, health and happiness.</a:t>
             </a:r>
           </a:p>
           <a:p>
-            <a:endParaRPr lang="en-GB" dirty="0"/>
+            <a:endParaRPr lang="en-US" noProof="0" dirty="0"/>
           </a:p>
         </p:txBody>
       </p:sp>
@@ -15880,13 +15611,13 @@
           <a:p>
             <a:pPr algn="ctr"/>
             <a:r>
-              <a:rPr lang="en-US" sz="4800" dirty="0"/>
+              <a:rPr lang="en-US" sz="4800" noProof="0" dirty="0"/>
               <a:t>SRHC</a:t>
             </a:r>
             <a:br>
-              <a:rPr lang="en-US" sz="4800" dirty="0"/>
+              <a:rPr lang="en-US" sz="4800" noProof="0" dirty="0"/>
             </a:br>
-            <a:endParaRPr lang="en-GB" sz="4800" dirty="0"/>
+            <a:endParaRPr lang="en-US" sz="4800" noProof="0" dirty="0"/>
           </a:p>
         </p:txBody>
       </p:sp>
@@ -15949,25 +15680,20 @@
           <a:p>
             <a:pPr algn="ctr"/>
             <a:r>
-              <a:rPr lang="en-US" sz="2400" dirty="0"/>
+              <a:rPr lang="en-US" sz="2400" noProof="0" dirty="0"/>
               <a:t>Let’s make this decision easier for granny!</a:t>
             </a:r>
           </a:p>
           <a:p>
             <a:pPr algn="ctr"/>
-            <a:endParaRPr lang="en-US" sz="2400" dirty="0"/>
+            <a:endParaRPr lang="en-US" sz="2400" noProof="0" dirty="0"/>
           </a:p>
           <a:p>
             <a:pPr algn="ctr"/>
             <a:r>
-              <a:rPr lang="en-US" sz="2400" dirty="0"/>
-              <a:t>Let’s build a robot that can do all of </a:t>
-            </a:r>
-            <a:r>
-              <a:rPr lang="en-US" sz="2400"/>
-              <a:t>the chores!</a:t>
-            </a:r>
-            <a:endParaRPr lang="en-GB" sz="2400" dirty="0"/>
+              <a:rPr lang="en-US" sz="2400" noProof="0" dirty="0"/>
+              <a:t>Let’s build a robot that can do all of the chores!</a:t>
+            </a:r>
           </a:p>
         </p:txBody>
       </p:sp>
@@ -16074,13 +15800,13 @@
           <a:p>
             <a:pPr algn="ctr"/>
             <a:r>
-              <a:rPr lang="en-US" sz="4800" dirty="0"/>
+              <a:rPr lang="en-US" sz="4800" noProof="0" dirty="0"/>
               <a:t>Goodbyes</a:t>
             </a:r>
             <a:br>
-              <a:rPr lang="en-US" sz="4800" dirty="0"/>
+              <a:rPr lang="en-US" sz="4800" noProof="0" dirty="0"/>
             </a:br>
-            <a:endParaRPr lang="en-GB" sz="4800" dirty="0"/>
+            <a:endParaRPr lang="en-US" sz="4800" noProof="0" dirty="0"/>
           </a:p>
         </p:txBody>
       </p:sp>
@@ -16111,72 +15837,78 @@
               <a:buNone/>
             </a:pPr>
             <a:r>
-              <a:rPr lang="en-US" sz="2400" dirty="0"/>
+              <a:rPr lang="en-US" sz="2400" noProof="0" dirty="0"/>
               <a:t>Contact:</a:t>
             </a:r>
           </a:p>
           <a:p>
             <a:pPr algn="ctr"/>
             <a:r>
-              <a:rPr lang="en-US" dirty="0"/>
+              <a:rPr lang="en-US" noProof="0" dirty="0"/>
               <a:t>Nikola </a:t>
             </a:r>
             <a:r>
-              <a:rPr lang="en-US" dirty="0" err="1"/>
-              <a:t>Dimitrijevi</a:t>
-            </a:r>
-            <a:r>
-              <a:rPr lang="sr-Latn-RS" dirty="0"/>
-              <a:t>ć</a:t>
-            </a:r>
-            <a:r>
-              <a:rPr lang="en-US" dirty="0"/>
+              <a:rPr lang="en-US" noProof="0" dirty="0" err="1"/>
+              <a:t>Dimitrijević</a:t>
+            </a:r>
+            <a:r>
+              <a:rPr lang="en-US" noProof="0" dirty="0"/>
               <a:t> – mi171054@alas.matf.bg.ac.rs</a:t>
             </a:r>
-            <a:endParaRPr lang="sr-Latn-RS" dirty="0"/>
           </a:p>
           <a:p>
             <a:pPr algn="ctr"/>
             <a:r>
-              <a:rPr lang="sr-Latn-RS" sz="2400" dirty="0"/>
-              <a:t>Strahinja Stanojević</a:t>
-            </a:r>
-            <a:r>
-              <a:rPr lang="en-US" sz="2400" dirty="0"/>
+              <a:rPr lang="en-US" sz="2400" noProof="0" dirty="0" err="1"/>
+              <a:t>Strahinja</a:t>
+            </a:r>
+            <a:r>
+              <a:rPr lang="en-US" sz="2400" noProof="0" dirty="0"/>
+              <a:t> </a:t>
+            </a:r>
+            <a:r>
+              <a:rPr lang="en-US" sz="2400" noProof="0" dirty="0" err="1"/>
+              <a:t>Stanojević</a:t>
+            </a:r>
+            <a:r>
+              <a:rPr lang="en-US" sz="2400" noProof="0" dirty="0"/>
               <a:t> – mi171047@alas.matf.bg.ac.rs</a:t>
             </a:r>
-            <a:endParaRPr lang="sr-Latn-RS" sz="2400" dirty="0"/>
           </a:p>
           <a:p>
             <a:pPr algn="ctr"/>
             <a:r>
-              <a:rPr lang="sr-Latn-RS" dirty="0"/>
-              <a:t>Ana Bajić – mi171089</a:t>
-            </a:r>
-            <a:r>
-              <a:rPr lang="en-US" dirty="0"/>
-              <a:t>@alas.matf.bg.ac.rs</a:t>
+              <a:rPr lang="en-US" noProof="0" dirty="0"/>
+              <a:t>Ana </a:t>
+            </a:r>
+            <a:r>
+              <a:rPr lang="en-US" noProof="0" dirty="0" err="1"/>
+              <a:t>Bajić</a:t>
+            </a:r>
+            <a:r>
+              <a:rPr lang="en-US" noProof="0" dirty="0"/>
+              <a:t> – mi171089@alas.matf.bg.ac.rs</a:t>
             </a:r>
           </a:p>
           <a:p>
             <a:pPr algn="ctr"/>
-            <a:endParaRPr lang="en-US" sz="2400" dirty="0"/>
+            <a:endParaRPr lang="en-US" sz="2400" noProof="0" dirty="0"/>
           </a:p>
           <a:p>
             <a:pPr marL="0" indent="0" algn="ctr">
               <a:buNone/>
             </a:pPr>
             <a:r>
-              <a:rPr lang="en-US" sz="2400" dirty="0"/>
+              <a:rPr lang="en-US" sz="2400" noProof="0" dirty="0"/>
               <a:t>Thank you for your attention! </a:t>
             </a:r>
             <a:r>
-              <a:rPr lang="en-US" sz="2400" dirty="0">
+              <a:rPr lang="en-US" sz="2400" noProof="0" dirty="0">
                 <a:sym typeface="Wingdings" panose="05000000000000000000" pitchFamily="2" charset="2"/>
               </a:rPr>
               <a:t></a:t>
             </a:r>
-            <a:endParaRPr lang="en-GB" sz="2400" dirty="0"/>
+            <a:endParaRPr lang="en-US" sz="2400" noProof="0" dirty="0"/>
           </a:p>
         </p:txBody>
       </p:sp>
@@ -16288,21 +16020,13 @@
           <a:p>
             <a:pPr algn="ctr"/>
             <a:r>
-              <a:rPr lang="sr-Latn-RS" sz="4800" dirty="0" err="1"/>
-              <a:t>House</a:t>
-            </a:r>
-            <a:r>
-              <a:rPr lang="sr-Latn-RS" sz="4800" dirty="0"/>
-              <a:t> </a:t>
-            </a:r>
-            <a:r>
-              <a:rPr lang="sr-Latn-RS" sz="4800" dirty="0" err="1"/>
-              <a:t>cleaning</a:t>
+              <a:rPr lang="en-US" sz="4800" noProof="0" dirty="0"/>
+              <a:t>House cleaning</a:t>
             </a:r>
             <a:br>
-              <a:rPr lang="sr-Latn-RS" sz="4800" dirty="0"/>
+              <a:rPr lang="en-US" sz="4800" noProof="0" dirty="0"/>
             </a:br>
-            <a:endParaRPr lang="en-GB" sz="4800" dirty="0"/>
+            <a:endParaRPr lang="en-US" sz="4800" noProof="0" dirty="0"/>
           </a:p>
         </p:txBody>
       </p:sp>
@@ -16333,224 +16057,20 @@
           <a:lstStyle/>
           <a:p>
             <a:r>
-              <a:rPr lang="sr-Latn-RS" sz="2400" dirty="0" err="1"/>
-              <a:t>Cleaning</a:t>
-            </a:r>
-            <a:r>
-              <a:rPr lang="sr-Latn-RS" sz="2400" dirty="0"/>
-              <a:t> </a:t>
-            </a:r>
-            <a:r>
-              <a:rPr lang="sr-Latn-RS" sz="2400" dirty="0" err="1"/>
-              <a:t>the</a:t>
-            </a:r>
-            <a:r>
-              <a:rPr lang="sr-Latn-RS" sz="2400" dirty="0"/>
-              <a:t> </a:t>
-            </a:r>
-            <a:r>
-              <a:rPr lang="sr-Latn-RS" sz="2400" dirty="0" err="1"/>
-              <a:t>house</a:t>
-            </a:r>
-            <a:r>
-              <a:rPr lang="sr-Latn-RS" sz="2400" dirty="0"/>
-              <a:t> </a:t>
-            </a:r>
-            <a:r>
-              <a:rPr lang="sr-Latn-RS" sz="2400" dirty="0" err="1"/>
-              <a:t>can</a:t>
-            </a:r>
-            <a:r>
-              <a:rPr lang="sr-Latn-RS" sz="2400" dirty="0"/>
-              <a:t> be </a:t>
-            </a:r>
-            <a:r>
-              <a:rPr lang="sr-Latn-RS" sz="2400" dirty="0" err="1"/>
-              <a:t>extremly</a:t>
-            </a:r>
-            <a:r>
-              <a:rPr lang="sr-Latn-RS" sz="2400" dirty="0"/>
-              <a:t> </a:t>
-            </a:r>
-            <a:r>
-              <a:rPr lang="sr-Latn-RS" sz="2400" dirty="0" err="1"/>
-              <a:t>difficult</a:t>
-            </a:r>
-            <a:r>
-              <a:rPr lang="sr-Latn-RS" sz="2400" dirty="0"/>
-              <a:t> </a:t>
-            </a:r>
-            <a:r>
-              <a:rPr lang="sr-Latn-RS" sz="2400" dirty="0" err="1"/>
-              <a:t>and</a:t>
-            </a:r>
-            <a:r>
-              <a:rPr lang="sr-Latn-RS" sz="2400" dirty="0"/>
-              <a:t> </a:t>
-            </a:r>
-            <a:r>
-              <a:rPr lang="sr-Latn-RS" sz="2400" dirty="0" err="1"/>
-              <a:t>tiring</a:t>
-            </a:r>
-            <a:r>
-              <a:rPr lang="sr-Latn-RS" sz="2400" dirty="0"/>
-              <a:t>, </a:t>
-            </a:r>
-            <a:r>
-              <a:rPr lang="sr-Latn-RS" sz="2400" dirty="0" err="1"/>
-              <a:t>especially</a:t>
-            </a:r>
-            <a:r>
-              <a:rPr lang="sr-Latn-RS" sz="2400" dirty="0"/>
-              <a:t> </a:t>
-            </a:r>
-            <a:r>
-              <a:rPr lang="sr-Latn-RS" sz="2400" dirty="0" err="1"/>
-              <a:t>for</a:t>
-            </a:r>
-            <a:r>
-              <a:rPr lang="sr-Latn-RS" sz="2400" dirty="0"/>
-              <a:t> </a:t>
-            </a:r>
-            <a:r>
-              <a:rPr lang="sr-Latn-RS" sz="2400" dirty="0" err="1"/>
-              <a:t>working</a:t>
-            </a:r>
-            <a:r>
-              <a:rPr lang="sr-Latn-RS" sz="2400" dirty="0"/>
-              <a:t> </a:t>
-            </a:r>
-            <a:r>
-              <a:rPr lang="sr-Latn-RS" sz="2400" dirty="0" err="1"/>
-              <a:t>people</a:t>
-            </a:r>
-            <a:r>
-              <a:rPr lang="sr-Latn-RS" sz="2400" dirty="0"/>
-              <a:t>.</a:t>
-            </a:r>
-          </a:p>
-          <a:p>
-            <a:r>
-              <a:rPr lang="sr-Latn-RS" sz="2400" dirty="0" err="1"/>
-              <a:t>These</a:t>
-            </a:r>
-            <a:r>
-              <a:rPr lang="sr-Latn-RS" sz="2400" dirty="0"/>
-              <a:t> </a:t>
-            </a:r>
-            <a:r>
-              <a:rPr lang="sr-Latn-RS" sz="2400" dirty="0" err="1"/>
-              <a:t>chores</a:t>
-            </a:r>
-            <a:r>
-              <a:rPr lang="sr-Latn-RS" sz="2400" dirty="0"/>
-              <a:t> </a:t>
-            </a:r>
-            <a:r>
-              <a:rPr lang="sr-Latn-RS" sz="2400" dirty="0" err="1"/>
-              <a:t>can</a:t>
-            </a:r>
-            <a:r>
-              <a:rPr lang="sr-Latn-RS" sz="2400" dirty="0"/>
-              <a:t> be </a:t>
-            </a:r>
-            <a:r>
-              <a:rPr lang="sr-Latn-RS" sz="2400" dirty="0" err="1"/>
-              <a:t>monotonous</a:t>
-            </a:r>
-            <a:r>
-              <a:rPr lang="sr-Latn-RS" sz="2400" dirty="0"/>
-              <a:t>. </a:t>
-            </a:r>
-          </a:p>
-          <a:p>
-            <a:r>
-              <a:rPr lang="sr-Latn-RS" sz="2400" dirty="0" err="1"/>
-              <a:t>People</a:t>
-            </a:r>
-            <a:r>
-              <a:rPr lang="sr-Latn-RS" sz="2400" dirty="0"/>
-              <a:t> </a:t>
-            </a:r>
-            <a:r>
-              <a:rPr lang="sr-Latn-RS" sz="2400" dirty="0" err="1"/>
-              <a:t>would</a:t>
-            </a:r>
-            <a:r>
-              <a:rPr lang="sr-Latn-RS" sz="2400" dirty="0"/>
-              <a:t> </a:t>
-            </a:r>
-            <a:r>
-              <a:rPr lang="sr-Latn-RS" sz="2400" dirty="0" err="1"/>
-              <a:t>have</a:t>
-            </a:r>
-            <a:r>
-              <a:rPr lang="sr-Latn-RS" sz="2400" dirty="0"/>
-              <a:t> a lot more time to </a:t>
-            </a:r>
-            <a:r>
-              <a:rPr lang="sr-Latn-RS" sz="2400" dirty="0" err="1"/>
-              <a:t>spend</a:t>
-            </a:r>
-            <a:r>
-              <a:rPr lang="sr-Latn-RS" sz="2400" dirty="0"/>
-              <a:t> on </a:t>
-            </a:r>
-            <a:r>
-              <a:rPr lang="sr-Latn-RS" sz="2400" dirty="0" err="1"/>
-              <a:t>activities</a:t>
-            </a:r>
-            <a:r>
-              <a:rPr lang="sr-Latn-RS" sz="2400" dirty="0"/>
-              <a:t> </a:t>
-            </a:r>
-            <a:r>
-              <a:rPr lang="sr-Latn-RS" sz="2400" dirty="0" err="1"/>
-              <a:t>they</a:t>
-            </a:r>
-            <a:r>
-              <a:rPr lang="sr-Latn-RS" sz="2400" dirty="0"/>
-              <a:t> </a:t>
-            </a:r>
-            <a:r>
-              <a:rPr lang="sr-Latn-RS" sz="2400" dirty="0" err="1"/>
-              <a:t>enjoy</a:t>
-            </a:r>
-            <a:r>
-              <a:rPr lang="sr-Latn-RS" sz="2400" dirty="0"/>
-              <a:t>, </a:t>
-            </a:r>
-            <a:r>
-              <a:rPr lang="sr-Latn-RS" sz="2400" dirty="0" err="1"/>
-              <a:t>instead</a:t>
-            </a:r>
-            <a:r>
-              <a:rPr lang="sr-Latn-RS" sz="2400" dirty="0"/>
-              <a:t> </a:t>
-            </a:r>
-            <a:r>
-              <a:rPr lang="sr-Latn-RS" sz="2400" dirty="0" err="1"/>
-              <a:t>of</a:t>
-            </a:r>
-            <a:r>
-              <a:rPr lang="sr-Latn-RS" sz="2400" dirty="0"/>
-              <a:t> </a:t>
-            </a:r>
-            <a:r>
-              <a:rPr lang="sr-Latn-RS" sz="2400" dirty="0" err="1"/>
-              <a:t>wasting</a:t>
-            </a:r>
-            <a:r>
-              <a:rPr lang="sr-Latn-RS" sz="2400" dirty="0"/>
-              <a:t> </a:t>
-            </a:r>
-            <a:r>
-              <a:rPr lang="sr-Latn-RS" sz="2400" dirty="0" err="1"/>
-              <a:t>their</a:t>
-            </a:r>
-            <a:r>
-              <a:rPr lang="sr-Latn-RS" sz="2400" dirty="0"/>
-              <a:t> time.</a:t>
+              <a:rPr lang="en-US" sz="2400" noProof="0" dirty="0"/>
+              <a:t>Cleaning the house can be extremely difficult and tiring, especially for working people.</a:t>
+            </a:r>
+          </a:p>
+          <a:p>
+            <a:r>
+              <a:rPr lang="en-US" sz="2400" noProof="0" dirty="0"/>
+              <a:t>These chores can be monotonous. </a:t>
+            </a:r>
+          </a:p>
+          <a:p>
+            <a:r>
+              <a:rPr lang="en-US" sz="2400" noProof="0" dirty="0"/>
+              <a:t>People would have a lot more time to spend on activities they enjoy, instead of wasting their time.</a:t>
             </a:r>
           </a:p>
           <a:p>
@@ -16558,7 +16078,7 @@
               <a:buFont typeface="Arial" panose="020B0604020202020204" pitchFamily="34" charset="0"/>
               <a:buChar char="•"/>
             </a:pPr>
-            <a:endParaRPr lang="en-GB" dirty="0"/>
+            <a:endParaRPr lang="en-US" noProof="0" dirty="0"/>
           </a:p>
         </p:txBody>
       </p:sp>
@@ -16704,21 +16224,13 @@
           <a:p>
             <a:pPr algn="ctr"/>
             <a:r>
-              <a:rPr lang="sr-Latn-RS" sz="4800" dirty="0" err="1"/>
-              <a:t>House</a:t>
-            </a:r>
-            <a:r>
-              <a:rPr lang="sr-Latn-RS" sz="4800" dirty="0"/>
-              <a:t> </a:t>
-            </a:r>
-            <a:r>
-              <a:rPr lang="sr-Latn-RS" sz="4800" dirty="0" err="1"/>
-              <a:t>cleaning</a:t>
+              <a:rPr lang="en-US" sz="4800" noProof="0" dirty="0"/>
+              <a:t>House cleaning</a:t>
             </a:r>
             <a:br>
-              <a:rPr lang="sr-Latn-RS" sz="4800" dirty="0"/>
+              <a:rPr lang="en-US" sz="4800" noProof="0" dirty="0"/>
             </a:br>
-            <a:endParaRPr lang="en-GB" sz="4800" dirty="0"/>
+            <a:endParaRPr lang="en-US" sz="4800" noProof="0" dirty="0"/>
           </a:p>
         </p:txBody>
       </p:sp>
@@ -16751,138 +16263,33 @@
           <a:lstStyle/>
           <a:p>
             <a:r>
-              <a:rPr lang="sr-Latn-RS" sz="2400" dirty="0"/>
-              <a:t>Some </a:t>
-            </a:r>
-            <a:r>
-              <a:rPr lang="sr-Latn-RS" sz="2400" dirty="0" err="1"/>
-              <a:t>places</a:t>
-            </a:r>
-            <a:r>
-              <a:rPr lang="sr-Latn-RS" sz="2400" dirty="0"/>
-              <a:t> </a:t>
-            </a:r>
-            <a:r>
-              <a:rPr lang="sr-Latn-RS" sz="2400" dirty="0" err="1"/>
-              <a:t>could</a:t>
-            </a:r>
-            <a:r>
-              <a:rPr lang="sr-Latn-RS" sz="2400" dirty="0"/>
-              <a:t> be </a:t>
-            </a:r>
-            <a:r>
-              <a:rPr lang="sr-Latn-RS" sz="2400" dirty="0" err="1"/>
-              <a:t>out</a:t>
-            </a:r>
-            <a:r>
-              <a:rPr lang="sr-Latn-RS" sz="2400" dirty="0"/>
-              <a:t> </a:t>
-            </a:r>
-            <a:r>
-              <a:rPr lang="sr-Latn-RS" sz="2400" dirty="0" err="1"/>
-              <a:t>of</a:t>
-            </a:r>
-            <a:r>
-              <a:rPr lang="sr-Latn-RS" sz="2400" dirty="0"/>
-              <a:t> </a:t>
-            </a:r>
-            <a:r>
-              <a:rPr lang="sr-Latn-RS" sz="2400" dirty="0" err="1"/>
-              <a:t>human’s</a:t>
-            </a:r>
-            <a:r>
-              <a:rPr lang="sr-Latn-RS" sz="2400" dirty="0"/>
-              <a:t> </a:t>
-            </a:r>
-            <a:r>
-              <a:rPr lang="sr-Latn-RS" sz="2400" dirty="0" err="1"/>
-              <a:t>reach</a:t>
-            </a:r>
-            <a:r>
-              <a:rPr lang="sr-Latn-RS" sz="2400" dirty="0"/>
-              <a:t> </a:t>
-            </a:r>
-            <a:r>
-              <a:rPr lang="sr-Latn-RS" sz="2400" dirty="0" err="1"/>
-              <a:t>or</a:t>
-            </a:r>
-            <a:r>
-              <a:rPr lang="sr-Latn-RS" sz="2400" dirty="0"/>
-              <a:t> </a:t>
-            </a:r>
-            <a:r>
-              <a:rPr lang="sr-Latn-RS" sz="2400" dirty="0" err="1"/>
-              <a:t>they</a:t>
-            </a:r>
-            <a:r>
-              <a:rPr lang="sr-Latn-RS" sz="2400" dirty="0"/>
-              <a:t> </a:t>
-            </a:r>
-            <a:r>
-              <a:rPr lang="sr-Latn-RS" sz="2400" dirty="0" err="1"/>
-              <a:t>could</a:t>
-            </a:r>
-            <a:r>
-              <a:rPr lang="sr-Latn-RS" sz="2400" dirty="0"/>
-              <a:t> </a:t>
-            </a:r>
-            <a:r>
-              <a:rPr lang="sr-Latn-RS" sz="2400" dirty="0" err="1"/>
-              <a:t>even</a:t>
-            </a:r>
-            <a:r>
-              <a:rPr lang="sr-Latn-RS" sz="2400" dirty="0"/>
-              <a:t> be </a:t>
-            </a:r>
-            <a:r>
-              <a:rPr lang="sr-Latn-RS" sz="2400" dirty="0" err="1"/>
-              <a:t>dangerous</a:t>
-            </a:r>
-            <a:r>
-              <a:rPr lang="sr-Latn-RS" sz="2400" dirty="0"/>
-              <a:t>.</a:t>
-            </a:r>
-          </a:p>
-          <a:p>
-            <a:endParaRPr lang="sr-Latn-RS" sz="2400" dirty="0"/>
-          </a:p>
-          <a:p>
-            <a:endParaRPr lang="sr-Latn-RS" sz="2400" dirty="0"/>
-          </a:p>
-          <a:p>
-            <a:r>
-              <a:rPr lang="sr-Latn-RS" sz="2400" dirty="0"/>
-              <a:t>			          </a:t>
-            </a:r>
-            <a:r>
-              <a:rPr lang="sr-Latn-RS" sz="2400" dirty="0" err="1"/>
-              <a:t>What</a:t>
-            </a:r>
-            <a:r>
-              <a:rPr lang="sr-Latn-RS" sz="2400" dirty="0"/>
-              <a:t> a brave</a:t>
-            </a:r>
-          </a:p>
-          <a:p>
-            <a:r>
-              <a:rPr lang="sr-Latn-RS" sz="2400" dirty="0"/>
-              <a:t>				   </a:t>
-            </a:r>
-            <a:r>
-              <a:rPr lang="sr-Latn-RS" sz="2400" dirty="0" err="1"/>
-              <a:t>granny</a:t>
-            </a:r>
-            <a:r>
-              <a:rPr lang="sr-Latn-RS" sz="2400" dirty="0"/>
-              <a:t>! </a:t>
-            </a:r>
-          </a:p>
-          <a:p>
-            <a:r>
-              <a:rPr lang="sr-Latn-RS" sz="2400" dirty="0"/>
+              <a:rPr lang="en-US" sz="2400" noProof="0" dirty="0"/>
+              <a:t>Some places could be out of human’s reach or they could even be dangerous.</a:t>
+            </a:r>
+          </a:p>
+          <a:p>
+            <a:endParaRPr lang="en-US" sz="2400" noProof="0" dirty="0"/>
+          </a:p>
+          <a:p>
+            <a:endParaRPr lang="en-US" sz="2400" noProof="0" dirty="0"/>
+          </a:p>
+          <a:p>
+            <a:r>
+              <a:rPr lang="en-US" sz="2400" noProof="0" dirty="0"/>
+              <a:t>			          What a brave</a:t>
+            </a:r>
+          </a:p>
+          <a:p>
+            <a:r>
+              <a:rPr lang="en-US" sz="2400" noProof="0" dirty="0"/>
+              <a:t>				   granny! </a:t>
+            </a:r>
+          </a:p>
+          <a:p>
+            <a:r>
+              <a:rPr lang="en-US" sz="2400" noProof="0" dirty="0"/>
               <a:t>				        	</a:t>
             </a:r>
-            <a:endParaRPr lang="en-GB" sz="2400" dirty="0"/>
           </a:p>
         </p:txBody>
       </p:sp>
@@ -17058,33 +16465,17 @@
           <a:p>
             <a:pPr algn="ctr"/>
             <a:r>
-              <a:rPr lang="sr-Latn-RS" sz="4800" dirty="0" err="1"/>
-              <a:t>House</a:t>
-            </a:r>
-            <a:r>
-              <a:rPr lang="sr-Latn-RS" sz="4800" dirty="0"/>
-              <a:t> </a:t>
-            </a:r>
-            <a:r>
-              <a:rPr lang="sr-Latn-RS" sz="4800" dirty="0" err="1"/>
-              <a:t>cleaning</a:t>
+              <a:rPr lang="en-US" sz="4800" noProof="0" dirty="0"/>
+              <a:t>House cleaning</a:t>
             </a:r>
             <a:br>
-              <a:rPr lang="sr-Latn-RS" sz="4800" dirty="0"/>
+              <a:rPr lang="en-US" sz="4800" noProof="0" dirty="0"/>
             </a:br>
             <a:r>
-              <a:rPr lang="sr-Latn-RS" sz="2800" dirty="0" err="1"/>
-              <a:t>existing</a:t>
-            </a:r>
-            <a:r>
-              <a:rPr lang="sr-Latn-RS" sz="2800" dirty="0"/>
-              <a:t> </a:t>
-            </a:r>
-            <a:r>
-              <a:rPr lang="sr-Latn-RS" sz="2800" dirty="0" err="1"/>
-              <a:t>solution</a:t>
-            </a:r>
-            <a:endParaRPr lang="en-GB" sz="4800" dirty="0"/>
+              <a:rPr lang="en-US" sz="2800" noProof="0" dirty="0"/>
+              <a:t>existing solution</a:t>
+            </a:r>
+            <a:endParaRPr lang="en-US" sz="4800" noProof="0" dirty="0"/>
           </a:p>
         </p:txBody>
       </p:sp>
@@ -17117,134 +16508,9 @@
           <a:lstStyle/>
           <a:p>
             <a:r>
-              <a:rPr lang="sr-Latn-RS" sz="2400" dirty="0" err="1"/>
-              <a:t>The</a:t>
-            </a:r>
-            <a:r>
-              <a:rPr lang="sr-Latn-RS" sz="2400" dirty="0"/>
-              <a:t> </a:t>
-            </a:r>
-            <a:r>
-              <a:rPr lang="sr-Latn-RS" sz="2400" dirty="0" err="1"/>
-              <a:t>existing</a:t>
-            </a:r>
-            <a:r>
-              <a:rPr lang="sr-Latn-RS" sz="2400" dirty="0"/>
-              <a:t> </a:t>
-            </a:r>
-            <a:r>
-              <a:rPr lang="sr-Latn-RS" sz="2400" dirty="0" err="1"/>
-              <a:t>solution</a:t>
-            </a:r>
-            <a:r>
-              <a:rPr lang="sr-Latn-RS" sz="2400" dirty="0"/>
-              <a:t> – </a:t>
-            </a:r>
-            <a:r>
-              <a:rPr lang="sr-Latn-RS" sz="2400" dirty="0" err="1"/>
-              <a:t>Roomba</a:t>
-            </a:r>
-            <a:r>
-              <a:rPr lang="sr-Latn-RS" sz="2400" dirty="0"/>
-              <a:t> robot – </a:t>
-            </a:r>
-            <a:r>
-              <a:rPr lang="sr-Latn-RS" sz="2400" dirty="0" err="1"/>
-              <a:t>tried</a:t>
-            </a:r>
-            <a:r>
-              <a:rPr lang="sr-Latn-RS" sz="2400" dirty="0"/>
-              <a:t> to do </a:t>
-            </a:r>
-            <a:r>
-              <a:rPr lang="sr-Latn-RS" sz="2400" dirty="0" err="1"/>
-              <a:t>it’s</a:t>
-            </a:r>
-            <a:r>
-              <a:rPr lang="sr-Latn-RS" sz="2400" dirty="0"/>
-              <a:t> </a:t>
-            </a:r>
-            <a:r>
-              <a:rPr lang="sr-Latn-RS" sz="2400" dirty="0" err="1"/>
-              <a:t>job</a:t>
-            </a:r>
-            <a:r>
-              <a:rPr lang="sr-Latn-RS" sz="2400" dirty="0"/>
-              <a:t> </a:t>
-            </a:r>
-            <a:r>
-              <a:rPr lang="sr-Latn-RS" sz="2400" dirty="0" err="1"/>
-              <a:t>well</a:t>
-            </a:r>
-            <a:r>
-              <a:rPr lang="sr-Latn-RS" sz="2400" dirty="0"/>
-              <a:t>, but </a:t>
-            </a:r>
-            <a:r>
-              <a:rPr lang="sr-Latn-RS" sz="2400" dirty="0" err="1"/>
-              <a:t>it</a:t>
-            </a:r>
-            <a:r>
-              <a:rPr lang="sr-Latn-RS" sz="2400" dirty="0"/>
-              <a:t> </a:t>
-            </a:r>
-            <a:r>
-              <a:rPr lang="sr-Latn-RS" sz="2400" dirty="0" err="1"/>
-              <a:t>soon</a:t>
-            </a:r>
-            <a:r>
-              <a:rPr lang="sr-Latn-RS" sz="2400" dirty="0"/>
-              <a:t> </a:t>
-            </a:r>
-            <a:r>
-              <a:rPr lang="sr-Latn-RS" sz="2400" dirty="0" err="1"/>
-              <a:t>became</a:t>
-            </a:r>
-            <a:r>
-              <a:rPr lang="sr-Latn-RS" sz="2400" dirty="0"/>
-              <a:t> </a:t>
-            </a:r>
-            <a:r>
-              <a:rPr lang="sr-Latn-RS" sz="2400" dirty="0" err="1"/>
-              <a:t>the</a:t>
-            </a:r>
-            <a:r>
-              <a:rPr lang="sr-Latn-RS" sz="2400" dirty="0"/>
-              <a:t> </a:t>
-            </a:r>
-            <a:r>
-              <a:rPr lang="sr-Latn-RS" sz="2400" dirty="0" err="1"/>
-              <a:t>laughing</a:t>
-            </a:r>
-            <a:r>
-              <a:rPr lang="sr-Latn-RS" sz="2400" dirty="0"/>
-              <a:t> </a:t>
-            </a:r>
-            <a:r>
-              <a:rPr lang="sr-Latn-RS" sz="2400" dirty="0" err="1"/>
-              <a:t>stock</a:t>
-            </a:r>
-            <a:r>
-              <a:rPr lang="sr-Latn-RS" sz="2400" dirty="0"/>
-              <a:t> </a:t>
-            </a:r>
-            <a:r>
-              <a:rPr lang="sr-Latn-RS" sz="2400" dirty="0" err="1"/>
-              <a:t>of</a:t>
-            </a:r>
-            <a:r>
-              <a:rPr lang="sr-Latn-RS" sz="2400" dirty="0"/>
-              <a:t> </a:t>
-            </a:r>
-            <a:r>
-              <a:rPr lang="sr-Latn-RS" sz="2400" dirty="0" err="1"/>
-              <a:t>the</a:t>
-            </a:r>
-            <a:r>
-              <a:rPr lang="sr-Latn-RS" sz="2400" dirty="0"/>
-              <a:t> internet.     	</a:t>
-            </a:r>
-            <a:endParaRPr lang="en-GB" sz="2400" dirty="0"/>
+              <a:rPr lang="en-US" sz="2400" noProof="0" dirty="0"/>
+              <a:t>The existing solution – Roomba robot – tried to do it’s job well, but it soon became the laughing stock of the internet.     	</a:t>
+            </a:r>
           </a:p>
         </p:txBody>
       </p:sp>
@@ -17563,33 +16829,21 @@
           <a:p>
             <a:pPr algn="ctr"/>
             <a:r>
-              <a:rPr lang="sr-Latn-RS" sz="4800" dirty="0" err="1"/>
-              <a:t>Our</a:t>
-            </a:r>
-            <a:r>
-              <a:rPr lang="sr-Latn-RS" sz="4800" dirty="0"/>
-              <a:t> </a:t>
-            </a:r>
-            <a:r>
-              <a:rPr lang="sr-Latn-RS" sz="4800" dirty="0" err="1"/>
-              <a:t>solution</a:t>
+              <a:rPr lang="en-US" sz="4800" noProof="0" dirty="0"/>
+              <a:t>Our solution</a:t>
             </a:r>
             <a:br>
-              <a:rPr lang="sr-Latn-RS" sz="4800" dirty="0"/>
+              <a:rPr lang="en-US" sz="4800" noProof="0" dirty="0"/>
             </a:br>
             <a:r>
-              <a:rPr lang="sr-Latn-RS" sz="4800" dirty="0" err="1"/>
-              <a:t>the</a:t>
-            </a:r>
-            <a:r>
-              <a:rPr lang="sr-Latn-RS" sz="4800" dirty="0"/>
-              <a:t> </a:t>
-            </a:r>
-            <a:r>
-              <a:rPr lang="sr-Latn-RS" sz="4800" dirty="0" err="1"/>
+              <a:rPr lang="en-US" sz="4800" noProof="0" dirty="0"/>
+              <a:t>the </a:t>
+            </a:r>
+            <a:r>
+              <a:rPr lang="en-US" sz="4800" noProof="0" dirty="0" err="1"/>
               <a:t>srhc</a:t>
             </a:r>
-            <a:endParaRPr lang="en-GB" sz="4800" dirty="0"/>
+            <a:endParaRPr lang="en-US" sz="4800" noProof="0" dirty="0"/>
           </a:p>
         </p:txBody>
       </p:sp>
@@ -17622,81 +16876,13 @@
           <a:lstStyle/>
           <a:p>
             <a:r>
-              <a:rPr lang="sr-Latn-RS" sz="2400" dirty="0" err="1"/>
-              <a:t>We</a:t>
-            </a:r>
-            <a:r>
-              <a:rPr lang="sr-Latn-RS" sz="2400" dirty="0"/>
-              <a:t> </a:t>
-            </a:r>
-            <a:r>
-              <a:rPr lang="sr-Latn-RS" sz="2400" dirty="0" err="1"/>
-              <a:t>shall</a:t>
-            </a:r>
-            <a:r>
-              <a:rPr lang="sr-Latn-RS" sz="2400" dirty="0"/>
-              <a:t> </a:t>
-            </a:r>
-            <a:r>
-              <a:rPr lang="sr-Latn-RS" sz="2400" dirty="0" err="1"/>
-              <a:t>create</a:t>
-            </a:r>
-            <a:r>
-              <a:rPr lang="sr-Latn-RS" sz="2400" dirty="0"/>
-              <a:t> a </a:t>
-            </a:r>
-            <a:r>
-              <a:rPr lang="sr-Latn-RS" sz="2400" dirty="0" err="1"/>
-              <a:t>powerful</a:t>
-            </a:r>
-            <a:r>
-              <a:rPr lang="sr-Latn-RS" sz="2400" dirty="0"/>
-              <a:t> </a:t>
-            </a:r>
-            <a:r>
-              <a:rPr lang="sr-Latn-RS" sz="2400" dirty="0" err="1"/>
-              <a:t>cleaning</a:t>
-            </a:r>
-            <a:r>
-              <a:rPr lang="sr-Latn-RS" sz="2400" dirty="0"/>
-              <a:t> </a:t>
-            </a:r>
-            <a:r>
-              <a:rPr lang="sr-Latn-RS" sz="2400" dirty="0" err="1"/>
-              <a:t>tool</a:t>
-            </a:r>
-            <a:r>
-              <a:rPr lang="sr-Latn-RS" sz="2400" dirty="0"/>
-              <a:t>, a </a:t>
-            </a:r>
-            <a:r>
-              <a:rPr lang="sr-Latn-RS" sz="2400" dirty="0" err="1"/>
-              <a:t>versatile</a:t>
-            </a:r>
-            <a:r>
-              <a:rPr lang="sr-Latn-RS" sz="2400" dirty="0"/>
-              <a:t> </a:t>
-            </a:r>
-            <a:r>
-              <a:rPr lang="sr-Latn-RS" sz="2400" dirty="0" err="1"/>
-              <a:t>house</a:t>
-            </a:r>
-            <a:r>
-              <a:rPr lang="sr-Latn-RS" sz="2400" dirty="0"/>
-              <a:t> </a:t>
-            </a:r>
-            <a:r>
-              <a:rPr lang="sr-Latn-RS" sz="2400" dirty="0" err="1"/>
-              <a:t>helper</a:t>
-            </a:r>
-            <a:r>
-              <a:rPr lang="sr-Latn-RS" sz="2400" dirty="0"/>
-              <a:t>.</a:t>
-            </a:r>
-          </a:p>
-          <a:p>
-            <a:r>
-              <a:rPr lang="sr-Latn-RS" sz="2400" dirty="0"/>
+              <a:rPr lang="en-US" sz="2400" noProof="0" dirty="0"/>
+              <a:t>We shall create a powerful cleaning tool, a versatile house helper.</a:t>
+            </a:r>
+          </a:p>
+          <a:p>
+            <a:r>
+              <a:rPr lang="en-US" sz="2400" noProof="0" dirty="0"/>
               <a:t>SRHC:</a:t>
             </a:r>
           </a:p>
@@ -17706,52 +16892,8 @@
               <a:buChar char="•"/>
             </a:pPr>
             <a:r>
-              <a:rPr lang="sr-Latn-RS" sz="2400" dirty="0" err="1"/>
-              <a:t>Doesn’t</a:t>
-            </a:r>
-            <a:r>
-              <a:rPr lang="sr-Latn-RS" sz="2400" dirty="0"/>
-              <a:t> </a:t>
-            </a:r>
-            <a:r>
-              <a:rPr lang="sr-Latn-RS" sz="2400" dirty="0" err="1"/>
-              <a:t>miss</a:t>
-            </a:r>
-            <a:r>
-              <a:rPr lang="sr-Latn-RS" sz="2400" dirty="0"/>
-              <a:t> </a:t>
-            </a:r>
-            <a:r>
-              <a:rPr lang="sr-Latn-RS" sz="2400" dirty="0" err="1"/>
-              <a:t>important</a:t>
-            </a:r>
-            <a:r>
-              <a:rPr lang="sr-Latn-RS" sz="2400" dirty="0"/>
-              <a:t> </a:t>
-            </a:r>
-            <a:r>
-              <a:rPr lang="sr-Latn-RS" sz="2400" dirty="0" err="1"/>
-              <a:t>and</a:t>
-            </a:r>
-            <a:r>
-              <a:rPr lang="sr-Latn-RS" sz="2400" dirty="0"/>
-              <a:t> hard-to-</a:t>
-            </a:r>
-            <a:r>
-              <a:rPr lang="sr-Latn-RS" sz="2400" dirty="0" err="1"/>
-              <a:t>reach</a:t>
-            </a:r>
-            <a:r>
-              <a:rPr lang="sr-Latn-RS" sz="2400" dirty="0"/>
-              <a:t> </a:t>
-            </a:r>
-            <a:r>
-              <a:rPr lang="sr-Latn-RS" sz="2400" dirty="0" err="1"/>
-              <a:t>surfaces</a:t>
-            </a:r>
-            <a:r>
-              <a:rPr lang="sr-Latn-RS" sz="2400" dirty="0"/>
-              <a:t>.</a:t>
+              <a:rPr lang="en-US" sz="2400" noProof="0" dirty="0"/>
+              <a:t>Doesn’t miss important and hard-to-reach surfaces.</a:t>
             </a:r>
           </a:p>
           <a:p>
@@ -17760,78 +16902,9 @@
               <a:buChar char="•"/>
             </a:pPr>
             <a:r>
-              <a:rPr lang="sr-Latn-RS" sz="2400" dirty="0" err="1"/>
-              <a:t>Finishes</a:t>
-            </a:r>
-            <a:r>
-              <a:rPr lang="sr-Latn-RS" sz="2400" dirty="0"/>
-              <a:t> </a:t>
-            </a:r>
-            <a:r>
-              <a:rPr lang="sr-Latn-RS" sz="2400" dirty="0" err="1"/>
-              <a:t>it’s</a:t>
-            </a:r>
-            <a:r>
-              <a:rPr lang="sr-Latn-RS" sz="2400" dirty="0"/>
-              <a:t> </a:t>
-            </a:r>
-            <a:r>
-              <a:rPr lang="sr-Latn-RS" sz="2400" dirty="0" err="1"/>
-              <a:t>cleaning</a:t>
-            </a:r>
-            <a:r>
-              <a:rPr lang="sr-Latn-RS" sz="2400" dirty="0"/>
-              <a:t> </a:t>
-            </a:r>
-            <a:r>
-              <a:rPr lang="sr-Latn-RS" sz="2400" dirty="0" err="1"/>
-              <a:t>route</a:t>
-            </a:r>
-            <a:r>
-              <a:rPr lang="sr-Latn-RS" sz="2400" dirty="0"/>
-              <a:t> </a:t>
-            </a:r>
-            <a:r>
-              <a:rPr lang="sr-Latn-RS" sz="2400" dirty="0" err="1"/>
-              <a:t>without</a:t>
-            </a:r>
-            <a:r>
-              <a:rPr lang="sr-Latn-RS" sz="2400" dirty="0"/>
-              <a:t> </a:t>
-            </a:r>
-            <a:r>
-              <a:rPr lang="sr-Latn-RS" sz="2400" dirty="0" err="1"/>
-              <a:t>breaking</a:t>
-            </a:r>
-            <a:r>
-              <a:rPr lang="sr-Latn-RS" sz="2400" dirty="0"/>
-              <a:t> </a:t>
-            </a:r>
-            <a:r>
-              <a:rPr lang="sr-Latn-RS" sz="2400" dirty="0" err="1"/>
-              <a:t>or</a:t>
-            </a:r>
-            <a:r>
-              <a:rPr lang="sr-Latn-RS" sz="2400" dirty="0"/>
-              <a:t> </a:t>
-            </a:r>
-            <a:r>
-              <a:rPr lang="sr-Latn-RS" sz="2400" dirty="0" err="1"/>
-              <a:t>damaging</a:t>
-            </a:r>
-            <a:r>
-              <a:rPr lang="sr-Latn-RS" sz="2400" dirty="0"/>
-              <a:t> </a:t>
-            </a:r>
-            <a:r>
-              <a:rPr lang="sr-Latn-RS" sz="2400" dirty="0" err="1"/>
-              <a:t>anything</a:t>
-            </a:r>
-            <a:r>
-              <a:rPr lang="sr-Latn-RS" sz="2400" dirty="0"/>
-              <a:t>.</a:t>
-            </a:r>
-            <a:endParaRPr lang="en-US" sz="2400" dirty="0"/>
+              <a:rPr lang="en-US" sz="2400" noProof="0" dirty="0"/>
+              <a:t>Finishes it’s cleaning route without breaking or damaging anything.</a:t>
+            </a:r>
           </a:p>
           <a:p>
             <a:pPr marL="342900" indent="-342900">
@@ -17839,7 +16912,7 @@
               <a:buChar char="•"/>
             </a:pPr>
             <a:r>
-              <a:rPr lang="en-US" sz="2400" dirty="0"/>
+              <a:rPr lang="en-US" sz="2400" noProof="0" dirty="0"/>
               <a:t>Returns to the charging station in time, before the battery runs out.</a:t>
             </a:r>
           </a:p>
@@ -17849,10 +16922,9 @@
               <a:buChar char="•"/>
             </a:pPr>
             <a:r>
-              <a:rPr lang="en-US" sz="2400" dirty="0"/>
+              <a:rPr lang="en-US" sz="2400" noProof="0" dirty="0"/>
               <a:t>Isn’t easily broken.</a:t>
             </a:r>
-            <a:endParaRPr lang="en-GB" sz="2400" dirty="0"/>
           </a:p>
         </p:txBody>
       </p:sp>
@@ -17968,17 +17040,17 @@
           <a:p>
             <a:pPr algn="ctr"/>
             <a:r>
-              <a:rPr lang="en-US" sz="4800" dirty="0"/>
+              <a:rPr lang="en-US" sz="4800" noProof="0" dirty="0"/>
               <a:t>The </a:t>
             </a:r>
             <a:r>
-              <a:rPr lang="en-US" sz="4800" dirty="0" err="1"/>
+              <a:rPr lang="en-US" sz="4800" noProof="0" dirty="0" err="1"/>
               <a:t>srhc</a:t>
             </a:r>
             <a:br>
-              <a:rPr lang="en-US" sz="4800" dirty="0"/>
+              <a:rPr lang="en-US" sz="4800" noProof="0" dirty="0"/>
             </a:br>
-            <a:endParaRPr lang="en-GB" sz="4800" dirty="0"/>
+            <a:endParaRPr lang="en-US" sz="4800" noProof="0" dirty="0"/>
           </a:p>
         </p:txBody>
       </p:sp>
@@ -18011,7 +17083,7 @@
           <a:lstStyle/>
           <a:p>
             <a:r>
-              <a:rPr lang="en-US" sz="2200" dirty="0"/>
+              <a:rPr lang="en-US" sz="2200" noProof="0" dirty="0"/>
               <a:t>The SRHC has many different modes:</a:t>
             </a:r>
           </a:p>
@@ -18021,7 +17093,7 @@
               <a:buChar char="•"/>
             </a:pPr>
             <a:r>
-              <a:rPr lang="en-US" sz="2200" dirty="0"/>
+              <a:rPr lang="en-US" sz="2200" noProof="0" dirty="0"/>
               <a:t>Regular vacuuming - just a small robot, able to easily navigate the rooms and reach every location</a:t>
             </a:r>
           </a:p>
@@ -18031,7 +17103,7 @@
               <a:buChar char="•"/>
             </a:pPr>
             <a:r>
-              <a:rPr lang="en-US" sz="2200" dirty="0"/>
+              <a:rPr lang="en-US" sz="2200" noProof="0" dirty="0"/>
               <a:t>Window cleaning – SRHC possesses an extendable arm, that can reach any window.</a:t>
             </a:r>
           </a:p>
@@ -18040,7 +17112,7 @@
               <a:buFont typeface="Arial" panose="020B0604020202020204" pitchFamily="34" charset="0"/>
               <a:buChar char="•"/>
             </a:pPr>
-            <a:endParaRPr lang="en-US" sz="2400" dirty="0"/>
+            <a:endParaRPr lang="en-US" sz="2400" noProof="0" dirty="0"/>
           </a:p>
         </p:txBody>
       </p:sp>
@@ -18254,25 +17326,20 @@
           <a:p>
             <a:pPr algn="ctr"/>
             <a:r>
-              <a:rPr lang="en-US" sz="4800" dirty="0"/>
+              <a:rPr lang="en-US" sz="4800" noProof="0" dirty="0"/>
               <a:t>The </a:t>
             </a:r>
             <a:r>
-              <a:rPr lang="en-US" sz="4800" dirty="0" err="1"/>
+              <a:rPr lang="en-US" sz="4800" noProof="0" dirty="0" err="1"/>
               <a:t>srhc</a:t>
             </a:r>
             <a:br>
-              <a:rPr lang="en-US" sz="4800" dirty="0"/>
+              <a:rPr lang="en-US" sz="4800" noProof="0" dirty="0"/>
             </a:br>
             <a:r>
-              <a:rPr lang="en-US" sz="4800" dirty="0"/>
-              <a:t>APP </a:t>
-            </a:r>
-            <a:r>
-              <a:rPr lang="en-US" sz="4800" dirty="0" err="1"/>
-              <a:t>controler</a:t>
-            </a:r>
-            <a:endParaRPr lang="en-GB" sz="4800" dirty="0"/>
+              <a:rPr lang="en-US" sz="4800" noProof="0" dirty="0"/>
+              <a:t>Application controller</a:t>
+            </a:r>
           </a:p>
         </p:txBody>
       </p:sp>
@@ -18305,13 +17372,13 @@
           <a:lstStyle/>
           <a:p>
             <a:r>
-              <a:rPr lang="en-US" sz="2400" dirty="0"/>
+              <a:rPr lang="en-US" sz="2400" noProof="0" dirty="0"/>
               <a:t>The SRHC is capable of doing everything on its own – it can scan, clean, charge.. </a:t>
             </a:r>
           </a:p>
           <a:p>
             <a:r>
-              <a:rPr lang="en-US" sz="2400" dirty="0"/>
+              <a:rPr lang="en-US" sz="2400" noProof="0" dirty="0"/>
               <a:t>Using the app, you can change which rooms it will clean, or a specific mode to be used that day.</a:t>
             </a:r>
           </a:p>
@@ -18511,13 +17578,13 @@
           <a:p>
             <a:pPr algn="ctr"/>
             <a:r>
-              <a:rPr lang="en-US" sz="4800" dirty="0"/>
+              <a:rPr lang="en-US" sz="4800" noProof="0" dirty="0"/>
               <a:t>Participants</a:t>
             </a:r>
             <a:br>
-              <a:rPr lang="en-US" sz="4800" dirty="0"/>
+              <a:rPr lang="en-US" sz="4800" noProof="0" dirty="0"/>
             </a:br>
-            <a:endParaRPr lang="en-GB" sz="4800" dirty="0"/>
+            <a:endParaRPr lang="en-US" sz="4800" noProof="0" dirty="0"/>
           </a:p>
         </p:txBody>
       </p:sp>

--- a/hw2/H2020.pptx
+++ b/hw2/H2020.pptx
@@ -223,7 +223,7 @@
           <a:p>
             <a:fld id="{4962A2BD-CC29-4004-A6CB-381D655ED25A}" type="datetimeFigureOut">
               <a:rPr lang="en-GB" smtClean="0"/>
-              <a:t>15/12/2017</a:t>
+              <a:t>18/12/2017</a:t>
             </a:fld>
             <a:endParaRPr lang="en-GB"/>
           </a:p>
@@ -548,7 +548,7 @@
           <a:noFill/>
           <a:extLst>
             <a:ext uri="{909E8E84-426E-40dd-AFC4-6F175D3DCCD1}">
-              <a14:hiddenFill xmlns:a14="http://schemas.microsoft.com/office/drawing/2010/main" xmlns="">
+              <a14:hiddenFill xmlns="" xmlns:a14="http://schemas.microsoft.com/office/drawing/2010/main">
                 <a:solidFill>
                   <a:srgbClr val="FFFFFF"/>
                 </a:solidFill>
@@ -607,7 +607,7 @@
             </a:ln>
             <a:extLst>
               <a:ext uri="{91240B29-F687-4f45-9708-019B960494DF}">
-                <a14:hiddenLine xmlns:a14="http://schemas.microsoft.com/office/drawing/2010/main" xmlns="" w="9525">
+                <a14:hiddenLine xmlns="" xmlns:a14="http://schemas.microsoft.com/office/drawing/2010/main" w="9525">
                   <a:solidFill>
                     <a:srgbClr val="000000"/>
                   </a:solidFill>
@@ -697,7 +697,7 @@
             </a:ln>
             <a:extLst>
               <a:ext uri="{91240B29-F687-4f45-9708-019B960494DF}">
-                <a14:hiddenLine xmlns:a14="http://schemas.microsoft.com/office/drawing/2010/main" xmlns="" w="9525">
+                <a14:hiddenLine xmlns="" xmlns:a14="http://schemas.microsoft.com/office/drawing/2010/main" w="9525">
                   <a:solidFill>
                     <a:srgbClr val="000000"/>
                   </a:solidFill>
@@ -787,7 +787,7 @@
             </a:ln>
             <a:extLst>
               <a:ext uri="{91240B29-F687-4f45-9708-019B960494DF}">
-                <a14:hiddenLine xmlns:a14="http://schemas.microsoft.com/office/drawing/2010/main" xmlns="" w="9525">
+                <a14:hiddenLine xmlns="" xmlns:a14="http://schemas.microsoft.com/office/drawing/2010/main" w="9525">
                   <a:solidFill>
                     <a:srgbClr val="000000"/>
                   </a:solidFill>
@@ -821,7 +821,7 @@
             </a:ln>
             <a:extLst>
               <a:ext uri="{91240B29-F687-4f45-9708-019B960494DF}">
-                <a14:hiddenLine xmlns:a14="http://schemas.microsoft.com/office/drawing/2010/main" xmlns="" w="9525">
+                <a14:hiddenLine xmlns="" xmlns:a14="http://schemas.microsoft.com/office/drawing/2010/main" w="9525">
                   <a:solidFill>
                     <a:srgbClr val="000000"/>
                   </a:solidFill>
@@ -911,7 +911,7 @@
             </a:ln>
             <a:extLst>
               <a:ext uri="{91240B29-F687-4f45-9708-019B960494DF}">
-                <a14:hiddenLine xmlns:a14="http://schemas.microsoft.com/office/drawing/2010/main" xmlns="" w="9525">
+                <a14:hiddenLine xmlns="" xmlns:a14="http://schemas.microsoft.com/office/drawing/2010/main" w="9525">
                   <a:solidFill>
                     <a:srgbClr val="000000"/>
                   </a:solidFill>
@@ -973,7 +973,7 @@
             </a:ln>
             <a:extLst>
               <a:ext uri="{91240B29-F687-4f45-9708-019B960494DF}">
-                <a14:hiddenLine xmlns:a14="http://schemas.microsoft.com/office/drawing/2010/main" xmlns="" w="9525">
+                <a14:hiddenLine xmlns="" xmlns:a14="http://schemas.microsoft.com/office/drawing/2010/main" w="9525">
                   <a:solidFill>
                     <a:srgbClr val="000000"/>
                   </a:solidFill>
@@ -1035,7 +1035,7 @@
             </a:ln>
             <a:extLst>
               <a:ext uri="{91240B29-F687-4f45-9708-019B960494DF}">
-                <a14:hiddenLine xmlns:a14="http://schemas.microsoft.com/office/drawing/2010/main" xmlns="" w="9525">
+                <a14:hiddenLine xmlns="" xmlns:a14="http://schemas.microsoft.com/office/drawing/2010/main" w="9525">
                   <a:solidFill>
                     <a:srgbClr val="000000"/>
                   </a:solidFill>
@@ -1125,7 +1125,7 @@
             </a:ln>
             <a:extLst>
               <a:ext uri="{91240B29-F687-4f45-9708-019B960494DF}">
-                <a14:hiddenLine xmlns:a14="http://schemas.microsoft.com/office/drawing/2010/main" xmlns="" w="9525">
+                <a14:hiddenLine xmlns="" xmlns:a14="http://schemas.microsoft.com/office/drawing/2010/main" w="9525">
                   <a:solidFill>
                     <a:srgbClr val="000000"/>
                   </a:solidFill>
@@ -1187,7 +1187,7 @@
             </a:ln>
             <a:extLst>
               <a:ext uri="{91240B29-F687-4f45-9708-019B960494DF}">
-                <a14:hiddenLine xmlns:a14="http://schemas.microsoft.com/office/drawing/2010/main" xmlns="" w="9525">
+                <a14:hiddenLine xmlns="" xmlns:a14="http://schemas.microsoft.com/office/drawing/2010/main" w="9525">
                   <a:solidFill>
                     <a:srgbClr val="000000"/>
                   </a:solidFill>
@@ -1249,7 +1249,7 @@
             </a:ln>
             <a:extLst>
               <a:ext uri="{91240B29-F687-4f45-9708-019B960494DF}">
-                <a14:hiddenLine xmlns:a14="http://schemas.microsoft.com/office/drawing/2010/main" xmlns="" w="9525">
+                <a14:hiddenLine xmlns="" xmlns:a14="http://schemas.microsoft.com/office/drawing/2010/main" w="9525">
                   <a:solidFill>
                     <a:srgbClr val="000000"/>
                   </a:solidFill>
@@ -1339,7 +1339,7 @@
             </a:ln>
             <a:extLst>
               <a:ext uri="{91240B29-F687-4f45-9708-019B960494DF}">
-                <a14:hiddenLine xmlns:a14="http://schemas.microsoft.com/office/drawing/2010/main" xmlns="" w="9525">
+                <a14:hiddenLine xmlns="" xmlns:a14="http://schemas.microsoft.com/office/drawing/2010/main" w="9525">
                   <a:solidFill>
                     <a:srgbClr val="000000"/>
                   </a:solidFill>
@@ -1429,7 +1429,7 @@
             </a:ln>
             <a:extLst>
               <a:ext uri="{91240B29-F687-4f45-9708-019B960494DF}">
-                <a14:hiddenLine xmlns:a14="http://schemas.microsoft.com/office/drawing/2010/main" xmlns="" w="9525">
+                <a14:hiddenLine xmlns="" xmlns:a14="http://schemas.microsoft.com/office/drawing/2010/main" w="9525">
                   <a:solidFill>
                     <a:srgbClr val="000000"/>
                   </a:solidFill>
@@ -1491,7 +1491,7 @@
             </a:ln>
             <a:extLst>
               <a:ext uri="{91240B29-F687-4f45-9708-019B960494DF}">
-                <a14:hiddenLine xmlns:a14="http://schemas.microsoft.com/office/drawing/2010/main" xmlns="" w="9525">
+                <a14:hiddenLine xmlns="" xmlns:a14="http://schemas.microsoft.com/office/drawing/2010/main" w="9525">
                   <a:solidFill>
                     <a:srgbClr val="000000"/>
                   </a:solidFill>
@@ -1601,7 +1601,7 @@
             </a:ln>
             <a:extLst>
               <a:ext uri="{91240B29-F687-4f45-9708-019B960494DF}">
-                <a14:hiddenLine xmlns:a14="http://schemas.microsoft.com/office/drawing/2010/main" xmlns="" w="9525">
+                <a14:hiddenLine xmlns="" xmlns:a14="http://schemas.microsoft.com/office/drawing/2010/main" w="9525">
                   <a:solidFill>
                     <a:srgbClr val="000000"/>
                   </a:solidFill>
@@ -1663,7 +1663,7 @@
             </a:ln>
             <a:extLst>
               <a:ext uri="{91240B29-F687-4f45-9708-019B960494DF}">
-                <a14:hiddenLine xmlns:a14="http://schemas.microsoft.com/office/drawing/2010/main" xmlns="" w="9525">
+                <a14:hiddenLine xmlns="" xmlns:a14="http://schemas.microsoft.com/office/drawing/2010/main" w="9525">
                   <a:solidFill>
                     <a:srgbClr val="000000"/>
                   </a:solidFill>
@@ -1753,7 +1753,7 @@
             </a:ln>
             <a:extLst>
               <a:ext uri="{91240B29-F687-4f45-9708-019B960494DF}">
-                <a14:hiddenLine xmlns:a14="http://schemas.microsoft.com/office/drawing/2010/main" xmlns="" w="9525">
+                <a14:hiddenLine xmlns="" xmlns:a14="http://schemas.microsoft.com/office/drawing/2010/main" w="9525">
                   <a:solidFill>
                     <a:srgbClr val="000000"/>
                   </a:solidFill>
@@ -1843,7 +1843,7 @@
             </a:ln>
             <a:extLst>
               <a:ext uri="{91240B29-F687-4f45-9708-019B960494DF}">
-                <a14:hiddenLine xmlns:a14="http://schemas.microsoft.com/office/drawing/2010/main" xmlns="" w="9525">
+                <a14:hiddenLine xmlns="" xmlns:a14="http://schemas.microsoft.com/office/drawing/2010/main" w="9525">
                   <a:solidFill>
                     <a:srgbClr val="000000"/>
                   </a:solidFill>
@@ -1905,7 +1905,7 @@
             </a:ln>
             <a:extLst>
               <a:ext uri="{91240B29-F687-4f45-9708-019B960494DF}">
-                <a14:hiddenLine xmlns:a14="http://schemas.microsoft.com/office/drawing/2010/main" xmlns="" w="9525">
+                <a14:hiddenLine xmlns="" xmlns:a14="http://schemas.microsoft.com/office/drawing/2010/main" w="9525">
                   <a:solidFill>
                     <a:srgbClr val="000000"/>
                   </a:solidFill>
@@ -1995,7 +1995,7 @@
             </a:ln>
             <a:extLst>
               <a:ext uri="{91240B29-F687-4f45-9708-019B960494DF}">
-                <a14:hiddenLine xmlns:a14="http://schemas.microsoft.com/office/drawing/2010/main" xmlns="" w="9525">
+                <a14:hiddenLine xmlns="" xmlns:a14="http://schemas.microsoft.com/office/drawing/2010/main" w="9525">
                   <a:solidFill>
                     <a:srgbClr val="000000"/>
                   </a:solidFill>
@@ -2085,7 +2085,7 @@
             </a:ln>
             <a:extLst>
               <a:ext uri="{91240B29-F687-4f45-9708-019B960494DF}">
-                <a14:hiddenLine xmlns:a14="http://schemas.microsoft.com/office/drawing/2010/main" xmlns="" w="9525">
+                <a14:hiddenLine xmlns="" xmlns:a14="http://schemas.microsoft.com/office/drawing/2010/main" w="9525">
                   <a:solidFill>
                     <a:srgbClr val="000000"/>
                   </a:solidFill>
@@ -2141,7 +2141,7 @@
             </a:ln>
             <a:extLst>
               <a:ext uri="{91240B29-F687-4f45-9708-019B960494DF}">
-                <a14:hiddenLine xmlns:a14="http://schemas.microsoft.com/office/drawing/2010/main" xmlns="" w="9525">
+                <a14:hiddenLine xmlns="" xmlns:a14="http://schemas.microsoft.com/office/drawing/2010/main" w="9525">
                   <a:solidFill>
                     <a:srgbClr val="000000"/>
                   </a:solidFill>
@@ -2231,7 +2231,7 @@
             </a:ln>
             <a:extLst>
               <a:ext uri="{91240B29-F687-4f45-9708-019B960494DF}">
-                <a14:hiddenLine xmlns:a14="http://schemas.microsoft.com/office/drawing/2010/main" xmlns="" w="9525">
+                <a14:hiddenLine xmlns="" xmlns:a14="http://schemas.microsoft.com/office/drawing/2010/main" w="9525">
                   <a:solidFill>
                     <a:srgbClr val="000000"/>
                   </a:solidFill>
@@ -2287,7 +2287,7 @@
             </a:ln>
             <a:extLst>
               <a:ext uri="{91240B29-F687-4f45-9708-019B960494DF}">
-                <a14:hiddenLine xmlns:a14="http://schemas.microsoft.com/office/drawing/2010/main" xmlns="" w="9525">
+                <a14:hiddenLine xmlns="" xmlns:a14="http://schemas.microsoft.com/office/drawing/2010/main" w="9525">
                   <a:solidFill>
                     <a:srgbClr val="000000"/>
                   </a:solidFill>
@@ -2377,7 +2377,7 @@
             </a:ln>
             <a:extLst>
               <a:ext uri="{91240B29-F687-4f45-9708-019B960494DF}">
-                <a14:hiddenLine xmlns:a14="http://schemas.microsoft.com/office/drawing/2010/main" xmlns="" w="9525">
+                <a14:hiddenLine xmlns="" xmlns:a14="http://schemas.microsoft.com/office/drawing/2010/main" w="9525">
                   <a:solidFill>
                     <a:srgbClr val="000000"/>
                   </a:solidFill>
@@ -2445,7 +2445,7 @@
             </a:ln>
             <a:extLst>
               <a:ext uri="{91240B29-F687-4f45-9708-019B960494DF}">
-                <a14:hiddenLine xmlns:a14="http://schemas.microsoft.com/office/drawing/2010/main" xmlns="" w="9525">
+                <a14:hiddenLine xmlns="" xmlns:a14="http://schemas.microsoft.com/office/drawing/2010/main" w="9525">
                   <a:solidFill>
                     <a:srgbClr val="000000"/>
                   </a:solidFill>
@@ -2535,7 +2535,7 @@
             </a:ln>
             <a:extLst>
               <a:ext uri="{91240B29-F687-4f45-9708-019B960494DF}">
-                <a14:hiddenLine xmlns:a14="http://schemas.microsoft.com/office/drawing/2010/main" xmlns="" w="9525">
+                <a14:hiddenLine xmlns="" xmlns:a14="http://schemas.microsoft.com/office/drawing/2010/main" w="9525">
                   <a:solidFill>
                     <a:srgbClr val="000000"/>
                   </a:solidFill>
@@ -2603,7 +2603,7 @@
             </a:ln>
             <a:extLst>
               <a:ext uri="{91240B29-F687-4f45-9708-019B960494DF}">
-                <a14:hiddenLine xmlns:a14="http://schemas.microsoft.com/office/drawing/2010/main" xmlns="" w="9525">
+                <a14:hiddenLine xmlns="" xmlns:a14="http://schemas.microsoft.com/office/drawing/2010/main" w="9525">
                   <a:solidFill>
                     <a:srgbClr val="000000"/>
                   </a:solidFill>
@@ -2693,7 +2693,7 @@
             </a:ln>
             <a:extLst>
               <a:ext uri="{91240B29-F687-4f45-9708-019B960494DF}">
-                <a14:hiddenLine xmlns:a14="http://schemas.microsoft.com/office/drawing/2010/main" xmlns="" w="9525">
+                <a14:hiddenLine xmlns="" xmlns:a14="http://schemas.microsoft.com/office/drawing/2010/main" w="9525">
                   <a:solidFill>
                     <a:srgbClr val="000000"/>
                   </a:solidFill>
@@ -2727,7 +2727,7 @@
             </a:ln>
             <a:extLst>
               <a:ext uri="{91240B29-F687-4f45-9708-019B960494DF}">
-                <a14:hiddenLine xmlns:a14="http://schemas.microsoft.com/office/drawing/2010/main" xmlns="" w="9525">
+                <a14:hiddenLine xmlns="" xmlns:a14="http://schemas.microsoft.com/office/drawing/2010/main" w="9525">
                   <a:solidFill>
                     <a:srgbClr val="000000"/>
                   </a:solidFill>
@@ -2817,7 +2817,7 @@
             </a:ln>
             <a:extLst>
               <a:ext uri="{91240B29-F687-4f45-9708-019B960494DF}">
-                <a14:hiddenLine xmlns:a14="http://schemas.microsoft.com/office/drawing/2010/main" xmlns="" w="9525">
+                <a14:hiddenLine xmlns="" xmlns:a14="http://schemas.microsoft.com/office/drawing/2010/main" w="9525">
                   <a:solidFill>
                     <a:srgbClr val="000000"/>
                   </a:solidFill>
@@ -2879,7 +2879,7 @@
             </a:ln>
             <a:extLst>
               <a:ext uri="{91240B29-F687-4f45-9708-019B960494DF}">
-                <a14:hiddenLine xmlns:a14="http://schemas.microsoft.com/office/drawing/2010/main" xmlns="" w="9525">
+                <a14:hiddenLine xmlns="" xmlns:a14="http://schemas.microsoft.com/office/drawing/2010/main" w="9525">
                   <a:solidFill>
                     <a:srgbClr val="000000"/>
                   </a:solidFill>
@@ -2941,7 +2941,7 @@
             </a:ln>
             <a:extLst>
               <a:ext uri="{91240B29-F687-4f45-9708-019B960494DF}">
-                <a14:hiddenLine xmlns:a14="http://schemas.microsoft.com/office/drawing/2010/main" xmlns="" w="9525">
+                <a14:hiddenLine xmlns="" xmlns:a14="http://schemas.microsoft.com/office/drawing/2010/main" w="9525">
                   <a:solidFill>
                     <a:srgbClr val="000000"/>
                   </a:solidFill>
@@ -3031,7 +3031,7 @@
             </a:ln>
             <a:extLst>
               <a:ext uri="{91240B29-F687-4f45-9708-019B960494DF}">
-                <a14:hiddenLine xmlns:a14="http://schemas.microsoft.com/office/drawing/2010/main" xmlns="" w="9525">
+                <a14:hiddenLine xmlns="" xmlns:a14="http://schemas.microsoft.com/office/drawing/2010/main" w="9525">
                   <a:solidFill>
                     <a:srgbClr val="000000"/>
                   </a:solidFill>
@@ -3099,7 +3099,7 @@
             </a:ln>
             <a:extLst>
               <a:ext uri="{91240B29-F687-4f45-9708-019B960494DF}">
-                <a14:hiddenLine xmlns:a14="http://schemas.microsoft.com/office/drawing/2010/main" xmlns="" w="9525">
+                <a14:hiddenLine xmlns="" xmlns:a14="http://schemas.microsoft.com/office/drawing/2010/main" w="9525">
                   <a:solidFill>
                     <a:srgbClr val="000000"/>
                   </a:solidFill>
@@ -3161,7 +3161,7 @@
             </a:ln>
             <a:extLst>
               <a:ext uri="{91240B29-F687-4f45-9708-019B960494DF}">
-                <a14:hiddenLine xmlns:a14="http://schemas.microsoft.com/office/drawing/2010/main" xmlns="" w="9525">
+                <a14:hiddenLine xmlns="" xmlns:a14="http://schemas.microsoft.com/office/drawing/2010/main" w="9525">
                   <a:solidFill>
                     <a:srgbClr val="000000"/>
                   </a:solidFill>
@@ -3251,7 +3251,7 @@
             </a:ln>
             <a:extLst>
               <a:ext uri="{91240B29-F687-4f45-9708-019B960494DF}">
-                <a14:hiddenLine xmlns:a14="http://schemas.microsoft.com/office/drawing/2010/main" xmlns="" w="9525">
+                <a14:hiddenLine xmlns="" xmlns:a14="http://schemas.microsoft.com/office/drawing/2010/main" w="9525">
                   <a:solidFill>
                     <a:srgbClr val="000000"/>
                   </a:solidFill>
@@ -3313,7 +3313,7 @@
             </a:ln>
             <a:extLst>
               <a:ext uri="{91240B29-F687-4f45-9708-019B960494DF}">
-                <a14:hiddenLine xmlns:a14="http://schemas.microsoft.com/office/drawing/2010/main" xmlns="" w="9525">
+                <a14:hiddenLine xmlns="" xmlns:a14="http://schemas.microsoft.com/office/drawing/2010/main" w="9525">
                   <a:solidFill>
                     <a:srgbClr val="000000"/>
                   </a:solidFill>
@@ -3403,7 +3403,7 @@
             </a:ln>
             <a:extLst>
               <a:ext uri="{91240B29-F687-4f45-9708-019B960494DF}">
-                <a14:hiddenLine xmlns:a14="http://schemas.microsoft.com/office/drawing/2010/main" xmlns="" w="9525">
+                <a14:hiddenLine xmlns="" xmlns:a14="http://schemas.microsoft.com/office/drawing/2010/main" w="9525">
                   <a:solidFill>
                     <a:srgbClr val="000000"/>
                   </a:solidFill>
@@ -3465,7 +3465,7 @@
             </a:ln>
             <a:extLst>
               <a:ext uri="{91240B29-F687-4f45-9708-019B960494DF}">
-                <a14:hiddenLine xmlns:a14="http://schemas.microsoft.com/office/drawing/2010/main" xmlns="" w="9525">
+                <a14:hiddenLine xmlns="" xmlns:a14="http://schemas.microsoft.com/office/drawing/2010/main" w="9525">
                   <a:solidFill>
                     <a:srgbClr val="000000"/>
                   </a:solidFill>
@@ -3555,7 +3555,7 @@
             </a:ln>
             <a:extLst>
               <a:ext uri="{91240B29-F687-4f45-9708-019B960494DF}">
-                <a14:hiddenLine xmlns:a14="http://schemas.microsoft.com/office/drawing/2010/main" xmlns="" w="9525">
+                <a14:hiddenLine xmlns="" xmlns:a14="http://schemas.microsoft.com/office/drawing/2010/main" w="9525">
                   <a:solidFill>
                     <a:srgbClr val="000000"/>
                   </a:solidFill>
@@ -3589,7 +3589,7 @@
             </a:ln>
             <a:extLst>
               <a:ext uri="{91240B29-F687-4f45-9708-019B960494DF}">
-                <a14:hiddenLine xmlns:a14="http://schemas.microsoft.com/office/drawing/2010/main" xmlns="" w="9525">
+                <a14:hiddenLine xmlns="" xmlns:a14="http://schemas.microsoft.com/office/drawing/2010/main" w="9525">
                   <a:solidFill>
                     <a:srgbClr val="000000"/>
                   </a:solidFill>
@@ -3654,7 +3654,7 @@
             </a:ln>
             <a:extLst>
               <a:ext uri="{91240B29-F687-4f45-9708-019B960494DF}">
-                <a14:hiddenLine xmlns:a14="http://schemas.microsoft.com/office/drawing/2010/main" xmlns="" w="9525">
+                <a14:hiddenLine xmlns="" xmlns:a14="http://schemas.microsoft.com/office/drawing/2010/main" w="9525">
                   <a:solidFill>
                     <a:srgbClr val="000000"/>
                   </a:solidFill>
@@ -3744,7 +3744,7 @@
             </a:ln>
             <a:extLst>
               <a:ext uri="{91240B29-F687-4f45-9708-019B960494DF}">
-                <a14:hiddenLine xmlns:a14="http://schemas.microsoft.com/office/drawing/2010/main" xmlns="" w="9525">
+                <a14:hiddenLine xmlns="" xmlns:a14="http://schemas.microsoft.com/office/drawing/2010/main" w="9525">
                   <a:solidFill>
                     <a:srgbClr val="000000"/>
                   </a:solidFill>
@@ -3806,7 +3806,7 @@
             </a:ln>
             <a:extLst>
               <a:ext uri="{91240B29-F687-4f45-9708-019B960494DF}">
-                <a14:hiddenLine xmlns:a14="http://schemas.microsoft.com/office/drawing/2010/main" xmlns="" w="9525">
+                <a14:hiddenLine xmlns="" xmlns:a14="http://schemas.microsoft.com/office/drawing/2010/main" w="9525">
                   <a:solidFill>
                     <a:srgbClr val="000000"/>
                   </a:solidFill>
@@ -3896,7 +3896,7 @@
             </a:ln>
             <a:extLst>
               <a:ext uri="{91240B29-F687-4f45-9708-019B960494DF}">
-                <a14:hiddenLine xmlns:a14="http://schemas.microsoft.com/office/drawing/2010/main" xmlns="" w="9525">
+                <a14:hiddenLine xmlns="" xmlns:a14="http://schemas.microsoft.com/office/drawing/2010/main" w="9525">
                   <a:solidFill>
                     <a:srgbClr val="000000"/>
                   </a:solidFill>
@@ -3986,7 +3986,7 @@
             </a:ln>
             <a:extLst>
               <a:ext uri="{91240B29-F687-4f45-9708-019B960494DF}">
-                <a14:hiddenLine xmlns:a14="http://schemas.microsoft.com/office/drawing/2010/main" xmlns="" w="9525">
+                <a14:hiddenLine xmlns="" xmlns:a14="http://schemas.microsoft.com/office/drawing/2010/main" w="9525">
                   <a:solidFill>
                     <a:srgbClr val="000000"/>
                   </a:solidFill>
@@ -4051,7 +4051,7 @@
             </a:ln>
             <a:extLst>
               <a:ext uri="{91240B29-F687-4f45-9708-019B960494DF}">
-                <a14:hiddenLine xmlns:a14="http://schemas.microsoft.com/office/drawing/2010/main" xmlns="" w="9525">
+                <a14:hiddenLine xmlns="" xmlns:a14="http://schemas.microsoft.com/office/drawing/2010/main" w="9525">
                   <a:solidFill>
                     <a:srgbClr val="000000"/>
                   </a:solidFill>
@@ -4113,7 +4113,7 @@
             </a:ln>
             <a:extLst>
               <a:ext uri="{91240B29-F687-4f45-9708-019B960494DF}">
-                <a14:hiddenLine xmlns:a14="http://schemas.microsoft.com/office/drawing/2010/main" xmlns="" w="9525">
+                <a14:hiddenLine xmlns="" xmlns:a14="http://schemas.microsoft.com/office/drawing/2010/main" w="9525">
                   <a:solidFill>
                     <a:srgbClr val="000000"/>
                   </a:solidFill>
@@ -4203,7 +4203,7 @@
             </a:ln>
             <a:extLst>
               <a:ext uri="{91240B29-F687-4f45-9708-019B960494DF}">
-                <a14:hiddenLine xmlns:a14="http://schemas.microsoft.com/office/drawing/2010/main" xmlns="" w="9525">
+                <a14:hiddenLine xmlns="" xmlns:a14="http://schemas.microsoft.com/office/drawing/2010/main" w="9525">
                   <a:solidFill>
                     <a:srgbClr val="000000"/>
                   </a:solidFill>
@@ -4293,7 +4293,7 @@
             </a:ln>
             <a:extLst>
               <a:ext uri="{91240B29-F687-4f45-9708-019B960494DF}">
-                <a14:hiddenLine xmlns:a14="http://schemas.microsoft.com/office/drawing/2010/main" xmlns="" w="9525">
+                <a14:hiddenLine xmlns="" xmlns:a14="http://schemas.microsoft.com/office/drawing/2010/main" w="9525">
                   <a:solidFill>
                     <a:srgbClr val="000000"/>
                   </a:solidFill>
@@ -4355,7 +4355,7 @@
             </a:ln>
             <a:extLst>
               <a:ext uri="{91240B29-F687-4f45-9708-019B960494DF}">
-                <a14:hiddenLine xmlns:a14="http://schemas.microsoft.com/office/drawing/2010/main" xmlns="" w="9525">
+                <a14:hiddenLine xmlns="" xmlns:a14="http://schemas.microsoft.com/office/drawing/2010/main" w="9525">
                   <a:solidFill>
                     <a:srgbClr val="000000"/>
                   </a:solidFill>
@@ -4475,7 +4475,7 @@
             </a:ln>
             <a:extLst>
               <a:ext uri="{91240B29-F687-4f45-9708-019B960494DF}">
-                <a14:hiddenLine xmlns:a14="http://schemas.microsoft.com/office/drawing/2010/main" xmlns="" w="9525">
+                <a14:hiddenLine xmlns="" xmlns:a14="http://schemas.microsoft.com/office/drawing/2010/main" w="9525">
                   <a:solidFill>
                     <a:srgbClr val="000000"/>
                   </a:solidFill>
@@ -4543,7 +4543,7 @@
             </a:ln>
             <a:extLst>
               <a:ext uri="{91240B29-F687-4f45-9708-019B960494DF}">
-                <a14:hiddenLine xmlns:a14="http://schemas.microsoft.com/office/drawing/2010/main" xmlns="" w="9525">
+                <a14:hiddenLine xmlns="" xmlns:a14="http://schemas.microsoft.com/office/drawing/2010/main" w="9525">
                   <a:solidFill>
                     <a:srgbClr val="000000"/>
                   </a:solidFill>
@@ -4633,7 +4633,7 @@
             </a:ln>
             <a:extLst>
               <a:ext uri="{91240B29-F687-4f45-9708-019B960494DF}">
-                <a14:hiddenLine xmlns:a14="http://schemas.microsoft.com/office/drawing/2010/main" xmlns="" w="9525">
+                <a14:hiddenLine xmlns="" xmlns:a14="http://schemas.microsoft.com/office/drawing/2010/main" w="9525">
                   <a:solidFill>
                     <a:srgbClr val="000000"/>
                   </a:solidFill>
@@ -4773,7 +4773,7 @@
           <a:p>
             <a:fld id="{E98AF6B5-10CD-49C0-AEEE-860F9F4EF8DF}" type="datetime1">
               <a:rPr lang="en-US" smtClean="0"/>
-              <a:t>12/15/2017</a:t>
+              <a:t>18-Dec-17</a:t>
             </a:fld>
             <a:endParaRPr lang="en-US" dirty="0"/>
           </a:p>
@@ -5047,7 +5047,7 @@
           <a:p>
             <a:fld id="{34FF4D8B-7386-49E2-841C-48DCB2254784}" type="datetime1">
               <a:rPr lang="en-US" smtClean="0"/>
-              <a:t>12/15/2017</a:t>
+              <a:t>18-Dec-17</a:t>
             </a:fld>
             <a:endParaRPr lang="en-US" dirty="0"/>
           </a:p>
@@ -5250,7 +5250,7 @@
           <a:p>
             <a:fld id="{9CE24C74-CD99-43D0-ADC3-9CD2BA5C3F7B}" type="datetime1">
               <a:rPr lang="en-US" smtClean="0"/>
-              <a:t>12/15/2017</a:t>
+              <a:t>18-Dec-17</a:t>
             </a:fld>
             <a:endParaRPr lang="en-US" dirty="0"/>
           </a:p>
@@ -5520,7 +5520,7 @@
           <a:p>
             <a:fld id="{8216F29D-499C-45D2-9CFB-92B9A8E213BC}" type="datetime1">
               <a:rPr lang="en-US" smtClean="0"/>
-              <a:t>12/15/2017</a:t>
+              <a:t>18-Dec-17</a:t>
             </a:fld>
             <a:endParaRPr lang="en-US" dirty="0"/>
           </a:p>
@@ -5961,7 +5961,7 @@
           <a:p>
             <a:fld id="{645528B0-2A0B-416F-A951-17C70896ACEE}" type="datetime1">
               <a:rPr lang="en-US" smtClean="0"/>
-              <a:t>12/15/2017</a:t>
+              <a:t>18-Dec-17</a:t>
             </a:fld>
             <a:endParaRPr lang="en-US" dirty="0"/>
           </a:p>
@@ -6514,7 +6514,7 @@
           <a:p>
             <a:fld id="{C8EF2AED-A1DF-4115-B2A6-E42838EAC461}" type="datetime1">
               <a:rPr lang="en-US" smtClean="0"/>
-              <a:t>12/15/2017</a:t>
+              <a:t>18-Dec-17</a:t>
             </a:fld>
             <a:endParaRPr lang="en-US" dirty="0"/>
           </a:p>
@@ -7241,7 +7241,7 @@
           <a:p>
             <a:fld id="{DF12E600-9913-4C99-99EB-735D98B219AA}" type="datetime1">
               <a:rPr lang="en-US" smtClean="0"/>
-              <a:t>12/15/2017</a:t>
+              <a:t>18-Dec-17</a:t>
             </a:fld>
             <a:endParaRPr lang="en-US" dirty="0"/>
           </a:p>
@@ -7418,7 +7418,7 @@
           <a:p>
             <a:fld id="{ADEAFD75-83FE-4A29-B29A-D5ED309A1ED4}" type="datetime1">
               <a:rPr lang="en-US" smtClean="0"/>
-              <a:t>12/15/2017</a:t>
+              <a:t>18-Dec-17</a:t>
             </a:fld>
             <a:endParaRPr lang="en-US" dirty="0"/>
           </a:p>
@@ -7605,7 +7605,7 @@
           <a:p>
             <a:fld id="{7134563A-84AD-4F47-9672-85A115710077}" type="datetime1">
               <a:rPr lang="en-US" smtClean="0"/>
-              <a:t>12/15/2017</a:t>
+              <a:t>18-Dec-17</a:t>
             </a:fld>
             <a:endParaRPr lang="en-US" dirty="0"/>
           </a:p>
@@ -7782,7 +7782,7 @@
           <a:p>
             <a:fld id="{CDFC1DA9-895C-41DE-A16B-45B0CF92A3E9}" type="datetime1">
               <a:rPr lang="en-US" smtClean="0"/>
-              <a:t>12/15/2017</a:t>
+              <a:t>18-Dec-17</a:t>
             </a:fld>
             <a:endParaRPr lang="en-US" dirty="0"/>
           </a:p>
@@ -8039,7 +8039,7 @@
           <a:p>
             <a:fld id="{80095D51-A492-4BBD-95F7-A09B2087A7D8}" type="datetime1">
               <a:rPr lang="en-US" smtClean="0"/>
-              <a:t>12/15/2017</a:t>
+              <a:t>18-Dec-17</a:t>
             </a:fld>
             <a:endParaRPr lang="en-US" dirty="0"/>
           </a:p>
@@ -8278,7 +8278,7 @@
           <a:p>
             <a:fld id="{A753C733-3AF1-4EA2-99C5-65238ABDC94B}" type="datetime1">
               <a:rPr lang="en-US" smtClean="0"/>
-              <a:t>12/15/2017</a:t>
+              <a:t>18-Dec-17</a:t>
             </a:fld>
             <a:endParaRPr lang="en-US" dirty="0"/>
           </a:p>
@@ -8666,7 +8666,7 @@
           <a:p>
             <a:fld id="{A7099666-5326-48E6-A43C-97BF7638444B}" type="datetime1">
               <a:rPr lang="en-US" smtClean="0"/>
-              <a:t>12/15/2017</a:t>
+              <a:t>18-Dec-17</a:t>
             </a:fld>
             <a:endParaRPr lang="en-US" dirty="0"/>
           </a:p>
@@ -8791,7 +8791,7 @@
           <a:p>
             <a:fld id="{B6DFAFFE-09C7-4CCD-B8F9-0482C7A86FB5}" type="datetime1">
               <a:rPr lang="en-US" smtClean="0"/>
-              <a:t>12/15/2017</a:t>
+              <a:t>18-Dec-17</a:t>
             </a:fld>
             <a:endParaRPr lang="en-US" dirty="0"/>
           </a:p>
@@ -8893,7 +8893,7 @@
           <a:p>
             <a:fld id="{AE1406AB-05C0-4B8B-893C-B5602F4FA1E5}" type="datetime1">
               <a:rPr lang="en-US" smtClean="0"/>
-              <a:t>12/15/2017</a:t>
+              <a:t>18-Dec-17</a:t>
             </a:fld>
             <a:endParaRPr lang="en-US" dirty="0"/>
           </a:p>
@@ -9149,7 +9149,7 @@
           <a:p>
             <a:fld id="{A3BAAEB5-8CB9-4075-8F08-D52CB05B64B3}" type="datetime1">
               <a:rPr lang="en-US" smtClean="0"/>
-              <a:t>12/15/2017</a:t>
+              <a:t>18-Dec-17</a:t>
             </a:fld>
             <a:endParaRPr lang="en-US" dirty="0"/>
           </a:p>
@@ -9436,7 +9436,7 @@
           <a:p>
             <a:fld id="{846E9255-AB33-4DDA-8BF6-5CA2222C0DB6}" type="datetime1">
               <a:rPr lang="en-US" smtClean="0"/>
-              <a:t>12/15/2017</a:t>
+              <a:t>18-Dec-17</a:t>
             </a:fld>
             <a:endParaRPr lang="en-US" dirty="0"/>
           </a:p>
@@ -9566,7 +9566,7 @@
           <a:noFill/>
           <a:extLst>
             <a:ext uri="{909E8E84-426E-40dd-AFC4-6F175D3DCCD1}">
-              <a14:hiddenFill xmlns:a14="http://schemas.microsoft.com/office/drawing/2010/main" xmlns="">
+              <a14:hiddenFill xmlns="" xmlns:a14="http://schemas.microsoft.com/office/drawing/2010/main">
                 <a:solidFill>
                   <a:srgbClr val="FFFFFF"/>
                 </a:solidFill>
@@ -9640,7 +9640,7 @@
               </a:ln>
               <a:extLst>
                 <a:ext uri="{91240B29-F687-4f45-9708-019B960494DF}">
-                  <a14:hiddenLine xmlns:a14="http://schemas.microsoft.com/office/drawing/2010/main" xmlns="" w="9525">
+                  <a14:hiddenLine xmlns="" xmlns:a14="http://schemas.microsoft.com/office/drawing/2010/main" w="9525">
                     <a:solidFill>
                       <a:srgbClr val="000000"/>
                     </a:solidFill>
@@ -9730,7 +9730,7 @@
               </a:ln>
               <a:extLst>
                 <a:ext uri="{91240B29-F687-4f45-9708-019B960494DF}">
-                  <a14:hiddenLine xmlns:a14="http://schemas.microsoft.com/office/drawing/2010/main" xmlns="" w="9525">
+                  <a14:hiddenLine xmlns="" xmlns:a14="http://schemas.microsoft.com/office/drawing/2010/main" w="9525">
                     <a:solidFill>
                       <a:srgbClr val="000000"/>
                     </a:solidFill>
@@ -9820,7 +9820,7 @@
               </a:ln>
               <a:extLst>
                 <a:ext uri="{91240B29-F687-4f45-9708-019B960494DF}">
-                  <a14:hiddenLine xmlns:a14="http://schemas.microsoft.com/office/drawing/2010/main" xmlns="" w="9525">
+                  <a14:hiddenLine xmlns="" xmlns:a14="http://schemas.microsoft.com/office/drawing/2010/main" w="9525">
                     <a:solidFill>
                       <a:srgbClr val="000000"/>
                     </a:solidFill>
@@ -9882,7 +9882,7 @@
               </a:ln>
               <a:extLst>
                 <a:ext uri="{91240B29-F687-4f45-9708-019B960494DF}">
-                  <a14:hiddenLine xmlns:a14="http://schemas.microsoft.com/office/drawing/2010/main" xmlns="" w="9525">
+                  <a14:hiddenLine xmlns="" xmlns:a14="http://schemas.microsoft.com/office/drawing/2010/main" w="9525">
                     <a:solidFill>
                       <a:srgbClr val="000000"/>
                     </a:solidFill>
@@ -9972,7 +9972,7 @@
               </a:ln>
               <a:extLst>
                 <a:ext uri="{91240B29-F687-4f45-9708-019B960494DF}">
-                  <a14:hiddenLine xmlns:a14="http://schemas.microsoft.com/office/drawing/2010/main" xmlns="" w="9525">
+                  <a14:hiddenLine xmlns="" xmlns:a14="http://schemas.microsoft.com/office/drawing/2010/main" w="9525">
                     <a:solidFill>
                       <a:srgbClr val="000000"/>
                     </a:solidFill>
@@ -10034,7 +10034,7 @@
               </a:ln>
               <a:extLst>
                 <a:ext uri="{91240B29-F687-4f45-9708-019B960494DF}">
-                  <a14:hiddenLine xmlns:a14="http://schemas.microsoft.com/office/drawing/2010/main" xmlns="" w="9525">
+                  <a14:hiddenLine xmlns="" xmlns:a14="http://schemas.microsoft.com/office/drawing/2010/main" w="9525">
                     <a:solidFill>
                       <a:srgbClr val="000000"/>
                     </a:solidFill>
@@ -10096,7 +10096,7 @@
               </a:ln>
               <a:extLst>
                 <a:ext uri="{91240B29-F687-4f45-9708-019B960494DF}">
-                  <a14:hiddenLine xmlns:a14="http://schemas.microsoft.com/office/drawing/2010/main" xmlns="" w="9525">
+                  <a14:hiddenLine xmlns="" xmlns:a14="http://schemas.microsoft.com/office/drawing/2010/main" w="9525">
                     <a:solidFill>
                       <a:srgbClr val="000000"/>
                     </a:solidFill>
@@ -10186,7 +10186,7 @@
               </a:ln>
               <a:extLst>
                 <a:ext uri="{91240B29-F687-4f45-9708-019B960494DF}">
-                  <a14:hiddenLine xmlns:a14="http://schemas.microsoft.com/office/drawing/2010/main" xmlns="" w="9525">
+                  <a14:hiddenLine xmlns="" xmlns:a14="http://schemas.microsoft.com/office/drawing/2010/main" w="9525">
                     <a:solidFill>
                       <a:srgbClr val="000000"/>
                     </a:solidFill>
@@ -10276,7 +10276,7 @@
               </a:ln>
               <a:extLst>
                 <a:ext uri="{91240B29-F687-4f45-9708-019B960494DF}">
-                  <a14:hiddenLine xmlns:a14="http://schemas.microsoft.com/office/drawing/2010/main" xmlns="" w="9525">
+                  <a14:hiddenLine xmlns="" xmlns:a14="http://schemas.microsoft.com/office/drawing/2010/main" w="9525">
                     <a:solidFill>
                       <a:srgbClr val="000000"/>
                     </a:solidFill>
@@ -10338,7 +10338,7 @@
               </a:ln>
               <a:extLst>
                 <a:ext uri="{91240B29-F687-4f45-9708-019B960494DF}">
-                  <a14:hiddenLine xmlns:a14="http://schemas.microsoft.com/office/drawing/2010/main" xmlns="" w="9525">
+                  <a14:hiddenLine xmlns="" xmlns:a14="http://schemas.microsoft.com/office/drawing/2010/main" w="9525">
                     <a:solidFill>
                       <a:srgbClr val="000000"/>
                     </a:solidFill>
@@ -10448,7 +10448,7 @@
               </a:ln>
               <a:extLst>
                 <a:ext uri="{91240B29-F687-4f45-9708-019B960494DF}">
-                  <a14:hiddenLine xmlns:a14="http://schemas.microsoft.com/office/drawing/2010/main" xmlns="" w="9525">
+                  <a14:hiddenLine xmlns="" xmlns:a14="http://schemas.microsoft.com/office/drawing/2010/main" w="9525">
                     <a:solidFill>
                       <a:srgbClr val="000000"/>
                     </a:solidFill>
@@ -10532,7 +10532,7 @@
               </a:ln>
               <a:extLst>
                 <a:ext uri="{91240B29-F687-4f45-9708-019B960494DF}">
-                  <a14:hiddenLine xmlns:a14="http://schemas.microsoft.com/office/drawing/2010/main" xmlns="" w="9525">
+                  <a14:hiddenLine xmlns="" xmlns:a14="http://schemas.microsoft.com/office/drawing/2010/main" w="9525">
                     <a:solidFill>
                       <a:srgbClr val="000000"/>
                     </a:solidFill>
@@ -10594,7 +10594,7 @@
               </a:ln>
               <a:extLst>
                 <a:ext uri="{91240B29-F687-4f45-9708-019B960494DF}">
-                  <a14:hiddenLine xmlns:a14="http://schemas.microsoft.com/office/drawing/2010/main" xmlns="" w="9525">
+                  <a14:hiddenLine xmlns="" xmlns:a14="http://schemas.microsoft.com/office/drawing/2010/main" w="9525">
                     <a:solidFill>
                       <a:srgbClr val="000000"/>
                     </a:solidFill>
@@ -10656,7 +10656,7 @@
               </a:ln>
               <a:extLst>
                 <a:ext uri="{91240B29-F687-4f45-9708-019B960494DF}">
-                  <a14:hiddenLine xmlns:a14="http://schemas.microsoft.com/office/drawing/2010/main" xmlns="" w="9525">
+                  <a14:hiddenLine xmlns="" xmlns:a14="http://schemas.microsoft.com/office/drawing/2010/main" w="9525">
                     <a:solidFill>
                       <a:srgbClr val="000000"/>
                     </a:solidFill>
@@ -10746,7 +10746,7 @@
               </a:ln>
               <a:extLst>
                 <a:ext uri="{91240B29-F687-4f45-9708-019B960494DF}">
-                  <a14:hiddenLine xmlns:a14="http://schemas.microsoft.com/office/drawing/2010/main" xmlns="" w="9525">
+                  <a14:hiddenLine xmlns="" xmlns:a14="http://schemas.microsoft.com/office/drawing/2010/main" w="9525">
                     <a:solidFill>
                       <a:srgbClr val="000000"/>
                     </a:solidFill>
@@ -10780,7 +10780,7 @@
               </a:ln>
               <a:extLst>
                 <a:ext uri="{91240B29-F687-4f45-9708-019B960494DF}">
-                  <a14:hiddenLine xmlns:a14="http://schemas.microsoft.com/office/drawing/2010/main" xmlns="" w="9525">
+                  <a14:hiddenLine xmlns="" xmlns:a14="http://schemas.microsoft.com/office/drawing/2010/main" w="9525">
                     <a:solidFill>
                       <a:srgbClr val="000000"/>
                     </a:solidFill>
@@ -10845,7 +10845,7 @@
               </a:ln>
               <a:extLst>
                 <a:ext uri="{91240B29-F687-4f45-9708-019B960494DF}">
-                  <a14:hiddenLine xmlns:a14="http://schemas.microsoft.com/office/drawing/2010/main" xmlns="" w="9525">
+                  <a14:hiddenLine xmlns="" xmlns:a14="http://schemas.microsoft.com/office/drawing/2010/main" w="9525">
                     <a:solidFill>
                       <a:srgbClr val="000000"/>
                     </a:solidFill>
@@ -10935,7 +10935,7 @@
               </a:ln>
               <a:extLst>
                 <a:ext uri="{91240B29-F687-4f45-9708-019B960494DF}">
-                  <a14:hiddenLine xmlns:a14="http://schemas.microsoft.com/office/drawing/2010/main" xmlns="" w="9525">
+                  <a14:hiddenLine xmlns="" xmlns:a14="http://schemas.microsoft.com/office/drawing/2010/main" w="9525">
                     <a:solidFill>
                       <a:srgbClr val="000000"/>
                     </a:solidFill>
@@ -10997,7 +10997,7 @@
               </a:ln>
               <a:extLst>
                 <a:ext uri="{91240B29-F687-4f45-9708-019B960494DF}">
-                  <a14:hiddenLine xmlns:a14="http://schemas.microsoft.com/office/drawing/2010/main" xmlns="" w="9525">
+                  <a14:hiddenLine xmlns="" xmlns:a14="http://schemas.microsoft.com/office/drawing/2010/main" w="9525">
                     <a:solidFill>
                       <a:srgbClr val="000000"/>
                     </a:solidFill>
@@ -11087,7 +11087,7 @@
               </a:ln>
               <a:extLst>
                 <a:ext uri="{91240B29-F687-4f45-9708-019B960494DF}">
-                  <a14:hiddenLine xmlns:a14="http://schemas.microsoft.com/office/drawing/2010/main" xmlns="" w="9525">
+                  <a14:hiddenLine xmlns="" xmlns:a14="http://schemas.microsoft.com/office/drawing/2010/main" w="9525">
                     <a:solidFill>
                       <a:srgbClr val="000000"/>
                     </a:solidFill>
@@ -11152,7 +11152,7 @@
               </a:ln>
               <a:extLst>
                 <a:ext uri="{91240B29-F687-4f45-9708-019B960494DF}">
-                  <a14:hiddenLine xmlns:a14="http://schemas.microsoft.com/office/drawing/2010/main" xmlns="" w="9525">
+                  <a14:hiddenLine xmlns="" xmlns:a14="http://schemas.microsoft.com/office/drawing/2010/main" w="9525">
                     <a:solidFill>
                       <a:srgbClr val="000000"/>
                     </a:solidFill>
@@ -11214,7 +11214,7 @@
               </a:ln>
               <a:extLst>
                 <a:ext uri="{91240B29-F687-4f45-9708-019B960494DF}">
-                  <a14:hiddenLine xmlns:a14="http://schemas.microsoft.com/office/drawing/2010/main" xmlns="" w="9525">
+                  <a14:hiddenLine xmlns="" xmlns:a14="http://schemas.microsoft.com/office/drawing/2010/main" w="9525">
                     <a:solidFill>
                       <a:srgbClr val="000000"/>
                     </a:solidFill>
@@ -11304,7 +11304,7 @@
               </a:ln>
               <a:extLst>
                 <a:ext uri="{91240B29-F687-4f45-9708-019B960494DF}">
-                  <a14:hiddenLine xmlns:a14="http://schemas.microsoft.com/office/drawing/2010/main" xmlns="" w="9525">
+                  <a14:hiddenLine xmlns="" xmlns:a14="http://schemas.microsoft.com/office/drawing/2010/main" w="9525">
                     <a:solidFill>
                       <a:srgbClr val="000000"/>
                     </a:solidFill>
@@ -11394,7 +11394,7 @@
               </a:ln>
               <a:extLst>
                 <a:ext uri="{91240B29-F687-4f45-9708-019B960494DF}">
-                  <a14:hiddenLine xmlns:a14="http://schemas.microsoft.com/office/drawing/2010/main" xmlns="" w="9525">
+                  <a14:hiddenLine xmlns="" xmlns:a14="http://schemas.microsoft.com/office/drawing/2010/main" w="9525">
                     <a:solidFill>
                       <a:srgbClr val="000000"/>
                     </a:solidFill>
@@ -11459,7 +11459,7 @@
               </a:ln>
               <a:extLst>
                 <a:ext uri="{91240B29-F687-4f45-9708-019B960494DF}">
-                  <a14:hiddenLine xmlns:a14="http://schemas.microsoft.com/office/drawing/2010/main" xmlns="" w="9525">
+                  <a14:hiddenLine xmlns="" xmlns:a14="http://schemas.microsoft.com/office/drawing/2010/main" w="9525">
                     <a:solidFill>
                       <a:srgbClr val="000000"/>
                     </a:solidFill>
@@ -11579,7 +11579,7 @@
               </a:ln>
               <a:extLst>
                 <a:ext uri="{91240B29-F687-4f45-9708-019B960494DF}">
-                  <a14:hiddenLine xmlns:a14="http://schemas.microsoft.com/office/drawing/2010/main" xmlns="" w="9525">
+                  <a14:hiddenLine xmlns="" xmlns:a14="http://schemas.microsoft.com/office/drawing/2010/main" w="9525">
                     <a:solidFill>
                       <a:srgbClr val="000000"/>
                     </a:solidFill>
@@ -11660,7 +11660,7 @@
               </a:ln>
               <a:extLst>
                 <a:ext uri="{91240B29-F687-4f45-9708-019B960494DF}">
-                  <a14:hiddenLine xmlns:a14="http://schemas.microsoft.com/office/drawing/2010/main" xmlns="" w="9525">
+                  <a14:hiddenLine xmlns="" xmlns:a14="http://schemas.microsoft.com/office/drawing/2010/main" w="9525">
                     <a:solidFill>
                       <a:srgbClr val="000000"/>
                     </a:solidFill>
@@ -11775,7 +11775,7 @@
               </a:ln>
               <a:extLst>
                 <a:ext uri="{91240B29-F687-4f45-9708-019B960494DF}">
-                  <a14:hiddenLine xmlns:a14="http://schemas.microsoft.com/office/drawing/2010/main" xmlns="" w="9525">
+                  <a14:hiddenLine xmlns="" xmlns:a14="http://schemas.microsoft.com/office/drawing/2010/main" w="9525">
                     <a:solidFill>
                       <a:srgbClr val="000000"/>
                     </a:solidFill>
@@ -11865,7 +11865,7 @@
               </a:ln>
               <a:extLst>
                 <a:ext uri="{91240B29-F687-4f45-9708-019B960494DF}">
-                  <a14:hiddenLine xmlns:a14="http://schemas.microsoft.com/office/drawing/2010/main" xmlns="" w="9525">
+                  <a14:hiddenLine xmlns="" xmlns:a14="http://schemas.microsoft.com/office/drawing/2010/main" w="9525">
                     <a:solidFill>
                       <a:srgbClr val="000000"/>
                     </a:solidFill>
@@ -11930,7 +11930,7 @@
               </a:ln>
               <a:extLst>
                 <a:ext uri="{91240B29-F687-4f45-9708-019B960494DF}">
-                  <a14:hiddenLine xmlns:a14="http://schemas.microsoft.com/office/drawing/2010/main" xmlns="" w="9525">
+                  <a14:hiddenLine xmlns="" xmlns:a14="http://schemas.microsoft.com/office/drawing/2010/main" w="9525">
                     <a:solidFill>
                       <a:srgbClr val="000000"/>
                     </a:solidFill>
@@ -12020,7 +12020,7 @@
               </a:ln>
               <a:extLst>
                 <a:ext uri="{91240B29-F687-4f45-9708-019B960494DF}">
-                  <a14:hiddenLine xmlns:a14="http://schemas.microsoft.com/office/drawing/2010/main" xmlns="" w="9525">
+                  <a14:hiddenLine xmlns="" xmlns:a14="http://schemas.microsoft.com/office/drawing/2010/main" w="9525">
                     <a:solidFill>
                       <a:srgbClr val="000000"/>
                     </a:solidFill>
@@ -12088,7 +12088,7 @@
               </a:ln>
               <a:extLst>
                 <a:ext uri="{91240B29-F687-4f45-9708-019B960494DF}">
-                  <a14:hiddenLine xmlns:a14="http://schemas.microsoft.com/office/drawing/2010/main" xmlns="" w="9525">
+                  <a14:hiddenLine xmlns="" xmlns:a14="http://schemas.microsoft.com/office/drawing/2010/main" w="9525">
                     <a:solidFill>
                       <a:srgbClr val="000000"/>
                     </a:solidFill>
@@ -12178,7 +12178,7 @@
               </a:ln>
               <a:extLst>
                 <a:ext uri="{91240B29-F687-4f45-9708-019B960494DF}">
-                  <a14:hiddenLine xmlns:a14="http://schemas.microsoft.com/office/drawing/2010/main" xmlns="" w="9525">
+                  <a14:hiddenLine xmlns="" xmlns:a14="http://schemas.microsoft.com/office/drawing/2010/main" w="9525">
                     <a:solidFill>
                       <a:srgbClr val="000000"/>
                     </a:solidFill>
@@ -12246,7 +12246,7 @@
               </a:ln>
               <a:extLst>
                 <a:ext uri="{91240B29-F687-4f45-9708-019B960494DF}">
-                  <a14:hiddenLine xmlns:a14="http://schemas.microsoft.com/office/drawing/2010/main" xmlns="" w="9525">
+                  <a14:hiddenLine xmlns="" xmlns:a14="http://schemas.microsoft.com/office/drawing/2010/main" w="9525">
                     <a:solidFill>
                       <a:srgbClr val="000000"/>
                     </a:solidFill>
@@ -12336,7 +12336,7 @@
               </a:ln>
               <a:extLst>
                 <a:ext uri="{91240B29-F687-4f45-9708-019B960494DF}">
-                  <a14:hiddenLine xmlns:a14="http://schemas.microsoft.com/office/drawing/2010/main" xmlns="" w="9525">
+                  <a14:hiddenLine xmlns="" xmlns:a14="http://schemas.microsoft.com/office/drawing/2010/main" w="9525">
                     <a:solidFill>
                       <a:srgbClr val="000000"/>
                     </a:solidFill>
@@ -12370,7 +12370,7 @@
               </a:ln>
               <a:extLst>
                 <a:ext uri="{91240B29-F687-4f45-9708-019B960494DF}">
-                  <a14:hiddenLine xmlns:a14="http://schemas.microsoft.com/office/drawing/2010/main" xmlns="" w="9525">
+                  <a14:hiddenLine xmlns="" xmlns:a14="http://schemas.microsoft.com/office/drawing/2010/main" w="9525">
                     <a:solidFill>
                       <a:srgbClr val="000000"/>
                     </a:solidFill>
@@ -12510,7 +12510,7 @@
           <a:p>
             <a:fld id="{F3FBEDF2-B5C6-4990-9868-48EE35D9BF7E}" type="datetime1">
               <a:rPr lang="en-US" smtClean="0"/>
-              <a:t>12/15/2017</a:t>
+              <a:t>18-Dec-17</a:t>
             </a:fld>
             <a:endParaRPr lang="en-US" dirty="0"/>
           </a:p>
@@ -13627,7 +13627,7 @@
         </p:spPr>
         <p:txBody>
           <a:bodyPr>
-            <a:normAutofit/>
+            <a:normAutofit fontScale="92500" lnSpcReduction="10000"/>
           </a:bodyPr>
           <a:lstStyle/>
           <a:p>
@@ -16058,27 +16058,73 @@
           <a:p>
             <a:r>
               <a:rPr lang="en-US" sz="2400" noProof="0" dirty="0"/>
-              <a:t>Cleaning the house can be extremely difficult and tiring, especially for working people.</a:t>
-            </a:r>
-          </a:p>
-          <a:p>
+              <a:t>Cleaning the house can be extremely difficult and </a:t>
+            </a:r>
+            <a:r>
+              <a:rPr lang="en-US" sz="2400" noProof="0" dirty="0" smtClean="0"/>
+              <a:t>tiring</a:t>
+            </a:r>
+          </a:p>
+          <a:p>
+            <a:r>
+              <a:rPr lang="en-US" sz="2400" dirty="0" smtClean="0"/>
+              <a:t>This is especially the case with </a:t>
+            </a:r>
+            <a:r>
+              <a:rPr lang="en-US" sz="2400" noProof="0" dirty="0" smtClean="0"/>
+              <a:t>working </a:t>
+            </a:r>
             <a:r>
               <a:rPr lang="en-US" sz="2400" noProof="0" dirty="0"/>
-              <a:t>These chores can be monotonous. </a:t>
+              <a:t>people.</a:t>
             </a:r>
           </a:p>
           <a:p>
             <a:r>
               <a:rPr lang="en-US" sz="2400" noProof="0" dirty="0"/>
-              <a:t>People would have a lot more time to spend on activities they enjoy, instead of wasting their time.</a:t>
-            </a:r>
-          </a:p>
-          <a:p>
-            <a:pPr marL="285750" indent="-285750">
-              <a:buFont typeface="Arial" panose="020B0604020202020204" pitchFamily="34" charset="0"/>
-              <a:buChar char="•"/>
-            </a:pPr>
-            <a:endParaRPr lang="en-US" noProof="0" dirty="0"/>
+              <a:t>These chores </a:t>
+            </a:r>
+            <a:r>
+              <a:rPr lang="en-US" sz="2400" noProof="0" dirty="0" smtClean="0"/>
+              <a:t>can also </a:t>
+            </a:r>
+            <a:r>
+              <a:rPr lang="en-US" sz="2400" noProof="0" dirty="0"/>
+              <a:t>be monotonous. </a:t>
+            </a:r>
+          </a:p>
+          <a:p>
+            <a:r>
+              <a:rPr lang="en-US" sz="2400" noProof="0" dirty="0"/>
+              <a:t>People would have </a:t>
+            </a:r>
+            <a:r>
+              <a:rPr lang="en-US" sz="2400" noProof="0" dirty="0" smtClean="0"/>
+              <a:t>more </a:t>
+            </a:r>
+            <a:r>
+              <a:rPr lang="en-US" sz="2400" noProof="0" dirty="0"/>
+              <a:t>time to spend on activities they </a:t>
+            </a:r>
+            <a:r>
+              <a:rPr lang="en-US" sz="2400" noProof="0" dirty="0" smtClean="0"/>
+              <a:t>enjoy.</a:t>
+            </a:r>
+            <a:endParaRPr lang="en-US" dirty="0"/>
+          </a:p>
+          <a:p>
+            <a:r>
+              <a:rPr lang="en-US" sz="2400" noProof="0" dirty="0" smtClean="0"/>
+              <a:t>They wouldn’t have to waste </a:t>
+            </a:r>
+            <a:r>
+              <a:rPr lang="en-US" sz="2400" noProof="0" smtClean="0"/>
+              <a:t>their precious </a:t>
+            </a:r>
+            <a:r>
+              <a:rPr lang="en-US" sz="2400" noProof="0" dirty="0" smtClean="0"/>
+              <a:t>time.</a:t>
+            </a:r>
           </a:p>
         </p:txBody>
       </p:sp>
@@ -16144,8 +16190,8 @@
         </p:blipFill>
         <p:spPr>
           <a:xfrm>
-            <a:off x="5500516" y="3954738"/>
-            <a:ext cx="4836180" cy="2718145"/>
+            <a:off x="6553200" y="4546393"/>
+            <a:ext cx="3783496" cy="2126490"/>
           </a:xfrm>
           <a:prstGeom prst="rect">
             <a:avLst/>
@@ -16871,7 +16917,7 @@
         </p:spPr>
         <p:txBody>
           <a:bodyPr>
-            <a:normAutofit/>
+            <a:normAutofit lnSpcReduction="10000"/>
           </a:bodyPr>
           <a:lstStyle/>
           <a:p>
@@ -17046,6 +17092,10 @@
             <a:r>
               <a:rPr lang="en-US" sz="4800" noProof="0" dirty="0" err="1"/>
               <a:t>srhc</a:t>
+            </a:r>
+            <a:r>
+              <a:rPr lang="en-US" sz="4800" noProof="0" dirty="0"/>
+              <a:t/>
             </a:r>
             <a:br>
               <a:rPr lang="en-US" sz="4800" noProof="0" dirty="0"/>
@@ -17333,6 +17383,10 @@
               <a:rPr lang="en-US" sz="4800" noProof="0" dirty="0" err="1"/>
               <a:t>srhc</a:t>
             </a:r>
+            <a:r>
+              <a:rPr lang="en-US" sz="4800" noProof="0" dirty="0"/>
+              <a:t/>
+            </a:r>
             <a:br>
               <a:rPr lang="en-US" sz="4800" noProof="0" dirty="0"/>
             </a:br>
@@ -17367,7 +17421,7 @@
         </p:spPr>
         <p:txBody>
           <a:bodyPr>
-            <a:normAutofit/>
+            <a:normAutofit fontScale="92500"/>
           </a:bodyPr>
           <a:lstStyle/>
           <a:p>

--- a/hw2/H2020.pptx
+++ b/hw2/H2020.pptx
@@ -223,7 +223,7 @@
           <a:p>
             <a:fld id="{4962A2BD-CC29-4004-A6CB-381D655ED25A}" type="datetimeFigureOut">
               <a:rPr lang="en-GB" smtClean="0"/>
-              <a:t>18/12/2017</a:t>
+              <a:t>08/01/2018</a:t>
             </a:fld>
             <a:endParaRPr lang="en-GB"/>
           </a:p>
@@ -489,6 +489,258 @@
     </a:lvl9pPr>
   </p:notesStyle>
 </p:notesMaster>
+</file>
+
+<file path=ppt/notesSlides/notesSlide1.xml><?xml version="1.0" encoding="utf-8"?>
+<p:notes xmlns:a="http://schemas.openxmlformats.org/drawingml/2006/main" xmlns:r="http://schemas.openxmlformats.org/officeDocument/2006/relationships" xmlns:p="http://schemas.openxmlformats.org/presentationml/2006/main">
+  <p:cSld>
+    <p:spTree>
+      <p:nvGrpSpPr>
+        <p:cNvPr id="1" name=""/>
+        <p:cNvGrpSpPr/>
+        <p:nvPr/>
+      </p:nvGrpSpPr>
+      <p:grpSpPr>
+        <a:xfrm>
+          <a:off x="0" y="0"/>
+          <a:ext cx="0" cy="0"/>
+          <a:chOff x="0" y="0"/>
+          <a:chExt cx="0" cy="0"/>
+        </a:xfrm>
+      </p:grpSpPr>
+      <p:sp>
+        <p:nvSpPr>
+          <p:cNvPr id="2" name="Slide Image Placeholder 1"/>
+          <p:cNvSpPr>
+            <a:spLocks noGrp="1" noRot="1" noChangeAspect="1"/>
+          </p:cNvSpPr>
+          <p:nvPr>
+            <p:ph type="sldImg"/>
+          </p:nvPr>
+        </p:nvSpPr>
+        <p:spPr/>
+      </p:sp>
+      <p:sp>
+        <p:nvSpPr>
+          <p:cNvPr id="3" name="Notes Placeholder 2"/>
+          <p:cNvSpPr>
+            <a:spLocks noGrp="1"/>
+          </p:cNvSpPr>
+          <p:nvPr>
+            <p:ph type="body" idx="1"/>
+          </p:nvPr>
+        </p:nvSpPr>
+        <p:spPr/>
+        <p:txBody>
+          <a:bodyPr/>
+          <a:lstStyle/>
+          <a:p>
+            <a:endParaRPr lang="en-GB" dirty="0"/>
+          </a:p>
+        </p:txBody>
+      </p:sp>
+      <p:sp>
+        <p:nvSpPr>
+          <p:cNvPr id="4" name="Slide Number Placeholder 3"/>
+          <p:cNvSpPr>
+            <a:spLocks noGrp="1"/>
+          </p:cNvSpPr>
+          <p:nvPr>
+            <p:ph type="sldNum" sz="quarter" idx="10"/>
+          </p:nvPr>
+        </p:nvSpPr>
+        <p:spPr/>
+        <p:txBody>
+          <a:bodyPr/>
+          <a:lstStyle/>
+          <a:p>
+            <a:fld id="{2A5E5215-3D77-4935-820B-6E906215D333}" type="slidenum">
+              <a:rPr lang="en-GB" smtClean="0"/>
+              <a:t>7</a:t>
+            </a:fld>
+            <a:endParaRPr lang="en-GB"/>
+          </a:p>
+        </p:txBody>
+      </p:sp>
+    </p:spTree>
+    <p:extLst>
+      <p:ext uri="{BB962C8B-B14F-4D97-AF65-F5344CB8AC3E}">
+        <p14:creationId xmlns:p14="http://schemas.microsoft.com/office/powerpoint/2010/main" val="1684252878"/>
+      </p:ext>
+    </p:extLst>
+  </p:cSld>
+  <p:clrMapOvr>
+    <a:masterClrMapping/>
+  </p:clrMapOvr>
+</p:notes>
+</file>
+
+<file path=ppt/notesSlides/notesSlide2.xml><?xml version="1.0" encoding="utf-8"?>
+<p:notes xmlns:a="http://schemas.openxmlformats.org/drawingml/2006/main" xmlns:r="http://schemas.openxmlformats.org/officeDocument/2006/relationships" xmlns:p="http://schemas.openxmlformats.org/presentationml/2006/main">
+  <p:cSld>
+    <p:spTree>
+      <p:nvGrpSpPr>
+        <p:cNvPr id="1" name=""/>
+        <p:cNvGrpSpPr/>
+        <p:nvPr/>
+      </p:nvGrpSpPr>
+      <p:grpSpPr>
+        <a:xfrm>
+          <a:off x="0" y="0"/>
+          <a:ext cx="0" cy="0"/>
+          <a:chOff x="0" y="0"/>
+          <a:chExt cx="0" cy="0"/>
+        </a:xfrm>
+      </p:grpSpPr>
+      <p:sp>
+        <p:nvSpPr>
+          <p:cNvPr id="2" name="Slide Image Placeholder 1"/>
+          <p:cNvSpPr>
+            <a:spLocks noGrp="1" noRot="1" noChangeAspect="1"/>
+          </p:cNvSpPr>
+          <p:nvPr>
+            <p:ph type="sldImg"/>
+          </p:nvPr>
+        </p:nvSpPr>
+        <p:spPr/>
+      </p:sp>
+      <p:sp>
+        <p:nvSpPr>
+          <p:cNvPr id="3" name="Notes Placeholder 2"/>
+          <p:cNvSpPr>
+            <a:spLocks noGrp="1"/>
+          </p:cNvSpPr>
+          <p:nvPr>
+            <p:ph type="body" idx="1"/>
+          </p:nvPr>
+        </p:nvSpPr>
+        <p:spPr/>
+        <p:txBody>
+          <a:bodyPr/>
+          <a:lstStyle/>
+          <a:p>
+            <a:endParaRPr lang="en-GB" dirty="0"/>
+          </a:p>
+        </p:txBody>
+      </p:sp>
+      <p:sp>
+        <p:nvSpPr>
+          <p:cNvPr id="4" name="Slide Number Placeholder 3"/>
+          <p:cNvSpPr>
+            <a:spLocks noGrp="1"/>
+          </p:cNvSpPr>
+          <p:nvPr>
+            <p:ph type="sldNum" sz="quarter" idx="10"/>
+          </p:nvPr>
+        </p:nvSpPr>
+        <p:spPr/>
+        <p:txBody>
+          <a:bodyPr/>
+          <a:lstStyle/>
+          <a:p>
+            <a:fld id="{2A5E5215-3D77-4935-820B-6E906215D333}" type="slidenum">
+              <a:rPr lang="en-GB" smtClean="0"/>
+              <a:t>8</a:t>
+            </a:fld>
+            <a:endParaRPr lang="en-GB"/>
+          </a:p>
+        </p:txBody>
+      </p:sp>
+    </p:spTree>
+    <p:extLst>
+      <p:ext uri="{BB962C8B-B14F-4D97-AF65-F5344CB8AC3E}">
+        <p14:creationId xmlns:p14="http://schemas.microsoft.com/office/powerpoint/2010/main" val="2769552478"/>
+      </p:ext>
+    </p:extLst>
+  </p:cSld>
+  <p:clrMapOvr>
+    <a:masterClrMapping/>
+  </p:clrMapOvr>
+</p:notes>
+</file>
+
+<file path=ppt/notesSlides/notesSlide3.xml><?xml version="1.0" encoding="utf-8"?>
+<p:notes xmlns:a="http://schemas.openxmlformats.org/drawingml/2006/main" xmlns:r="http://schemas.openxmlformats.org/officeDocument/2006/relationships" xmlns:p="http://schemas.openxmlformats.org/presentationml/2006/main">
+  <p:cSld>
+    <p:spTree>
+      <p:nvGrpSpPr>
+        <p:cNvPr id="1" name=""/>
+        <p:cNvGrpSpPr/>
+        <p:nvPr/>
+      </p:nvGrpSpPr>
+      <p:grpSpPr>
+        <a:xfrm>
+          <a:off x="0" y="0"/>
+          <a:ext cx="0" cy="0"/>
+          <a:chOff x="0" y="0"/>
+          <a:chExt cx="0" cy="0"/>
+        </a:xfrm>
+      </p:grpSpPr>
+      <p:sp>
+        <p:nvSpPr>
+          <p:cNvPr id="2" name="Slide Image Placeholder 1"/>
+          <p:cNvSpPr>
+            <a:spLocks noGrp="1" noRot="1" noChangeAspect="1"/>
+          </p:cNvSpPr>
+          <p:nvPr>
+            <p:ph type="sldImg"/>
+          </p:nvPr>
+        </p:nvSpPr>
+        <p:spPr/>
+      </p:sp>
+      <p:sp>
+        <p:nvSpPr>
+          <p:cNvPr id="3" name="Notes Placeholder 2"/>
+          <p:cNvSpPr>
+            <a:spLocks noGrp="1"/>
+          </p:cNvSpPr>
+          <p:nvPr>
+            <p:ph type="body" idx="1"/>
+          </p:nvPr>
+        </p:nvSpPr>
+        <p:spPr/>
+        <p:txBody>
+          <a:bodyPr/>
+          <a:lstStyle/>
+          <a:p>
+            <a:endParaRPr lang="en-GB" dirty="0"/>
+          </a:p>
+        </p:txBody>
+      </p:sp>
+      <p:sp>
+        <p:nvSpPr>
+          <p:cNvPr id="4" name="Slide Number Placeholder 3"/>
+          <p:cNvSpPr>
+            <a:spLocks noGrp="1"/>
+          </p:cNvSpPr>
+          <p:nvPr>
+            <p:ph type="sldNum" sz="quarter" idx="10"/>
+          </p:nvPr>
+        </p:nvSpPr>
+        <p:spPr/>
+        <p:txBody>
+          <a:bodyPr/>
+          <a:lstStyle/>
+          <a:p>
+            <a:fld id="{2A5E5215-3D77-4935-820B-6E906215D333}" type="slidenum">
+              <a:rPr lang="en-GB" smtClean="0"/>
+              <a:t>14</a:t>
+            </a:fld>
+            <a:endParaRPr lang="en-GB"/>
+          </a:p>
+        </p:txBody>
+      </p:sp>
+    </p:spTree>
+    <p:extLst>
+      <p:ext uri="{BB962C8B-B14F-4D97-AF65-F5344CB8AC3E}">
+        <p14:creationId xmlns:p14="http://schemas.microsoft.com/office/powerpoint/2010/main" val="1612261794"/>
+      </p:ext>
+    </p:extLst>
+  </p:cSld>
+  <p:clrMapOvr>
+    <a:masterClrMapping/>
+  </p:clrMapOvr>
+</p:notes>
 </file>
 
 <file path=ppt/slideLayouts/slideLayout1.xml><?xml version="1.0" encoding="utf-8"?>
@@ -4773,7 +5025,7 @@
           <a:p>
             <a:fld id="{E98AF6B5-10CD-49C0-AEEE-860F9F4EF8DF}" type="datetime1">
               <a:rPr lang="en-US" smtClean="0"/>
-              <a:t>18-Dec-17</a:t>
+              <a:t>1/8/2018</a:t>
             </a:fld>
             <a:endParaRPr lang="en-US" dirty="0"/>
           </a:p>
@@ -5047,7 +5299,7 @@
           <a:p>
             <a:fld id="{34FF4D8B-7386-49E2-841C-48DCB2254784}" type="datetime1">
               <a:rPr lang="en-US" smtClean="0"/>
-              <a:t>18-Dec-17</a:t>
+              <a:t>1/8/2018</a:t>
             </a:fld>
             <a:endParaRPr lang="en-US" dirty="0"/>
           </a:p>
@@ -5250,7 +5502,7 @@
           <a:p>
             <a:fld id="{9CE24C74-CD99-43D0-ADC3-9CD2BA5C3F7B}" type="datetime1">
               <a:rPr lang="en-US" smtClean="0"/>
-              <a:t>18-Dec-17</a:t>
+              <a:t>1/8/2018</a:t>
             </a:fld>
             <a:endParaRPr lang="en-US" dirty="0"/>
           </a:p>
@@ -5520,7 +5772,7 @@
           <a:p>
             <a:fld id="{8216F29D-499C-45D2-9CFB-92B9A8E213BC}" type="datetime1">
               <a:rPr lang="en-US" smtClean="0"/>
-              <a:t>18-Dec-17</a:t>
+              <a:t>1/8/2018</a:t>
             </a:fld>
             <a:endParaRPr lang="en-US" dirty="0"/>
           </a:p>
@@ -5961,7 +6213,7 @@
           <a:p>
             <a:fld id="{645528B0-2A0B-416F-A951-17C70896ACEE}" type="datetime1">
               <a:rPr lang="en-US" smtClean="0"/>
-              <a:t>18-Dec-17</a:t>
+              <a:t>1/8/2018</a:t>
             </a:fld>
             <a:endParaRPr lang="en-US" dirty="0"/>
           </a:p>
@@ -6514,7 +6766,7 @@
           <a:p>
             <a:fld id="{C8EF2AED-A1DF-4115-B2A6-E42838EAC461}" type="datetime1">
               <a:rPr lang="en-US" smtClean="0"/>
-              <a:t>18-Dec-17</a:t>
+              <a:t>1/8/2018</a:t>
             </a:fld>
             <a:endParaRPr lang="en-US" dirty="0"/>
           </a:p>
@@ -7241,7 +7493,7 @@
           <a:p>
             <a:fld id="{DF12E600-9913-4C99-99EB-735D98B219AA}" type="datetime1">
               <a:rPr lang="en-US" smtClean="0"/>
-              <a:t>18-Dec-17</a:t>
+              <a:t>1/8/2018</a:t>
             </a:fld>
             <a:endParaRPr lang="en-US" dirty="0"/>
           </a:p>
@@ -7418,7 +7670,7 @@
           <a:p>
             <a:fld id="{ADEAFD75-83FE-4A29-B29A-D5ED309A1ED4}" type="datetime1">
               <a:rPr lang="en-US" smtClean="0"/>
-              <a:t>18-Dec-17</a:t>
+              <a:t>1/8/2018</a:t>
             </a:fld>
             <a:endParaRPr lang="en-US" dirty="0"/>
           </a:p>
@@ -7605,7 +7857,7 @@
           <a:p>
             <a:fld id="{7134563A-84AD-4F47-9672-85A115710077}" type="datetime1">
               <a:rPr lang="en-US" smtClean="0"/>
-              <a:t>18-Dec-17</a:t>
+              <a:t>1/8/2018</a:t>
             </a:fld>
             <a:endParaRPr lang="en-US" dirty="0"/>
           </a:p>
@@ -7782,7 +8034,7 @@
           <a:p>
             <a:fld id="{CDFC1DA9-895C-41DE-A16B-45B0CF92A3E9}" type="datetime1">
               <a:rPr lang="en-US" smtClean="0"/>
-              <a:t>18-Dec-17</a:t>
+              <a:t>1/8/2018</a:t>
             </a:fld>
             <a:endParaRPr lang="en-US" dirty="0"/>
           </a:p>
@@ -8039,7 +8291,7 @@
           <a:p>
             <a:fld id="{80095D51-A492-4BBD-95F7-A09B2087A7D8}" type="datetime1">
               <a:rPr lang="en-US" smtClean="0"/>
-              <a:t>18-Dec-17</a:t>
+              <a:t>1/8/2018</a:t>
             </a:fld>
             <a:endParaRPr lang="en-US" dirty="0"/>
           </a:p>
@@ -8278,7 +8530,7 @@
           <a:p>
             <a:fld id="{A753C733-3AF1-4EA2-99C5-65238ABDC94B}" type="datetime1">
               <a:rPr lang="en-US" smtClean="0"/>
-              <a:t>18-Dec-17</a:t>
+              <a:t>1/8/2018</a:t>
             </a:fld>
             <a:endParaRPr lang="en-US" dirty="0"/>
           </a:p>
@@ -8666,7 +8918,7 @@
           <a:p>
             <a:fld id="{A7099666-5326-48E6-A43C-97BF7638444B}" type="datetime1">
               <a:rPr lang="en-US" smtClean="0"/>
-              <a:t>18-Dec-17</a:t>
+              <a:t>1/8/2018</a:t>
             </a:fld>
             <a:endParaRPr lang="en-US" dirty="0"/>
           </a:p>
@@ -8791,7 +9043,7 @@
           <a:p>
             <a:fld id="{B6DFAFFE-09C7-4CCD-B8F9-0482C7A86FB5}" type="datetime1">
               <a:rPr lang="en-US" smtClean="0"/>
-              <a:t>18-Dec-17</a:t>
+              <a:t>1/8/2018</a:t>
             </a:fld>
             <a:endParaRPr lang="en-US" dirty="0"/>
           </a:p>
@@ -8893,7 +9145,7 @@
           <a:p>
             <a:fld id="{AE1406AB-05C0-4B8B-893C-B5602F4FA1E5}" type="datetime1">
               <a:rPr lang="en-US" smtClean="0"/>
-              <a:t>18-Dec-17</a:t>
+              <a:t>1/8/2018</a:t>
             </a:fld>
             <a:endParaRPr lang="en-US" dirty="0"/>
           </a:p>
@@ -9149,7 +9401,7 @@
           <a:p>
             <a:fld id="{A3BAAEB5-8CB9-4075-8F08-D52CB05B64B3}" type="datetime1">
               <a:rPr lang="en-US" smtClean="0"/>
-              <a:t>18-Dec-17</a:t>
+              <a:t>1/8/2018</a:t>
             </a:fld>
             <a:endParaRPr lang="en-US" dirty="0"/>
           </a:p>
@@ -9436,7 +9688,7 @@
           <a:p>
             <a:fld id="{846E9255-AB33-4DDA-8BF6-5CA2222C0DB6}" type="datetime1">
               <a:rPr lang="en-US" smtClean="0"/>
-              <a:t>18-Dec-17</a:t>
+              <a:t>1/8/2018</a:t>
             </a:fld>
             <a:endParaRPr lang="en-US" dirty="0"/>
           </a:p>
@@ -12510,7 +12762,7 @@
           <a:p>
             <a:fld id="{F3FBEDF2-B5C6-4990-9868-48EE35D9BF7E}" type="datetime1">
               <a:rPr lang="en-US" smtClean="0"/>
-              <a:t>18-Dec-17</a:t>
+              <a:t>1/8/2018</a:t>
             </a:fld>
             <a:endParaRPr lang="en-US" dirty="0"/>
           </a:p>
@@ -12967,7 +13219,7 @@
           <a:p>
             <a:pPr algn="ctr"/>
             <a:r>
-              <a:rPr lang="en-US" noProof="0" dirty="0"/>
+              <a:rPr lang="en-US" noProof="1"/>
               <a:t>H2020: SRHC</a:t>
             </a:r>
           </a:p>
@@ -13003,90 +13255,60 @@
           <a:p>
             <a:pPr algn="ctr"/>
             <a:r>
-              <a:rPr lang="en-US" sz="2400" noProof="0" dirty="0"/>
+              <a:rPr lang="en-US" sz="2400" noProof="1"/>
               <a:t>Smart robot house cleaner</a:t>
             </a:r>
           </a:p>
           <a:p>
             <a:pPr algn="ctr"/>
-            <a:endParaRPr lang="en-US" sz="2400" noProof="0" dirty="0"/>
+            <a:endParaRPr lang="en-US" sz="2400" noProof="1"/>
           </a:p>
           <a:p>
             <a:pPr algn="ctr"/>
             <a:r>
-              <a:rPr lang="en-US" noProof="0" dirty="0"/>
+              <a:rPr lang="en-US" noProof="1"/>
               <a:t>Team members:</a:t>
             </a:r>
           </a:p>
           <a:p>
             <a:pPr algn="ctr"/>
-            <a:endParaRPr lang="en-US" noProof="0" dirty="0"/>
+            <a:endParaRPr lang="en-US" noProof="1"/>
           </a:p>
           <a:p>
             <a:pPr algn="ctr"/>
             <a:r>
-              <a:rPr lang="en-US" noProof="0" dirty="0"/>
+              <a:rPr lang="en-US" noProof="1"/>
               <a:t>Nikola</a:t>
             </a:r>
             <a:r>
-              <a:rPr lang="en-US" noProof="0" dirty="0">
+              <a:rPr lang="en-US" noProof="1">
                 <a:cs typeface="Calibri" panose="020F0502020204030204" pitchFamily="34" charset="0"/>
               </a:rPr>
-              <a:t> </a:t>
-            </a:r>
-            <a:r>
-              <a:rPr lang="en-US" noProof="0" dirty="0" err="1">
+              <a:t> dimitrijević</a:t>
+            </a:r>
+          </a:p>
+          <a:p>
+            <a:pPr algn="ctr"/>
+            <a:r>
+              <a:rPr lang="en-US" noProof="1">
                 <a:cs typeface="Calibri" panose="020F0502020204030204" pitchFamily="34" charset="0"/>
               </a:rPr>
-              <a:t>dimitrijević</a:t>
-            </a:r>
-            <a:endParaRPr lang="en-US" noProof="0" dirty="0">
-              <a:cs typeface="Calibri" panose="020F0502020204030204" pitchFamily="34" charset="0"/>
-            </a:endParaRPr>
+              <a:t>Strahinja Stanojević</a:t>
+            </a:r>
           </a:p>
           <a:p>
             <a:pPr algn="ctr"/>
             <a:r>
-              <a:rPr lang="en-US" noProof="0" dirty="0" err="1">
+              <a:rPr lang="en-US" noProof="1">
                 <a:cs typeface="Calibri" panose="020F0502020204030204" pitchFamily="34" charset="0"/>
               </a:rPr>
-              <a:t>Strahinja</a:t>
-            </a:r>
-            <a:r>
-              <a:rPr lang="en-US" noProof="0" dirty="0">
-                <a:cs typeface="Calibri" panose="020F0502020204030204" pitchFamily="34" charset="0"/>
-              </a:rPr>
-              <a:t> </a:t>
-            </a:r>
-            <a:r>
-              <a:rPr lang="en-US" noProof="0" dirty="0" err="1">
-                <a:cs typeface="Calibri" panose="020F0502020204030204" pitchFamily="34" charset="0"/>
-              </a:rPr>
-              <a:t>Stanojević</a:t>
-            </a:r>
-            <a:endParaRPr lang="en-US" noProof="0" dirty="0">
-              <a:cs typeface="Calibri" panose="020F0502020204030204" pitchFamily="34" charset="0"/>
-            </a:endParaRPr>
+              <a:t>Ana Bajić</a:t>
+            </a:r>
+            <a:endParaRPr lang="en-US" noProof="1"/>
           </a:p>
           <a:p>
             <a:pPr algn="ctr"/>
-            <a:r>
-              <a:rPr lang="en-US" noProof="0" dirty="0">
-                <a:cs typeface="Calibri" panose="020F0502020204030204" pitchFamily="34" charset="0"/>
-              </a:rPr>
-              <a:t>Ana </a:t>
-            </a:r>
-            <a:r>
-              <a:rPr lang="en-US" noProof="0" dirty="0" err="1">
-                <a:cs typeface="Calibri" panose="020F0502020204030204" pitchFamily="34" charset="0"/>
-              </a:rPr>
-              <a:t>Bajić</a:t>
-            </a:r>
-            <a:endParaRPr lang="en-US" noProof="0" dirty="0"/>
-          </a:p>
-          <a:p>
-            <a:pPr algn="ctr"/>
-            <a:endParaRPr lang="en-US" sz="2400" noProof="0" dirty="0"/>
+            <a:endParaRPr lang="en-US" sz="2400" noProof="1"/>
           </a:p>
         </p:txBody>
       </p:sp>
@@ -13187,17 +13409,16 @@
           <a:p>
             <a:pPr algn="ctr"/>
             <a:r>
-              <a:rPr lang="en-US" sz="4800" noProof="0" dirty="0"/>
+              <a:rPr lang="en-US" sz="4800" noProof="1"/>
               <a:t>Participants</a:t>
             </a:r>
             <a:br>
-              <a:rPr lang="en-US" sz="4800" noProof="0" dirty="0"/>
+              <a:rPr lang="en-US" sz="4800" noProof="1"/>
             </a:br>
             <a:r>
-              <a:rPr lang="en-US" sz="4800" noProof="0" dirty="0" err="1"/>
+              <a:rPr lang="en-US" sz="4800" noProof="1"/>
               <a:t>matf</a:t>
             </a:r>
-            <a:endParaRPr lang="en-US" sz="4800" noProof="0" dirty="0"/>
           </a:p>
         </p:txBody>
       </p:sp>
@@ -13256,7 +13477,7 @@
         <p:spPr/>
         <p:txBody>
           <a:bodyPr>
-            <a:normAutofit fontScale="92500" lnSpcReduction="10000"/>
+            <a:normAutofit/>
           </a:bodyPr>
           <a:lstStyle/>
           <a:p>
@@ -13264,8 +13485,8 @@
               <a:buNone/>
             </a:pPr>
             <a:r>
-              <a:rPr lang="en-US" noProof="0" dirty="0"/>
-              <a:t>Faculty of Mathematics, University of Belgrade, officially exists as independent science and education institution since 1995.</a:t>
+              <a:rPr lang="en-US" noProof="1"/>
+              <a:t>Officially exists as independent science and education institution since 1995.</a:t>
             </a:r>
           </a:p>
           <a:p>
@@ -13273,8 +13494,8 @@
               <a:buNone/>
             </a:pPr>
             <a:r>
-              <a:rPr lang="en-US" noProof="0" dirty="0"/>
-              <a:t>Teaching and research activities are performed by more than 100 teachers and assistants with about 2000 students on undergraduate and postgraduate studies today. </a:t>
+              <a:rPr lang="en-US" noProof="1"/>
+              <a:t>Teaching and research activities are performed by more than 100 teachers. </a:t>
             </a:r>
           </a:p>
           <a:p>
@@ -13282,13 +13503,31 @@
               <a:buNone/>
             </a:pPr>
             <a:r>
-              <a:rPr lang="en-US" noProof="0" dirty="0"/>
-              <a:t>There are 3 academic programs today: Mathematics, Informatics and Astronomy and Astrophysics.</a:t>
+              <a:rPr lang="en-US" noProof="1"/>
+              <a:t>There is about 2000 students on undergraduate and postgraduate studies.</a:t>
+            </a:r>
+          </a:p>
+          <a:p>
+            <a:pPr marL="0" indent="0">
+              <a:buNone/>
+            </a:pPr>
+            <a:r>
+              <a:rPr lang="en-US" noProof="1"/>
+              <a:t>There are 3 academic programs today: </a:t>
+            </a:r>
+          </a:p>
+          <a:p>
+            <a:pPr marL="457200" lvl="1" indent="0">
+              <a:buNone/>
+            </a:pPr>
+            <a:r>
+              <a:rPr lang="en-US" noProof="1"/>
+              <a:t>Mathematics, Informatics and Astronomy and Astrophysics.</a:t>
             </a:r>
             <a:br>
-              <a:rPr lang="en-US" noProof="0" dirty="0"/>
+              <a:rPr lang="en-US" noProof="1"/>
             </a:br>
-            <a:endParaRPr lang="en-US" noProof="0" dirty="0"/>
+            <a:endParaRPr lang="en-US" noProof="1"/>
           </a:p>
         </p:txBody>
       </p:sp>
@@ -13359,14 +13598,14 @@
           <a:p>
             <a:pPr algn="ctr"/>
             <a:r>
-              <a:rPr lang="en-US" sz="4800" noProof="0" dirty="0"/>
+              <a:rPr lang="en-US" sz="4800" noProof="1"/>
               <a:t>Participants</a:t>
             </a:r>
             <a:br>
-              <a:rPr lang="en-US" sz="4800" noProof="0" dirty="0"/>
+              <a:rPr lang="en-US" sz="4800" noProof="1"/>
             </a:br>
             <a:r>
-              <a:rPr lang="en-US" sz="4800" noProof="0" dirty="0"/>
+              <a:rPr lang="en-US" sz="4800" noProof="1"/>
               <a:t>ETH Zürich</a:t>
             </a:r>
           </a:p>
@@ -13433,8 +13672,8 @@
               <a:buNone/>
             </a:pPr>
             <a:r>
-              <a:rPr lang="en-US" noProof="0" dirty="0"/>
-              <a:t>The university for science and technology dates back to the year 1855, when the founders of modern-day Switzerland created it as a center of innovation and knowledge.</a:t>
+              <a:rPr lang="en-US" noProof="1"/>
+              <a:t>The university for science and technology dates back to the year 1855.</a:t>
             </a:r>
           </a:p>
           <a:p>
@@ -13442,7 +13681,16 @@
               <a:buNone/>
             </a:pPr>
             <a:r>
-              <a:rPr lang="en-US" noProof="0" dirty="0"/>
+              <a:rPr lang="en-US" noProof="1"/>
+              <a:t>The founders of modern-day Switzerland created it as a center of innovation.</a:t>
+            </a:r>
+          </a:p>
+          <a:p>
+            <a:pPr marL="0" indent="0">
+              <a:buNone/>
+            </a:pPr>
+            <a:r>
+              <a:rPr lang="en-US" noProof="1"/>
               <a:t>More than 20000 students and 500 professors in the year 2016.</a:t>
             </a:r>
           </a:p>
@@ -13451,7 +13699,7 @@
               <a:buNone/>
             </a:pPr>
             <a:r>
-              <a:rPr lang="en-US" noProof="0" dirty="0"/>
+              <a:rPr lang="en-US" noProof="1"/>
               <a:t>Academic programs include Medicine, Data and Manufacturing technologies.</a:t>
             </a:r>
           </a:p>
@@ -13554,14 +13802,14 @@
           <a:p>
             <a:pPr algn="ctr"/>
             <a:r>
-              <a:rPr lang="en-US" sz="4800" noProof="0" dirty="0"/>
+              <a:rPr lang="en-US" sz="4800" noProof="1"/>
               <a:t>Participants</a:t>
             </a:r>
             <a:br>
-              <a:rPr lang="en-US" sz="4800" noProof="0" dirty="0"/>
+              <a:rPr lang="en-US" sz="4800" noProof="1"/>
             </a:br>
             <a:r>
-              <a:rPr lang="en-US" sz="4800" noProof="0" dirty="0"/>
+              <a:rPr lang="en-US" sz="4800" noProof="1"/>
               <a:t>ODSC</a:t>
             </a:r>
           </a:p>
@@ -13622,12 +13870,12 @@
         <p:spPr>
           <a:xfrm>
             <a:off x="1141412" y="2249487"/>
-            <a:ext cx="9905999" cy="3869252"/>
+            <a:ext cx="10482317" cy="3869252"/>
           </a:xfrm>
         </p:spPr>
         <p:txBody>
           <a:bodyPr>
-            <a:normAutofit fontScale="92500" lnSpcReduction="10000"/>
+            <a:normAutofit/>
           </a:bodyPr>
           <a:lstStyle/>
           <a:p>
@@ -13635,8 +13883,8 @@
               <a:buNone/>
             </a:pPr>
             <a:r>
-              <a:rPr lang="en-US" noProof="0" dirty="0"/>
-              <a:t>Oxford Data Science Centre, present on the market since 2003, is a company focused on solving data science and big data related problems.</a:t>
+              <a:rPr lang="en-US" noProof="1"/>
+              <a:t>ODSC is a company focused on solving data science and big data related problems.</a:t>
             </a:r>
           </a:p>
           <a:p>
@@ -13644,31 +13892,31 @@
               <a:buNone/>
             </a:pPr>
             <a:r>
-              <a:rPr lang="en-US" noProof="0" dirty="0"/>
+              <a:rPr lang="en-US" noProof="1"/>
               <a:t>Wide range of services is offered, including:</a:t>
             </a:r>
           </a:p>
           <a:p>
             <a:r>
-              <a:rPr lang="en-US" noProof="0" dirty="0"/>
+              <a:rPr lang="en-US" noProof="1"/>
               <a:t>assistance in information retrieval, </a:t>
             </a:r>
           </a:p>
           <a:p>
             <a:r>
-              <a:rPr lang="en-US" noProof="0" dirty="0"/>
+              <a:rPr lang="en-US" noProof="1"/>
               <a:t>experiments and analytical protocols design,</a:t>
             </a:r>
           </a:p>
           <a:p>
             <a:r>
-              <a:rPr lang="en-US" noProof="0" dirty="0"/>
+              <a:rPr lang="en-US" noProof="1"/>
               <a:t>statistical analysis and interpretation,</a:t>
             </a:r>
           </a:p>
           <a:p>
             <a:r>
-              <a:rPr lang="en-US" noProof="0" dirty="0"/>
+              <a:rPr lang="en-US" noProof="1"/>
               <a:t>visualization</a:t>
             </a:r>
           </a:p>
@@ -13771,14 +14019,14 @@
           <a:p>
             <a:pPr algn="ctr"/>
             <a:r>
-              <a:rPr lang="en-US" sz="4800" noProof="0" dirty="0"/>
+              <a:rPr lang="en-US" sz="4800" noProof="1"/>
               <a:t>Participants</a:t>
             </a:r>
             <a:br>
-              <a:rPr lang="en-US" sz="4800" noProof="0" dirty="0"/>
+              <a:rPr lang="en-US" sz="4800" noProof="1"/>
             </a:br>
             <a:r>
-              <a:rPr lang="en-US" sz="4800" noProof="0" dirty="0"/>
+              <a:rPr lang="en-US" sz="4800" noProof="1"/>
               <a:t>TUM</a:t>
             </a:r>
           </a:p>
@@ -13838,15 +14086,17 @@
         </p:nvSpPr>
         <p:spPr/>
         <p:txBody>
-          <a:bodyPr/>
+          <a:bodyPr>
+            <a:normAutofit/>
+          </a:bodyPr>
           <a:lstStyle/>
           <a:p>
             <a:pPr marL="0" indent="0">
               <a:buNone/>
             </a:pPr>
             <a:r>
-              <a:rPr lang="en-US" noProof="0" dirty="0"/>
-              <a:t>Member of TU9, an incorporated society of the largest and most notable German institutes of technology. </a:t>
+              <a:rPr lang="en-US" noProof="1"/>
+              <a:t>Member of TU9, a society of the most notable German institutes of technology. </a:t>
             </a:r>
           </a:p>
           <a:p>
@@ -13854,8 +14104,8 @@
               <a:buNone/>
             </a:pPr>
             <a:r>
-              <a:rPr lang="en-US" noProof="0" dirty="0"/>
-              <a:t>TUM is ranked 4th overall in Reuters 2017 European Most Innovative University ranking.</a:t>
+              <a:rPr lang="en-US" noProof="1"/>
+              <a:t>TUM is ranked 4th in Reuters 2017 European Most Innovative University ranking.</a:t>
             </a:r>
           </a:p>
           <a:p>
@@ -13863,8 +14113,35 @@
               <a:buNone/>
             </a:pPr>
             <a:r>
-              <a:rPr lang="en-US" noProof="0" dirty="0"/>
-              <a:t>TUM's alumni include 17 Nobel laureates, 18 Leibniz Prize winners and 22 IEEE Fellow Members.</a:t>
+              <a:rPr lang="en-US" noProof="1"/>
+              <a:t>TUM's alumni include:</a:t>
+            </a:r>
+          </a:p>
+          <a:p>
+            <a:pPr marL="457200" lvl="1" indent="0">
+              <a:buNone/>
+            </a:pPr>
+            <a:r>
+              <a:rPr lang="en-US" noProof="1"/>
+              <a:t>17 Nobel laureates, </a:t>
+            </a:r>
+          </a:p>
+          <a:p>
+            <a:pPr marL="457200" lvl="1" indent="0">
+              <a:buNone/>
+            </a:pPr>
+            <a:r>
+              <a:rPr lang="en-US" noProof="1"/>
+              <a:t>18 Leibniz Prize winners,</a:t>
+            </a:r>
+          </a:p>
+          <a:p>
+            <a:pPr marL="457200" lvl="1" indent="0">
+              <a:buNone/>
+            </a:pPr>
+            <a:r>
+              <a:rPr lang="en-US" noProof="1"/>
+              <a:t>22 IEEE Fellow Members.</a:t>
             </a:r>
           </a:p>
         </p:txBody>
@@ -13966,14 +14243,14 @@
           <a:p>
             <a:pPr algn="ctr"/>
             <a:r>
-              <a:rPr lang="en-US" sz="4800" noProof="0" dirty="0"/>
+              <a:rPr lang="en-US" sz="4800" noProof="1"/>
               <a:t>Methodology used</a:t>
             </a:r>
             <a:br>
-              <a:rPr lang="en-US" sz="4800" noProof="0" dirty="0"/>
+              <a:rPr lang="en-US" sz="4800" noProof="1"/>
             </a:br>
             <a:r>
-              <a:rPr lang="en-US" sz="4800" noProof="0" dirty="0"/>
+              <a:rPr lang="en-US" sz="4800" noProof="1"/>
               <a:t>scrum</a:t>
             </a:r>
           </a:p>
@@ -14040,8 +14317,8 @@
               <a:buNone/>
             </a:pPr>
             <a:r>
-              <a:rPr lang="en-US" noProof="0" dirty="0"/>
-              <a:t>Designed for teams of three to nine developers who break their work into actions that can be completed within timeboxed iterations, called sprints (typically two-weeks).</a:t>
+              <a:rPr lang="en-US" noProof="1"/>
+              <a:t>Designed for teams of three to nine developers.</a:t>
             </a:r>
           </a:p>
           <a:p>
@@ -14049,12 +14326,30 @@
               <a:buNone/>
             </a:pPr>
             <a:r>
-              <a:rPr lang="en-US" noProof="0" dirty="0"/>
-              <a:t>Progress is tracked and re-planned in 15-minute stand-up meetings, called daily scrums.</a:t>
-            </a:r>
-          </a:p>
-          <a:p>
-            <a:endParaRPr lang="en-US" noProof="0" dirty="0"/>
+              <a:rPr lang="en-US" noProof="1"/>
+              <a:t>Their work is broken into actions that can be completed within iterations.</a:t>
+            </a:r>
+          </a:p>
+          <a:p>
+            <a:pPr marL="0" indent="0">
+              <a:buNone/>
+            </a:pPr>
+            <a:r>
+              <a:rPr lang="en-US" noProof="1"/>
+              <a:t>These iterations are called sprints (typically two-weeks).</a:t>
+            </a:r>
+          </a:p>
+          <a:p>
+            <a:pPr marL="0" indent="0">
+              <a:buNone/>
+            </a:pPr>
+            <a:r>
+              <a:rPr lang="en-US" noProof="1"/>
+              <a:t>Progress is tracked in 15-minute stand-up meetings, called daily scrums.</a:t>
+            </a:r>
+          </a:p>
+          <a:p>
+            <a:endParaRPr lang="en-US" noProof="1"/>
           </a:p>
         </p:txBody>
       </p:sp>
@@ -14073,15 +14368,15 @@
           <p:nvPr/>
         </p:nvPicPr>
         <p:blipFill>
-          <a:blip r:embed="rId2"/>
+          <a:blip r:embed="rId3"/>
           <a:stretch>
             <a:fillRect/>
           </a:stretch>
         </p:blipFill>
         <p:spPr>
           <a:xfrm>
-            <a:off x="2964585" y="4020344"/>
-            <a:ext cx="6259651" cy="2914650"/>
+            <a:off x="3417080" y="4231036"/>
+            <a:ext cx="5807156" cy="2703957"/>
           </a:xfrm>
           <a:prstGeom prst="rect">
             <a:avLst/>
@@ -14155,24 +14450,20 @@
           <a:p>
             <a:pPr algn="ctr"/>
             <a:r>
-              <a:rPr lang="en-US" sz="4800" noProof="0" dirty="0"/>
+              <a:rPr lang="en-US" sz="4800" noProof="1"/>
               <a:t>Project schedule</a:t>
             </a:r>
             <a:br>
-              <a:rPr lang="en-US" sz="4800" noProof="0" dirty="0"/>
+              <a:rPr lang="en-US" sz="4800" noProof="1"/>
             </a:br>
             <a:r>
-              <a:rPr lang="en-US" sz="4800" noProof="0" dirty="0" err="1"/>
-              <a:t>gantt</a:t>
-            </a:r>
-            <a:r>
-              <a:rPr lang="en-US" sz="4800" noProof="0" dirty="0"/>
-              <a:t> chart</a:t>
+              <a:rPr lang="en-US" sz="4800" noProof="1"/>
+              <a:t>gantt chart</a:t>
             </a:r>
             <a:br>
-              <a:rPr lang="en-US" sz="4800" noProof="0" dirty="0"/>
+              <a:rPr lang="en-US" sz="4800" noProof="1"/>
             </a:br>
-            <a:endParaRPr lang="en-US" sz="4800" noProof="0" dirty="0"/>
+            <a:endParaRPr lang="en-US" sz="4800" noProof="1"/>
           </a:p>
         </p:txBody>
       </p:sp>
@@ -14308,20 +14599,20 @@
           <a:p>
             <a:pPr algn="ctr"/>
             <a:r>
-              <a:rPr lang="en-US" sz="4800" noProof="0" dirty="0"/>
+              <a:rPr lang="en-US" sz="4800" noProof="1"/>
               <a:t>Project schedule</a:t>
             </a:r>
             <a:br>
-              <a:rPr lang="en-US" sz="4800" noProof="0" dirty="0"/>
+              <a:rPr lang="en-US" sz="4800" noProof="1"/>
             </a:br>
             <a:r>
-              <a:rPr lang="en-US" sz="4800" noProof="0" dirty="0"/>
+              <a:rPr lang="en-US" sz="4800" noProof="1"/>
               <a:t>pert chart</a:t>
             </a:r>
             <a:br>
-              <a:rPr lang="en-US" sz="4800" noProof="0" dirty="0"/>
+              <a:rPr lang="en-US" sz="4800" noProof="1"/>
             </a:br>
-            <a:endParaRPr lang="en-US" sz="4800" noProof="0" dirty="0"/>
+            <a:endParaRPr lang="en-US" sz="4800" noProof="1"/>
           </a:p>
         </p:txBody>
       </p:sp>
@@ -14457,13 +14748,13 @@
           <a:p>
             <a:pPr algn="ctr"/>
             <a:r>
-              <a:rPr lang="en-US" sz="4800" noProof="0" dirty="0"/>
+              <a:rPr lang="en-US" sz="4800" noProof="1"/>
               <a:t>Work Package list</a:t>
             </a:r>
             <a:br>
-              <a:rPr lang="en-US" sz="4800" noProof="0" dirty="0"/>
+              <a:rPr lang="en-US" sz="4800" noProof="1"/>
             </a:br>
-            <a:endParaRPr lang="en-US" sz="4800" noProof="0" dirty="0"/>
+            <a:endParaRPr lang="en-US" sz="4800" noProof="1"/>
           </a:p>
         </p:txBody>
       </p:sp>
@@ -14599,13 +14890,13 @@
           <a:p>
             <a:pPr algn="ctr"/>
             <a:r>
-              <a:rPr lang="en-US" sz="4800" noProof="0" dirty="0"/>
+              <a:rPr lang="en-US" sz="4800" noProof="1"/>
               <a:t>Deliverables list</a:t>
             </a:r>
             <a:br>
-              <a:rPr lang="en-US" sz="4800" noProof="0" dirty="0"/>
+              <a:rPr lang="en-US" sz="4800" noProof="1"/>
             </a:br>
-            <a:endParaRPr lang="en-US" sz="4800" noProof="0" dirty="0"/>
+            <a:endParaRPr lang="en-US" sz="4800" noProof="1"/>
           </a:p>
         </p:txBody>
       </p:sp>
@@ -14741,13 +15032,13 @@
           <a:p>
             <a:pPr algn="ctr"/>
             <a:r>
-              <a:rPr lang="en-US" sz="4800" noProof="0" dirty="0"/>
+              <a:rPr lang="en-US" sz="4800" noProof="1"/>
               <a:t>Milestones list</a:t>
             </a:r>
             <a:br>
-              <a:rPr lang="en-US" sz="4800" noProof="0" dirty="0"/>
+              <a:rPr lang="en-US" sz="4800" noProof="1"/>
             </a:br>
-            <a:endParaRPr lang="en-US" sz="4800" noProof="0" dirty="0"/>
+            <a:endParaRPr lang="en-US" sz="4800" noProof="1"/>
           </a:p>
         </p:txBody>
       </p:sp>
@@ -14886,14 +15177,14 @@
           <a:p>
             <a:pPr algn="ctr"/>
             <a:r>
-              <a:rPr lang="en-US" noProof="0" dirty="0"/>
+              <a:rPr lang="en-US" noProof="1"/>
               <a:t>Horizon 2020 </a:t>
             </a:r>
             <a:br>
-              <a:rPr lang="en-US" noProof="0" dirty="0"/>
+              <a:rPr lang="en-US" noProof="1"/>
             </a:br>
             <a:r>
-              <a:rPr lang="en-US" noProof="0" dirty="0"/>
+              <a:rPr lang="en-US" noProof="1"/>
               <a:t>The EU Framework Program for Research and Innovation</a:t>
             </a:r>
           </a:p>
@@ -14955,7 +15246,7 @@
           <a:lstStyle/>
           <a:p>
             <a:r>
-              <a:rPr lang="en-US" sz="1800" noProof="0" dirty="0"/>
+              <a:rPr lang="en-US" sz="1800" noProof="1"/>
               <a:t>Project description:</a:t>
             </a:r>
           </a:p>
@@ -14965,8 +15256,8 @@
               <a:buChar char="•"/>
             </a:pPr>
             <a:r>
-              <a:rPr lang="en-US" sz="1800" noProof="0" dirty="0"/>
-              <a:t>SRHC is a house cleaning robot, designed to help people in everyday tasks.</a:t>
+              <a:rPr lang="en-US" sz="1800" noProof="1"/>
+              <a:t>SRHC is designed to help people in everyday tasks.</a:t>
             </a:r>
           </a:p>
           <a:p>
@@ -14975,8 +15266,8 @@
               <a:buChar char="•"/>
             </a:pPr>
             <a:r>
-              <a:rPr lang="en-US" sz="1800" noProof="0" dirty="0"/>
-              <a:t>It can vacuum, clean, empty its garbage bag and charge, without human intervention.</a:t>
+              <a:rPr lang="en-US" sz="1800" noProof="1"/>
+              <a:t>It can vacuum, clean, empty its garbage bag and charge,</a:t>
             </a:r>
           </a:p>
           <a:p>
@@ -14985,8 +15276,8 @@
               <a:buChar char="•"/>
             </a:pPr>
             <a:r>
-              <a:rPr lang="en-US" sz="1800" noProof="0" dirty="0"/>
-              <a:t>The robot can access hard-to-reach surfaces and every important area.</a:t>
+              <a:rPr lang="en-US" sz="1800" noProof="1"/>
+              <a:t>All this, without human intervention.</a:t>
             </a:r>
           </a:p>
           <a:p>
@@ -14995,8 +15286,8 @@
               <a:buChar char="•"/>
             </a:pPr>
             <a:r>
-              <a:rPr lang="en-US" sz="1800" noProof="0" dirty="0"/>
-              <a:t>Highly resistant to any damage.</a:t>
+              <a:rPr lang="en-US" sz="1800" noProof="1"/>
+              <a:t>The robot can access hard-to-reach surfaces</a:t>
             </a:r>
           </a:p>
           <a:p>
@@ -15005,8 +15296,8 @@
               <a:buChar char="•"/>
             </a:pPr>
             <a:r>
-              <a:rPr lang="en-US" sz="1800" noProof="0" dirty="0"/>
-              <a:t>Safe to use.</a:t>
+              <a:rPr lang="en-US" sz="1800" noProof="1"/>
+              <a:t>Highly resistant to any damage.</a:t>
             </a:r>
           </a:p>
           <a:p>
@@ -15014,21 +15305,31 @@
               <a:buFont typeface="Arial" panose="020B0604020202020204" pitchFamily="34" charset="0"/>
               <a:buChar char="•"/>
             </a:pPr>
-            <a:endParaRPr lang="en-US" noProof="0" dirty="0"/>
+            <a:r>
+              <a:rPr lang="en-US" sz="1800" noProof="1"/>
+              <a:t>Safe to use.</a:t>
+            </a:r>
           </a:p>
           <a:p>
             <a:pPr marL="285750" indent="-285750">
               <a:buFont typeface="Arial" panose="020B0604020202020204" pitchFamily="34" charset="0"/>
               <a:buChar char="•"/>
             </a:pPr>
-            <a:endParaRPr lang="en-US" noProof="0" dirty="0"/>
+            <a:endParaRPr lang="en-US" noProof="1"/>
           </a:p>
           <a:p>
             <a:pPr marL="285750" indent="-285750">
               <a:buFont typeface="Arial" panose="020B0604020202020204" pitchFamily="34" charset="0"/>
               <a:buChar char="•"/>
             </a:pPr>
-            <a:endParaRPr lang="en-US" noProof="0" dirty="0"/>
+            <a:endParaRPr lang="en-US" noProof="1"/>
+          </a:p>
+          <a:p>
+            <a:pPr marL="285750" indent="-285750">
+              <a:buFont typeface="Arial" panose="020B0604020202020204" pitchFamily="34" charset="0"/>
+              <a:buChar char="•"/>
+            </a:pPr>
+            <a:endParaRPr lang="en-US" noProof="1"/>
           </a:p>
         </p:txBody>
       </p:sp>
@@ -15197,13 +15498,13 @@
           <a:p>
             <a:pPr algn="ctr"/>
             <a:r>
-              <a:rPr lang="en-US" sz="4800" noProof="0" dirty="0"/>
+              <a:rPr lang="en-US" sz="4800" noProof="1"/>
               <a:t>Released product</a:t>
             </a:r>
             <a:br>
-              <a:rPr lang="en-US" sz="4800" noProof="0" dirty="0"/>
+              <a:rPr lang="en-US" sz="4800" noProof="1"/>
             </a:br>
-            <a:endParaRPr lang="en-US" sz="4800" noProof="0" dirty="0"/>
+            <a:endParaRPr lang="en-US" sz="4800" noProof="1"/>
           </a:p>
         </p:txBody>
       </p:sp>
@@ -15276,7 +15577,7 @@
               <a:buNone/>
             </a:pPr>
             <a:r>
-              <a:rPr lang="en-US" noProof="0" dirty="0"/>
+              <a:rPr lang="en-US" noProof="1"/>
               <a:t>The SRHC will be released and available in every European country.</a:t>
             </a:r>
           </a:p>
@@ -15285,7 +15586,7 @@
               <a:buNone/>
             </a:pPr>
             <a:r>
-              <a:rPr lang="en-US" noProof="0" dirty="0"/>
+              <a:rPr lang="en-US" noProof="1"/>
               <a:t>It will be sold at reasonable and affordable prices.</a:t>
             </a:r>
           </a:p>
@@ -15294,9 +15595,14 @@
               <a:buNone/>
             </a:pPr>
             <a:r>
-              <a:rPr lang="en-US" noProof="0" dirty="0"/>
-              <a:t>We expect to branch around the world in the future, if the project turns out to be a success.</a:t>
-            </a:r>
+              <a:rPr lang="en-US" noProof="1"/>
+              <a:t>We expect to branch around the world in the future</a:t>
+            </a:r>
+            <a:r>
+              <a:rPr lang="sr-Latn-RS" noProof="1"/>
+              <a:t>.</a:t>
+            </a:r>
+            <a:endParaRPr lang="en-US" noProof="1"/>
           </a:p>
         </p:txBody>
       </p:sp>
@@ -15397,13 +15703,13 @@
           <a:p>
             <a:pPr algn="ctr"/>
             <a:r>
-              <a:rPr lang="en-US" sz="4800" noProof="0" dirty="0"/>
+              <a:rPr lang="en-US" sz="4800" noProof="1"/>
               <a:t>Expected results</a:t>
             </a:r>
             <a:br>
-              <a:rPr lang="en-US" sz="4800" noProof="0" dirty="0"/>
+              <a:rPr lang="en-US" sz="4800" noProof="1"/>
             </a:br>
-            <a:endParaRPr lang="en-US" sz="4800" noProof="0" dirty="0"/>
+            <a:endParaRPr lang="en-US" sz="4800" noProof="1"/>
           </a:p>
         </p:txBody>
       </p:sp>
@@ -15473,25 +15779,25 @@
               <a:buNone/>
             </a:pPr>
             <a:r>
-              <a:rPr lang="en-US" noProof="0" dirty="0"/>
+              <a:rPr lang="en-US" noProof="1"/>
               <a:t>People using the SRHC will have more free time to:</a:t>
             </a:r>
           </a:p>
           <a:p>
             <a:r>
-              <a:rPr lang="en-US" noProof="0" dirty="0"/>
+              <a:rPr lang="en-US" noProof="1"/>
               <a:t>spend with their families, </a:t>
             </a:r>
           </a:p>
           <a:p>
             <a:r>
-              <a:rPr lang="en-US" noProof="0" dirty="0"/>
+              <a:rPr lang="en-US" noProof="1"/>
               <a:t>do what they love,</a:t>
             </a:r>
           </a:p>
           <a:p>
             <a:r>
-              <a:rPr lang="en-US" noProof="0" dirty="0"/>
+              <a:rPr lang="en-US" noProof="1"/>
               <a:t>take up a sport.</a:t>
             </a:r>
           </a:p>
@@ -15500,12 +15806,12 @@
               <a:buNone/>
             </a:pPr>
             <a:r>
-              <a:rPr lang="en-US" noProof="0" dirty="0"/>
+              <a:rPr lang="en-US" noProof="1"/>
               <a:t>This will increase overall productivity, health and happiness.</a:t>
             </a:r>
           </a:p>
           <a:p>
-            <a:endParaRPr lang="en-US" noProof="0" dirty="0"/>
+            <a:endParaRPr lang="en-US" noProof="1"/>
           </a:p>
         </p:txBody>
       </p:sp>
@@ -15611,13 +15917,13 @@
           <a:p>
             <a:pPr algn="ctr"/>
             <a:r>
-              <a:rPr lang="en-US" sz="4800" noProof="0" dirty="0"/>
+              <a:rPr lang="en-US" sz="4800" noProof="1"/>
               <a:t>SRHC</a:t>
             </a:r>
             <a:br>
-              <a:rPr lang="en-US" sz="4800" noProof="0" dirty="0"/>
+              <a:rPr lang="en-US" sz="4800" noProof="1"/>
             </a:br>
-            <a:endParaRPr lang="en-US" sz="4800" noProof="0" dirty="0"/>
+            <a:endParaRPr lang="en-US" sz="4800" noProof="1"/>
           </a:p>
         </p:txBody>
       </p:sp>
@@ -15680,18 +15986,18 @@
           <a:p>
             <a:pPr algn="ctr"/>
             <a:r>
-              <a:rPr lang="en-US" sz="2400" noProof="0" dirty="0"/>
+              <a:rPr lang="en-US" sz="2400" noProof="1"/>
               <a:t>Let’s make this decision easier for granny!</a:t>
             </a:r>
           </a:p>
           <a:p>
             <a:pPr algn="ctr"/>
-            <a:endParaRPr lang="en-US" sz="2400" noProof="0" dirty="0"/>
+            <a:endParaRPr lang="en-US" sz="2400" noProof="1"/>
           </a:p>
           <a:p>
             <a:pPr algn="ctr"/>
             <a:r>
-              <a:rPr lang="en-US" sz="2400" noProof="0" dirty="0"/>
+              <a:rPr lang="en-US" sz="2400" noProof="1"/>
               <a:t>Let’s build a robot that can do all of the chores!</a:t>
             </a:r>
           </a:p>
@@ -15800,13 +16106,13 @@
           <a:p>
             <a:pPr algn="ctr"/>
             <a:r>
-              <a:rPr lang="en-US" sz="4800" noProof="0" dirty="0"/>
+              <a:rPr lang="en-US" sz="4800" noProof="1"/>
               <a:t>Goodbyes</a:t>
             </a:r>
             <a:br>
-              <a:rPr lang="en-US" sz="4800" noProof="0" dirty="0"/>
+              <a:rPr lang="en-US" sz="4800" noProof="1"/>
             </a:br>
-            <a:endParaRPr lang="en-US" sz="4800" noProof="0" dirty="0"/>
+            <a:endParaRPr lang="en-US" sz="4800" noProof="1"/>
           </a:p>
         </p:txBody>
       </p:sp>
@@ -15837,78 +16143,50 @@
               <a:buNone/>
             </a:pPr>
             <a:r>
-              <a:rPr lang="en-US" sz="2400" noProof="0" dirty="0"/>
+              <a:rPr lang="en-US" sz="2400" noProof="1"/>
               <a:t>Contact:</a:t>
             </a:r>
           </a:p>
           <a:p>
             <a:pPr algn="ctr"/>
             <a:r>
-              <a:rPr lang="en-US" noProof="0" dirty="0"/>
-              <a:t>Nikola </a:t>
-            </a:r>
-            <a:r>
-              <a:rPr lang="en-US" noProof="0" dirty="0" err="1"/>
-              <a:t>Dimitrijević</a:t>
-            </a:r>
-            <a:r>
-              <a:rPr lang="en-US" noProof="0" dirty="0"/>
-              <a:t> – mi171054@alas.matf.bg.ac.rs</a:t>
+              <a:rPr lang="en-US" noProof="1"/>
+              <a:t>Nikola Dimitrijević – mi171054@alas.matf.bg.ac.rs</a:t>
             </a:r>
           </a:p>
           <a:p>
             <a:pPr algn="ctr"/>
             <a:r>
-              <a:rPr lang="en-US" sz="2400" noProof="0" dirty="0" err="1"/>
-              <a:t>Strahinja</a:t>
-            </a:r>
-            <a:r>
-              <a:rPr lang="en-US" sz="2400" noProof="0" dirty="0"/>
-              <a:t> </a:t>
-            </a:r>
-            <a:r>
-              <a:rPr lang="en-US" sz="2400" noProof="0" dirty="0" err="1"/>
-              <a:t>Stanojević</a:t>
-            </a:r>
-            <a:r>
-              <a:rPr lang="en-US" sz="2400" noProof="0" dirty="0"/>
-              <a:t> – mi171047@alas.matf.bg.ac.rs</a:t>
+              <a:rPr lang="en-US" sz="2400" noProof="1"/>
+              <a:t>Strahinja Stanojević – mi171047@alas.matf.bg.ac.rs</a:t>
             </a:r>
           </a:p>
           <a:p>
             <a:pPr algn="ctr"/>
             <a:r>
-              <a:rPr lang="en-US" noProof="0" dirty="0"/>
-              <a:t>Ana </a:t>
-            </a:r>
-            <a:r>
-              <a:rPr lang="en-US" noProof="0" dirty="0" err="1"/>
-              <a:t>Bajić</a:t>
-            </a:r>
-            <a:r>
-              <a:rPr lang="en-US" noProof="0" dirty="0"/>
-              <a:t> – mi171089@alas.matf.bg.ac.rs</a:t>
+              <a:rPr lang="en-US" noProof="1"/>
+              <a:t>Ana Bajić – mi171089@alas.matf.bg.ac.rs</a:t>
             </a:r>
           </a:p>
           <a:p>
             <a:pPr algn="ctr"/>
-            <a:endParaRPr lang="en-US" sz="2400" noProof="0" dirty="0"/>
+            <a:endParaRPr lang="en-US" sz="2400" noProof="1"/>
           </a:p>
           <a:p>
             <a:pPr marL="0" indent="0" algn="ctr">
               <a:buNone/>
             </a:pPr>
             <a:r>
-              <a:rPr lang="en-US" sz="2400" noProof="0" dirty="0"/>
+              <a:rPr lang="en-US" sz="2400" noProof="1"/>
               <a:t>Thank you for your attention! </a:t>
             </a:r>
             <a:r>
-              <a:rPr lang="en-US" sz="2400" noProof="0" dirty="0">
+              <a:rPr lang="en-US" sz="2400" noProof="1">
                 <a:sym typeface="Wingdings" panose="05000000000000000000" pitchFamily="2" charset="2"/>
               </a:rPr>
               <a:t></a:t>
             </a:r>
-            <a:endParaRPr lang="en-US" sz="2400" noProof="0" dirty="0"/>
+            <a:endParaRPr lang="en-US" sz="2400" noProof="1"/>
           </a:p>
         </p:txBody>
       </p:sp>
@@ -16020,13 +16298,13 @@
           <a:p>
             <a:pPr algn="ctr"/>
             <a:r>
-              <a:rPr lang="en-US" sz="4800" noProof="0" dirty="0"/>
+              <a:rPr lang="en-US" sz="4800" noProof="1"/>
               <a:t>House cleaning</a:t>
             </a:r>
             <a:br>
-              <a:rPr lang="en-US" sz="4800" noProof="0" dirty="0"/>
+              <a:rPr lang="en-US" sz="4800" noProof="1"/>
             </a:br>
-            <a:endParaRPr lang="en-US" sz="4800" noProof="0" dirty="0"/>
+            <a:endParaRPr lang="en-US" sz="4800" noProof="1"/>
           </a:p>
         </p:txBody>
       </p:sp>
@@ -16057,73 +16335,33 @@
           <a:lstStyle/>
           <a:p>
             <a:r>
-              <a:rPr lang="en-US" sz="2400" noProof="0" dirty="0"/>
-              <a:t>Cleaning the house can be extremely difficult and </a:t>
-            </a:r>
-            <a:r>
-              <a:rPr lang="en-US" sz="2400" noProof="0" dirty="0" smtClean="0"/>
-              <a:t>tiring</a:t>
-            </a:r>
-          </a:p>
-          <a:p>
-            <a:r>
-              <a:rPr lang="en-US" sz="2400" dirty="0" smtClean="0"/>
-              <a:t>This is especially the case with </a:t>
-            </a:r>
-            <a:r>
-              <a:rPr lang="en-US" sz="2400" noProof="0" dirty="0" smtClean="0"/>
-              <a:t>working </a:t>
-            </a:r>
-            <a:r>
-              <a:rPr lang="en-US" sz="2400" noProof="0" dirty="0"/>
-              <a:t>people.</a:t>
-            </a:r>
-          </a:p>
-          <a:p>
-            <a:r>
-              <a:rPr lang="en-US" sz="2400" noProof="0" dirty="0"/>
-              <a:t>These chores </a:t>
-            </a:r>
-            <a:r>
-              <a:rPr lang="en-US" sz="2400" noProof="0" dirty="0" smtClean="0"/>
-              <a:t>can also </a:t>
-            </a:r>
-            <a:r>
-              <a:rPr lang="en-US" sz="2400" noProof="0" dirty="0"/>
-              <a:t>be monotonous. </a:t>
-            </a:r>
-          </a:p>
-          <a:p>
-            <a:r>
-              <a:rPr lang="en-US" sz="2400" noProof="0" dirty="0"/>
-              <a:t>People would have </a:t>
-            </a:r>
-            <a:r>
-              <a:rPr lang="en-US" sz="2400" noProof="0" dirty="0" smtClean="0"/>
-              <a:t>more </a:t>
-            </a:r>
-            <a:r>
-              <a:rPr lang="en-US" sz="2400" noProof="0" dirty="0"/>
-              <a:t>time to spend on activities they </a:t>
-            </a:r>
-            <a:r>
-              <a:rPr lang="en-US" sz="2400" noProof="0" dirty="0" smtClean="0"/>
-              <a:t>enjoy.</a:t>
-            </a:r>
-            <a:endParaRPr lang="en-US" dirty="0"/>
-          </a:p>
-          <a:p>
-            <a:r>
-              <a:rPr lang="en-US" sz="2400" noProof="0" dirty="0" smtClean="0"/>
-              <a:t>They wouldn’t have to waste </a:t>
-            </a:r>
-            <a:r>
-              <a:rPr lang="en-US" sz="2400" noProof="0" smtClean="0"/>
-              <a:t>their precious </a:t>
-            </a:r>
-            <a:r>
-              <a:rPr lang="en-US" sz="2400" noProof="0" dirty="0" smtClean="0"/>
-              <a:t>time.</a:t>
+              <a:rPr lang="en-US" sz="2400" noProof="1"/>
+              <a:t>Cleaning the house can be extremely difficult and tiring</a:t>
+            </a:r>
+          </a:p>
+          <a:p>
+            <a:r>
+              <a:rPr lang="en-US" sz="2400" noProof="1"/>
+              <a:t>This is especially the case with working people.</a:t>
+            </a:r>
+          </a:p>
+          <a:p>
+            <a:r>
+              <a:rPr lang="en-US" sz="2400" noProof="1"/>
+              <a:t>These chores can also be monotonous. </a:t>
+            </a:r>
+          </a:p>
+          <a:p>
+            <a:r>
+              <a:rPr lang="en-US" sz="2400" noProof="1"/>
+              <a:t>People would have more time to spend on activities they enjoy.</a:t>
+            </a:r>
+            <a:endParaRPr lang="en-US" noProof="1"/>
+          </a:p>
+          <a:p>
+            <a:r>
+              <a:rPr lang="en-US" sz="2400" noProof="1"/>
+              <a:t>They wouldn’t have to waste their precious time.</a:t>
             </a:r>
           </a:p>
         </p:txBody>
@@ -16270,13 +16508,13 @@
           <a:p>
             <a:pPr algn="ctr"/>
             <a:r>
-              <a:rPr lang="en-US" sz="4800" noProof="0" dirty="0"/>
+              <a:rPr lang="en-US" sz="4800" noProof="1"/>
               <a:t>House cleaning</a:t>
             </a:r>
             <a:br>
-              <a:rPr lang="en-US" sz="4800" noProof="0" dirty="0"/>
+              <a:rPr lang="en-US" sz="4800" noProof="1"/>
             </a:br>
-            <a:endParaRPr lang="en-US" sz="4800" noProof="0" dirty="0"/>
+            <a:endParaRPr lang="en-US" sz="4800" noProof="1"/>
           </a:p>
         </p:txBody>
       </p:sp>
@@ -16309,31 +16547,25 @@
           <a:lstStyle/>
           <a:p>
             <a:r>
-              <a:rPr lang="en-US" sz="2400" noProof="0" dirty="0"/>
+              <a:rPr lang="en-US" sz="2400" noProof="1"/>
               <a:t>Some places could be out of human’s reach or they could even be dangerous.</a:t>
             </a:r>
           </a:p>
           <a:p>
-            <a:endParaRPr lang="en-US" sz="2400" noProof="0" dirty="0"/>
-          </a:p>
-          <a:p>
-            <a:endParaRPr lang="en-US" sz="2400" noProof="0" dirty="0"/>
-          </a:p>
-          <a:p>
-            <a:r>
-              <a:rPr lang="en-US" sz="2400" noProof="0" dirty="0"/>
-              <a:t>			          What a brave</a:t>
-            </a:r>
-          </a:p>
-          <a:p>
-            <a:r>
-              <a:rPr lang="en-US" sz="2400" noProof="0" dirty="0"/>
-              <a:t>				   granny! </a:t>
-            </a:r>
-          </a:p>
-          <a:p>
-            <a:r>
-              <a:rPr lang="en-US" sz="2400" noProof="0" dirty="0"/>
+            <a:endParaRPr lang="en-US" sz="2400" noProof="1"/>
+          </a:p>
+          <a:p>
+            <a:endParaRPr lang="en-US" sz="2400" noProof="1"/>
+          </a:p>
+          <a:p>
+            <a:r>
+              <a:rPr lang="en-US" sz="2400" noProof="1"/>
+              <a:t>			          What a brave granny! </a:t>
+            </a:r>
+          </a:p>
+          <a:p>
+            <a:r>
+              <a:rPr lang="en-US" sz="2400" noProof="1"/>
               <a:t>				        	</a:t>
             </a:r>
           </a:p>
@@ -16431,7 +16663,7 @@
         </p:blipFill>
         <p:spPr>
           <a:xfrm>
-            <a:off x="6679362" y="2695575"/>
+            <a:off x="7841432" y="2695575"/>
             <a:ext cx="3203863" cy="3333750"/>
           </a:xfrm>
           <a:prstGeom prst="rect">
@@ -16511,17 +16743,17 @@
           <a:p>
             <a:pPr algn="ctr"/>
             <a:r>
-              <a:rPr lang="en-US" sz="4800" noProof="0" dirty="0"/>
+              <a:rPr lang="en-US" sz="4800" noProof="1"/>
               <a:t>House cleaning</a:t>
             </a:r>
             <a:br>
-              <a:rPr lang="en-US" sz="4800" noProof="0" dirty="0"/>
+              <a:rPr lang="en-US" sz="4800" noProof="1"/>
             </a:br>
             <a:r>
-              <a:rPr lang="en-US" sz="2800" noProof="0" dirty="0"/>
+              <a:rPr lang="en-US" sz="2800" noProof="1"/>
               <a:t>existing solution</a:t>
             </a:r>
-            <a:endParaRPr lang="en-US" sz="4800" noProof="0" dirty="0"/>
+            <a:endParaRPr lang="en-US" sz="4800" noProof="1"/>
           </a:p>
         </p:txBody>
       </p:sp>
@@ -16554,8 +16786,14 @@
           <a:lstStyle/>
           <a:p>
             <a:r>
-              <a:rPr lang="en-US" sz="2400" noProof="0" dirty="0"/>
-              <a:t>The existing solution – Roomba robot – tried to do it’s job well, but it soon became the laughing stock of the internet.     	</a:t>
+              <a:rPr lang="en-US" sz="2400" noProof="1"/>
+              <a:t>The existing solution is a Roomba robot.</a:t>
+            </a:r>
+          </a:p>
+          <a:p>
+            <a:r>
+              <a:rPr lang="en-US" sz="2400" noProof="1"/>
+              <a:t>It soon became the laughing stock of the internet.     	</a:t>
             </a:r>
           </a:p>
         </p:txBody>
@@ -16630,7 +16868,7 @@
         </p:blipFill>
         <p:spPr>
           <a:xfrm>
-            <a:off x="7036904" y="2374177"/>
+            <a:off x="7390147" y="2374176"/>
             <a:ext cx="3655148" cy="3655148"/>
           </a:xfrm>
           <a:prstGeom prst="rect">
@@ -16875,21 +17113,16 @@
           <a:p>
             <a:pPr algn="ctr"/>
             <a:r>
-              <a:rPr lang="en-US" sz="4800" noProof="0" dirty="0"/>
+              <a:rPr lang="en-US" sz="4800" noProof="1"/>
               <a:t>Our solution</a:t>
             </a:r>
             <a:br>
-              <a:rPr lang="en-US" sz="4800" noProof="0" dirty="0"/>
+              <a:rPr lang="en-US" sz="4800" noProof="1"/>
             </a:br>
             <a:r>
-              <a:rPr lang="en-US" sz="4800" noProof="0" dirty="0"/>
-              <a:t>the </a:t>
-            </a:r>
-            <a:r>
-              <a:rPr lang="en-US" sz="4800" noProof="0" dirty="0" err="1"/>
-              <a:t>srhc</a:t>
-            </a:r>
-            <a:endParaRPr lang="en-US" sz="4800" noProof="0" dirty="0"/>
+              <a:rPr lang="en-US" sz="4800" noProof="1"/>
+              <a:t>the srhc</a:t>
+            </a:r>
           </a:p>
         </p:txBody>
       </p:sp>
@@ -16917,18 +17150,18 @@
         </p:spPr>
         <p:txBody>
           <a:bodyPr>
-            <a:normAutofit lnSpcReduction="10000"/>
+            <a:normAutofit/>
           </a:bodyPr>
           <a:lstStyle/>
           <a:p>
             <a:r>
-              <a:rPr lang="en-US" sz="2400" noProof="0" dirty="0"/>
+              <a:rPr lang="en-US" sz="2400" noProof="1"/>
               <a:t>We shall create a powerful cleaning tool, a versatile house helper.</a:t>
             </a:r>
           </a:p>
           <a:p>
             <a:r>
-              <a:rPr lang="en-US" sz="2400" noProof="0" dirty="0"/>
+              <a:rPr lang="en-US" sz="2400" noProof="1"/>
               <a:t>SRHC:</a:t>
             </a:r>
           </a:p>
@@ -16938,7 +17171,7 @@
               <a:buChar char="•"/>
             </a:pPr>
             <a:r>
-              <a:rPr lang="en-US" sz="2400" noProof="0" dirty="0"/>
+              <a:rPr lang="en-US" sz="2400" noProof="1"/>
               <a:t>Doesn’t miss important and hard-to-reach surfaces.</a:t>
             </a:r>
           </a:p>
@@ -16948,7 +17181,7 @@
               <a:buChar char="•"/>
             </a:pPr>
             <a:r>
-              <a:rPr lang="en-US" sz="2400" noProof="0" dirty="0"/>
+              <a:rPr lang="en-US" sz="2400" noProof="1"/>
               <a:t>Finishes it’s cleaning route without breaking or damaging anything.</a:t>
             </a:r>
           </a:p>
@@ -16958,7 +17191,7 @@
               <a:buChar char="•"/>
             </a:pPr>
             <a:r>
-              <a:rPr lang="en-US" sz="2400" noProof="0" dirty="0"/>
+              <a:rPr lang="en-US" sz="2400" noProof="1"/>
               <a:t>Returns to the charging station in time, before the battery runs out.</a:t>
             </a:r>
           </a:p>
@@ -16968,7 +17201,7 @@
               <a:buChar char="•"/>
             </a:pPr>
             <a:r>
-              <a:rPr lang="en-US" sz="2400" noProof="0" dirty="0"/>
+              <a:rPr lang="en-US" sz="2400" noProof="1"/>
               <a:t>Isn’t easily broken.</a:t>
             </a:r>
           </a:p>
@@ -17086,21 +17319,13 @@
           <a:p>
             <a:pPr algn="ctr"/>
             <a:r>
-              <a:rPr lang="en-US" sz="4800" noProof="0" dirty="0"/>
-              <a:t>The </a:t>
-            </a:r>
-            <a:r>
-              <a:rPr lang="en-US" sz="4800" noProof="0" dirty="0" err="1"/>
-              <a:t>srhc</a:t>
-            </a:r>
-            <a:r>
-              <a:rPr lang="en-US" sz="4800" noProof="0" dirty="0"/>
-              <a:t/>
+              <a:rPr lang="en-US" sz="4800" noProof="1"/>
+              <a:t>The srhc</a:t>
             </a:r>
             <a:br>
-              <a:rPr lang="en-US" sz="4800" noProof="0" dirty="0"/>
+              <a:rPr lang="en-US" sz="4800" noProof="1"/>
             </a:br>
-            <a:endParaRPr lang="en-US" sz="4800" noProof="0" dirty="0"/>
+            <a:endParaRPr lang="en-US" sz="4800" noProof="1"/>
           </a:p>
         </p:txBody>
       </p:sp>
@@ -17133,7 +17358,7 @@
           <a:lstStyle/>
           <a:p>
             <a:r>
-              <a:rPr lang="en-US" sz="2200" noProof="0" dirty="0"/>
+              <a:rPr lang="en-US" sz="2200" noProof="1"/>
               <a:t>The SRHC has many different modes:</a:t>
             </a:r>
           </a:p>
@@ -17143,8 +17368,22 @@
               <a:buChar char="•"/>
             </a:pPr>
             <a:r>
-              <a:rPr lang="en-US" sz="2200" noProof="0" dirty="0"/>
-              <a:t>Regular vacuuming - just a small robot, able to easily navigate the rooms and reach every location</a:t>
+              <a:rPr lang="en-US" sz="2200" noProof="1"/>
+              <a:t>Regular vacuuming:</a:t>
+            </a:r>
+          </a:p>
+          <a:p>
+            <a:pPr lvl="1"/>
+            <a:r>
+              <a:rPr lang="en-US" sz="2000" noProof="1"/>
+              <a:t>Able to easily navigate the rooms. </a:t>
+            </a:r>
+          </a:p>
+          <a:p>
+            <a:pPr lvl="1"/>
+            <a:r>
+              <a:rPr lang="en-US" sz="2000" noProof="1"/>
+              <a:t>It can reach every location.</a:t>
             </a:r>
           </a:p>
           <a:p>
@@ -17153,8 +17392,22 @@
               <a:buChar char="•"/>
             </a:pPr>
             <a:r>
-              <a:rPr lang="en-US" sz="2200" noProof="0" dirty="0"/>
-              <a:t>Window cleaning – SRHC possesses an extendable arm, that can reach any window.</a:t>
+              <a:rPr lang="en-US" sz="2200" noProof="1"/>
+              <a:t>Window cleaning:</a:t>
+            </a:r>
+          </a:p>
+          <a:p>
+            <a:pPr lvl="1"/>
+            <a:r>
+              <a:rPr lang="en-US" sz="2000" noProof="1"/>
+              <a:t>SRHC possesses an extendable arm.</a:t>
+            </a:r>
+          </a:p>
+          <a:p>
+            <a:pPr lvl="1"/>
+            <a:r>
+              <a:rPr lang="en-US" sz="2000" noProof="1"/>
+              <a:t>It can reach any window, no matter how high.</a:t>
             </a:r>
           </a:p>
           <a:p>
@@ -17162,7 +17415,7 @@
               <a:buFont typeface="Arial" panose="020B0604020202020204" pitchFamily="34" charset="0"/>
               <a:buChar char="•"/>
             </a:pPr>
-            <a:endParaRPr lang="en-US" sz="2400" noProof="0" dirty="0"/>
+            <a:endParaRPr lang="en-US" sz="2400" noProof="1"/>
           </a:p>
         </p:txBody>
       </p:sp>
@@ -17217,15 +17470,15 @@
           <p:nvPr/>
         </p:nvPicPr>
         <p:blipFill>
-          <a:blip r:embed="rId2"/>
+          <a:blip r:embed="rId3"/>
           <a:stretch>
             <a:fillRect/>
           </a:stretch>
         </p:blipFill>
         <p:spPr>
           <a:xfrm>
-            <a:off x="6940823" y="1066801"/>
-            <a:ext cx="3889121" cy="3876967"/>
+            <a:off x="7422585" y="1066801"/>
+            <a:ext cx="3407359" cy="3396711"/>
           </a:xfrm>
           <a:prstGeom prst="rect">
             <a:avLst/>
@@ -17247,15 +17500,15 @@
           <p:nvPr/>
         </p:nvPicPr>
         <p:blipFill>
-          <a:blip r:embed="rId3"/>
+          <a:blip r:embed="rId4"/>
           <a:stretch>
             <a:fillRect/>
           </a:stretch>
         </p:blipFill>
         <p:spPr>
           <a:xfrm>
-            <a:off x="1173610" y="3781427"/>
-            <a:ext cx="2869096" cy="2869096"/>
+            <a:off x="677992" y="4244351"/>
+            <a:ext cx="2406171" cy="2406171"/>
           </a:xfrm>
           <a:prstGeom prst="rect">
             <a:avLst/>
@@ -17276,8 +17529,8 @@
         </p:nvSpPr>
         <p:spPr>
           <a:xfrm>
-            <a:off x="4241489" y="5103076"/>
-            <a:ext cx="6095207" cy="1384995"/>
+            <a:off x="3550761" y="4658593"/>
+            <a:ext cx="6095207" cy="1723549"/>
           </a:xfrm>
           <a:prstGeom prst="rect">
             <a:avLst/>
@@ -17296,7 +17549,56 @@
             </a:pPr>
             <a:r>
               <a:rPr lang="en-US" sz="2200" dirty="0"/>
-              <a:t>Dusting – SRHC has an extension for dusting as well, attached to an extendable arm so it can reach tables and tall cupboards.</a:t>
+              <a:t>Dusting</a:t>
+            </a:r>
+            <a:r>
+              <a:rPr lang="sr-Latn-RS" sz="2200" dirty="0"/>
+              <a:t>:</a:t>
+            </a:r>
+          </a:p>
+          <a:p>
+            <a:pPr lvl="1"/>
+            <a:r>
+              <a:rPr lang="en-US" sz="2200" dirty="0"/>
+              <a:t>SRHC has an extension for dusting as </a:t>
+            </a:r>
+            <a:r>
+              <a:rPr lang="en-US" sz="2200" dirty="0" err="1"/>
+              <a:t>wel</a:t>
+            </a:r>
+            <a:r>
+              <a:rPr lang="sr-Latn-RS" sz="2200" dirty="0"/>
+              <a:t>l.</a:t>
+            </a:r>
+          </a:p>
+          <a:p>
+            <a:pPr lvl="1"/>
+            <a:r>
+              <a:rPr lang="sr-Latn-RS" sz="2200" dirty="0" err="1"/>
+              <a:t>It</a:t>
+            </a:r>
+            <a:r>
+              <a:rPr lang="sr-Latn-RS" sz="2200" dirty="0"/>
+              <a:t> is </a:t>
+            </a:r>
+            <a:r>
+              <a:rPr lang="en-US" sz="2200" dirty="0"/>
+              <a:t>attached to an extendable arm</a:t>
+            </a:r>
+            <a:r>
+              <a:rPr lang="sr-Latn-RS" sz="2200" dirty="0"/>
+              <a:t>.</a:t>
+            </a:r>
+          </a:p>
+          <a:p>
+            <a:pPr lvl="1"/>
+            <a:r>
+              <a:rPr lang="sr-Latn-RS" sz="2200" dirty="0"/>
+              <a:t>I</a:t>
+            </a:r>
+            <a:r>
+              <a:rPr lang="en-US" sz="2200" dirty="0"/>
+              <a:t>t can reach tables and tall cupboards.</a:t>
             </a:r>
           </a:p>
           <a:p>
@@ -17376,22 +17678,14 @@
           <a:p>
             <a:pPr algn="ctr"/>
             <a:r>
-              <a:rPr lang="en-US" sz="4800" noProof="0" dirty="0"/>
-              <a:t>The </a:t>
-            </a:r>
-            <a:r>
-              <a:rPr lang="en-US" sz="4800" noProof="0" dirty="0" err="1"/>
-              <a:t>srhc</a:t>
-            </a:r>
-            <a:r>
-              <a:rPr lang="en-US" sz="4800" noProof="0" dirty="0"/>
-              <a:t/>
+              <a:rPr lang="en-US" sz="4800" noProof="1"/>
+              <a:t>The srhc</a:t>
             </a:r>
             <a:br>
-              <a:rPr lang="en-US" sz="4800" noProof="0" dirty="0"/>
+              <a:rPr lang="en-US" sz="4800" noProof="1"/>
             </a:br>
             <a:r>
-              <a:rPr lang="en-US" sz="4800" noProof="0" dirty="0"/>
+              <a:rPr lang="en-US" sz="4800" noProof="1"/>
               <a:t>Application controller</a:t>
             </a:r>
           </a:p>
@@ -17415,25 +17709,31 @@
         </p:nvSpPr>
         <p:spPr>
           <a:xfrm>
-            <a:off x="1146705" y="1969566"/>
-            <a:ext cx="5163982" cy="3000000"/>
+            <a:off x="1022888" y="1969566"/>
+            <a:ext cx="6632351" cy="3000000"/>
           </a:xfrm>
         </p:spPr>
         <p:txBody>
           <a:bodyPr>
-            <a:normAutofit fontScale="92500"/>
+            <a:normAutofit/>
           </a:bodyPr>
           <a:lstStyle/>
           <a:p>
             <a:r>
-              <a:rPr lang="en-US" sz="2400" noProof="0" dirty="0"/>
-              <a:t>The SRHC is capable of doing everything on its own – it can scan, clean, charge.. </a:t>
-            </a:r>
-          </a:p>
-          <a:p>
-            <a:r>
-              <a:rPr lang="en-US" sz="2400" noProof="0" dirty="0"/>
-              <a:t>Using the app, you can change which rooms it will clean, or a specific mode to be used that day.</a:t>
+              <a:rPr lang="en-US" sz="2400" noProof="1"/>
+              <a:t>The SRHC is capable of doing everything on its own. It can scan, clean, charge.. </a:t>
+            </a:r>
+          </a:p>
+          <a:p>
+            <a:r>
+              <a:rPr lang="en-US" sz="2400" noProof="1"/>
+              <a:t>You can change which rooms it will clean.</a:t>
+            </a:r>
+          </a:p>
+          <a:p>
+            <a:r>
+              <a:rPr lang="en-US" sz="2400" noProof="1"/>
+              <a:t>You can also choose a specific mode to be used</a:t>
             </a:r>
           </a:p>
         </p:txBody>
@@ -17489,15 +17789,15 @@
           <p:nvPr/>
         </p:nvPicPr>
         <p:blipFill>
-          <a:blip r:embed="rId2"/>
+          <a:blip r:embed="rId3"/>
           <a:stretch>
             <a:fillRect/>
           </a:stretch>
         </p:blipFill>
         <p:spPr>
           <a:xfrm>
-            <a:off x="6310686" y="1969565"/>
-            <a:ext cx="4736723" cy="2486326"/>
+            <a:off x="7655240" y="1790737"/>
+            <a:ext cx="4089592" cy="2146644"/>
           </a:xfrm>
           <a:prstGeom prst="rect">
             <a:avLst/>
@@ -17518,7 +17818,7 @@
         </p:nvSpPr>
         <p:spPr>
           <a:xfrm>
-            <a:off x="1146704" y="4825649"/>
+            <a:off x="1146703" y="4363565"/>
             <a:ext cx="9900705" cy="1569660"/>
           </a:xfrm>
           <a:prstGeom prst="rect">
@@ -17632,13 +17932,13 @@
           <a:p>
             <a:pPr algn="ctr"/>
             <a:r>
-              <a:rPr lang="en-US" sz="4800" noProof="0" dirty="0"/>
+              <a:rPr lang="en-US" sz="4800" noProof="1"/>
               <a:t>Participants</a:t>
             </a:r>
             <a:br>
-              <a:rPr lang="en-US" sz="4800" noProof="0" dirty="0"/>
+              <a:rPr lang="en-US" sz="4800" noProof="1"/>
             </a:br>
-            <a:endParaRPr lang="en-US" sz="4800" noProof="0" dirty="0"/>
+            <a:endParaRPr lang="en-US" sz="4800" noProof="1"/>
           </a:p>
         </p:txBody>
       </p:sp>
